--- a/Midterm/Data structure and Algorithm.pptx
+++ b/Midterm/Data structure and Algorithm.pptx
@@ -5,10 +5,10 @@
     <p:sldMasterId id="2147483673" r:id="rId1"/>
   </p:sldMasterIdLst>
   <p:notesMasterIdLst>
-    <p:notesMasterId r:id="rId63"/>
+    <p:notesMasterId r:id="rId74"/>
   </p:notesMasterIdLst>
   <p:handoutMasterIdLst>
-    <p:handoutMasterId r:id="rId64"/>
+    <p:handoutMasterId r:id="rId75"/>
   </p:handoutMasterIdLst>
   <p:sldIdLst>
     <p:sldId id="257" r:id="rId2"/>
@@ -70,8 +70,19 @@
     <p:sldId id="301" r:id="rId58"/>
     <p:sldId id="319" r:id="rId59"/>
     <p:sldId id="302" r:id="rId60"/>
-    <p:sldId id="320" r:id="rId61"/>
-    <p:sldId id="321" r:id="rId62"/>
+    <p:sldId id="336" r:id="rId61"/>
+    <p:sldId id="326" r:id="rId62"/>
+    <p:sldId id="327" r:id="rId63"/>
+    <p:sldId id="330" r:id="rId64"/>
+    <p:sldId id="328" r:id="rId65"/>
+    <p:sldId id="331" r:id="rId66"/>
+    <p:sldId id="329" r:id="rId67"/>
+    <p:sldId id="334" r:id="rId68"/>
+    <p:sldId id="335" r:id="rId69"/>
+    <p:sldId id="333" r:id="rId70"/>
+    <p:sldId id="332" r:id="rId71"/>
+    <p:sldId id="320" r:id="rId72"/>
+    <p:sldId id="321" r:id="rId73"/>
   </p:sldIdLst>
   <p:sldSz cx="12192000" cy="6858000"/>
   <p:notesSz cx="6858000" cy="9144000"/>
@@ -265,7 +276,7 @@
             <a:pPr rtl="0"/>
             <a:fld id="{382D4E4E-7514-4D5C-A2C2-17F87E598824}" type="datetime1">
               <a:rPr lang="th-TH" smtClean="0"/>
-              <a:t>16/09/63</a:t>
+              <a:t>18/09/63</a:t>
             </a:fld>
             <a:endParaRPr lang="en-US" dirty="0"/>
           </a:p>
@@ -435,7 +446,7 @@
             <a:pPr rtl="0"/>
             <a:fld id="{D7C7F2B7-7A05-4833-884D-BBAA3BA38469}" type="datetime1">
               <a:rPr lang="th-TH" smtClean="0"/>
-              <a:t>16/09/63</a:t>
+              <a:t>18/09/63</a:t>
             </a:fld>
             <a:endParaRPr lang="en-US"/>
           </a:p>
@@ -1180,7 +1191,7 @@
           <a:p>
             <a:fld id="{7773D18F-796E-48FA-B446-43BFEFAD4305}" type="datetime1">
               <a:rPr lang="th-TH" smtClean="0"/>
-              <a:t>16/09/63</a:t>
+              <a:t>18/09/63</a:t>
             </a:fld>
             <a:endParaRPr lang="en-US" dirty="0"/>
           </a:p>
@@ -1386,7 +1397,7 @@
             <a:pPr rtl="0"/>
             <a:fld id="{04D87D18-576D-4E93-B8E7-8162B6983D48}" type="datetime1">
               <a:rPr lang="th-TH" smtClean="0"/>
-              <a:t>16/09/63</a:t>
+              <a:t>18/09/63</a:t>
             </a:fld>
             <a:endParaRPr lang="en-US"/>
           </a:p>
@@ -1570,7 +1581,7 @@
             <a:pPr rtl="0"/>
             <a:fld id="{A454CDB9-2F41-46CC-BBF5-FE71E7F1B857}" type="datetime1">
               <a:rPr lang="th-TH" smtClean="0"/>
-              <a:t>16/09/63</a:t>
+              <a:t>18/09/63</a:t>
             </a:fld>
             <a:endParaRPr lang="en-US"/>
           </a:p>
@@ -1744,7 +1755,7 @@
             <a:pPr rtl="0"/>
             <a:fld id="{38C53E2A-59EE-41B3-A1AB-9575F6EA1695}" type="datetime1">
               <a:rPr lang="th-TH" smtClean="0"/>
-              <a:t>16/09/63</a:t>
+              <a:t>18/09/63</a:t>
             </a:fld>
             <a:endParaRPr lang="en-US"/>
           </a:p>
@@ -2346,7 +2357,7 @@
           <a:p>
             <a:fld id="{CC8C1F7F-7918-4156-86A5-91C01FD8A003}" type="datetime1">
               <a:rPr lang="th-TH" smtClean="0"/>
-              <a:t>16/09/63</a:t>
+              <a:t>18/09/63</a:t>
             </a:fld>
             <a:endParaRPr dirty="0"/>
           </a:p>
@@ -2670,7 +2681,7 @@
             <a:pPr rtl="0"/>
             <a:fld id="{F4A06903-2C88-48CC-967B-6575E5EC2B6B}" type="datetime1">
               <a:rPr lang="th-TH" smtClean="0"/>
-              <a:t>16/09/63</a:t>
+              <a:t>18/09/63</a:t>
             </a:fld>
             <a:endParaRPr lang="en-US"/>
           </a:p>
@@ -3111,7 +3122,7 @@
             <a:pPr rtl="0"/>
             <a:fld id="{C169F473-6FBD-4535-9C6F-A09A729568F9}" type="datetime1">
               <a:rPr lang="th-TH" smtClean="0"/>
-              <a:t>16/09/63</a:t>
+              <a:t>18/09/63</a:t>
             </a:fld>
             <a:endParaRPr lang="en-US"/>
           </a:p>
@@ -3233,7 +3244,7 @@
             <a:pPr rtl="0"/>
             <a:fld id="{79AC1B91-0D40-46F1-A44C-D56FF21574FA}" type="datetime1">
               <a:rPr lang="th-TH" smtClean="0"/>
-              <a:t>16/09/63</a:t>
+              <a:t>18/09/63</a:t>
             </a:fld>
             <a:endParaRPr lang="en-US"/>
           </a:p>
@@ -3331,7 +3342,7 @@
             <a:pPr rtl="0"/>
             <a:fld id="{55C19084-1496-4B60-ADB6-24714CE58D61}" type="datetime1">
               <a:rPr lang="th-TH" smtClean="0"/>
-              <a:t>16/09/63</a:t>
+              <a:t>18/09/63</a:t>
             </a:fld>
             <a:endParaRPr lang="en-US"/>
           </a:p>
@@ -3752,7 +3763,7 @@
             <a:pPr rtl="0"/>
             <a:fld id="{99BF98D4-23C4-49B5-A803-FA1FE4037EB8}" type="datetime1">
               <a:rPr lang="th-TH" smtClean="0"/>
-              <a:t>16/09/63</a:t>
+              <a:t>18/09/63</a:t>
             </a:fld>
             <a:endParaRPr lang="en-US" dirty="0"/>
           </a:p>
@@ -4018,7 +4029,7 @@
           <a:p>
             <a:fld id="{B51C7B21-C337-4C0B-9272-6172826953E9}" type="datetime1">
               <a:rPr lang="th-TH" smtClean="0"/>
-              <a:t>16/09/63</a:t>
+              <a:t>18/09/63</a:t>
             </a:fld>
             <a:endParaRPr lang="en-US" dirty="0"/>
           </a:p>
@@ -4539,7 +4550,7 @@
           <a:p>
             <a:fld id="{D56D1C91-6BBA-4E38-BA86-CC2123DBE0CF}" type="datetime1">
               <a:rPr lang="th-TH" smtClean="0"/>
-              <a:t>16/09/63</a:t>
+              <a:t>18/09/63</a:t>
             </a:fld>
             <a:endParaRPr lang="en-US" dirty="0"/>
           </a:p>
@@ -5367,7 +5378,7 @@
           <a:p>
             <a:fld id="{CC8C1F7F-7918-4156-86A5-91C01FD8A003}" type="datetime1">
               <a:rPr lang="th-TH" smtClean="0"/>
-              <a:t>16/09/63</a:t>
+              <a:t>18/09/63</a:t>
             </a:fld>
             <a:endParaRPr lang="th-TH" dirty="0"/>
           </a:p>
@@ -5456,7 +5467,7 @@
             <a:pPr rtl="0"/>
             <a:fld id="{38C53E2A-59EE-41B3-A1AB-9575F6EA1695}" type="datetime1">
               <a:rPr lang="th-TH" smtClean="0"/>
-              <a:t>16/09/63</a:t>
+              <a:t>18/09/63</a:t>
             </a:fld>
             <a:endParaRPr lang="en-US"/>
           </a:p>
@@ -5980,7 +5991,7 @@
             <a:pPr rtl="0"/>
             <a:fld id="{38C53E2A-59EE-41B3-A1AB-9575F6EA1695}" type="datetime1">
               <a:rPr lang="th-TH" smtClean="0"/>
-              <a:t>16/09/63</a:t>
+              <a:t>18/09/63</a:t>
             </a:fld>
             <a:endParaRPr lang="en-US"/>
           </a:p>
@@ -6220,7 +6231,7 @@
             <a:pPr rtl="0"/>
             <a:fld id="{38C53E2A-59EE-41B3-A1AB-9575F6EA1695}" type="datetime1">
               <a:rPr lang="th-TH" smtClean="0"/>
-              <a:t>16/09/63</a:t>
+              <a:t>18/09/63</a:t>
             </a:fld>
             <a:endParaRPr lang="en-US"/>
           </a:p>
@@ -6431,7 +6442,7 @@
           <a:p>
             <a:fld id="{CC8C1F7F-7918-4156-86A5-91C01FD8A003}" type="datetime1">
               <a:rPr lang="th-TH" smtClean="0"/>
-              <a:t>16/09/63</a:t>
+              <a:t>18/09/63</a:t>
             </a:fld>
             <a:endParaRPr lang="th-TH" dirty="0"/>
           </a:p>
@@ -6687,7 +6698,7 @@
             <a:pPr rtl="0"/>
             <a:fld id="{38C53E2A-59EE-41B3-A1AB-9575F6EA1695}" type="datetime1">
               <a:rPr lang="th-TH" smtClean="0"/>
-              <a:t>16/09/63</a:t>
+              <a:t>18/09/63</a:t>
             </a:fld>
             <a:endParaRPr lang="en-US"/>
           </a:p>
@@ -6812,7 +6823,7 @@
             <a:pPr rtl="0"/>
             <a:fld id="{38C53E2A-59EE-41B3-A1AB-9575F6EA1695}" type="datetime1">
               <a:rPr lang="th-TH" smtClean="0"/>
-              <a:t>16/09/63</a:t>
+              <a:t>18/09/63</a:t>
             </a:fld>
             <a:endParaRPr lang="en-US" dirty="0"/>
           </a:p>
@@ -6969,7 +6980,7 @@
           <a:p>
             <a:fld id="{CC8C1F7F-7918-4156-86A5-91C01FD8A003}" type="datetime1">
               <a:rPr lang="th-TH" smtClean="0"/>
-              <a:t>16/09/63</a:t>
+              <a:t>18/09/63</a:t>
             </a:fld>
             <a:endParaRPr lang="th-TH" dirty="0"/>
           </a:p>
@@ -7190,7 +7201,7 @@
             <a:pPr rtl="0"/>
             <a:fld id="{38C53E2A-59EE-41B3-A1AB-9575F6EA1695}" type="datetime1">
               <a:rPr lang="th-TH" smtClean="0"/>
-              <a:t>16/09/63</a:t>
+              <a:t>18/09/63</a:t>
             </a:fld>
             <a:endParaRPr lang="en-US"/>
           </a:p>
@@ -7315,7 +7326,7 @@
             <a:pPr rtl="0"/>
             <a:fld id="{38C53E2A-59EE-41B3-A1AB-9575F6EA1695}" type="datetime1">
               <a:rPr lang="th-TH" smtClean="0"/>
-              <a:t>16/09/63</a:t>
+              <a:t>18/09/63</a:t>
             </a:fld>
             <a:endParaRPr lang="en-US" dirty="0"/>
           </a:p>
@@ -7438,7 +7449,7 @@
             <a:pPr rtl="0"/>
             <a:fld id="{79AC1B91-0D40-46F1-A44C-D56FF21574FA}" type="datetime1">
               <a:rPr lang="th-TH" smtClean="0"/>
-              <a:t>16/09/63</a:t>
+              <a:t>18/09/63</a:t>
             </a:fld>
             <a:endParaRPr lang="en-US"/>
           </a:p>
@@ -7459,7 +7470,7 @@
         <p:spPr>
           <a:xfrm>
             <a:off x="1066800" y="1874113"/>
-            <a:ext cx="10058400" cy="2554545"/>
+            <a:ext cx="10058400" cy="3046988"/>
           </a:xfrm>
           <a:prstGeom prst="rect">
             <a:avLst/>
@@ -7499,6 +7510,12 @@
             <a:r>
               <a:rPr lang="en-US" sz="3200" dirty="0"/>
               <a:t>- Linked List</a:t>
+            </a:r>
+          </a:p>
+          <a:p>
+            <a:r>
+              <a:rPr lang="en-US" sz="3200" dirty="0"/>
+              <a:t>- Recursion: Code Example</a:t>
             </a:r>
           </a:p>
         </p:txBody>
@@ -7622,7 +7639,7 @@
           <a:p>
             <a:fld id="{CC8C1F7F-7918-4156-86A5-91C01FD8A003}" type="datetime1">
               <a:rPr lang="th-TH" smtClean="0"/>
-              <a:t>16/09/63</a:t>
+              <a:t>18/09/63</a:t>
             </a:fld>
             <a:endParaRPr lang="th-TH" dirty="0"/>
           </a:p>
@@ -7903,7 +7920,7 @@
             <a:pPr rtl="0"/>
             <a:fld id="{38C53E2A-59EE-41B3-A1AB-9575F6EA1695}" type="datetime1">
               <a:rPr lang="th-TH" smtClean="0"/>
-              <a:t>16/09/63</a:t>
+              <a:t>18/09/63</a:t>
             </a:fld>
             <a:endParaRPr lang="en-US"/>
           </a:p>
@@ -8093,7 +8110,7 @@
             <a:pPr rtl="0"/>
             <a:fld id="{38C53E2A-59EE-41B3-A1AB-9575F6EA1695}" type="datetime1">
               <a:rPr lang="th-TH" smtClean="0"/>
-              <a:t>16/09/63</a:t>
+              <a:t>18/09/63</a:t>
             </a:fld>
             <a:endParaRPr lang="en-US"/>
           </a:p>
@@ -8423,7 +8440,7 @@
             <a:pPr rtl="0"/>
             <a:fld id="{38C53E2A-59EE-41B3-A1AB-9575F6EA1695}" type="datetime1">
               <a:rPr lang="th-TH" smtClean="0"/>
-              <a:t>16/09/63</a:t>
+              <a:t>18/09/63</a:t>
             </a:fld>
             <a:endParaRPr lang="en-US"/>
           </a:p>
@@ -8547,7 +8564,7 @@
             <a:pPr rtl="0"/>
             <a:fld id="{38C53E2A-59EE-41B3-A1AB-9575F6EA1695}" type="datetime1">
               <a:rPr lang="th-TH" smtClean="0"/>
-              <a:t>16/09/63</a:t>
+              <a:t>18/09/63</a:t>
             </a:fld>
             <a:endParaRPr lang="en-US"/>
           </a:p>
@@ -8668,7 +8685,7 @@
             <a:pPr rtl="0"/>
             <a:fld id="{38C53E2A-59EE-41B3-A1AB-9575F6EA1695}" type="datetime1">
               <a:rPr lang="th-TH" smtClean="0"/>
-              <a:t>16/09/63</a:t>
+              <a:t>18/09/63</a:t>
             </a:fld>
             <a:endParaRPr lang="en-US"/>
           </a:p>
@@ -8788,7 +8805,7 @@
             <a:pPr rtl="0"/>
             <a:fld id="{38C53E2A-59EE-41B3-A1AB-9575F6EA1695}" type="datetime1">
               <a:rPr lang="th-TH" smtClean="0"/>
-              <a:t>16/09/63</a:t>
+              <a:t>18/09/63</a:t>
             </a:fld>
             <a:endParaRPr lang="en-US"/>
           </a:p>
@@ -8910,7 +8927,7 @@
             <a:pPr rtl="0"/>
             <a:fld id="{38C53E2A-59EE-41B3-A1AB-9575F6EA1695}" type="datetime1">
               <a:rPr lang="th-TH" smtClean="0"/>
-              <a:t>16/09/63</a:t>
+              <a:t>18/09/63</a:t>
             </a:fld>
             <a:endParaRPr lang="en-US"/>
           </a:p>
@@ -9067,7 +9084,7 @@
             <a:pPr rtl="0"/>
             <a:fld id="{38C53E2A-59EE-41B3-A1AB-9575F6EA1695}" type="datetime1">
               <a:rPr lang="th-TH" smtClean="0"/>
-              <a:t>16/09/63</a:t>
+              <a:t>18/09/63</a:t>
             </a:fld>
             <a:endParaRPr lang="en-US"/>
           </a:p>
@@ -9160,7 +9177,7 @@
             <a:pPr rtl="0"/>
             <a:fld id="{38C53E2A-59EE-41B3-A1AB-9575F6EA1695}" type="datetime1">
               <a:rPr lang="th-TH" smtClean="0"/>
-              <a:t>16/09/63</a:t>
+              <a:t>18/09/63</a:t>
             </a:fld>
             <a:endParaRPr lang="en-US"/>
           </a:p>
@@ -9681,7 +9698,7 @@
           <a:p>
             <a:fld id="{CC8C1F7F-7918-4156-86A5-91C01FD8A003}" type="datetime1">
               <a:rPr lang="th-TH" smtClean="0"/>
-              <a:t>16/09/63</a:t>
+              <a:t>18/09/63</a:t>
             </a:fld>
             <a:endParaRPr lang="th-TH" dirty="0"/>
           </a:p>
@@ -9774,7 +9791,7 @@
             <a:pPr rtl="0"/>
             <a:fld id="{38C53E2A-59EE-41B3-A1AB-9575F6EA1695}" type="datetime1">
               <a:rPr lang="th-TH" smtClean="0"/>
-              <a:t>16/09/63</a:t>
+              <a:t>18/09/63</a:t>
             </a:fld>
             <a:endParaRPr lang="en-US"/>
           </a:p>
@@ -10868,7 +10885,7 @@
             <a:pPr rtl="0"/>
             <a:fld id="{38C53E2A-59EE-41B3-A1AB-9575F6EA1695}" type="datetime1">
               <a:rPr lang="th-TH" smtClean="0"/>
-              <a:t>16/09/63</a:t>
+              <a:t>18/09/63</a:t>
             </a:fld>
             <a:endParaRPr lang="en-US"/>
           </a:p>
@@ -12144,7 +12161,7 @@
             <a:pPr rtl="0"/>
             <a:fld id="{38C53E2A-59EE-41B3-A1AB-9575F6EA1695}" type="datetime1">
               <a:rPr lang="th-TH" smtClean="0"/>
-              <a:t>16/09/63</a:t>
+              <a:t>18/09/63</a:t>
             </a:fld>
             <a:endParaRPr lang="en-US"/>
           </a:p>
@@ -13373,7 +13390,7 @@
             <a:pPr rtl="0"/>
             <a:fld id="{38C53E2A-59EE-41B3-A1AB-9575F6EA1695}" type="datetime1">
               <a:rPr lang="th-TH" smtClean="0"/>
-              <a:t>16/09/63</a:t>
+              <a:t>18/09/63</a:t>
             </a:fld>
             <a:endParaRPr lang="en-US"/>
           </a:p>
@@ -13498,7 +13515,7 @@
             <a:pPr rtl="0"/>
             <a:fld id="{38C53E2A-59EE-41B3-A1AB-9575F6EA1695}" type="datetime1">
               <a:rPr lang="th-TH" smtClean="0"/>
-              <a:t>16/09/63</a:t>
+              <a:t>18/09/63</a:t>
             </a:fld>
             <a:endParaRPr lang="en-US"/>
           </a:p>
@@ -14055,7 +14072,7 @@
             <a:pPr rtl="0"/>
             <a:fld id="{38C53E2A-59EE-41B3-A1AB-9575F6EA1695}" type="datetime1">
               <a:rPr lang="th-TH" smtClean="0"/>
-              <a:t>16/09/63</a:t>
+              <a:t>18/09/63</a:t>
             </a:fld>
             <a:endParaRPr lang="en-US"/>
           </a:p>
@@ -15149,7 +15166,7 @@
             <a:pPr rtl="0"/>
             <a:fld id="{38C53E2A-59EE-41B3-A1AB-9575F6EA1695}" type="datetime1">
               <a:rPr lang="th-TH" smtClean="0"/>
-              <a:t>16/09/63</a:t>
+              <a:t>18/09/63</a:t>
             </a:fld>
             <a:endParaRPr lang="en-US"/>
           </a:p>
@@ -16418,7 +16435,7 @@
             <a:pPr rtl="0"/>
             <a:fld id="{38C53E2A-59EE-41B3-A1AB-9575F6EA1695}" type="datetime1">
               <a:rPr lang="th-TH" smtClean="0"/>
-              <a:t>16/09/63</a:t>
+              <a:t>18/09/63</a:t>
             </a:fld>
             <a:endParaRPr lang="en-US"/>
           </a:p>
@@ -17649,7 +17666,7 @@
             <a:pPr rtl="0"/>
             <a:fld id="{38C53E2A-59EE-41B3-A1AB-9575F6EA1695}" type="datetime1">
               <a:rPr lang="th-TH" smtClean="0"/>
-              <a:t>16/09/63</a:t>
+              <a:t>18/09/63</a:t>
             </a:fld>
             <a:endParaRPr lang="en-US"/>
           </a:p>
@@ -17774,7 +17791,7 @@
             <a:pPr rtl="0"/>
             <a:fld id="{38C53E2A-59EE-41B3-A1AB-9575F6EA1695}" type="datetime1">
               <a:rPr lang="th-TH" smtClean="0"/>
-              <a:t>16/09/63</a:t>
+              <a:t>18/09/63</a:t>
             </a:fld>
             <a:endParaRPr lang="en-US"/>
           </a:p>
@@ -18731,7 +18748,7 @@
           <a:p>
             <a:fld id="{7773D18F-796E-48FA-B446-43BFEFAD4305}" type="datetime1">
               <a:rPr lang="th-TH" smtClean="0"/>
-              <a:t>16/09/63</a:t>
+              <a:t>18/09/63</a:t>
             </a:fld>
             <a:endParaRPr lang="en-US" dirty="0"/>
           </a:p>
@@ -18791,7 +18808,7 @@
             <a:pPr rtl="0"/>
             <a:fld id="{38C53E2A-59EE-41B3-A1AB-9575F6EA1695}" type="datetime1">
               <a:rPr lang="th-TH" smtClean="0"/>
-              <a:t>16/09/63</a:t>
+              <a:t>18/09/63</a:t>
             </a:fld>
             <a:endParaRPr lang="en-US"/>
           </a:p>
@@ -19685,7 +19702,7 @@
             <a:pPr rtl="0"/>
             <a:fld id="{38C53E2A-59EE-41B3-A1AB-9575F6EA1695}" type="datetime1">
               <a:rPr lang="th-TH" smtClean="0"/>
-              <a:t>16/09/63</a:t>
+              <a:t>18/09/63</a:t>
             </a:fld>
             <a:endParaRPr lang="en-US"/>
           </a:p>
@@ -20401,7 +20418,7 @@
             <a:pPr rtl="0"/>
             <a:fld id="{38C53E2A-59EE-41B3-A1AB-9575F6EA1695}" type="datetime1">
               <a:rPr lang="th-TH" smtClean="0"/>
-              <a:t>16/09/63</a:t>
+              <a:t>18/09/63</a:t>
             </a:fld>
             <a:endParaRPr lang="en-US"/>
           </a:p>
@@ -20867,7 +20884,7 @@
             <a:pPr rtl="0"/>
             <a:fld id="{38C53E2A-59EE-41B3-A1AB-9575F6EA1695}" type="datetime1">
               <a:rPr lang="th-TH" smtClean="0"/>
-              <a:t>16/09/63</a:t>
+              <a:t>18/09/63</a:t>
             </a:fld>
             <a:endParaRPr lang="en-US"/>
           </a:p>
@@ -21185,7 +21202,7 @@
             <a:pPr rtl="0"/>
             <a:fld id="{38C53E2A-59EE-41B3-A1AB-9575F6EA1695}" type="datetime1">
               <a:rPr lang="th-TH" smtClean="0"/>
-              <a:t>16/09/63</a:t>
+              <a:t>18/09/63</a:t>
             </a:fld>
             <a:endParaRPr lang="en-US"/>
           </a:p>
@@ -21310,7 +21327,7 @@
             <a:pPr rtl="0"/>
             <a:fld id="{38C53E2A-59EE-41B3-A1AB-9575F6EA1695}" type="datetime1">
               <a:rPr lang="th-TH" smtClean="0"/>
-              <a:t>16/09/63</a:t>
+              <a:t>18/09/63</a:t>
             </a:fld>
             <a:endParaRPr lang="en-US"/>
           </a:p>
@@ -22239,7 +22256,7 @@
             <a:pPr rtl="0"/>
             <a:fld id="{38C53E2A-59EE-41B3-A1AB-9575F6EA1695}" type="datetime1">
               <a:rPr lang="th-TH" smtClean="0"/>
-              <a:t>16/09/63</a:t>
+              <a:t>18/09/63</a:t>
             </a:fld>
             <a:endParaRPr lang="en-US"/>
           </a:p>
@@ -23131,7 +23148,7 @@
             <a:pPr rtl="0"/>
             <a:fld id="{38C53E2A-59EE-41B3-A1AB-9575F6EA1695}" type="datetime1">
               <a:rPr lang="th-TH" smtClean="0"/>
-              <a:t>16/09/63</a:t>
+              <a:t>18/09/63</a:t>
             </a:fld>
             <a:endParaRPr lang="en-US"/>
           </a:p>
@@ -23843,7 +23860,7 @@
             <a:pPr rtl="0"/>
             <a:fld id="{38C53E2A-59EE-41B3-A1AB-9575F6EA1695}" type="datetime1">
               <a:rPr lang="th-TH" smtClean="0"/>
-              <a:t>16/09/63</a:t>
+              <a:t>18/09/63</a:t>
             </a:fld>
             <a:endParaRPr lang="en-US"/>
           </a:p>
@@ -24309,7 +24326,7 @@
             <a:pPr rtl="0"/>
             <a:fld id="{38C53E2A-59EE-41B3-A1AB-9575F6EA1695}" type="datetime1">
               <a:rPr lang="th-TH" smtClean="0"/>
-              <a:t>16/09/63</a:t>
+              <a:t>18/09/63</a:t>
             </a:fld>
             <a:endParaRPr lang="en-US"/>
           </a:p>
@@ -24721,7 +24738,7 @@
             <a:pPr rtl="0"/>
             <a:fld id="{38C53E2A-59EE-41B3-A1AB-9575F6EA1695}" type="datetime1">
               <a:rPr lang="th-TH" smtClean="0"/>
-              <a:t>16/09/63</a:t>
+              <a:t>18/09/63</a:t>
             </a:fld>
             <a:endParaRPr lang="en-US"/>
           </a:p>
@@ -24814,7 +24831,7 @@
             <a:pPr rtl="0"/>
             <a:fld id="{38C53E2A-59EE-41B3-A1AB-9575F6EA1695}" type="datetime1">
               <a:rPr lang="th-TH" smtClean="0"/>
-              <a:t>16/09/63</a:t>
+              <a:t>18/09/63</a:t>
             </a:fld>
             <a:endParaRPr lang="en-US"/>
           </a:p>
@@ -25072,7 +25089,7 @@
                   <a:spcPts val="600"/>
                 </a:spcAft>
               </a:pPr>
-              <a:t>16/09/63</a:t>
+              <a:t>18/09/63</a:t>
             </a:fld>
             <a:endParaRPr lang="en-US"/>
           </a:p>
@@ -25368,7 +25385,7 @@
                   <a:spcPts val="600"/>
                 </a:spcAft>
               </a:pPr>
-              <a:t>16/09/63</a:t>
+              <a:t>18/09/63</a:t>
             </a:fld>
             <a:endParaRPr lang="en-US"/>
           </a:p>
@@ -25726,7 +25743,7 @@
             <a:pPr rtl="0"/>
             <a:fld id="{38C53E2A-59EE-41B3-A1AB-9575F6EA1695}" type="datetime1">
               <a:rPr lang="th-TH" smtClean="0"/>
-              <a:t>16/09/63</a:t>
+              <a:t>18/09/63</a:t>
             </a:fld>
             <a:endParaRPr lang="en-US"/>
           </a:p>
@@ -25845,7 +25862,7 @@
             <a:pPr rtl="0"/>
             <a:fld id="{38C53E2A-59EE-41B3-A1AB-9575F6EA1695}" type="datetime1">
               <a:rPr lang="th-TH" smtClean="0"/>
-              <a:t>16/09/63</a:t>
+              <a:t>18/09/63</a:t>
             </a:fld>
             <a:endParaRPr lang="en-US"/>
           </a:p>
@@ -25996,7 +26013,7 @@
             <a:pPr rtl="0"/>
             <a:fld id="{38C53E2A-59EE-41B3-A1AB-9575F6EA1695}" type="datetime1">
               <a:rPr lang="th-TH" smtClean="0"/>
-              <a:t>16/09/63</a:t>
+              <a:t>18/09/63</a:t>
             </a:fld>
             <a:endParaRPr lang="en-US"/>
           </a:p>
@@ -26085,7 +26102,7 @@
             <a:pPr rtl="0"/>
             <a:fld id="{38C53E2A-59EE-41B3-A1AB-9575F6EA1695}" type="datetime1">
               <a:rPr lang="th-TH" smtClean="0"/>
-              <a:t>16/09/63</a:t>
+              <a:t>18/09/63</a:t>
             </a:fld>
             <a:endParaRPr lang="en-US"/>
           </a:p>
@@ -26204,7 +26221,7 @@
             <a:pPr rtl="0"/>
             <a:fld id="{38C53E2A-59EE-41B3-A1AB-9575F6EA1695}" type="datetime1">
               <a:rPr lang="th-TH" smtClean="0"/>
-              <a:t>16/09/63</a:t>
+              <a:t>18/09/63</a:t>
             </a:fld>
             <a:endParaRPr lang="en-US"/>
           </a:p>
@@ -26355,7 +26372,7 @@
             <a:pPr rtl="0"/>
             <a:fld id="{38C53E2A-59EE-41B3-A1AB-9575F6EA1695}" type="datetime1">
               <a:rPr lang="th-TH" smtClean="0"/>
-              <a:t>16/09/63</a:t>
+              <a:t>18/09/63</a:t>
             </a:fld>
             <a:endParaRPr lang="en-US"/>
           </a:p>
@@ -26637,7 +26654,7 @@
             <a:pPr rtl="0"/>
             <a:fld id="{38C53E2A-59EE-41B3-A1AB-9575F6EA1695}" type="datetime1">
               <a:rPr lang="th-TH" smtClean="0"/>
-              <a:t>16/09/63</a:t>
+              <a:t>18/09/63</a:t>
             </a:fld>
             <a:endParaRPr lang="en-US"/>
           </a:p>
@@ -26725,7 +26742,7 @@
           <a:p>
             <a:fld id="{7773D18F-796E-48FA-B446-43BFEFAD4305}" type="datetime1">
               <a:rPr lang="th-TH" smtClean="0"/>
-              <a:t>16/09/63</a:t>
+              <a:t>18/09/63</a:t>
             </a:fld>
             <a:endParaRPr lang="en-US" dirty="0"/>
           </a:p>
@@ -26761,23 +26778,227 @@
           <a:chExt cx="0" cy="0"/>
         </a:xfrm>
       </p:grpSpPr>
+      <p:sp>
+        <p:nvSpPr>
+          <p:cNvPr id="2" name="ชื่อเรื่อง 1">
+            <a:extLst>
+              <a:ext uri="{FF2B5EF4-FFF2-40B4-BE49-F238E27FC236}">
+                <a16:creationId xmlns:a16="http://schemas.microsoft.com/office/drawing/2014/main" id="{8B09F9D0-B15A-4C55-9CBE-3C01C9F42B29}"/>
+              </a:ext>
+            </a:extLst>
+          </p:cNvPr>
+          <p:cNvSpPr>
+            <a:spLocks noGrp="1"/>
+          </p:cNvSpPr>
+          <p:nvPr>
+            <p:ph type="title"/>
+          </p:nvPr>
+        </p:nvSpPr>
+        <p:spPr/>
+        <p:txBody>
+          <a:bodyPr/>
+          <a:lstStyle/>
+          <a:p>
+            <a:r>
+              <a:rPr lang="en-US" dirty="0"/>
+              <a:t>Linked List with Dummy Node</a:t>
+            </a:r>
+            <a:endParaRPr lang="th-TH" dirty="0"/>
+          </a:p>
+        </p:txBody>
+      </p:sp>
+      <p:sp>
+        <p:nvSpPr>
+          <p:cNvPr id="3" name="ตัวแทนเนื้อหา 2">
+            <a:extLst>
+              <a:ext uri="{FF2B5EF4-FFF2-40B4-BE49-F238E27FC236}">
+                <a16:creationId xmlns:a16="http://schemas.microsoft.com/office/drawing/2014/main" id="{947DFA54-57C0-4972-8714-C45A68A5C828}"/>
+              </a:ext>
+            </a:extLst>
+          </p:cNvPr>
+          <p:cNvSpPr>
+            <a:spLocks noGrp="1"/>
+          </p:cNvSpPr>
+          <p:nvPr>
+            <p:ph idx="1"/>
+          </p:nvPr>
+        </p:nvSpPr>
+        <p:spPr/>
+        <p:txBody>
+          <a:bodyPr>
+            <a:normAutofit/>
+          </a:bodyPr>
+          <a:lstStyle/>
+          <a:p>
+            <a:r>
+              <a:rPr lang="en-US" sz="1800" dirty="0"/>
+              <a:t>Dummy node </a:t>
+            </a:r>
+            <a:r>
+              <a:rPr lang="th-TH" sz="1800" dirty="0"/>
+              <a:t>คือ </a:t>
+            </a:r>
+            <a:r>
+              <a:rPr lang="en-US" sz="1800" dirty="0"/>
+              <a:t>Node </a:t>
+            </a:r>
+            <a:r>
+              <a:rPr lang="th-TH" sz="1800" dirty="0"/>
+              <a:t>ที่ไม่เก็บค่าใด ๆ ไว้ มีไว้ให้ </a:t>
+            </a:r>
+            <a:r>
+              <a:rPr lang="en-US" sz="1800" dirty="0"/>
+              <a:t>reference </a:t>
+            </a:r>
+            <a:r>
+              <a:rPr lang="th-TH" sz="1800" dirty="0"/>
+              <a:t>เฉย ๆ </a:t>
+            </a:r>
+          </a:p>
+          <a:p>
+            <a:r>
+              <a:rPr lang="th-TH" sz="1800" dirty="0"/>
+              <a:t>กรณี </a:t>
+            </a:r>
+            <a:r>
+              <a:rPr lang="en-US" sz="1800" dirty="0"/>
+              <a:t>Singly Linked List</a:t>
+            </a:r>
+            <a:r>
+              <a:rPr lang="th-TH" sz="1800" dirty="0"/>
+              <a:t> จะทำ </a:t>
+            </a:r>
+            <a:r>
+              <a:rPr lang="en-US" sz="1800" dirty="0"/>
+              <a:t>dummy node </a:t>
+            </a:r>
+            <a:r>
+              <a:rPr lang="th-TH" sz="1800" dirty="0"/>
+              <a:t>ไว้ที่ส่วนหัวและเรียกว่า </a:t>
+            </a:r>
+            <a:r>
+              <a:rPr lang="en-US" sz="1800" dirty="0"/>
+              <a:t>header</a:t>
+            </a:r>
+          </a:p>
+          <a:p>
+            <a:r>
+              <a:rPr lang="th-TH" sz="1800" dirty="0"/>
+              <a:t>กรณี </a:t>
+            </a:r>
+            <a:r>
+              <a:rPr lang="en-US" sz="1800" dirty="0"/>
+              <a:t>Doubly Linked List </a:t>
+            </a:r>
+            <a:r>
+              <a:rPr lang="th-TH" sz="1800" dirty="0"/>
+              <a:t>จำทำ </a:t>
+            </a:r>
+            <a:r>
+              <a:rPr lang="en-US" sz="1800" dirty="0"/>
+              <a:t>dummy node </a:t>
+            </a:r>
+            <a:r>
+              <a:rPr lang="th-TH" sz="1800" dirty="0"/>
+              <a:t>ไว้ที่หัวและท้ายโดยเรียกว่า </a:t>
+            </a:r>
+            <a:r>
+              <a:rPr lang="en-US" sz="1800" dirty="0"/>
+              <a:t>header </a:t>
+            </a:r>
+            <a:r>
+              <a:rPr lang="th-TH" sz="1800" dirty="0"/>
+              <a:t>และ </a:t>
+            </a:r>
+            <a:r>
+              <a:rPr lang="en-US" sz="1800" dirty="0"/>
+              <a:t>trailer </a:t>
+            </a:r>
+            <a:r>
+              <a:rPr lang="th-TH" sz="1800" dirty="0"/>
+              <a:t>ตามลำดับ</a:t>
+            </a:r>
+          </a:p>
+          <a:p>
+            <a:r>
+              <a:rPr lang="th-TH" sz="1800" dirty="0"/>
+              <a:t>ช่วยให้เขียนโค้ดได้เป็น </a:t>
+            </a:r>
+            <a:r>
+              <a:rPr lang="en-US" sz="1800" dirty="0"/>
+              <a:t>general case </a:t>
+            </a:r>
+            <a:r>
+              <a:rPr lang="th-TH" sz="1800" dirty="0"/>
+              <a:t>มากขึ้น ไม่ต้องดักว่าทำงานที่หัวหรือที่ท้ายของ </a:t>
+            </a:r>
+            <a:r>
+              <a:rPr lang="en-US" sz="1800" dirty="0"/>
+              <a:t>list </a:t>
+            </a:r>
+            <a:r>
+              <a:rPr lang="th-TH" sz="1800" dirty="0"/>
+              <a:t>เท่าไร</a:t>
+            </a:r>
+          </a:p>
+          <a:p>
+            <a:r>
+              <a:rPr lang="th-TH" sz="1800" dirty="0"/>
+              <a:t>ตัวอย่างโค้ดดูตามของอาจารย์ใน </a:t>
+            </a:r>
+            <a:r>
+              <a:rPr lang="en-US" sz="1800" dirty="0"/>
+              <a:t>Microsoft Teams</a:t>
+            </a:r>
+            <a:endParaRPr lang="th-TH" sz="1800" dirty="0"/>
+          </a:p>
+        </p:txBody>
+      </p:sp>
+      <p:sp>
+        <p:nvSpPr>
+          <p:cNvPr id="4" name="ตัวแทนวันที่ 3">
+            <a:extLst>
+              <a:ext uri="{FF2B5EF4-FFF2-40B4-BE49-F238E27FC236}">
+                <a16:creationId xmlns:a16="http://schemas.microsoft.com/office/drawing/2014/main" id="{C699C73D-29BD-4836-85D6-C1CC448B9897}"/>
+              </a:ext>
+            </a:extLst>
+          </p:cNvPr>
+          <p:cNvSpPr>
+            <a:spLocks noGrp="1"/>
+          </p:cNvSpPr>
+          <p:nvPr>
+            <p:ph type="dt" sz="half" idx="10"/>
+          </p:nvPr>
+        </p:nvSpPr>
+        <p:spPr/>
+        <p:txBody>
+          <a:bodyPr/>
+          <a:lstStyle/>
+          <a:p>
+            <a:pPr rtl="0"/>
+            <a:fld id="{38C53E2A-59EE-41B3-A1AB-9575F6EA1695}" type="datetime1">
+              <a:rPr lang="th-TH" smtClean="0"/>
+              <a:t>18/09/63</a:t>
+            </a:fld>
+            <a:endParaRPr lang="en-US"/>
+          </a:p>
+        </p:txBody>
+      </p:sp>
       <p:pic>
         <p:nvPicPr>
-          <p:cNvPr id="6" name="ตัวแทนเนื้อหา 5" descr="รูปภาพประกอบด้วย รูปวาด&#10;&#10;คำอธิบายที่สร้างโดยอัตโนมัติ">
-            <a:extLst>
-              <a:ext uri="{FF2B5EF4-FFF2-40B4-BE49-F238E27FC236}">
-                <a16:creationId xmlns:a16="http://schemas.microsoft.com/office/drawing/2014/main" id="{060D6B72-D6FF-4419-BB99-276920D0C74B}"/>
+          <p:cNvPr id="6" name="รูปภาพ 5" descr="รูปภาพประกอบด้วย รูปวาด, นาฬิกา&#10;&#10;คำอธิบายที่สร้างโดยอัตโนมัติ">
+            <a:extLst>
+              <a:ext uri="{FF2B5EF4-FFF2-40B4-BE49-F238E27FC236}">
+                <a16:creationId xmlns:a16="http://schemas.microsoft.com/office/drawing/2014/main" id="{BB711DA9-BE81-4F8F-8D50-F87CE886AC1E}"/>
               </a:ext>
             </a:extLst>
           </p:cNvPr>
           <p:cNvPicPr>
-            <a:picLocks noGrp="1" noChangeAspect="1"/>
+            <a:picLocks noChangeAspect="1"/>
           </p:cNvPicPr>
-          <p:nvPr>
-            <p:ph type="pic" idx="4294967295"/>
-          </p:nvPr>
+          <p:nvPr/>
         </p:nvPicPr>
-        <p:blipFill rotWithShape="1">
+        <p:blipFill>
           <a:blip r:embed="rId2">
             <a:extLst>
               <a:ext uri="{28A0092B-C50C-407E-A947-70E740481C1C}">
@@ -26785,20 +27006,60 @@
               </a:ext>
             </a:extLst>
           </a:blip>
-          <a:stretch/>
+          <a:stretch>
+            <a:fillRect/>
+          </a:stretch>
         </p:blipFill>
         <p:spPr>
           <a:xfrm>
-            <a:off x="3200400" y="238125"/>
-            <a:ext cx="5473700" cy="6381750"/>
+            <a:off x="1066800" y="4285456"/>
+            <a:ext cx="4364729" cy="1402949"/>
           </a:xfrm>
-          <a:noFill/>
+          <a:prstGeom prst="rect">
+            <a:avLst/>
+          </a:prstGeom>
+        </p:spPr>
+      </p:pic>
+      <p:pic>
+        <p:nvPicPr>
+          <p:cNvPr id="8" name="รูปภาพ 7" descr="รูปภาพประกอบด้วย วัตถุ, นาฬิกา&#10;&#10;คำอธิบายที่สร้างโดยอัตโนมัติ">
+            <a:extLst>
+              <a:ext uri="{FF2B5EF4-FFF2-40B4-BE49-F238E27FC236}">
+                <a16:creationId xmlns:a16="http://schemas.microsoft.com/office/drawing/2014/main" id="{34F7562A-7B0E-4813-A6AB-83AC4E5FAF7D}"/>
+              </a:ext>
+            </a:extLst>
+          </p:cNvPr>
+          <p:cNvPicPr>
+            <a:picLocks noChangeAspect="1"/>
+          </p:cNvPicPr>
+          <p:nvPr/>
+        </p:nvPicPr>
+        <p:blipFill>
+          <a:blip r:embed="rId3">
+            <a:extLst>
+              <a:ext uri="{28A0092B-C50C-407E-A947-70E740481C1C}">
+                <a14:useLocalDpi xmlns:a14="http://schemas.microsoft.com/office/drawing/2010/main" val="0"/>
+              </a:ext>
+            </a:extLst>
+          </a:blip>
+          <a:stretch>
+            <a:fillRect/>
+          </a:stretch>
+        </p:blipFill>
+        <p:spPr>
+          <a:xfrm>
+            <a:off x="7350100" y="3886754"/>
+            <a:ext cx="3485956" cy="2200355"/>
+          </a:xfrm>
+          <a:prstGeom prst="rect">
+            <a:avLst/>
+          </a:prstGeom>
         </p:spPr>
       </p:pic>
     </p:spTree>
     <p:extLst>
       <p:ext uri="{BB962C8B-B14F-4D97-AF65-F5344CB8AC3E}">
-        <p14:creationId xmlns:p14="http://schemas.microsoft.com/office/powerpoint/2010/main" val="1301646300"/>
+        <p14:creationId xmlns:p14="http://schemas.microsoft.com/office/powerpoint/2010/main" val="319232253"/>
       </p:ext>
     </p:extLst>
   </p:cSld>
@@ -26827,10 +27088,10 @@
       </p:grpSpPr>
       <p:sp>
         <p:nvSpPr>
-          <p:cNvPr id="6" name="ชื่อเรื่อง 5">
-            <a:extLst>
-              <a:ext uri="{FF2B5EF4-FFF2-40B4-BE49-F238E27FC236}">
-                <a16:creationId xmlns:a16="http://schemas.microsoft.com/office/drawing/2014/main" id="{E5B213CD-6F26-4620-9322-55E4A89912AF}"/>
+          <p:cNvPr id="2" name="ชื่อเรื่อง 1">
+            <a:extLst>
+              <a:ext uri="{FF2B5EF4-FFF2-40B4-BE49-F238E27FC236}">
+                <a16:creationId xmlns:a16="http://schemas.microsoft.com/office/drawing/2014/main" id="{61662144-DE71-4577-9824-A690886C866B}"/>
               </a:ext>
             </a:extLst>
           </p:cNvPr>
@@ -26848,7 +27109,7 @@
           <a:p>
             <a:r>
               <a:rPr lang="en-US" dirty="0"/>
-              <a:t>Useful link</a:t>
+              <a:t>Recursion</a:t>
             </a:r>
             <a:endParaRPr lang="th-TH" dirty="0"/>
           </a:p>
@@ -26856,10 +27117,163 @@
       </p:sp>
       <p:sp>
         <p:nvSpPr>
-          <p:cNvPr id="7" name="ตัวแทนเนื้อหา 6">
-            <a:extLst>
-              <a:ext uri="{FF2B5EF4-FFF2-40B4-BE49-F238E27FC236}">
-                <a16:creationId xmlns:a16="http://schemas.microsoft.com/office/drawing/2014/main" id="{21575B80-5A74-442D-8833-632B8119EBA8}"/>
+          <p:cNvPr id="3" name="ตัวแทนข้อความ 2">
+            <a:extLst>
+              <a:ext uri="{FF2B5EF4-FFF2-40B4-BE49-F238E27FC236}">
+                <a16:creationId xmlns:a16="http://schemas.microsoft.com/office/drawing/2014/main" id="{F87F602B-42A8-460C-8FDE-DCAC5CC105B6}"/>
+              </a:ext>
+            </a:extLst>
+          </p:cNvPr>
+          <p:cNvSpPr>
+            <a:spLocks noGrp="1"/>
+          </p:cNvSpPr>
+          <p:nvPr>
+            <p:ph type="body" idx="1"/>
+          </p:nvPr>
+        </p:nvSpPr>
+        <p:spPr/>
+        <p:txBody>
+          <a:bodyPr/>
+          <a:lstStyle/>
+          <a:p>
+            <a:r>
+              <a:rPr lang="en-US" dirty="0"/>
+              <a:t>Basic idea and Examples</a:t>
+            </a:r>
+            <a:endParaRPr lang="th-TH" dirty="0"/>
+          </a:p>
+        </p:txBody>
+      </p:sp>
+      <p:sp>
+        <p:nvSpPr>
+          <p:cNvPr id="4" name="ตัวแทนวันที่ 3">
+            <a:extLst>
+              <a:ext uri="{FF2B5EF4-FFF2-40B4-BE49-F238E27FC236}">
+                <a16:creationId xmlns:a16="http://schemas.microsoft.com/office/drawing/2014/main" id="{4BF768B2-9A2C-4C32-9A80-2132BB7BE883}"/>
+              </a:ext>
+            </a:extLst>
+          </p:cNvPr>
+          <p:cNvSpPr>
+            <a:spLocks noGrp="1"/>
+          </p:cNvSpPr>
+          <p:nvPr>
+            <p:ph type="dt" sz="half" idx="10"/>
+          </p:nvPr>
+        </p:nvSpPr>
+        <p:spPr/>
+        <p:txBody>
+          <a:bodyPr/>
+          <a:lstStyle/>
+          <a:p>
+            <a:fld id="{CC8C1F7F-7918-4156-86A5-91C01FD8A003}" type="datetime1">
+              <a:rPr lang="th-TH" smtClean="0"/>
+              <a:t>18/09/63</a:t>
+            </a:fld>
+            <a:endParaRPr lang="th-TH" dirty="0"/>
+          </a:p>
+        </p:txBody>
+      </p:sp>
+      <p:pic>
+        <p:nvPicPr>
+          <p:cNvPr id="7" name="รูปภาพ 6" descr="รูปภาพประกอบด้วย ดอกไม้ไฟ&#10;&#10;คำอธิบายที่สร้างโดยอัตโนมัติ">
+            <a:extLst>
+              <a:ext uri="{FF2B5EF4-FFF2-40B4-BE49-F238E27FC236}">
+                <a16:creationId xmlns:a16="http://schemas.microsoft.com/office/drawing/2014/main" id="{C410AE10-6526-4B31-8F28-3F287BC1C1A6}"/>
+              </a:ext>
+            </a:extLst>
+          </p:cNvPr>
+          <p:cNvPicPr>
+            <a:picLocks noChangeAspect="1"/>
+          </p:cNvPicPr>
+          <p:nvPr/>
+        </p:nvPicPr>
+        <p:blipFill>
+          <a:blip r:embed="rId2">
+            <a:extLst>
+              <a:ext uri="{28A0092B-C50C-407E-A947-70E740481C1C}">
+                <a14:useLocalDpi xmlns:a14="http://schemas.microsoft.com/office/drawing/2010/main" val="0"/>
+              </a:ext>
+            </a:extLst>
+          </a:blip>
+          <a:stretch>
+            <a:fillRect/>
+          </a:stretch>
+        </p:blipFill>
+        <p:spPr>
+          <a:xfrm>
+            <a:off x="1251656" y="1735242"/>
+            <a:ext cx="3486739" cy="3486739"/>
+          </a:xfrm>
+          <a:prstGeom prst="rect">
+            <a:avLst/>
+          </a:prstGeom>
+        </p:spPr>
+      </p:pic>
+    </p:spTree>
+    <p:extLst>
+      <p:ext uri="{BB962C8B-B14F-4D97-AF65-F5344CB8AC3E}">
+        <p14:creationId xmlns:p14="http://schemas.microsoft.com/office/powerpoint/2010/main" val="2728594372"/>
+      </p:ext>
+    </p:extLst>
+  </p:cSld>
+  <p:clrMapOvr>
+    <a:masterClrMapping/>
+  </p:clrMapOvr>
+</p:sld>
+</file>
+
+<file path=ppt/slides/slide62.xml><?xml version="1.0" encoding="utf-8"?>
+<p:sld xmlns:a="http://schemas.openxmlformats.org/drawingml/2006/main" xmlns:r="http://schemas.openxmlformats.org/officeDocument/2006/relationships" xmlns:p="http://schemas.openxmlformats.org/presentationml/2006/main">
+  <p:cSld>
+    <p:spTree>
+      <p:nvGrpSpPr>
+        <p:cNvPr id="1" name=""/>
+        <p:cNvGrpSpPr/>
+        <p:nvPr/>
+      </p:nvGrpSpPr>
+      <p:grpSpPr>
+        <a:xfrm>
+          <a:off x="0" y="0"/>
+          <a:ext cx="0" cy="0"/>
+          <a:chOff x="0" y="0"/>
+          <a:chExt cx="0" cy="0"/>
+        </a:xfrm>
+      </p:grpSpPr>
+      <p:sp>
+        <p:nvSpPr>
+          <p:cNvPr id="2" name="ชื่อเรื่อง 1">
+            <a:extLst>
+              <a:ext uri="{FF2B5EF4-FFF2-40B4-BE49-F238E27FC236}">
+                <a16:creationId xmlns:a16="http://schemas.microsoft.com/office/drawing/2014/main" id="{209A9003-D2E5-4E83-A8F8-4DFBD6167E96}"/>
+              </a:ext>
+            </a:extLst>
+          </p:cNvPr>
+          <p:cNvSpPr>
+            <a:spLocks noGrp="1"/>
+          </p:cNvSpPr>
+          <p:nvPr>
+            <p:ph type="title"/>
+          </p:nvPr>
+        </p:nvSpPr>
+        <p:spPr/>
+        <p:txBody>
+          <a:bodyPr/>
+          <a:lstStyle/>
+          <a:p>
+            <a:r>
+              <a:rPr lang="en-US" dirty="0"/>
+              <a:t>Recursive Function</a:t>
+            </a:r>
+            <a:endParaRPr lang="th-TH" dirty="0"/>
+          </a:p>
+        </p:txBody>
+      </p:sp>
+      <p:sp>
+        <p:nvSpPr>
+          <p:cNvPr id="3" name="ตัวแทนเนื้อหา 2">
+            <a:extLst>
+              <a:ext uri="{FF2B5EF4-FFF2-40B4-BE49-F238E27FC236}">
+                <a16:creationId xmlns:a16="http://schemas.microsoft.com/office/drawing/2014/main" id="{28248276-6D56-4A27-86E0-566633867DE0}"/>
               </a:ext>
             </a:extLst>
           </p:cNvPr>
@@ -26872,61 +27286,73 @@
         </p:nvSpPr>
         <p:spPr/>
         <p:txBody>
-          <a:bodyPr/>
+          <a:bodyPr>
+            <a:normAutofit/>
+          </a:bodyPr>
           <a:lstStyle/>
           <a:p>
             <a:r>
-              <a:rPr lang="en-US" dirty="0">
-                <a:hlinkClick r:id="rId2"/>
-              </a:rPr>
-              <a:t>https://github.com/ApexTone/DataStructAlgo-Code-KMITL/tree/master/Midterm</a:t>
-            </a:r>
-            <a:endParaRPr lang="en-US" dirty="0"/>
-          </a:p>
-          <a:p>
-            <a:r>
-              <a:rPr lang="en-US" dirty="0">
-                <a:hlinkClick r:id="rId3"/>
-              </a:rPr>
-              <a:t>https://visualgo.net/en</a:t>
-            </a:r>
-            <a:endParaRPr lang="en-US" dirty="0"/>
-          </a:p>
-          <a:p>
-            <a:r>
-              <a:rPr lang="en-US" dirty="0">
-                <a:hlinkClick r:id="rId4"/>
-              </a:rPr>
-              <a:t>http://www.pythontutor.com/visualize.html#mode=edit</a:t>
-            </a:r>
-            <a:endParaRPr lang="en-US" dirty="0"/>
-          </a:p>
-          <a:p>
-            <a:r>
-              <a:rPr lang="en-US" dirty="0"/>
-              <a:t>https://www.youtube.com/watch?v=xvFZjo5PgG0</a:t>
-            </a:r>
-          </a:p>
-          <a:p>
-            <a:r>
-              <a:rPr lang="en-US" dirty="0">
-                <a:hlinkClick r:id="rId5"/>
-              </a:rPr>
-              <a:t>https://www.youtube.com/playlist?list=PL0ROnaCzUGB7xfdsHWOGxlZvq7_qpAmyH</a:t>
-            </a:r>
-            <a:endParaRPr lang="en-US" dirty="0"/>
-          </a:p>
-          <a:p>
-            <a:endParaRPr lang="th-TH" dirty="0"/>
-          </a:p>
-        </p:txBody>
-      </p:sp>
-      <p:sp>
-        <p:nvSpPr>
-          <p:cNvPr id="2" name="ตัวแทนวันที่ 1">
-            <a:extLst>
-              <a:ext uri="{FF2B5EF4-FFF2-40B4-BE49-F238E27FC236}">
-                <a16:creationId xmlns:a16="http://schemas.microsoft.com/office/drawing/2014/main" id="{7B95A54D-4B5A-4602-BD6F-DCC415C168F4}"/>
+              <a:rPr lang="th-TH" sz="2400" dirty="0"/>
+              <a:t>ฟังก์ชันเรียกซ้ำ</a:t>
+            </a:r>
+          </a:p>
+          <a:p>
+            <a:r>
+              <a:rPr lang="th-TH" sz="2400" dirty="0"/>
+              <a:t>มีการเรียกตัวเอง ภายในตัวเอง</a:t>
+            </a:r>
+          </a:p>
+          <a:p>
+            <a:r>
+              <a:rPr lang="th-TH" sz="2400" dirty="0"/>
+              <a:t>โค้ดประกอบด้วย 2 ส่วนคือ </a:t>
+            </a:r>
+            <a:r>
+              <a:rPr lang="en-US" sz="2400" dirty="0"/>
+              <a:t>base case </a:t>
+            </a:r>
+            <a:r>
+              <a:rPr lang="th-TH" sz="2400" dirty="0"/>
+              <a:t>และ </a:t>
+            </a:r>
+            <a:r>
+              <a:rPr lang="en-US" sz="2400" dirty="0"/>
+              <a:t>recursive case</a:t>
+            </a:r>
+          </a:p>
+          <a:p>
+            <a:r>
+              <a:rPr lang="en-US" sz="2400" dirty="0"/>
+              <a:t>Base case: </a:t>
+            </a:r>
+            <a:r>
+              <a:rPr lang="th-TH" sz="2400" dirty="0"/>
+              <a:t>ไม่มีการเรียกซ้ำ มักเริ่มเกิดการ </a:t>
+            </a:r>
+            <a:r>
+              <a:rPr lang="en-US" sz="2400" dirty="0"/>
+              <a:t>backtrack</a:t>
+            </a:r>
+          </a:p>
+          <a:p>
+            <a:r>
+              <a:rPr lang="en-US" sz="2400" dirty="0"/>
+              <a:t>Recursive case: </a:t>
+            </a:r>
+            <a:r>
+              <a:rPr lang="th-TH" sz="2400" dirty="0"/>
+              <a:t>เรียกซ้ำฟังก์ชัน มักแบ่งเป็นปัญหาที่เล็กลง</a:t>
+            </a:r>
+            <a:endParaRPr lang="en-US" sz="2400" dirty="0"/>
+          </a:p>
+        </p:txBody>
+      </p:sp>
+      <p:sp>
+        <p:nvSpPr>
+          <p:cNvPr id="4" name="ตัวแทนวันที่ 3">
+            <a:extLst>
+              <a:ext uri="{FF2B5EF4-FFF2-40B4-BE49-F238E27FC236}">
+                <a16:creationId xmlns:a16="http://schemas.microsoft.com/office/drawing/2014/main" id="{13372C4C-71F0-4486-BAD6-738FFCD5F54D}"/>
               </a:ext>
             </a:extLst>
           </p:cNvPr>
@@ -26943,18 +27369,1161 @@
           <a:lstStyle/>
           <a:p>
             <a:pPr rtl="0"/>
-            <a:fld id="{55C19084-1496-4B60-ADB6-24714CE58D61}" type="datetime1">
+            <a:fld id="{38C53E2A-59EE-41B3-A1AB-9575F6EA1695}" type="datetime1">
               <a:rPr lang="th-TH" smtClean="0"/>
-              <a:t>16/09/63</a:t>
+              <a:t>18/09/63</a:t>
             </a:fld>
             <a:endParaRPr lang="en-US"/>
           </a:p>
         </p:txBody>
       </p:sp>
+      <p:pic>
+        <p:nvPicPr>
+          <p:cNvPr id="6" name="รูปภาพ 5" descr="รูปภาพประกอบด้วย จุดไฟ, อาคาร, พรม, ขนาดใหญ่&#10;&#10;คำอธิบายที่สร้างโดยอัตโนมัติ">
+            <a:extLst>
+              <a:ext uri="{FF2B5EF4-FFF2-40B4-BE49-F238E27FC236}">
+                <a16:creationId xmlns:a16="http://schemas.microsoft.com/office/drawing/2014/main" id="{3B5D9BBC-008B-4307-A096-C8919D24D7A0}"/>
+              </a:ext>
+            </a:extLst>
+          </p:cNvPr>
+          <p:cNvPicPr>
+            <a:picLocks noChangeAspect="1"/>
+          </p:cNvPicPr>
+          <p:nvPr/>
+        </p:nvPicPr>
+        <p:blipFill>
+          <a:blip r:embed="rId2">
+            <a:extLst>
+              <a:ext uri="{28A0092B-C50C-407E-A947-70E740481C1C}">
+                <a14:useLocalDpi xmlns:a14="http://schemas.microsoft.com/office/drawing/2010/main" val="0"/>
+              </a:ext>
+            </a:extLst>
+          </a:blip>
+          <a:stretch>
+            <a:fillRect/>
+          </a:stretch>
+        </p:blipFill>
+        <p:spPr>
+          <a:xfrm>
+            <a:off x="8160906" y="2463282"/>
+            <a:ext cx="2964294" cy="2573546"/>
+          </a:xfrm>
+          <a:prstGeom prst="rect">
+            <a:avLst/>
+          </a:prstGeom>
+        </p:spPr>
+      </p:pic>
     </p:spTree>
     <p:extLst>
       <p:ext uri="{BB962C8B-B14F-4D97-AF65-F5344CB8AC3E}">
-        <p14:creationId xmlns:p14="http://schemas.microsoft.com/office/powerpoint/2010/main" val="2838317086"/>
+        <p14:creationId xmlns:p14="http://schemas.microsoft.com/office/powerpoint/2010/main" val="3278796409"/>
+      </p:ext>
+    </p:extLst>
+  </p:cSld>
+  <p:clrMapOvr>
+    <a:masterClrMapping/>
+  </p:clrMapOvr>
+</p:sld>
+</file>
+
+<file path=ppt/slides/slide63.xml><?xml version="1.0" encoding="utf-8"?>
+<p:sld xmlns:a="http://schemas.openxmlformats.org/drawingml/2006/main" xmlns:r="http://schemas.openxmlformats.org/officeDocument/2006/relationships" xmlns:p="http://schemas.openxmlformats.org/presentationml/2006/main">
+  <p:cSld>
+    <p:spTree>
+      <p:nvGrpSpPr>
+        <p:cNvPr id="1" name=""/>
+        <p:cNvGrpSpPr/>
+        <p:nvPr/>
+      </p:nvGrpSpPr>
+      <p:grpSpPr>
+        <a:xfrm>
+          <a:off x="0" y="0"/>
+          <a:ext cx="0" cy="0"/>
+          <a:chOff x="0" y="0"/>
+          <a:chExt cx="0" cy="0"/>
+        </a:xfrm>
+      </p:grpSpPr>
+      <p:pic>
+        <p:nvPicPr>
+          <p:cNvPr id="5" name="ตัวแทนเนื้อหา 4">
+            <a:extLst>
+              <a:ext uri="{FF2B5EF4-FFF2-40B4-BE49-F238E27FC236}">
+                <a16:creationId xmlns:a16="http://schemas.microsoft.com/office/drawing/2014/main" id="{454740DD-91DE-4500-AF26-4C1299DAABEC}"/>
+              </a:ext>
+            </a:extLst>
+          </p:cNvPr>
+          <p:cNvPicPr>
+            <a:picLocks noGrp="1" noChangeAspect="1"/>
+          </p:cNvPicPr>
+          <p:nvPr>
+            <p:ph idx="1"/>
+          </p:nvPr>
+        </p:nvPicPr>
+        <p:blipFill>
+          <a:blip r:embed="rId2"/>
+          <a:stretch>
+            <a:fillRect/>
+          </a:stretch>
+        </p:blipFill>
+        <p:spPr>
+          <a:xfrm>
+            <a:off x="1129004" y="1847461"/>
+            <a:ext cx="10364261" cy="3619264"/>
+          </a:xfrm>
+          <a:prstGeom prst="rect">
+            <a:avLst/>
+          </a:prstGeom>
+        </p:spPr>
+      </p:pic>
+      <p:sp>
+        <p:nvSpPr>
+          <p:cNvPr id="4" name="ตัวแทนวันที่ 3">
+            <a:extLst>
+              <a:ext uri="{FF2B5EF4-FFF2-40B4-BE49-F238E27FC236}">
+                <a16:creationId xmlns:a16="http://schemas.microsoft.com/office/drawing/2014/main" id="{D909BB2F-D1D3-418D-90B2-3545BC3CF772}"/>
+              </a:ext>
+            </a:extLst>
+          </p:cNvPr>
+          <p:cNvSpPr>
+            <a:spLocks noGrp="1"/>
+          </p:cNvSpPr>
+          <p:nvPr>
+            <p:ph type="dt" sz="half" idx="10"/>
+          </p:nvPr>
+        </p:nvSpPr>
+        <p:spPr/>
+        <p:txBody>
+          <a:bodyPr/>
+          <a:lstStyle/>
+          <a:p>
+            <a:pPr rtl="0"/>
+            <a:fld id="{38C53E2A-59EE-41B3-A1AB-9575F6EA1695}" type="datetime1">
+              <a:rPr lang="th-TH" smtClean="0"/>
+              <a:t>18/09/63</a:t>
+            </a:fld>
+            <a:endParaRPr lang="en-US"/>
+          </a:p>
+        </p:txBody>
+      </p:sp>
+      <p:sp>
+        <p:nvSpPr>
+          <p:cNvPr id="6" name="ลูกศร: ขวา 5">
+            <a:extLst>
+              <a:ext uri="{FF2B5EF4-FFF2-40B4-BE49-F238E27FC236}">
+                <a16:creationId xmlns:a16="http://schemas.microsoft.com/office/drawing/2014/main" id="{285E7729-AFAA-4A78-B6FB-6187A7D1E413}"/>
+              </a:ext>
+            </a:extLst>
+          </p:cNvPr>
+          <p:cNvSpPr/>
+          <p:nvPr/>
+        </p:nvSpPr>
+        <p:spPr>
+          <a:xfrm>
+            <a:off x="511727" y="2502616"/>
+            <a:ext cx="1728133" cy="783771"/>
+          </a:xfrm>
+          <a:prstGeom prst="rightArrow">
+            <a:avLst/>
+          </a:prstGeom>
+        </p:spPr>
+        <p:style>
+          <a:lnRef idx="2">
+            <a:schemeClr val="accent1">
+              <a:shade val="50000"/>
+            </a:schemeClr>
+          </a:lnRef>
+          <a:fillRef idx="1">
+            <a:schemeClr val="accent1"/>
+          </a:fillRef>
+          <a:effectRef idx="0">
+            <a:schemeClr val="accent1"/>
+          </a:effectRef>
+          <a:fontRef idx="minor">
+            <a:schemeClr val="lt1"/>
+          </a:fontRef>
+        </p:style>
+        <p:txBody>
+          <a:bodyPr rtlCol="0" anchor="ctr"/>
+          <a:lstStyle/>
+          <a:p>
+            <a:pPr algn="ctr"/>
+            <a:r>
+              <a:rPr lang="en-US" dirty="0"/>
+              <a:t>Base case</a:t>
+            </a:r>
+            <a:endParaRPr lang="th-TH" dirty="0"/>
+          </a:p>
+        </p:txBody>
+      </p:sp>
+      <p:sp>
+        <p:nvSpPr>
+          <p:cNvPr id="8" name="ลูกศร: ขวา 7">
+            <a:extLst>
+              <a:ext uri="{FF2B5EF4-FFF2-40B4-BE49-F238E27FC236}">
+                <a16:creationId xmlns:a16="http://schemas.microsoft.com/office/drawing/2014/main" id="{3827FAF3-5AB2-497D-B02F-328C73B270A9}"/>
+              </a:ext>
+            </a:extLst>
+          </p:cNvPr>
+          <p:cNvSpPr/>
+          <p:nvPr/>
+        </p:nvSpPr>
+        <p:spPr>
+          <a:xfrm>
+            <a:off x="511726" y="3720417"/>
+            <a:ext cx="1728134" cy="994196"/>
+          </a:xfrm>
+          <a:prstGeom prst="rightArrow">
+            <a:avLst/>
+          </a:prstGeom>
+        </p:spPr>
+        <p:style>
+          <a:lnRef idx="2">
+            <a:schemeClr val="accent2">
+              <a:shade val="50000"/>
+            </a:schemeClr>
+          </a:lnRef>
+          <a:fillRef idx="1">
+            <a:schemeClr val="accent2"/>
+          </a:fillRef>
+          <a:effectRef idx="0">
+            <a:schemeClr val="accent2"/>
+          </a:effectRef>
+          <a:fontRef idx="minor">
+            <a:schemeClr val="lt1"/>
+          </a:fontRef>
+        </p:style>
+        <p:txBody>
+          <a:bodyPr rtlCol="0" anchor="ctr"/>
+          <a:lstStyle/>
+          <a:p>
+            <a:pPr algn="ctr"/>
+            <a:r>
+              <a:rPr lang="en-US" dirty="0"/>
+              <a:t>Recursive case</a:t>
+            </a:r>
+            <a:endParaRPr lang="th-TH" dirty="0"/>
+          </a:p>
+        </p:txBody>
+      </p:sp>
+    </p:spTree>
+    <p:extLst>
+      <p:ext uri="{BB962C8B-B14F-4D97-AF65-F5344CB8AC3E}">
+        <p14:creationId xmlns:p14="http://schemas.microsoft.com/office/powerpoint/2010/main" val="1581422393"/>
+      </p:ext>
+    </p:extLst>
+  </p:cSld>
+  <p:clrMapOvr>
+    <a:masterClrMapping/>
+  </p:clrMapOvr>
+</p:sld>
+</file>
+
+<file path=ppt/slides/slide64.xml><?xml version="1.0" encoding="utf-8"?>
+<p:sld xmlns:a="http://schemas.openxmlformats.org/drawingml/2006/main" xmlns:r="http://schemas.openxmlformats.org/officeDocument/2006/relationships" xmlns:p="http://schemas.openxmlformats.org/presentationml/2006/main">
+  <p:cSld>
+    <p:spTree>
+      <p:nvGrpSpPr>
+        <p:cNvPr id="1" name=""/>
+        <p:cNvGrpSpPr/>
+        <p:nvPr/>
+      </p:nvGrpSpPr>
+      <p:grpSpPr>
+        <a:xfrm>
+          <a:off x="0" y="0"/>
+          <a:ext cx="0" cy="0"/>
+          <a:chOff x="0" y="0"/>
+          <a:chExt cx="0" cy="0"/>
+        </a:xfrm>
+      </p:grpSpPr>
+      <p:sp>
+        <p:nvSpPr>
+          <p:cNvPr id="2" name="ชื่อเรื่อง 1">
+            <a:extLst>
+              <a:ext uri="{FF2B5EF4-FFF2-40B4-BE49-F238E27FC236}">
+                <a16:creationId xmlns:a16="http://schemas.microsoft.com/office/drawing/2014/main" id="{FBB6C061-4459-4DF9-B47C-74F0D0965F2B}"/>
+              </a:ext>
+            </a:extLst>
+          </p:cNvPr>
+          <p:cNvSpPr>
+            <a:spLocks noGrp="1"/>
+          </p:cNvSpPr>
+          <p:nvPr>
+            <p:ph type="title"/>
+          </p:nvPr>
+        </p:nvSpPr>
+        <p:spPr/>
+        <p:txBody>
+          <a:bodyPr/>
+          <a:lstStyle/>
+          <a:p>
+            <a:r>
+              <a:rPr lang="en-US" dirty="0"/>
+              <a:t>Why to use Recursive Function</a:t>
+            </a:r>
+            <a:endParaRPr lang="th-TH" dirty="0"/>
+          </a:p>
+        </p:txBody>
+      </p:sp>
+      <p:sp>
+        <p:nvSpPr>
+          <p:cNvPr id="3" name="ตัวแทนเนื้อหา 2">
+            <a:extLst>
+              <a:ext uri="{FF2B5EF4-FFF2-40B4-BE49-F238E27FC236}">
+                <a16:creationId xmlns:a16="http://schemas.microsoft.com/office/drawing/2014/main" id="{EABC5531-6438-4138-BF63-A2BA7F4879A6}"/>
+              </a:ext>
+            </a:extLst>
+          </p:cNvPr>
+          <p:cNvSpPr>
+            <a:spLocks noGrp="1"/>
+          </p:cNvSpPr>
+          <p:nvPr>
+            <p:ph idx="1"/>
+          </p:nvPr>
+        </p:nvSpPr>
+        <p:spPr/>
+        <p:txBody>
+          <a:bodyPr>
+            <a:normAutofit/>
+          </a:bodyPr>
+          <a:lstStyle/>
+          <a:p>
+            <a:r>
+              <a:rPr lang="th-TH" sz="2800" dirty="0"/>
+              <a:t>โค้ดสั้นกว่า</a:t>
+            </a:r>
+          </a:p>
+          <a:p>
+            <a:r>
+              <a:rPr lang="th-TH" sz="2800" dirty="0"/>
+              <a:t>อ่านโค้ดได้เข้าใจง่าย</a:t>
+            </a:r>
+          </a:p>
+          <a:p>
+            <a:r>
+              <a:rPr lang="th-TH" sz="2800" dirty="0"/>
+              <a:t>ทำ </a:t>
+            </a:r>
+            <a:r>
+              <a:rPr lang="en-US" sz="2800" dirty="0"/>
+              <a:t>Iterative branching </a:t>
+            </a:r>
+            <a:r>
+              <a:rPr lang="th-TH" sz="2800" dirty="0"/>
+              <a:t>ได้ง่าย (โค้ดที่ต้องแยกคิดปัญหาย่อย</a:t>
+            </a:r>
+            <a:r>
+              <a:rPr lang="en-US" sz="2800" dirty="0"/>
+              <a:t>)</a:t>
+            </a:r>
+            <a:endParaRPr lang="th-TH" sz="2800" dirty="0"/>
+          </a:p>
+        </p:txBody>
+      </p:sp>
+      <p:sp>
+        <p:nvSpPr>
+          <p:cNvPr id="4" name="ตัวแทนวันที่ 3">
+            <a:extLst>
+              <a:ext uri="{FF2B5EF4-FFF2-40B4-BE49-F238E27FC236}">
+                <a16:creationId xmlns:a16="http://schemas.microsoft.com/office/drawing/2014/main" id="{E0AD0785-206A-4C80-B150-C178DC897EE6}"/>
+              </a:ext>
+            </a:extLst>
+          </p:cNvPr>
+          <p:cNvSpPr>
+            <a:spLocks noGrp="1"/>
+          </p:cNvSpPr>
+          <p:nvPr>
+            <p:ph type="dt" sz="half" idx="10"/>
+          </p:nvPr>
+        </p:nvSpPr>
+        <p:spPr/>
+        <p:txBody>
+          <a:bodyPr/>
+          <a:lstStyle/>
+          <a:p>
+            <a:pPr rtl="0"/>
+            <a:fld id="{38C53E2A-59EE-41B3-A1AB-9575F6EA1695}" type="datetime1">
+              <a:rPr lang="th-TH" smtClean="0"/>
+              <a:t>18/09/63</a:t>
+            </a:fld>
+            <a:endParaRPr lang="en-US"/>
+          </a:p>
+        </p:txBody>
+      </p:sp>
+      <p:pic>
+        <p:nvPicPr>
+          <p:cNvPr id="6" name="รูปภาพ 5" descr="รูปภาพประกอบด้วย อาคาร, หน้าต่าง&#10;&#10;คำอธิบายที่สร้างโดยอัตโนมัติ">
+            <a:extLst>
+              <a:ext uri="{FF2B5EF4-FFF2-40B4-BE49-F238E27FC236}">
+                <a16:creationId xmlns:a16="http://schemas.microsoft.com/office/drawing/2014/main" id="{6C4077CC-325D-4831-9999-019E3E7B14D5}"/>
+              </a:ext>
+            </a:extLst>
+          </p:cNvPr>
+          <p:cNvPicPr>
+            <a:picLocks noChangeAspect="1"/>
+          </p:cNvPicPr>
+          <p:nvPr/>
+        </p:nvPicPr>
+        <p:blipFill>
+          <a:blip r:embed="rId2">
+            <a:extLst>
+              <a:ext uri="{28A0092B-C50C-407E-A947-70E740481C1C}">
+                <a14:useLocalDpi xmlns:a14="http://schemas.microsoft.com/office/drawing/2010/main" val="0"/>
+              </a:ext>
+            </a:extLst>
+          </a:blip>
+          <a:stretch>
+            <a:fillRect/>
+          </a:stretch>
+        </p:blipFill>
+        <p:spPr>
+          <a:xfrm>
+            <a:off x="3056740" y="3817261"/>
+            <a:ext cx="5646576" cy="2780939"/>
+          </a:xfrm>
+          <a:prstGeom prst="rect">
+            <a:avLst/>
+          </a:prstGeom>
+        </p:spPr>
+      </p:pic>
+    </p:spTree>
+    <p:extLst>
+      <p:ext uri="{BB962C8B-B14F-4D97-AF65-F5344CB8AC3E}">
+        <p14:creationId xmlns:p14="http://schemas.microsoft.com/office/powerpoint/2010/main" val="3446130144"/>
+      </p:ext>
+    </p:extLst>
+  </p:cSld>
+  <p:clrMapOvr>
+    <a:masterClrMapping/>
+  </p:clrMapOvr>
+</p:sld>
+</file>
+
+<file path=ppt/slides/slide65.xml><?xml version="1.0" encoding="utf-8"?>
+<p:sld xmlns:a="http://schemas.openxmlformats.org/drawingml/2006/main" xmlns:r="http://schemas.openxmlformats.org/officeDocument/2006/relationships" xmlns:p="http://schemas.openxmlformats.org/presentationml/2006/main">
+  <p:cSld>
+    <p:spTree>
+      <p:nvGrpSpPr>
+        <p:cNvPr id="1" name=""/>
+        <p:cNvGrpSpPr/>
+        <p:nvPr/>
+      </p:nvGrpSpPr>
+      <p:grpSpPr>
+        <a:xfrm>
+          <a:off x="0" y="0"/>
+          <a:ext cx="0" cy="0"/>
+          <a:chOff x="0" y="0"/>
+          <a:chExt cx="0" cy="0"/>
+        </a:xfrm>
+      </p:grpSpPr>
+      <p:sp>
+        <p:nvSpPr>
+          <p:cNvPr id="2" name="ชื่อเรื่อง 1">
+            <a:extLst>
+              <a:ext uri="{FF2B5EF4-FFF2-40B4-BE49-F238E27FC236}">
+                <a16:creationId xmlns:a16="http://schemas.microsoft.com/office/drawing/2014/main" id="{D731D7A5-1A5B-49B5-ABC4-3E6C17691F08}"/>
+              </a:ext>
+            </a:extLst>
+          </p:cNvPr>
+          <p:cNvSpPr>
+            <a:spLocks noGrp="1"/>
+          </p:cNvSpPr>
+          <p:nvPr>
+            <p:ph type="title"/>
+          </p:nvPr>
+        </p:nvSpPr>
+        <p:spPr/>
+        <p:txBody>
+          <a:bodyPr/>
+          <a:lstStyle/>
+          <a:p>
+            <a:r>
+              <a:rPr lang="en-US" dirty="0"/>
+              <a:t>Recursive VS Iterative</a:t>
+            </a:r>
+            <a:endParaRPr lang="th-TH" dirty="0"/>
+          </a:p>
+        </p:txBody>
+      </p:sp>
+      <p:sp>
+        <p:nvSpPr>
+          <p:cNvPr id="3" name="ตัวแทนเนื้อหา 2">
+            <a:extLst>
+              <a:ext uri="{FF2B5EF4-FFF2-40B4-BE49-F238E27FC236}">
+                <a16:creationId xmlns:a16="http://schemas.microsoft.com/office/drawing/2014/main" id="{620D8DE6-EC3A-4438-A4A9-829D9CCAFB2D}"/>
+              </a:ext>
+            </a:extLst>
+          </p:cNvPr>
+          <p:cNvSpPr>
+            <a:spLocks noGrp="1"/>
+          </p:cNvSpPr>
+          <p:nvPr>
+            <p:ph idx="1"/>
+          </p:nvPr>
+        </p:nvSpPr>
+        <p:spPr/>
+        <p:txBody>
+          <a:bodyPr>
+            <a:normAutofit/>
+          </a:bodyPr>
+          <a:lstStyle/>
+          <a:p>
+            <a:r>
+              <a:rPr lang="th-TH" sz="2000" dirty="0"/>
+              <a:t>โดยปกติ โค้ดแบบ </a:t>
+            </a:r>
+            <a:r>
+              <a:rPr lang="en-US" sz="2000" dirty="0"/>
+              <a:t>Iterative </a:t>
+            </a:r>
+            <a:r>
+              <a:rPr lang="th-TH" sz="2000" dirty="0"/>
+              <a:t>จะทำงานได้ดีกว่าทั้งแง่ของพื้นที่และความเร็ว</a:t>
+            </a:r>
+          </a:p>
+          <a:p>
+            <a:r>
+              <a:rPr lang="en-US" sz="2000" dirty="0"/>
+              <a:t>Recursive </a:t>
+            </a:r>
+            <a:r>
+              <a:rPr lang="th-TH" sz="2000" dirty="0"/>
+              <a:t>จะทำงานได้ดีเมื่อเขียน </a:t>
+            </a:r>
+            <a:r>
+              <a:rPr lang="en-US" sz="2000" dirty="0"/>
+              <a:t>iterative </a:t>
+            </a:r>
+            <a:r>
+              <a:rPr lang="th-TH" sz="2000" dirty="0"/>
+              <a:t>ยาก เช่น เกิด </a:t>
+            </a:r>
+            <a:r>
+              <a:rPr lang="en-US" sz="2000" dirty="0"/>
+              <a:t>Iterative branching</a:t>
+            </a:r>
+          </a:p>
+          <a:p>
+            <a:r>
+              <a:rPr lang="th-TH" sz="2000" dirty="0"/>
+              <a:t>บางกรณี </a:t>
+            </a:r>
+            <a:r>
+              <a:rPr lang="en-US" sz="2000" dirty="0"/>
+              <a:t>Recursive code </a:t>
+            </a:r>
+            <a:r>
+              <a:rPr lang="th-TH" sz="2000" dirty="0"/>
+              <a:t>แปลงเป็น </a:t>
+            </a:r>
+            <a:r>
+              <a:rPr lang="en-US" sz="2000" dirty="0"/>
+              <a:t>Iterative code </a:t>
+            </a:r>
+            <a:r>
+              <a:rPr lang="th-TH" sz="2000" dirty="0"/>
+              <a:t>ได้ เช่น </a:t>
+            </a:r>
+            <a:r>
+              <a:rPr lang="en-US" sz="2000" dirty="0"/>
+              <a:t>Tail Recursion</a:t>
+            </a:r>
+          </a:p>
+          <a:p>
+            <a:r>
+              <a:rPr lang="th-TH" sz="2000" dirty="0"/>
+              <a:t>โค้ดบางอย่างไม่สามารถเขียนแบบ </a:t>
+            </a:r>
+            <a:r>
+              <a:rPr lang="en-US" sz="2000" dirty="0"/>
+              <a:t>Iterative </a:t>
+            </a:r>
+            <a:r>
+              <a:rPr lang="th-TH" sz="2000" dirty="0"/>
+              <a:t>ได้แต่เขียนแบบ </a:t>
+            </a:r>
+            <a:r>
+              <a:rPr lang="en-US" sz="2000" dirty="0"/>
+              <a:t>Recursive </a:t>
+            </a:r>
+            <a:r>
+              <a:rPr lang="th-TH" sz="2000" dirty="0"/>
+              <a:t>ได้ เช่น </a:t>
+            </a:r>
+            <a:r>
+              <a:rPr lang="en-US" sz="2000" dirty="0"/>
+              <a:t>Hanoi, n-queens</a:t>
+            </a:r>
+          </a:p>
+        </p:txBody>
+      </p:sp>
+      <p:sp>
+        <p:nvSpPr>
+          <p:cNvPr id="4" name="ตัวแทนวันที่ 3">
+            <a:extLst>
+              <a:ext uri="{FF2B5EF4-FFF2-40B4-BE49-F238E27FC236}">
+                <a16:creationId xmlns:a16="http://schemas.microsoft.com/office/drawing/2014/main" id="{A3101AAF-2B77-4C45-BEC5-B0AD3C4E4D17}"/>
+              </a:ext>
+            </a:extLst>
+          </p:cNvPr>
+          <p:cNvSpPr>
+            <a:spLocks noGrp="1"/>
+          </p:cNvSpPr>
+          <p:nvPr>
+            <p:ph type="dt" sz="half" idx="10"/>
+          </p:nvPr>
+        </p:nvSpPr>
+        <p:spPr/>
+        <p:txBody>
+          <a:bodyPr/>
+          <a:lstStyle/>
+          <a:p>
+            <a:pPr rtl="0"/>
+            <a:fld id="{38C53E2A-59EE-41B3-A1AB-9575F6EA1695}" type="datetime1">
+              <a:rPr lang="th-TH" smtClean="0"/>
+              <a:t>18/09/63</a:t>
+            </a:fld>
+            <a:endParaRPr lang="en-US"/>
+          </a:p>
+        </p:txBody>
+      </p:sp>
+    </p:spTree>
+    <p:extLst>
+      <p:ext uri="{BB962C8B-B14F-4D97-AF65-F5344CB8AC3E}">
+        <p14:creationId xmlns:p14="http://schemas.microsoft.com/office/powerpoint/2010/main" val="3197212017"/>
+      </p:ext>
+    </p:extLst>
+  </p:cSld>
+  <p:clrMapOvr>
+    <a:masterClrMapping/>
+  </p:clrMapOvr>
+</p:sld>
+</file>
+
+<file path=ppt/slides/slide66.xml><?xml version="1.0" encoding="utf-8"?>
+<p:sld xmlns:a="http://schemas.openxmlformats.org/drawingml/2006/main" xmlns:r="http://schemas.openxmlformats.org/officeDocument/2006/relationships" xmlns:p="http://schemas.openxmlformats.org/presentationml/2006/main">
+  <p:cSld>
+    <p:spTree>
+      <p:nvGrpSpPr>
+        <p:cNvPr id="1" name=""/>
+        <p:cNvGrpSpPr/>
+        <p:nvPr/>
+      </p:nvGrpSpPr>
+      <p:grpSpPr>
+        <a:xfrm>
+          <a:off x="0" y="0"/>
+          <a:ext cx="0" cy="0"/>
+          <a:chOff x="0" y="0"/>
+          <a:chExt cx="0" cy="0"/>
+        </a:xfrm>
+      </p:grpSpPr>
+      <p:sp>
+        <p:nvSpPr>
+          <p:cNvPr id="2" name="ชื่อเรื่อง 1">
+            <a:extLst>
+              <a:ext uri="{FF2B5EF4-FFF2-40B4-BE49-F238E27FC236}">
+                <a16:creationId xmlns:a16="http://schemas.microsoft.com/office/drawing/2014/main" id="{17A98209-BCDC-4969-AA2D-B9A9DCDA13B9}"/>
+              </a:ext>
+            </a:extLst>
+          </p:cNvPr>
+          <p:cNvSpPr>
+            <a:spLocks noGrp="1"/>
+          </p:cNvSpPr>
+          <p:nvPr>
+            <p:ph type="title"/>
+          </p:nvPr>
+        </p:nvSpPr>
+        <p:spPr/>
+        <p:txBody>
+          <a:bodyPr/>
+          <a:lstStyle/>
+          <a:p>
+            <a:r>
+              <a:rPr lang="en-US" dirty="0"/>
+              <a:t>Tail Recursion</a:t>
+            </a:r>
+            <a:endParaRPr lang="th-TH" dirty="0"/>
+          </a:p>
+        </p:txBody>
+      </p:sp>
+      <p:sp>
+        <p:nvSpPr>
+          <p:cNvPr id="3" name="ตัวแทนเนื้อหา 2">
+            <a:extLst>
+              <a:ext uri="{FF2B5EF4-FFF2-40B4-BE49-F238E27FC236}">
+                <a16:creationId xmlns:a16="http://schemas.microsoft.com/office/drawing/2014/main" id="{1717217E-A35A-489B-BCF4-7069981EEE04}"/>
+              </a:ext>
+            </a:extLst>
+          </p:cNvPr>
+          <p:cNvSpPr>
+            <a:spLocks noGrp="1"/>
+          </p:cNvSpPr>
+          <p:nvPr>
+            <p:ph idx="1"/>
+          </p:nvPr>
+        </p:nvSpPr>
+        <p:spPr/>
+        <p:txBody>
+          <a:bodyPr>
+            <a:normAutofit/>
+          </a:bodyPr>
+          <a:lstStyle/>
+          <a:p>
+            <a:r>
+              <a:rPr lang="th-TH" sz="2800" dirty="0"/>
+              <a:t>เรียก </a:t>
+            </a:r>
+            <a:r>
+              <a:rPr lang="en-US" sz="2800" dirty="0"/>
+              <a:t>Recursion </a:t>
+            </a:r>
+            <a:r>
+              <a:rPr lang="th-TH" sz="2800" dirty="0"/>
+              <a:t>เป็นคำสั่งสุดท้าย</a:t>
+            </a:r>
+          </a:p>
+          <a:p>
+            <a:r>
+              <a:rPr lang="th-TH" sz="2800" dirty="0"/>
+              <a:t>สามารถเขียนในรูป </a:t>
+            </a:r>
+            <a:r>
+              <a:rPr lang="en-US" sz="2800" dirty="0"/>
+              <a:t>Iterative </a:t>
+            </a:r>
+            <a:r>
+              <a:rPr lang="th-TH" sz="2800" dirty="0"/>
+              <a:t>ได้ง่าย</a:t>
+            </a:r>
+          </a:p>
+        </p:txBody>
+      </p:sp>
+      <p:sp>
+        <p:nvSpPr>
+          <p:cNvPr id="4" name="ตัวแทนวันที่ 3">
+            <a:extLst>
+              <a:ext uri="{FF2B5EF4-FFF2-40B4-BE49-F238E27FC236}">
+                <a16:creationId xmlns:a16="http://schemas.microsoft.com/office/drawing/2014/main" id="{ECD92CAF-7695-4F44-AE5C-1DFA099385A0}"/>
+              </a:ext>
+            </a:extLst>
+          </p:cNvPr>
+          <p:cNvSpPr>
+            <a:spLocks noGrp="1"/>
+          </p:cNvSpPr>
+          <p:nvPr>
+            <p:ph type="dt" sz="half" idx="10"/>
+          </p:nvPr>
+        </p:nvSpPr>
+        <p:spPr/>
+        <p:txBody>
+          <a:bodyPr/>
+          <a:lstStyle/>
+          <a:p>
+            <a:pPr rtl="0"/>
+            <a:fld id="{38C53E2A-59EE-41B3-A1AB-9575F6EA1695}" type="datetime1">
+              <a:rPr lang="th-TH" smtClean="0"/>
+              <a:t>18/09/63</a:t>
+            </a:fld>
+            <a:endParaRPr lang="en-US"/>
+          </a:p>
+        </p:txBody>
+      </p:sp>
+      <p:pic>
+        <p:nvPicPr>
+          <p:cNvPr id="7" name="รูปภาพ 6">
+            <a:extLst>
+              <a:ext uri="{FF2B5EF4-FFF2-40B4-BE49-F238E27FC236}">
+                <a16:creationId xmlns:a16="http://schemas.microsoft.com/office/drawing/2014/main" id="{8107FEE0-F3F0-468D-8F15-997BAF6DC963}"/>
+              </a:ext>
+            </a:extLst>
+          </p:cNvPr>
+          <p:cNvPicPr>
+            <a:picLocks noChangeAspect="1"/>
+          </p:cNvPicPr>
+          <p:nvPr/>
+        </p:nvPicPr>
+        <p:blipFill>
+          <a:blip r:embed="rId2"/>
+          <a:stretch>
+            <a:fillRect/>
+          </a:stretch>
+        </p:blipFill>
+        <p:spPr>
+          <a:xfrm>
+            <a:off x="6651405" y="1089701"/>
+            <a:ext cx="4831577" cy="4678598"/>
+          </a:xfrm>
+          <a:prstGeom prst="rect">
+            <a:avLst/>
+          </a:prstGeom>
+        </p:spPr>
+      </p:pic>
+    </p:spTree>
+    <p:extLst>
+      <p:ext uri="{BB962C8B-B14F-4D97-AF65-F5344CB8AC3E}">
+        <p14:creationId xmlns:p14="http://schemas.microsoft.com/office/powerpoint/2010/main" val="396737039"/>
+      </p:ext>
+    </p:extLst>
+  </p:cSld>
+  <p:clrMapOvr>
+    <a:masterClrMapping/>
+  </p:clrMapOvr>
+</p:sld>
+</file>
+
+<file path=ppt/slides/slide67.xml><?xml version="1.0" encoding="utf-8"?>
+<p:sld xmlns:a="http://schemas.openxmlformats.org/drawingml/2006/main" xmlns:r="http://schemas.openxmlformats.org/officeDocument/2006/relationships" xmlns:p="http://schemas.openxmlformats.org/presentationml/2006/main">
+  <p:cSld>
+    <p:spTree>
+      <p:nvGrpSpPr>
+        <p:cNvPr id="1" name=""/>
+        <p:cNvGrpSpPr/>
+        <p:nvPr/>
+      </p:nvGrpSpPr>
+      <p:grpSpPr>
+        <a:xfrm>
+          <a:off x="0" y="0"/>
+          <a:ext cx="0" cy="0"/>
+          <a:chOff x="0" y="0"/>
+          <a:chExt cx="0" cy="0"/>
+        </a:xfrm>
+      </p:grpSpPr>
+      <p:sp>
+        <p:nvSpPr>
+          <p:cNvPr id="2" name="ชื่อเรื่อง 1">
+            <a:extLst>
+              <a:ext uri="{FF2B5EF4-FFF2-40B4-BE49-F238E27FC236}">
+                <a16:creationId xmlns:a16="http://schemas.microsoft.com/office/drawing/2014/main" id="{AFC43569-1E92-4230-AA71-D07A01167083}"/>
+              </a:ext>
+            </a:extLst>
+          </p:cNvPr>
+          <p:cNvSpPr>
+            <a:spLocks noGrp="1"/>
+          </p:cNvSpPr>
+          <p:nvPr>
+            <p:ph type="title"/>
+          </p:nvPr>
+        </p:nvSpPr>
+        <p:spPr/>
+        <p:txBody>
+          <a:bodyPr/>
+          <a:lstStyle/>
+          <a:p>
+            <a:r>
+              <a:rPr lang="en-US" dirty="0"/>
+              <a:t>Example: Minimum value</a:t>
+            </a:r>
+            <a:endParaRPr lang="th-TH" dirty="0"/>
+          </a:p>
+        </p:txBody>
+      </p:sp>
+      <p:pic>
+        <p:nvPicPr>
+          <p:cNvPr id="5" name="ตัวแทนเนื้อหา 4">
+            <a:extLst>
+              <a:ext uri="{FF2B5EF4-FFF2-40B4-BE49-F238E27FC236}">
+                <a16:creationId xmlns:a16="http://schemas.microsoft.com/office/drawing/2014/main" id="{1D35C07B-1DA3-4D3F-A275-7245670DC9BE}"/>
+              </a:ext>
+            </a:extLst>
+          </p:cNvPr>
+          <p:cNvPicPr>
+            <a:picLocks noGrp="1" noChangeAspect="1"/>
+          </p:cNvPicPr>
+          <p:nvPr>
+            <p:ph idx="1"/>
+          </p:nvPr>
+        </p:nvPicPr>
+        <p:blipFill>
+          <a:blip r:embed="rId2"/>
+          <a:stretch>
+            <a:fillRect/>
+          </a:stretch>
+        </p:blipFill>
+        <p:spPr>
+          <a:xfrm>
+            <a:off x="2575249" y="2169325"/>
+            <a:ext cx="6736702" cy="3556978"/>
+          </a:xfrm>
+          <a:prstGeom prst="rect">
+            <a:avLst/>
+          </a:prstGeom>
+        </p:spPr>
+      </p:pic>
+      <p:sp>
+        <p:nvSpPr>
+          <p:cNvPr id="4" name="ตัวแทนวันที่ 3">
+            <a:extLst>
+              <a:ext uri="{FF2B5EF4-FFF2-40B4-BE49-F238E27FC236}">
+                <a16:creationId xmlns:a16="http://schemas.microsoft.com/office/drawing/2014/main" id="{D7A7BABB-6877-4929-ACBF-8A4D35FD752C}"/>
+              </a:ext>
+            </a:extLst>
+          </p:cNvPr>
+          <p:cNvSpPr>
+            <a:spLocks noGrp="1"/>
+          </p:cNvSpPr>
+          <p:nvPr>
+            <p:ph type="dt" sz="half" idx="10"/>
+          </p:nvPr>
+        </p:nvSpPr>
+        <p:spPr/>
+        <p:txBody>
+          <a:bodyPr/>
+          <a:lstStyle/>
+          <a:p>
+            <a:pPr rtl="0"/>
+            <a:fld id="{38C53E2A-59EE-41B3-A1AB-9575F6EA1695}" type="datetime1">
+              <a:rPr lang="th-TH" smtClean="0"/>
+              <a:t>18/09/63</a:t>
+            </a:fld>
+            <a:endParaRPr lang="en-US"/>
+          </a:p>
+        </p:txBody>
+      </p:sp>
+    </p:spTree>
+    <p:extLst>
+      <p:ext uri="{BB962C8B-B14F-4D97-AF65-F5344CB8AC3E}">
+        <p14:creationId xmlns:p14="http://schemas.microsoft.com/office/powerpoint/2010/main" val="4035070844"/>
+      </p:ext>
+    </p:extLst>
+  </p:cSld>
+  <p:clrMapOvr>
+    <a:masterClrMapping/>
+  </p:clrMapOvr>
+</p:sld>
+</file>
+
+<file path=ppt/slides/slide68.xml><?xml version="1.0" encoding="utf-8"?>
+<p:sld xmlns:a="http://schemas.openxmlformats.org/drawingml/2006/main" xmlns:r="http://schemas.openxmlformats.org/officeDocument/2006/relationships" xmlns:p="http://schemas.openxmlformats.org/presentationml/2006/main">
+  <p:cSld>
+    <p:spTree>
+      <p:nvGrpSpPr>
+        <p:cNvPr id="1" name=""/>
+        <p:cNvGrpSpPr/>
+        <p:nvPr/>
+      </p:nvGrpSpPr>
+      <p:grpSpPr>
+        <a:xfrm>
+          <a:off x="0" y="0"/>
+          <a:ext cx="0" cy="0"/>
+          <a:chOff x="0" y="0"/>
+          <a:chExt cx="0" cy="0"/>
+        </a:xfrm>
+      </p:grpSpPr>
+      <p:sp>
+        <p:nvSpPr>
+          <p:cNvPr id="2" name="ชื่อเรื่อง 1">
+            <a:extLst>
+              <a:ext uri="{FF2B5EF4-FFF2-40B4-BE49-F238E27FC236}">
+                <a16:creationId xmlns:a16="http://schemas.microsoft.com/office/drawing/2014/main" id="{46468518-6E15-48A9-8FC9-B19C6C79ACA5}"/>
+              </a:ext>
+            </a:extLst>
+          </p:cNvPr>
+          <p:cNvSpPr>
+            <a:spLocks noGrp="1"/>
+          </p:cNvSpPr>
+          <p:nvPr>
+            <p:ph type="title"/>
+          </p:nvPr>
+        </p:nvSpPr>
+        <p:spPr/>
+        <p:txBody>
+          <a:bodyPr/>
+          <a:lstStyle/>
+          <a:p>
+            <a:r>
+              <a:rPr lang="en-US" dirty="0"/>
+              <a:t>Example: Sum list</a:t>
+            </a:r>
+            <a:endParaRPr lang="th-TH" dirty="0"/>
+          </a:p>
+        </p:txBody>
+      </p:sp>
+      <p:pic>
+        <p:nvPicPr>
+          <p:cNvPr id="5" name="ตัวแทนเนื้อหา 4">
+            <a:extLst>
+              <a:ext uri="{FF2B5EF4-FFF2-40B4-BE49-F238E27FC236}">
+                <a16:creationId xmlns:a16="http://schemas.microsoft.com/office/drawing/2014/main" id="{3C2B79C9-493A-47D4-8ABF-0D534AF28870}"/>
+              </a:ext>
+            </a:extLst>
+          </p:cNvPr>
+          <p:cNvPicPr>
+            <a:picLocks noGrp="1" noChangeAspect="1"/>
+          </p:cNvPicPr>
+          <p:nvPr>
+            <p:ph idx="1"/>
+          </p:nvPr>
+        </p:nvPicPr>
+        <p:blipFill>
+          <a:blip r:embed="rId2"/>
+          <a:stretch>
+            <a:fillRect/>
+          </a:stretch>
+        </p:blipFill>
+        <p:spPr>
+          <a:xfrm>
+            <a:off x="2121775" y="2014193"/>
+            <a:ext cx="7575898" cy="3839369"/>
+          </a:xfrm>
+          <a:prstGeom prst="rect">
+            <a:avLst/>
+          </a:prstGeom>
+        </p:spPr>
+      </p:pic>
+      <p:sp>
+        <p:nvSpPr>
+          <p:cNvPr id="4" name="ตัวแทนวันที่ 3">
+            <a:extLst>
+              <a:ext uri="{FF2B5EF4-FFF2-40B4-BE49-F238E27FC236}">
+                <a16:creationId xmlns:a16="http://schemas.microsoft.com/office/drawing/2014/main" id="{84D8727B-38A3-419A-AA7D-817E07E2A6B7}"/>
+              </a:ext>
+            </a:extLst>
+          </p:cNvPr>
+          <p:cNvSpPr>
+            <a:spLocks noGrp="1"/>
+          </p:cNvSpPr>
+          <p:nvPr>
+            <p:ph type="dt" sz="half" idx="10"/>
+          </p:nvPr>
+        </p:nvSpPr>
+        <p:spPr/>
+        <p:txBody>
+          <a:bodyPr/>
+          <a:lstStyle/>
+          <a:p>
+            <a:pPr rtl="0"/>
+            <a:fld id="{38C53E2A-59EE-41B3-A1AB-9575F6EA1695}" type="datetime1">
+              <a:rPr lang="th-TH" smtClean="0"/>
+              <a:t>18/09/63</a:t>
+            </a:fld>
+            <a:endParaRPr lang="en-US"/>
+          </a:p>
+        </p:txBody>
+      </p:sp>
+    </p:spTree>
+    <p:extLst>
+      <p:ext uri="{BB962C8B-B14F-4D97-AF65-F5344CB8AC3E}">
+        <p14:creationId xmlns:p14="http://schemas.microsoft.com/office/powerpoint/2010/main" val="850535802"/>
+      </p:ext>
+    </p:extLst>
+  </p:cSld>
+  <p:clrMapOvr>
+    <a:masterClrMapping/>
+  </p:clrMapOvr>
+</p:sld>
+</file>
+
+<file path=ppt/slides/slide69.xml><?xml version="1.0" encoding="utf-8"?>
+<p:sld xmlns:a="http://schemas.openxmlformats.org/drawingml/2006/main" xmlns:r="http://schemas.openxmlformats.org/officeDocument/2006/relationships" xmlns:p="http://schemas.openxmlformats.org/presentationml/2006/main">
+  <p:cSld>
+    <p:spTree>
+      <p:nvGrpSpPr>
+        <p:cNvPr id="1" name=""/>
+        <p:cNvGrpSpPr/>
+        <p:nvPr/>
+      </p:nvGrpSpPr>
+      <p:grpSpPr>
+        <a:xfrm>
+          <a:off x="0" y="0"/>
+          <a:ext cx="0" cy="0"/>
+          <a:chOff x="0" y="0"/>
+          <a:chExt cx="0" cy="0"/>
+        </a:xfrm>
+      </p:grpSpPr>
+      <p:sp>
+        <p:nvSpPr>
+          <p:cNvPr id="2" name="ชื่อเรื่อง 1">
+            <a:extLst>
+              <a:ext uri="{FF2B5EF4-FFF2-40B4-BE49-F238E27FC236}">
+                <a16:creationId xmlns:a16="http://schemas.microsoft.com/office/drawing/2014/main" id="{6EB69348-43A8-4BAC-963C-82F01ECF3118}"/>
+              </a:ext>
+            </a:extLst>
+          </p:cNvPr>
+          <p:cNvSpPr>
+            <a:spLocks noGrp="1"/>
+          </p:cNvSpPr>
+          <p:nvPr>
+            <p:ph type="title"/>
+          </p:nvPr>
+        </p:nvSpPr>
+        <p:spPr/>
+        <p:txBody>
+          <a:bodyPr/>
+          <a:lstStyle/>
+          <a:p>
+            <a:r>
+              <a:rPr lang="en-US" dirty="0"/>
+              <a:t>Example: Hanoi Tower</a:t>
+            </a:r>
+            <a:endParaRPr lang="th-TH" dirty="0"/>
+          </a:p>
+        </p:txBody>
+      </p:sp>
+      <p:sp>
+        <p:nvSpPr>
+          <p:cNvPr id="4" name="ตัวแทนวันที่ 3">
+            <a:extLst>
+              <a:ext uri="{FF2B5EF4-FFF2-40B4-BE49-F238E27FC236}">
+                <a16:creationId xmlns:a16="http://schemas.microsoft.com/office/drawing/2014/main" id="{11B6A6A6-303C-421D-AC53-D90837006A54}"/>
+              </a:ext>
+            </a:extLst>
+          </p:cNvPr>
+          <p:cNvSpPr>
+            <a:spLocks noGrp="1"/>
+          </p:cNvSpPr>
+          <p:nvPr>
+            <p:ph type="dt" sz="half" idx="10"/>
+          </p:nvPr>
+        </p:nvSpPr>
+        <p:spPr/>
+        <p:txBody>
+          <a:bodyPr/>
+          <a:lstStyle/>
+          <a:p>
+            <a:pPr rtl="0"/>
+            <a:fld id="{38C53E2A-59EE-41B3-A1AB-9575F6EA1695}" type="datetime1">
+              <a:rPr lang="th-TH" smtClean="0"/>
+              <a:t>18/09/63</a:t>
+            </a:fld>
+            <a:endParaRPr lang="en-US"/>
+          </a:p>
+        </p:txBody>
+      </p:sp>
+      <p:pic>
+        <p:nvPicPr>
+          <p:cNvPr id="9" name="ตัวแทนเนื้อหา 8">
+            <a:extLst>
+              <a:ext uri="{FF2B5EF4-FFF2-40B4-BE49-F238E27FC236}">
+                <a16:creationId xmlns:a16="http://schemas.microsoft.com/office/drawing/2014/main" id="{4B3B8F2C-8EB0-4BE2-80C8-2E8470D66A4D}"/>
+              </a:ext>
+            </a:extLst>
+          </p:cNvPr>
+          <p:cNvPicPr>
+            <a:picLocks noGrp="1" noChangeAspect="1"/>
+          </p:cNvPicPr>
+          <p:nvPr>
+            <p:ph idx="1"/>
+          </p:nvPr>
+        </p:nvPicPr>
+        <p:blipFill>
+          <a:blip r:embed="rId2"/>
+          <a:stretch>
+            <a:fillRect/>
+          </a:stretch>
+        </p:blipFill>
+        <p:spPr>
+          <a:xfrm>
+            <a:off x="1066800" y="2122415"/>
+            <a:ext cx="9743132" cy="3556716"/>
+          </a:xfrm>
+          <a:prstGeom prst="rect">
+            <a:avLst/>
+          </a:prstGeom>
+        </p:spPr>
+      </p:pic>
+    </p:spTree>
+    <p:extLst>
+      <p:ext uri="{BB962C8B-B14F-4D97-AF65-F5344CB8AC3E}">
+        <p14:creationId xmlns:p14="http://schemas.microsoft.com/office/powerpoint/2010/main" val="3233380435"/>
       </p:ext>
     </p:extLst>
   </p:cSld>
@@ -27127,7 +28696,7 @@
             <a:pPr rtl="0"/>
             <a:fld id="{38C53E2A-59EE-41B3-A1AB-9575F6EA1695}" type="datetime1">
               <a:rPr lang="th-TH" smtClean="0"/>
-              <a:t>16/09/63</a:t>
+              <a:t>18/09/63</a:t>
             </a:fld>
             <a:endParaRPr lang="en-US"/>
           </a:p>
@@ -27137,6 +28706,386 @@
     <p:extLst>
       <p:ext uri="{BB962C8B-B14F-4D97-AF65-F5344CB8AC3E}">
         <p14:creationId xmlns:p14="http://schemas.microsoft.com/office/powerpoint/2010/main" val="773826309"/>
+      </p:ext>
+    </p:extLst>
+  </p:cSld>
+  <p:clrMapOvr>
+    <a:masterClrMapping/>
+  </p:clrMapOvr>
+</p:sld>
+</file>
+
+<file path=ppt/slides/slide70.xml><?xml version="1.0" encoding="utf-8"?>
+<p:sld xmlns:a="http://schemas.openxmlformats.org/drawingml/2006/main" xmlns:r="http://schemas.openxmlformats.org/officeDocument/2006/relationships" xmlns:p="http://schemas.openxmlformats.org/presentationml/2006/main">
+  <p:cSld>
+    <p:spTree>
+      <p:nvGrpSpPr>
+        <p:cNvPr id="1" name=""/>
+        <p:cNvGrpSpPr/>
+        <p:nvPr/>
+      </p:nvGrpSpPr>
+      <p:grpSpPr>
+        <a:xfrm>
+          <a:off x="0" y="0"/>
+          <a:ext cx="0" cy="0"/>
+          <a:chOff x="0" y="0"/>
+          <a:chExt cx="0" cy="0"/>
+        </a:xfrm>
+      </p:grpSpPr>
+      <p:sp>
+        <p:nvSpPr>
+          <p:cNvPr id="2" name="ชื่อเรื่อง 1">
+            <a:extLst>
+              <a:ext uri="{FF2B5EF4-FFF2-40B4-BE49-F238E27FC236}">
+                <a16:creationId xmlns:a16="http://schemas.microsoft.com/office/drawing/2014/main" id="{EB11B39C-0661-4A8D-955F-0EF3BD311BF8}"/>
+              </a:ext>
+            </a:extLst>
+          </p:cNvPr>
+          <p:cNvSpPr>
+            <a:spLocks noGrp="1"/>
+          </p:cNvSpPr>
+          <p:nvPr>
+            <p:ph type="title"/>
+          </p:nvPr>
+        </p:nvSpPr>
+        <p:spPr/>
+        <p:txBody>
+          <a:bodyPr/>
+          <a:lstStyle/>
+          <a:p>
+            <a:r>
+              <a:rPr lang="en-US" dirty="0"/>
+              <a:t>Example: Permutation</a:t>
+            </a:r>
+            <a:endParaRPr lang="th-TH" dirty="0"/>
+          </a:p>
+        </p:txBody>
+      </p:sp>
+      <p:pic>
+        <p:nvPicPr>
+          <p:cNvPr id="5" name="ตัวแทนเนื้อหา 4">
+            <a:extLst>
+              <a:ext uri="{FF2B5EF4-FFF2-40B4-BE49-F238E27FC236}">
+                <a16:creationId xmlns:a16="http://schemas.microsoft.com/office/drawing/2014/main" id="{336E34B1-5998-4E00-B57E-7EE7E43728C2}"/>
+              </a:ext>
+            </a:extLst>
+          </p:cNvPr>
+          <p:cNvPicPr>
+            <a:picLocks noGrp="1" noChangeAspect="1"/>
+          </p:cNvPicPr>
+          <p:nvPr>
+            <p:ph idx="1"/>
+          </p:nvPr>
+        </p:nvPicPr>
+        <p:blipFill>
+          <a:blip r:embed="rId2"/>
+          <a:stretch>
+            <a:fillRect/>
+          </a:stretch>
+        </p:blipFill>
+        <p:spPr>
+          <a:xfrm>
+            <a:off x="832199" y="2384320"/>
+            <a:ext cx="10293001" cy="2782972"/>
+          </a:xfrm>
+          <a:prstGeom prst="rect">
+            <a:avLst/>
+          </a:prstGeom>
+        </p:spPr>
+      </p:pic>
+      <p:sp>
+        <p:nvSpPr>
+          <p:cNvPr id="4" name="ตัวแทนวันที่ 3">
+            <a:extLst>
+              <a:ext uri="{FF2B5EF4-FFF2-40B4-BE49-F238E27FC236}">
+                <a16:creationId xmlns:a16="http://schemas.microsoft.com/office/drawing/2014/main" id="{0397339F-6CD3-4688-991A-E8AC1778A816}"/>
+              </a:ext>
+            </a:extLst>
+          </p:cNvPr>
+          <p:cNvSpPr>
+            <a:spLocks noGrp="1"/>
+          </p:cNvSpPr>
+          <p:nvPr>
+            <p:ph type="dt" sz="half" idx="10"/>
+          </p:nvPr>
+        </p:nvSpPr>
+        <p:spPr/>
+        <p:txBody>
+          <a:bodyPr/>
+          <a:lstStyle/>
+          <a:p>
+            <a:pPr rtl="0"/>
+            <a:fld id="{38C53E2A-59EE-41B3-A1AB-9575F6EA1695}" type="datetime1">
+              <a:rPr lang="th-TH" smtClean="0"/>
+              <a:t>18/09/63</a:t>
+            </a:fld>
+            <a:endParaRPr lang="en-US" dirty="0"/>
+          </a:p>
+        </p:txBody>
+      </p:sp>
+      <p:sp>
+        <p:nvSpPr>
+          <p:cNvPr id="6" name="กล่องข้อความ 5">
+            <a:extLst>
+              <a:ext uri="{FF2B5EF4-FFF2-40B4-BE49-F238E27FC236}">
+                <a16:creationId xmlns:a16="http://schemas.microsoft.com/office/drawing/2014/main" id="{FCB89AAF-0453-41D5-95CD-DA376A605864}"/>
+              </a:ext>
+            </a:extLst>
+          </p:cNvPr>
+          <p:cNvSpPr txBox="1"/>
+          <p:nvPr/>
+        </p:nvSpPr>
+        <p:spPr>
+          <a:xfrm>
+            <a:off x="931178" y="5703838"/>
+            <a:ext cx="6925198" cy="646331"/>
+          </a:xfrm>
+          <a:prstGeom prst="rect">
+            <a:avLst/>
+          </a:prstGeom>
+          <a:noFill/>
+        </p:spPr>
+        <p:txBody>
+          <a:bodyPr wrap="square" rtlCol="0">
+            <a:spAutoFit/>
+          </a:bodyPr>
+          <a:lstStyle/>
+          <a:p>
+            <a:r>
+              <a:rPr lang="en-US" dirty="0"/>
+              <a:t>https://www.geeksforgeeks.org/generate-all-the-permutation-of-a-list-in-python/</a:t>
+            </a:r>
+            <a:endParaRPr lang="th-TH" dirty="0"/>
+          </a:p>
+        </p:txBody>
+      </p:sp>
+    </p:spTree>
+    <p:extLst>
+      <p:ext uri="{BB962C8B-B14F-4D97-AF65-F5344CB8AC3E}">
+        <p14:creationId xmlns:p14="http://schemas.microsoft.com/office/powerpoint/2010/main" val="2016353411"/>
+      </p:ext>
+    </p:extLst>
+  </p:cSld>
+  <p:clrMapOvr>
+    <a:masterClrMapping/>
+  </p:clrMapOvr>
+</p:sld>
+</file>
+
+<file path=ppt/slides/slide71.xml><?xml version="1.0" encoding="utf-8"?>
+<p:sld xmlns:a="http://schemas.openxmlformats.org/drawingml/2006/main" xmlns:r="http://schemas.openxmlformats.org/officeDocument/2006/relationships" xmlns:p="http://schemas.openxmlformats.org/presentationml/2006/main">
+  <p:cSld>
+    <p:spTree>
+      <p:nvGrpSpPr>
+        <p:cNvPr id="1" name=""/>
+        <p:cNvGrpSpPr/>
+        <p:nvPr/>
+      </p:nvGrpSpPr>
+      <p:grpSpPr>
+        <a:xfrm>
+          <a:off x="0" y="0"/>
+          <a:ext cx="0" cy="0"/>
+          <a:chOff x="0" y="0"/>
+          <a:chExt cx="0" cy="0"/>
+        </a:xfrm>
+      </p:grpSpPr>
+      <p:pic>
+        <p:nvPicPr>
+          <p:cNvPr id="6" name="ตัวแทนเนื้อหา 5" descr="รูปภาพประกอบด้วย รูปวาด&#10;&#10;คำอธิบายที่สร้างโดยอัตโนมัติ">
+            <a:extLst>
+              <a:ext uri="{FF2B5EF4-FFF2-40B4-BE49-F238E27FC236}">
+                <a16:creationId xmlns:a16="http://schemas.microsoft.com/office/drawing/2014/main" id="{060D6B72-D6FF-4419-BB99-276920D0C74B}"/>
+              </a:ext>
+            </a:extLst>
+          </p:cNvPr>
+          <p:cNvPicPr>
+            <a:picLocks noGrp="1" noChangeAspect="1"/>
+          </p:cNvPicPr>
+          <p:nvPr>
+            <p:ph type="pic" idx="4294967295"/>
+          </p:nvPr>
+        </p:nvPicPr>
+        <p:blipFill rotWithShape="1">
+          <a:blip r:embed="rId2">
+            <a:extLst>
+              <a:ext uri="{28A0092B-C50C-407E-A947-70E740481C1C}">
+                <a14:useLocalDpi xmlns:a14="http://schemas.microsoft.com/office/drawing/2010/main" val="0"/>
+              </a:ext>
+            </a:extLst>
+          </a:blip>
+          <a:stretch/>
+        </p:blipFill>
+        <p:spPr>
+          <a:xfrm>
+            <a:off x="3200400" y="238125"/>
+            <a:ext cx="5473700" cy="6381750"/>
+          </a:xfrm>
+          <a:noFill/>
+        </p:spPr>
+      </p:pic>
+    </p:spTree>
+    <p:extLst>
+      <p:ext uri="{BB962C8B-B14F-4D97-AF65-F5344CB8AC3E}">
+        <p14:creationId xmlns:p14="http://schemas.microsoft.com/office/powerpoint/2010/main" val="1301646300"/>
+      </p:ext>
+    </p:extLst>
+  </p:cSld>
+  <p:clrMapOvr>
+    <a:masterClrMapping/>
+  </p:clrMapOvr>
+</p:sld>
+</file>
+
+<file path=ppt/slides/slide72.xml><?xml version="1.0" encoding="utf-8"?>
+<p:sld xmlns:a="http://schemas.openxmlformats.org/drawingml/2006/main" xmlns:r="http://schemas.openxmlformats.org/officeDocument/2006/relationships" xmlns:p="http://schemas.openxmlformats.org/presentationml/2006/main">
+  <p:cSld>
+    <p:spTree>
+      <p:nvGrpSpPr>
+        <p:cNvPr id="1" name=""/>
+        <p:cNvGrpSpPr/>
+        <p:nvPr/>
+      </p:nvGrpSpPr>
+      <p:grpSpPr>
+        <a:xfrm>
+          <a:off x="0" y="0"/>
+          <a:ext cx="0" cy="0"/>
+          <a:chOff x="0" y="0"/>
+          <a:chExt cx="0" cy="0"/>
+        </a:xfrm>
+      </p:grpSpPr>
+      <p:sp>
+        <p:nvSpPr>
+          <p:cNvPr id="6" name="ชื่อเรื่อง 5">
+            <a:extLst>
+              <a:ext uri="{FF2B5EF4-FFF2-40B4-BE49-F238E27FC236}">
+                <a16:creationId xmlns:a16="http://schemas.microsoft.com/office/drawing/2014/main" id="{E5B213CD-6F26-4620-9322-55E4A89912AF}"/>
+              </a:ext>
+            </a:extLst>
+          </p:cNvPr>
+          <p:cNvSpPr>
+            <a:spLocks noGrp="1"/>
+          </p:cNvSpPr>
+          <p:nvPr>
+            <p:ph type="title"/>
+          </p:nvPr>
+        </p:nvSpPr>
+        <p:spPr/>
+        <p:txBody>
+          <a:bodyPr/>
+          <a:lstStyle/>
+          <a:p>
+            <a:r>
+              <a:rPr lang="en-US" dirty="0"/>
+              <a:t>Useful link</a:t>
+            </a:r>
+            <a:endParaRPr lang="th-TH" dirty="0"/>
+          </a:p>
+        </p:txBody>
+      </p:sp>
+      <p:sp>
+        <p:nvSpPr>
+          <p:cNvPr id="7" name="ตัวแทนเนื้อหา 6">
+            <a:extLst>
+              <a:ext uri="{FF2B5EF4-FFF2-40B4-BE49-F238E27FC236}">
+                <a16:creationId xmlns:a16="http://schemas.microsoft.com/office/drawing/2014/main" id="{21575B80-5A74-442D-8833-632B8119EBA8}"/>
+              </a:ext>
+            </a:extLst>
+          </p:cNvPr>
+          <p:cNvSpPr>
+            <a:spLocks noGrp="1"/>
+          </p:cNvSpPr>
+          <p:nvPr>
+            <p:ph idx="1"/>
+          </p:nvPr>
+        </p:nvSpPr>
+        <p:spPr/>
+        <p:txBody>
+          <a:bodyPr/>
+          <a:lstStyle/>
+          <a:p>
+            <a:r>
+              <a:rPr lang="en-US" dirty="0">
+                <a:hlinkClick r:id="rId2"/>
+              </a:rPr>
+              <a:t>https://github.com/ApexTone/DataStructAlgo-Code-KMITL/tree/master/Midterm</a:t>
+            </a:r>
+            <a:endParaRPr lang="en-US" dirty="0"/>
+          </a:p>
+          <a:p>
+            <a:r>
+              <a:rPr lang="en-US" dirty="0">
+                <a:hlinkClick r:id="rId3"/>
+              </a:rPr>
+              <a:t>https://visualgo.net/en</a:t>
+            </a:r>
+            <a:endParaRPr lang="en-US" dirty="0"/>
+          </a:p>
+          <a:p>
+            <a:r>
+              <a:rPr lang="en-US" dirty="0">
+                <a:hlinkClick r:id="rId4"/>
+              </a:rPr>
+              <a:t>http://www.pythontutor.com/visualize.html#mode=edit</a:t>
+            </a:r>
+            <a:endParaRPr lang="en-US" dirty="0"/>
+          </a:p>
+          <a:p>
+            <a:r>
+              <a:rPr lang="en-US" dirty="0">
+                <a:hlinkClick r:id="rId5"/>
+              </a:rPr>
+              <a:t>https://www.youtube.com/watch?v=xvFZjo5PgG0</a:t>
+            </a:r>
+            <a:endParaRPr lang="en-US" dirty="0"/>
+          </a:p>
+          <a:p>
+            <a:r>
+              <a:rPr lang="en-US" dirty="0">
+                <a:hlinkClick r:id="rId6"/>
+              </a:rPr>
+              <a:t>https://www.youtube.com/playlist?list=PL0ROnaCzUGB7xfdsHWOGxlZvq7_qpAmyH</a:t>
+            </a:r>
+            <a:endParaRPr lang="en-US" dirty="0"/>
+          </a:p>
+          <a:p>
+            <a:endParaRPr lang="th-TH" dirty="0"/>
+          </a:p>
+        </p:txBody>
+      </p:sp>
+      <p:sp>
+        <p:nvSpPr>
+          <p:cNvPr id="2" name="ตัวแทนวันที่ 1">
+            <a:extLst>
+              <a:ext uri="{FF2B5EF4-FFF2-40B4-BE49-F238E27FC236}">
+                <a16:creationId xmlns:a16="http://schemas.microsoft.com/office/drawing/2014/main" id="{7B95A54D-4B5A-4602-BD6F-DCC415C168F4}"/>
+              </a:ext>
+            </a:extLst>
+          </p:cNvPr>
+          <p:cNvSpPr>
+            <a:spLocks noGrp="1"/>
+          </p:cNvSpPr>
+          <p:nvPr>
+            <p:ph type="dt" sz="half" idx="10"/>
+          </p:nvPr>
+        </p:nvSpPr>
+        <p:spPr/>
+        <p:txBody>
+          <a:bodyPr/>
+          <a:lstStyle/>
+          <a:p>
+            <a:pPr rtl="0"/>
+            <a:fld id="{55C19084-1496-4B60-ADB6-24714CE58D61}" type="datetime1">
+              <a:rPr lang="th-TH" smtClean="0"/>
+              <a:t>18/09/63</a:t>
+            </a:fld>
+            <a:endParaRPr lang="en-US"/>
+          </a:p>
+        </p:txBody>
+      </p:sp>
+    </p:spTree>
+    <p:extLst>
+      <p:ext uri="{BB962C8B-B14F-4D97-AF65-F5344CB8AC3E}">
+        <p14:creationId xmlns:p14="http://schemas.microsoft.com/office/powerpoint/2010/main" val="2838317086"/>
       </p:ext>
     </p:extLst>
   </p:cSld>
@@ -27215,7 +29164,7 @@
           <a:p>
             <a:fld id="{7773D18F-796E-48FA-B446-43BFEFAD4305}" type="datetime1">
               <a:rPr lang="th-TH" smtClean="0"/>
-              <a:t>16/09/63</a:t>
+              <a:t>18/09/63</a:t>
             </a:fld>
             <a:endParaRPr lang="en-US" dirty="0"/>
           </a:p>
@@ -27358,7 +29307,7 @@
             <a:pPr rtl="0"/>
             <a:fld id="{38C53E2A-59EE-41B3-A1AB-9575F6EA1695}" type="datetime1">
               <a:rPr lang="th-TH" smtClean="0"/>
-              <a:t>16/09/63</a:t>
+              <a:t>18/09/63</a:t>
             </a:fld>
             <a:endParaRPr lang="en-US"/>
           </a:p>

--- a/Midterm/Data structure and Algorithm.pptx
+++ b/Midterm/Data structure and Algorithm.pptx
@@ -276,7 +276,7 @@
             <a:pPr rtl="0"/>
             <a:fld id="{382D4E4E-7514-4D5C-A2C2-17F87E598824}" type="datetime1">
               <a:rPr lang="th-TH" smtClean="0"/>
-              <a:t>18/09/63</a:t>
+              <a:t>20/09/63</a:t>
             </a:fld>
             <a:endParaRPr lang="en-US" dirty="0"/>
           </a:p>
@@ -446,7 +446,7 @@
             <a:pPr rtl="0"/>
             <a:fld id="{D7C7F2B7-7A05-4833-884D-BBAA3BA38469}" type="datetime1">
               <a:rPr lang="th-TH" smtClean="0"/>
-              <a:t>18/09/63</a:t>
+              <a:t>20/09/63</a:t>
             </a:fld>
             <a:endParaRPr lang="en-US"/>
           </a:p>
@@ -1191,7 +1191,7 @@
           <a:p>
             <a:fld id="{7773D18F-796E-48FA-B446-43BFEFAD4305}" type="datetime1">
               <a:rPr lang="th-TH" smtClean="0"/>
-              <a:t>18/09/63</a:t>
+              <a:t>20/09/63</a:t>
             </a:fld>
             <a:endParaRPr lang="en-US" dirty="0"/>
           </a:p>
@@ -1397,7 +1397,7 @@
             <a:pPr rtl="0"/>
             <a:fld id="{04D87D18-576D-4E93-B8E7-8162B6983D48}" type="datetime1">
               <a:rPr lang="th-TH" smtClean="0"/>
-              <a:t>18/09/63</a:t>
+              <a:t>20/09/63</a:t>
             </a:fld>
             <a:endParaRPr lang="en-US"/>
           </a:p>
@@ -1581,7 +1581,7 @@
             <a:pPr rtl="0"/>
             <a:fld id="{A454CDB9-2F41-46CC-BBF5-FE71E7F1B857}" type="datetime1">
               <a:rPr lang="th-TH" smtClean="0"/>
-              <a:t>18/09/63</a:t>
+              <a:t>20/09/63</a:t>
             </a:fld>
             <a:endParaRPr lang="en-US"/>
           </a:p>
@@ -1755,7 +1755,7 @@
             <a:pPr rtl="0"/>
             <a:fld id="{38C53E2A-59EE-41B3-A1AB-9575F6EA1695}" type="datetime1">
               <a:rPr lang="th-TH" smtClean="0"/>
-              <a:t>18/09/63</a:t>
+              <a:t>20/09/63</a:t>
             </a:fld>
             <a:endParaRPr lang="en-US"/>
           </a:p>
@@ -2357,7 +2357,7 @@
           <a:p>
             <a:fld id="{CC8C1F7F-7918-4156-86A5-91C01FD8A003}" type="datetime1">
               <a:rPr lang="th-TH" smtClean="0"/>
-              <a:t>18/09/63</a:t>
+              <a:t>20/09/63</a:t>
             </a:fld>
             <a:endParaRPr dirty="0"/>
           </a:p>
@@ -2681,7 +2681,7 @@
             <a:pPr rtl="0"/>
             <a:fld id="{F4A06903-2C88-48CC-967B-6575E5EC2B6B}" type="datetime1">
               <a:rPr lang="th-TH" smtClean="0"/>
-              <a:t>18/09/63</a:t>
+              <a:t>20/09/63</a:t>
             </a:fld>
             <a:endParaRPr lang="en-US"/>
           </a:p>
@@ -3122,7 +3122,7 @@
             <a:pPr rtl="0"/>
             <a:fld id="{C169F473-6FBD-4535-9C6F-A09A729568F9}" type="datetime1">
               <a:rPr lang="th-TH" smtClean="0"/>
-              <a:t>18/09/63</a:t>
+              <a:t>20/09/63</a:t>
             </a:fld>
             <a:endParaRPr lang="en-US"/>
           </a:p>
@@ -3244,7 +3244,7 @@
             <a:pPr rtl="0"/>
             <a:fld id="{79AC1B91-0D40-46F1-A44C-D56FF21574FA}" type="datetime1">
               <a:rPr lang="th-TH" smtClean="0"/>
-              <a:t>18/09/63</a:t>
+              <a:t>20/09/63</a:t>
             </a:fld>
             <a:endParaRPr lang="en-US"/>
           </a:p>
@@ -3342,7 +3342,7 @@
             <a:pPr rtl="0"/>
             <a:fld id="{55C19084-1496-4B60-ADB6-24714CE58D61}" type="datetime1">
               <a:rPr lang="th-TH" smtClean="0"/>
-              <a:t>18/09/63</a:t>
+              <a:t>20/09/63</a:t>
             </a:fld>
             <a:endParaRPr lang="en-US"/>
           </a:p>
@@ -3763,7 +3763,7 @@
             <a:pPr rtl="0"/>
             <a:fld id="{99BF98D4-23C4-49B5-A803-FA1FE4037EB8}" type="datetime1">
               <a:rPr lang="th-TH" smtClean="0"/>
-              <a:t>18/09/63</a:t>
+              <a:t>20/09/63</a:t>
             </a:fld>
             <a:endParaRPr lang="en-US" dirty="0"/>
           </a:p>
@@ -4029,7 +4029,7 @@
           <a:p>
             <a:fld id="{B51C7B21-C337-4C0B-9272-6172826953E9}" type="datetime1">
               <a:rPr lang="th-TH" smtClean="0"/>
-              <a:t>18/09/63</a:t>
+              <a:t>20/09/63</a:t>
             </a:fld>
             <a:endParaRPr lang="en-US" dirty="0"/>
           </a:p>
@@ -4550,7 +4550,7 @@
           <a:p>
             <a:fld id="{D56D1C91-6BBA-4E38-BA86-CC2123DBE0CF}" type="datetime1">
               <a:rPr lang="th-TH" smtClean="0"/>
-              <a:t>18/09/63</a:t>
+              <a:t>20/09/63</a:t>
             </a:fld>
             <a:endParaRPr lang="en-US" dirty="0"/>
           </a:p>
@@ -5378,7 +5378,7 @@
           <a:p>
             <a:fld id="{CC8C1F7F-7918-4156-86A5-91C01FD8A003}" type="datetime1">
               <a:rPr lang="th-TH" smtClean="0"/>
-              <a:t>18/09/63</a:t>
+              <a:t>20/09/63</a:t>
             </a:fld>
             <a:endParaRPr lang="th-TH" dirty="0"/>
           </a:p>
@@ -5467,7 +5467,7 @@
             <a:pPr rtl="0"/>
             <a:fld id="{38C53E2A-59EE-41B3-A1AB-9575F6EA1695}" type="datetime1">
               <a:rPr lang="th-TH" smtClean="0"/>
-              <a:t>18/09/63</a:t>
+              <a:t>20/09/63</a:t>
             </a:fld>
             <a:endParaRPr lang="en-US"/>
           </a:p>
@@ -5991,7 +5991,7 @@
             <a:pPr rtl="0"/>
             <a:fld id="{38C53E2A-59EE-41B3-A1AB-9575F6EA1695}" type="datetime1">
               <a:rPr lang="th-TH" smtClean="0"/>
-              <a:t>18/09/63</a:t>
+              <a:t>20/09/63</a:t>
             </a:fld>
             <a:endParaRPr lang="en-US"/>
           </a:p>
@@ -6231,7 +6231,7 @@
             <a:pPr rtl="0"/>
             <a:fld id="{38C53E2A-59EE-41B3-A1AB-9575F6EA1695}" type="datetime1">
               <a:rPr lang="th-TH" smtClean="0"/>
-              <a:t>18/09/63</a:t>
+              <a:t>20/09/63</a:t>
             </a:fld>
             <a:endParaRPr lang="en-US"/>
           </a:p>
@@ -6404,18 +6404,20 @@
         </p:nvSpPr>
         <p:spPr/>
         <p:txBody>
-          <a:bodyPr/>
+          <a:bodyPr>
+            <a:normAutofit lnSpcReduction="10000"/>
+          </a:bodyPr>
           <a:lstStyle/>
           <a:p>
             <a:r>
-              <a:rPr lang="en-US" dirty="0"/>
+              <a:rPr lang="en-US" sz="2400" dirty="0"/>
               <a:t>push, pop, peek, size, </a:t>
             </a:r>
             <a:r>
-              <a:rPr lang="en-US" dirty="0" err="1"/>
+              <a:rPr lang="en-US" sz="2400" dirty="0" err="1"/>
               <a:t>is_empty</a:t>
             </a:r>
-            <a:endParaRPr lang="th-TH" dirty="0"/>
+            <a:endParaRPr lang="th-TH" sz="2400" dirty="0"/>
           </a:p>
         </p:txBody>
       </p:sp>
@@ -6442,7 +6444,7 @@
           <a:p>
             <a:fld id="{CC8C1F7F-7918-4156-86A5-91C01FD8A003}" type="datetime1">
               <a:rPr lang="th-TH" smtClean="0"/>
-              <a:t>18/09/63</a:t>
+              <a:t>20/09/63</a:t>
             </a:fld>
             <a:endParaRPr lang="th-TH" dirty="0"/>
           </a:p>
@@ -6475,8 +6477,8 @@
         </p:blipFill>
         <p:spPr>
           <a:xfrm>
-            <a:off x="1804446" y="1670813"/>
-            <a:ext cx="2687217" cy="3239849"/>
+            <a:off x="1804447" y="1670814"/>
+            <a:ext cx="2465550" cy="2972596"/>
           </a:xfrm>
           <a:prstGeom prst="rect">
             <a:avLst/>
@@ -6698,7 +6700,7 @@
             <a:pPr rtl="0"/>
             <a:fld id="{38C53E2A-59EE-41B3-A1AB-9575F6EA1695}" type="datetime1">
               <a:rPr lang="th-TH" smtClean="0"/>
-              <a:t>18/09/63</a:t>
+              <a:t>20/09/63</a:t>
             </a:fld>
             <a:endParaRPr lang="en-US"/>
           </a:p>
@@ -6823,7 +6825,7 @@
             <a:pPr rtl="0"/>
             <a:fld id="{38C53E2A-59EE-41B3-A1AB-9575F6EA1695}" type="datetime1">
               <a:rPr lang="th-TH" smtClean="0"/>
-              <a:t>18/09/63</a:t>
+              <a:t>20/09/63</a:t>
             </a:fld>
             <a:endParaRPr lang="en-US" dirty="0"/>
           </a:p>
@@ -6938,22 +6940,24 @@
         </p:nvSpPr>
         <p:spPr/>
         <p:txBody>
-          <a:bodyPr/>
+          <a:bodyPr>
+            <a:normAutofit fontScale="92500" lnSpcReduction="20000"/>
+          </a:bodyPr>
           <a:lstStyle/>
           <a:p>
             <a:r>
-              <a:rPr lang="en-US" dirty="0"/>
+              <a:rPr lang="en-US" sz="2800" dirty="0"/>
               <a:t>enqueue, dequeue, front, size, </a:t>
             </a:r>
             <a:r>
-              <a:rPr lang="en-US" dirty="0" err="1"/>
+              <a:rPr lang="en-US" sz="2800" dirty="0" err="1"/>
               <a:t>is_empty</a:t>
             </a:r>
             <a:r>
-              <a:rPr lang="en-US" dirty="0"/>
+              <a:rPr lang="en-US" sz="2800" dirty="0"/>
               <a:t> </a:t>
             </a:r>
-            <a:endParaRPr lang="th-TH" dirty="0"/>
+            <a:endParaRPr lang="th-TH" sz="2800" dirty="0"/>
           </a:p>
         </p:txBody>
       </p:sp>
@@ -6980,7 +6984,7 @@
           <a:p>
             <a:fld id="{CC8C1F7F-7918-4156-86A5-91C01FD8A003}" type="datetime1">
               <a:rPr lang="th-TH" smtClean="0"/>
-              <a:t>18/09/63</a:t>
+              <a:t>20/09/63</a:t>
             </a:fld>
             <a:endParaRPr lang="th-TH" dirty="0"/>
           </a:p>
@@ -7201,7 +7205,7 @@
             <a:pPr rtl="0"/>
             <a:fld id="{38C53E2A-59EE-41B3-A1AB-9575F6EA1695}" type="datetime1">
               <a:rPr lang="th-TH" smtClean="0"/>
-              <a:t>18/09/63</a:t>
+              <a:t>20/09/63</a:t>
             </a:fld>
             <a:endParaRPr lang="en-US"/>
           </a:p>
@@ -7326,7 +7330,7 @@
             <a:pPr rtl="0"/>
             <a:fld id="{38C53E2A-59EE-41B3-A1AB-9575F6EA1695}" type="datetime1">
               <a:rPr lang="th-TH" smtClean="0"/>
-              <a:t>18/09/63</a:t>
+              <a:t>20/09/63</a:t>
             </a:fld>
             <a:endParaRPr lang="en-US" dirty="0"/>
           </a:p>
@@ -7449,7 +7453,7 @@
             <a:pPr rtl="0"/>
             <a:fld id="{79AC1B91-0D40-46F1-A44C-D56FF21574FA}" type="datetime1">
               <a:rPr lang="th-TH" smtClean="0"/>
-              <a:t>18/09/63</a:t>
+              <a:t>20/09/63</a:t>
             </a:fld>
             <a:endParaRPr lang="en-US"/>
           </a:p>
@@ -7597,22 +7601,24 @@
         </p:nvSpPr>
         <p:spPr/>
         <p:txBody>
-          <a:bodyPr/>
+          <a:bodyPr>
+            <a:normAutofit fontScale="92500" lnSpcReduction="20000"/>
+          </a:bodyPr>
           <a:lstStyle/>
           <a:p>
             <a:r>
-              <a:rPr lang="en-US" dirty="0"/>
+              <a:rPr lang="en-US" sz="2800" dirty="0"/>
               <a:t>size, push, pop, insert, remove, </a:t>
             </a:r>
             <a:r>
-              <a:rPr lang="en-US" dirty="0" err="1"/>
+              <a:rPr lang="en-US" sz="2800" dirty="0" err="1"/>
               <a:t>is_empty</a:t>
             </a:r>
             <a:r>
-              <a:rPr lang="en-US" dirty="0"/>
+              <a:rPr lang="en-US" sz="2800" dirty="0"/>
               <a:t>, etc.</a:t>
             </a:r>
-            <a:endParaRPr lang="th-TH" dirty="0"/>
+            <a:endParaRPr lang="th-TH" sz="2800" dirty="0"/>
           </a:p>
         </p:txBody>
       </p:sp>
@@ -7639,7 +7645,7 @@
           <a:p>
             <a:fld id="{CC8C1F7F-7918-4156-86A5-91C01FD8A003}" type="datetime1">
               <a:rPr lang="th-TH" smtClean="0"/>
-              <a:t>18/09/63</a:t>
+              <a:t>20/09/63</a:t>
             </a:fld>
             <a:endParaRPr lang="th-TH" dirty="0"/>
           </a:p>
@@ -7800,97 +7806,97 @@
           <a:lstStyle/>
           <a:p>
             <a:r>
-              <a:rPr lang="en-US" sz="2400" dirty="0"/>
+              <a:rPr lang="en-US" sz="3000" dirty="0"/>
               <a:t>int size(): </a:t>
             </a:r>
             <a:r>
-              <a:rPr lang="th-TH" sz="2400" dirty="0"/>
+              <a:rPr lang="th-TH" sz="3000" dirty="0"/>
               <a:t>จำนวนของใน </a:t>
             </a:r>
             <a:r>
-              <a:rPr lang="en-US" sz="2400" dirty="0"/>
+              <a:rPr lang="en-US" sz="3000" dirty="0"/>
               <a:t>Linked List</a:t>
             </a:r>
           </a:p>
           <a:p>
             <a:r>
-              <a:rPr lang="en-US" sz="2400" dirty="0"/>
+              <a:rPr lang="en-US" sz="3000" dirty="0"/>
               <a:t>bool </a:t>
             </a:r>
             <a:r>
-              <a:rPr lang="en-US" sz="2400" dirty="0" err="1"/>
+              <a:rPr lang="en-US" sz="3000" dirty="0" err="1"/>
               <a:t>is_empty</a:t>
             </a:r>
             <a:r>
-              <a:rPr lang="en-US" sz="2400" dirty="0"/>
+              <a:rPr lang="en-US" sz="3000" dirty="0"/>
               <a:t>(): LinkedList </a:t>
             </a:r>
             <a:r>
-              <a:rPr lang="th-TH" sz="2400" dirty="0"/>
+              <a:rPr lang="th-TH" sz="3000" dirty="0"/>
               <a:t>ว่างหรือไม่</a:t>
             </a:r>
           </a:p>
           <a:p>
             <a:r>
-              <a:rPr lang="en-US" sz="2400" dirty="0"/>
+              <a:rPr lang="en-US" sz="3000" dirty="0"/>
               <a:t>Node </a:t>
             </a:r>
             <a:r>
-              <a:rPr lang="en-US" sz="2400" dirty="0" err="1"/>
+              <a:rPr lang="en-US" sz="3000" dirty="0" err="1"/>
               <a:t>node_at</a:t>
             </a:r>
             <a:r>
-              <a:rPr lang="en-US" sz="2400" dirty="0"/>
+              <a:rPr lang="en-US" sz="3000" dirty="0"/>
               <a:t>(index): return</a:t>
             </a:r>
             <a:r>
-              <a:rPr lang="th-TH" sz="2400" dirty="0"/>
+              <a:rPr lang="th-TH" sz="3000" dirty="0"/>
               <a:t> </a:t>
             </a:r>
             <a:r>
-              <a:rPr lang="en-US" sz="2400" dirty="0"/>
+              <a:rPr lang="en-US" sz="3000" dirty="0"/>
               <a:t>Node</a:t>
             </a:r>
             <a:r>
-              <a:rPr lang="th-TH" sz="2400" dirty="0"/>
+              <a:rPr lang="th-TH" sz="3000" dirty="0"/>
               <a:t> ที่ </a:t>
             </a:r>
             <a:r>
-              <a:rPr lang="en-US" sz="2400" dirty="0"/>
+              <a:rPr lang="en-US" sz="3000" dirty="0"/>
               <a:t>index </a:t>
             </a:r>
             <a:r>
-              <a:rPr lang="th-TH" sz="2400" dirty="0"/>
+              <a:rPr lang="th-TH" sz="3000" dirty="0"/>
               <a:t>ที่ป้อน</a:t>
             </a:r>
           </a:p>
           <a:p>
             <a:r>
-              <a:rPr lang="en-US" sz="2400" dirty="0"/>
+              <a:rPr lang="en-US" sz="3000" dirty="0"/>
               <a:t>int </a:t>
             </a:r>
             <a:r>
-              <a:rPr lang="en-US" sz="2400" dirty="0" err="1"/>
+              <a:rPr lang="en-US" sz="3000" dirty="0" err="1"/>
               <a:t>index_of</a:t>
             </a:r>
             <a:r>
-              <a:rPr lang="en-US" sz="2400" dirty="0"/>
+              <a:rPr lang="en-US" sz="3000" dirty="0"/>
               <a:t>(data): return index </a:t>
             </a:r>
             <a:r>
-              <a:rPr lang="th-TH" sz="2400" dirty="0"/>
+              <a:rPr lang="th-TH" sz="3000" dirty="0"/>
               <a:t>ของ </a:t>
             </a:r>
             <a:r>
-              <a:rPr lang="en-US" sz="2400" dirty="0"/>
+              <a:rPr lang="en-US" sz="3000" dirty="0"/>
               <a:t>data </a:t>
             </a:r>
             <a:r>
-              <a:rPr lang="th-TH" sz="2400" dirty="0"/>
+              <a:rPr lang="th-TH" sz="3000" dirty="0"/>
               <a:t>ใน </a:t>
             </a:r>
             <a:r>
-              <a:rPr lang="en-US" sz="2400" dirty="0"/>
+              <a:rPr lang="en-US" sz="3000" dirty="0"/>
               <a:t>linked list</a:t>
             </a:r>
           </a:p>
@@ -7920,7 +7926,7 @@
             <a:pPr rtl="0"/>
             <a:fld id="{38C53E2A-59EE-41B3-A1AB-9575F6EA1695}" type="datetime1">
               <a:rPr lang="th-TH" smtClean="0"/>
-              <a:t>18/09/63</a:t>
+              <a:t>20/09/63</a:t>
             </a:fld>
             <a:endParaRPr lang="en-US"/>
           </a:p>
@@ -8009,80 +8015,80 @@
           <a:lstStyle/>
           <a:p>
             <a:r>
-              <a:rPr lang="en-US" sz="2400" dirty="0" err="1"/>
+              <a:rPr lang="en-US" sz="3000" dirty="0" err="1"/>
               <a:t>push_back</a:t>
             </a:r>
             <a:r>
-              <a:rPr lang="en-US" sz="2400" dirty="0"/>
+              <a:rPr lang="en-US" sz="3000" dirty="0"/>
               <a:t>(data): </a:t>
             </a:r>
             <a:r>
-              <a:rPr lang="th-TH" sz="2400" dirty="0"/>
+              <a:rPr lang="th-TH" sz="3000" dirty="0"/>
               <a:t>เอาข้อมูลใส่หลังสุดของ </a:t>
             </a:r>
             <a:r>
-              <a:rPr lang="en-US" sz="2400" dirty="0"/>
+              <a:rPr lang="en-US" sz="3000" dirty="0"/>
               <a:t>Linked List</a:t>
             </a:r>
           </a:p>
           <a:p>
             <a:r>
-              <a:rPr lang="en-US" sz="2400" dirty="0" err="1"/>
+              <a:rPr lang="en-US" sz="3000" dirty="0" err="1"/>
               <a:t>push_front</a:t>
             </a:r>
             <a:r>
-              <a:rPr lang="en-US" sz="2400" dirty="0"/>
+              <a:rPr lang="en-US" sz="3000" dirty="0"/>
               <a:t>(data): </a:t>
             </a:r>
             <a:r>
-              <a:rPr lang="th-TH" sz="2400" dirty="0"/>
+              <a:rPr lang="th-TH" sz="3000" dirty="0"/>
               <a:t>เอาข้อมูลเข้าหน้าสุดของ </a:t>
             </a:r>
             <a:r>
-              <a:rPr lang="en-US" sz="2400" dirty="0"/>
+              <a:rPr lang="en-US" sz="3000" dirty="0"/>
               <a:t>Linked List</a:t>
             </a:r>
           </a:p>
           <a:p>
             <a:r>
-              <a:rPr lang="en-US" sz="2400" dirty="0"/>
+              <a:rPr lang="en-US" sz="3000" dirty="0"/>
               <a:t>data </a:t>
             </a:r>
             <a:r>
-              <a:rPr lang="en-US" sz="2400" dirty="0" err="1"/>
+              <a:rPr lang="en-US" sz="3000" dirty="0" err="1"/>
               <a:t>pop_back</a:t>
             </a:r>
             <a:r>
-              <a:rPr lang="en-US" sz="2400" dirty="0"/>
+              <a:rPr lang="en-US" sz="3000" dirty="0"/>
               <a:t>(): </a:t>
             </a:r>
             <a:r>
-              <a:rPr lang="th-TH" sz="2400" dirty="0"/>
+              <a:rPr lang="th-TH" sz="3000" dirty="0"/>
               <a:t>เอาข้อมูลข้างหลังสุดออก</a:t>
             </a:r>
-            <a:endParaRPr lang="en-US" sz="2400" dirty="0"/>
-          </a:p>
-          <a:p>
-            <a:r>
-              <a:rPr lang="en-US" sz="2400" dirty="0"/>
+            <a:endParaRPr lang="en-US" sz="3000" dirty="0"/>
+          </a:p>
+          <a:p>
+            <a:r>
+              <a:rPr lang="en-US" sz="3000" dirty="0"/>
               <a:t>data </a:t>
             </a:r>
             <a:r>
-              <a:rPr lang="en-US" sz="2400" dirty="0" err="1"/>
+              <a:rPr lang="en-US" sz="3000" dirty="0" err="1"/>
               <a:t>pop_front</a:t>
             </a:r>
             <a:r>
-              <a:rPr lang="en-US" sz="2400" dirty="0"/>
+              <a:rPr lang="en-US" sz="3000" dirty="0"/>
               <a:t>(): </a:t>
             </a:r>
             <a:r>
-              <a:rPr lang="th-TH" sz="2400" dirty="0"/>
+              <a:rPr lang="th-TH" sz="3000" dirty="0"/>
               <a:t>เอาข้อมูลข้างหน้าสุดออก</a:t>
             </a:r>
-            <a:endParaRPr lang="en-US" sz="2400" dirty="0"/>
-          </a:p>
-          <a:p>
-            <a:endParaRPr lang="en-US" sz="2400" dirty="0"/>
+            <a:endParaRPr lang="en-US" sz="3000" dirty="0"/>
+          </a:p>
+          <a:p>
+            <a:endParaRPr lang="en-US" sz="3000" dirty="0"/>
           </a:p>
         </p:txBody>
       </p:sp>
@@ -8110,7 +8116,7 @@
             <a:pPr rtl="0"/>
             <a:fld id="{38C53E2A-59EE-41B3-A1AB-9575F6EA1695}" type="datetime1">
               <a:rPr lang="th-TH" smtClean="0"/>
-              <a:t>18/09/63</a:t>
+              <a:t>20/09/63</a:t>
             </a:fld>
             <a:endParaRPr lang="en-US"/>
           </a:p>
@@ -8194,95 +8200,95 @@
         <p:spPr/>
         <p:txBody>
           <a:bodyPr>
-            <a:normAutofit/>
+            <a:normAutofit fontScale="92500"/>
           </a:bodyPr>
           <a:lstStyle/>
           <a:p>
             <a:r>
-              <a:rPr lang="en-US" sz="2400" dirty="0"/>
+              <a:rPr lang="en-US" sz="2800" dirty="0"/>
               <a:t>insert(index, data): </a:t>
             </a:r>
             <a:r>
-              <a:rPr lang="th-TH" sz="2400" dirty="0"/>
+              <a:rPr lang="th-TH" sz="2800" dirty="0"/>
               <a:t>ใส่ค่าเข้าไปแทรกที่ </a:t>
             </a:r>
             <a:r>
-              <a:rPr lang="en-US" sz="2400" dirty="0"/>
+              <a:rPr lang="en-US" sz="2800" dirty="0"/>
               <a:t>index </a:t>
             </a:r>
             <a:r>
-              <a:rPr lang="th-TH" sz="2400" dirty="0"/>
+              <a:rPr lang="th-TH" sz="2800" dirty="0"/>
               <a:t>นั้น ๆ </a:t>
             </a:r>
             <a:r>
-              <a:rPr lang="en-US" sz="2400" dirty="0"/>
+              <a:rPr lang="en-US" sz="2800" dirty="0"/>
               <a:t>(out of bound </a:t>
             </a:r>
             <a:r>
-              <a:rPr lang="th-TH" sz="2400" dirty="0"/>
+              <a:rPr lang="th-TH" sz="2800" dirty="0"/>
               <a:t>ได้</a:t>
             </a:r>
             <a:r>
-              <a:rPr lang="en-US" sz="2400" dirty="0"/>
+              <a:rPr lang="en-US" sz="2800" dirty="0"/>
               <a:t>)</a:t>
             </a:r>
             <a:r>
-              <a:rPr lang="th-TH" sz="2400" dirty="0"/>
+              <a:rPr lang="th-TH" sz="2800" dirty="0"/>
               <a:t> </a:t>
             </a:r>
-            <a:endParaRPr lang="en-US" sz="2400" dirty="0"/>
-          </a:p>
-          <a:p>
-            <a:r>
-              <a:rPr lang="en-US" sz="2400" dirty="0"/>
+            <a:endParaRPr lang="en-US" sz="2800" dirty="0"/>
+          </a:p>
+          <a:p>
+            <a:r>
+              <a:rPr lang="en-US" sz="2800" dirty="0"/>
               <a:t>data pop(index): </a:t>
             </a:r>
             <a:r>
-              <a:rPr lang="th-TH" sz="2400" dirty="0"/>
+              <a:rPr lang="th-TH" sz="2800" dirty="0"/>
               <a:t>เอาค่าที่ </a:t>
             </a:r>
             <a:r>
-              <a:rPr lang="en-US" sz="2400" dirty="0"/>
+              <a:rPr lang="en-US" sz="2800" dirty="0"/>
               <a:t>index </a:t>
             </a:r>
             <a:r>
-              <a:rPr lang="th-TH" sz="2400" dirty="0"/>
+              <a:rPr lang="th-TH" sz="2800" dirty="0"/>
               <a:t>นั้น ๆ ออกมาจาก </a:t>
             </a:r>
             <a:r>
-              <a:rPr lang="en-US" sz="2400" dirty="0"/>
+              <a:rPr lang="en-US" sz="2800" dirty="0"/>
               <a:t>List</a:t>
             </a:r>
           </a:p>
           <a:p>
             <a:r>
-              <a:rPr lang="en-US" sz="2400" dirty="0"/>
+              <a:rPr lang="en-US" sz="2800" dirty="0"/>
               <a:t>remove(data): </a:t>
             </a:r>
             <a:r>
-              <a:rPr lang="th-TH" sz="2400" dirty="0"/>
+              <a:rPr lang="th-TH" sz="2800" dirty="0"/>
               <a:t>เอา </a:t>
             </a:r>
             <a:r>
-              <a:rPr lang="en-US" sz="2400" dirty="0"/>
+              <a:rPr lang="en-US" sz="2800" dirty="0"/>
               <a:t>data </a:t>
             </a:r>
             <a:r>
-              <a:rPr lang="th-TH" sz="2400" dirty="0"/>
+              <a:rPr lang="th-TH" sz="2800" dirty="0"/>
               <a:t>นั้น ๆ ออกจาก </a:t>
             </a:r>
             <a:r>
-              <a:rPr lang="en-US" sz="2400" dirty="0"/>
+              <a:rPr lang="en-US" sz="2800" dirty="0"/>
               <a:t>List 1 </a:t>
             </a:r>
             <a:r>
-              <a:rPr lang="th-TH" sz="2400" dirty="0"/>
+              <a:rPr lang="th-TH" sz="2800" dirty="0"/>
               <a:t>ตัว</a:t>
             </a:r>
           </a:p>
           <a:p>
             <a:r>
-              <a:rPr lang="en-US" sz="2400" dirty="0">
+              <a:rPr lang="en-US" sz="2800" dirty="0">
                 <a:solidFill>
                   <a:schemeClr val="accent2"/>
                 </a:solidFill>
@@ -8290,7 +8296,7 @@
               <a:t>add(data): </a:t>
             </a:r>
             <a:r>
-              <a:rPr lang="th-TH" sz="2400" dirty="0">
+              <a:rPr lang="th-TH" sz="2800" dirty="0">
                 <a:solidFill>
                   <a:schemeClr val="accent2"/>
                 </a:solidFill>
@@ -8298,7 +8304,7 @@
               <a:t>ใส่ </a:t>
             </a:r>
             <a:r>
-              <a:rPr lang="en-US" sz="2400" dirty="0">
+              <a:rPr lang="en-US" sz="2800" dirty="0">
                 <a:solidFill>
                   <a:schemeClr val="accent2"/>
                 </a:solidFill>
@@ -8306,7 +8312,7 @@
               <a:t>data </a:t>
             </a:r>
             <a:r>
-              <a:rPr lang="th-TH" sz="2400" dirty="0">
+              <a:rPr lang="th-TH" sz="2800" dirty="0">
                 <a:solidFill>
                   <a:schemeClr val="accent2"/>
                 </a:solidFill>
@@ -8314,7 +8320,7 @@
               <a:t>เข้าไปโดยเรียงลำดับจากมากไปน้อย (ใช้ </a:t>
             </a:r>
             <a:r>
-              <a:rPr lang="en-US" sz="2400" dirty="0">
+              <a:rPr lang="en-US" sz="2800" dirty="0">
                 <a:solidFill>
                   <a:schemeClr val="accent2"/>
                 </a:solidFill>
@@ -8322,7 +8328,7 @@
               <a:t>insert</a:t>
             </a:r>
             <a:r>
-              <a:rPr lang="th-TH" sz="2400" dirty="0">
+              <a:rPr lang="th-TH" sz="2800" dirty="0">
                 <a:solidFill>
                   <a:schemeClr val="accent2"/>
                 </a:solidFill>
@@ -8332,7 +8338,7 @@
           </a:p>
           <a:p>
             <a:r>
-              <a:rPr lang="en-US" sz="2400" dirty="0">
+              <a:rPr lang="en-US" sz="2800" dirty="0">
                 <a:solidFill>
                   <a:schemeClr val="accent2"/>
                 </a:solidFill>
@@ -8340,7 +8346,7 @@
               <a:t>reverse(): </a:t>
             </a:r>
             <a:r>
-              <a:rPr lang="th-TH" sz="2400" dirty="0">
+              <a:rPr lang="th-TH" sz="2800" dirty="0">
                 <a:solidFill>
                   <a:schemeClr val="accent2"/>
                 </a:solidFill>
@@ -8348,7 +8354,7 @@
               <a:t>กลับทิศทาง </a:t>
             </a:r>
             <a:r>
-              <a:rPr lang="en-US" sz="2400" dirty="0">
+              <a:rPr lang="en-US" sz="2800" dirty="0">
                 <a:solidFill>
                   <a:schemeClr val="accent2"/>
                 </a:solidFill>
@@ -8356,7 +8362,7 @@
               <a:t>List (</a:t>
             </a:r>
             <a:r>
-              <a:rPr lang="th-TH" sz="2400" dirty="0">
+              <a:rPr lang="th-TH" sz="2800" dirty="0">
                 <a:solidFill>
                   <a:schemeClr val="accent2"/>
                 </a:solidFill>
@@ -8364,7 +8370,7 @@
               <a:t>ทำคล้าย</a:t>
             </a:r>
             <a:r>
-              <a:rPr lang="en-US" sz="2400" dirty="0">
+              <a:rPr lang="en-US" sz="2800" dirty="0">
                 <a:solidFill>
                   <a:schemeClr val="accent2"/>
                 </a:solidFill>
@@ -8374,7 +8380,7 @@
           </a:p>
           <a:p>
             <a:r>
-              <a:rPr lang="en-US" sz="2400" dirty="0">
+              <a:rPr lang="en-US" sz="2800" dirty="0">
                 <a:solidFill>
                   <a:srgbClr val="0070C0"/>
                 </a:solidFill>
@@ -8382,7 +8388,7 @@
               <a:t>sort(): </a:t>
             </a:r>
             <a:r>
-              <a:rPr lang="th-TH" sz="2400" dirty="0">
+              <a:rPr lang="th-TH" sz="2800" dirty="0">
                 <a:solidFill>
                   <a:srgbClr val="0070C0"/>
                 </a:solidFill>
@@ -8390,7 +8396,7 @@
               <a:t>เรียงลำดับข้อมูลใน </a:t>
             </a:r>
             <a:r>
-              <a:rPr lang="en-US" sz="2400" dirty="0">
+              <a:rPr lang="en-US" sz="2800" dirty="0">
                 <a:solidFill>
                   <a:srgbClr val="0070C0"/>
                 </a:solidFill>
@@ -8398,21 +8404,21 @@
               <a:t>List </a:t>
             </a:r>
             <a:r>
-              <a:rPr lang="th-TH" sz="2400" dirty="0">
+              <a:rPr lang="th-TH" sz="2800" dirty="0">
                 <a:solidFill>
                   <a:srgbClr val="0070C0"/>
                 </a:solidFill>
               </a:rPr>
               <a:t>จากมากไปน้อย</a:t>
             </a:r>
-            <a:endParaRPr lang="en-US" sz="2400" dirty="0">
+            <a:endParaRPr lang="en-US" sz="2800" dirty="0">
               <a:solidFill>
                 <a:srgbClr val="0070C0"/>
               </a:solidFill>
             </a:endParaRPr>
           </a:p>
           <a:p>
-            <a:endParaRPr lang="en-US" sz="2400" dirty="0"/>
+            <a:endParaRPr lang="en-US" sz="2800" dirty="0"/>
           </a:p>
         </p:txBody>
       </p:sp>
@@ -8440,7 +8446,7 @@
             <a:pPr rtl="0"/>
             <a:fld id="{38C53E2A-59EE-41B3-A1AB-9575F6EA1695}" type="datetime1">
               <a:rPr lang="th-TH" smtClean="0"/>
-              <a:t>18/09/63</a:t>
+              <a:t>20/09/63</a:t>
             </a:fld>
             <a:endParaRPr lang="en-US"/>
           </a:p>
@@ -8564,7 +8570,7 @@
             <a:pPr rtl="0"/>
             <a:fld id="{38C53E2A-59EE-41B3-A1AB-9575F6EA1695}" type="datetime1">
               <a:rPr lang="th-TH" smtClean="0"/>
-              <a:t>18/09/63</a:t>
+              <a:t>20/09/63</a:t>
             </a:fld>
             <a:endParaRPr lang="en-US"/>
           </a:p>
@@ -8685,7 +8691,7 @@
             <a:pPr rtl="0"/>
             <a:fld id="{38C53E2A-59EE-41B3-A1AB-9575F6EA1695}" type="datetime1">
               <a:rPr lang="th-TH" smtClean="0"/>
-              <a:t>18/09/63</a:t>
+              <a:t>20/09/63</a:t>
             </a:fld>
             <a:endParaRPr lang="en-US"/>
           </a:p>
@@ -8805,7 +8811,7 @@
             <a:pPr rtl="0"/>
             <a:fld id="{38C53E2A-59EE-41B3-A1AB-9575F6EA1695}" type="datetime1">
               <a:rPr lang="th-TH" smtClean="0"/>
-              <a:t>18/09/63</a:t>
+              <a:t>20/09/63</a:t>
             </a:fld>
             <a:endParaRPr lang="en-US"/>
           </a:p>
@@ -8927,7 +8933,7 @@
             <a:pPr rtl="0"/>
             <a:fld id="{38C53E2A-59EE-41B3-A1AB-9575F6EA1695}" type="datetime1">
               <a:rPr lang="th-TH" smtClean="0"/>
-              <a:t>18/09/63</a:t>
+              <a:t>20/09/63</a:t>
             </a:fld>
             <a:endParaRPr lang="en-US"/>
           </a:p>
@@ -9084,7 +9090,7 @@
             <a:pPr rtl="0"/>
             <a:fld id="{38C53E2A-59EE-41B3-A1AB-9575F6EA1695}" type="datetime1">
               <a:rPr lang="th-TH" smtClean="0"/>
-              <a:t>18/09/63</a:t>
+              <a:t>20/09/63</a:t>
             </a:fld>
             <a:endParaRPr lang="en-US"/>
           </a:p>
@@ -9177,7 +9183,7 @@
             <a:pPr rtl="0"/>
             <a:fld id="{38C53E2A-59EE-41B3-A1AB-9575F6EA1695}" type="datetime1">
               <a:rPr lang="th-TH" smtClean="0"/>
-              <a:t>18/09/63</a:t>
+              <a:t>20/09/63</a:t>
             </a:fld>
             <a:endParaRPr lang="en-US"/>
           </a:p>
@@ -9664,14 +9670,16 @@
         </p:nvSpPr>
         <p:spPr/>
         <p:txBody>
-          <a:bodyPr/>
+          <a:bodyPr>
+            <a:normAutofit fontScale="92500" lnSpcReduction="20000"/>
+          </a:bodyPr>
           <a:lstStyle/>
           <a:p>
             <a:r>
-              <a:rPr lang="en-US" dirty="0"/>
+              <a:rPr lang="en-US" sz="2800" dirty="0"/>
               <a:t>String, List, Dictionary</a:t>
             </a:r>
-            <a:endParaRPr lang="th-TH" dirty="0"/>
+            <a:endParaRPr lang="th-TH" sz="2800" dirty="0"/>
           </a:p>
         </p:txBody>
       </p:sp>
@@ -9698,7 +9706,7 @@
           <a:p>
             <a:fld id="{CC8C1F7F-7918-4156-86A5-91C01FD8A003}" type="datetime1">
               <a:rPr lang="th-TH" smtClean="0"/>
-              <a:t>18/09/63</a:t>
+              <a:t>20/09/63</a:t>
             </a:fld>
             <a:endParaRPr lang="th-TH" dirty="0"/>
           </a:p>
@@ -9791,7 +9799,7 @@
             <a:pPr rtl="0"/>
             <a:fld id="{38C53E2A-59EE-41B3-A1AB-9575F6EA1695}" type="datetime1">
               <a:rPr lang="th-TH" smtClean="0"/>
-              <a:t>18/09/63</a:t>
+              <a:t>20/09/63</a:t>
             </a:fld>
             <a:endParaRPr lang="en-US"/>
           </a:p>
@@ -10885,7 +10893,7 @@
             <a:pPr rtl="0"/>
             <a:fld id="{38C53E2A-59EE-41B3-A1AB-9575F6EA1695}" type="datetime1">
               <a:rPr lang="th-TH" smtClean="0"/>
-              <a:t>18/09/63</a:t>
+              <a:t>20/09/63</a:t>
             </a:fld>
             <a:endParaRPr lang="en-US"/>
           </a:p>
@@ -12161,7 +12169,7 @@
             <a:pPr rtl="0"/>
             <a:fld id="{38C53E2A-59EE-41B3-A1AB-9575F6EA1695}" type="datetime1">
               <a:rPr lang="th-TH" smtClean="0"/>
-              <a:t>18/09/63</a:t>
+              <a:t>20/09/63</a:t>
             </a:fld>
             <a:endParaRPr lang="en-US"/>
           </a:p>
@@ -13390,7 +13398,7 @@
             <a:pPr rtl="0"/>
             <a:fld id="{38C53E2A-59EE-41B3-A1AB-9575F6EA1695}" type="datetime1">
               <a:rPr lang="th-TH" smtClean="0"/>
-              <a:t>18/09/63</a:t>
+              <a:t>20/09/63</a:t>
             </a:fld>
             <a:endParaRPr lang="en-US"/>
           </a:p>
@@ -13515,7 +13523,7 @@
             <a:pPr rtl="0"/>
             <a:fld id="{38C53E2A-59EE-41B3-A1AB-9575F6EA1695}" type="datetime1">
               <a:rPr lang="th-TH" smtClean="0"/>
-              <a:t>18/09/63</a:t>
+              <a:t>20/09/63</a:t>
             </a:fld>
             <a:endParaRPr lang="en-US"/>
           </a:p>
@@ -14072,7 +14080,7 @@
             <a:pPr rtl="0"/>
             <a:fld id="{38C53E2A-59EE-41B3-A1AB-9575F6EA1695}" type="datetime1">
               <a:rPr lang="th-TH" smtClean="0"/>
-              <a:t>18/09/63</a:t>
+              <a:t>20/09/63</a:t>
             </a:fld>
             <a:endParaRPr lang="en-US"/>
           </a:p>
@@ -15166,7 +15174,7 @@
             <a:pPr rtl="0"/>
             <a:fld id="{38C53E2A-59EE-41B3-A1AB-9575F6EA1695}" type="datetime1">
               <a:rPr lang="th-TH" smtClean="0"/>
-              <a:t>18/09/63</a:t>
+              <a:t>20/09/63</a:t>
             </a:fld>
             <a:endParaRPr lang="en-US"/>
           </a:p>
@@ -16435,7 +16443,7 @@
             <a:pPr rtl="0"/>
             <a:fld id="{38C53E2A-59EE-41B3-A1AB-9575F6EA1695}" type="datetime1">
               <a:rPr lang="th-TH" smtClean="0"/>
-              <a:t>18/09/63</a:t>
+              <a:t>20/09/63</a:t>
             </a:fld>
             <a:endParaRPr lang="en-US"/>
           </a:p>
@@ -17666,7 +17674,7 @@
             <a:pPr rtl="0"/>
             <a:fld id="{38C53E2A-59EE-41B3-A1AB-9575F6EA1695}" type="datetime1">
               <a:rPr lang="th-TH" smtClean="0"/>
-              <a:t>18/09/63</a:t>
+              <a:t>20/09/63</a:t>
             </a:fld>
             <a:endParaRPr lang="en-US"/>
           </a:p>
@@ -17791,7 +17799,7 @@
             <a:pPr rtl="0"/>
             <a:fld id="{38C53E2A-59EE-41B3-A1AB-9575F6EA1695}" type="datetime1">
               <a:rPr lang="th-TH" smtClean="0"/>
-              <a:t>18/09/63</a:t>
+              <a:t>20/09/63</a:t>
             </a:fld>
             <a:endParaRPr lang="en-US"/>
           </a:p>
@@ -18748,7 +18756,7 @@
           <a:p>
             <a:fld id="{7773D18F-796E-48FA-B446-43BFEFAD4305}" type="datetime1">
               <a:rPr lang="th-TH" smtClean="0"/>
-              <a:t>18/09/63</a:t>
+              <a:t>20/09/63</a:t>
             </a:fld>
             <a:endParaRPr lang="en-US" dirty="0"/>
           </a:p>
@@ -18808,7 +18816,7 @@
             <a:pPr rtl="0"/>
             <a:fld id="{38C53E2A-59EE-41B3-A1AB-9575F6EA1695}" type="datetime1">
               <a:rPr lang="th-TH" smtClean="0"/>
-              <a:t>18/09/63</a:t>
+              <a:t>20/09/63</a:t>
             </a:fld>
             <a:endParaRPr lang="en-US"/>
           </a:p>
@@ -19702,7 +19710,7 @@
             <a:pPr rtl="0"/>
             <a:fld id="{38C53E2A-59EE-41B3-A1AB-9575F6EA1695}" type="datetime1">
               <a:rPr lang="th-TH" smtClean="0"/>
-              <a:t>18/09/63</a:t>
+              <a:t>20/09/63</a:t>
             </a:fld>
             <a:endParaRPr lang="en-US"/>
           </a:p>
@@ -20418,7 +20426,7 @@
             <a:pPr rtl="0"/>
             <a:fld id="{38C53E2A-59EE-41B3-A1AB-9575F6EA1695}" type="datetime1">
               <a:rPr lang="th-TH" smtClean="0"/>
-              <a:t>18/09/63</a:t>
+              <a:t>20/09/63</a:t>
             </a:fld>
             <a:endParaRPr lang="en-US"/>
           </a:p>
@@ -20884,7 +20892,7 @@
             <a:pPr rtl="0"/>
             <a:fld id="{38C53E2A-59EE-41B3-A1AB-9575F6EA1695}" type="datetime1">
               <a:rPr lang="th-TH" smtClean="0"/>
-              <a:t>18/09/63</a:t>
+              <a:t>20/09/63</a:t>
             </a:fld>
             <a:endParaRPr lang="en-US"/>
           </a:p>
@@ -21202,7 +21210,7 @@
             <a:pPr rtl="0"/>
             <a:fld id="{38C53E2A-59EE-41B3-A1AB-9575F6EA1695}" type="datetime1">
               <a:rPr lang="th-TH" smtClean="0"/>
-              <a:t>18/09/63</a:t>
+              <a:t>20/09/63</a:t>
             </a:fld>
             <a:endParaRPr lang="en-US"/>
           </a:p>
@@ -21327,7 +21335,7 @@
             <a:pPr rtl="0"/>
             <a:fld id="{38C53E2A-59EE-41B3-A1AB-9575F6EA1695}" type="datetime1">
               <a:rPr lang="th-TH" smtClean="0"/>
-              <a:t>18/09/63</a:t>
+              <a:t>20/09/63</a:t>
             </a:fld>
             <a:endParaRPr lang="en-US"/>
           </a:p>
@@ -22256,7 +22264,7 @@
             <a:pPr rtl="0"/>
             <a:fld id="{38C53E2A-59EE-41B3-A1AB-9575F6EA1695}" type="datetime1">
               <a:rPr lang="th-TH" smtClean="0"/>
-              <a:t>18/09/63</a:t>
+              <a:t>20/09/63</a:t>
             </a:fld>
             <a:endParaRPr lang="en-US"/>
           </a:p>
@@ -23148,7 +23156,7 @@
             <a:pPr rtl="0"/>
             <a:fld id="{38C53E2A-59EE-41B3-A1AB-9575F6EA1695}" type="datetime1">
               <a:rPr lang="th-TH" smtClean="0"/>
-              <a:t>18/09/63</a:t>
+              <a:t>20/09/63</a:t>
             </a:fld>
             <a:endParaRPr lang="en-US"/>
           </a:p>
@@ -23860,7 +23868,7 @@
             <a:pPr rtl="0"/>
             <a:fld id="{38C53E2A-59EE-41B3-A1AB-9575F6EA1695}" type="datetime1">
               <a:rPr lang="th-TH" smtClean="0"/>
-              <a:t>18/09/63</a:t>
+              <a:t>20/09/63</a:t>
             </a:fld>
             <a:endParaRPr lang="en-US"/>
           </a:p>
@@ -24326,7 +24334,7 @@
             <a:pPr rtl="0"/>
             <a:fld id="{38C53E2A-59EE-41B3-A1AB-9575F6EA1695}" type="datetime1">
               <a:rPr lang="th-TH" smtClean="0"/>
-              <a:t>18/09/63</a:t>
+              <a:t>20/09/63</a:t>
             </a:fld>
             <a:endParaRPr lang="en-US"/>
           </a:p>
@@ -24738,7 +24746,7 @@
             <a:pPr rtl="0"/>
             <a:fld id="{38C53E2A-59EE-41B3-A1AB-9575F6EA1695}" type="datetime1">
               <a:rPr lang="th-TH" smtClean="0"/>
-              <a:t>18/09/63</a:t>
+              <a:t>20/09/63</a:t>
             </a:fld>
             <a:endParaRPr lang="en-US"/>
           </a:p>
@@ -24831,7 +24839,7 @@
             <a:pPr rtl="0"/>
             <a:fld id="{38C53E2A-59EE-41B3-A1AB-9575F6EA1695}" type="datetime1">
               <a:rPr lang="th-TH" smtClean="0"/>
-              <a:t>18/09/63</a:t>
+              <a:t>20/09/63</a:t>
             </a:fld>
             <a:endParaRPr lang="en-US"/>
           </a:p>
@@ -25089,7 +25097,7 @@
                   <a:spcPts val="600"/>
                 </a:spcAft>
               </a:pPr>
-              <a:t>18/09/63</a:t>
+              <a:t>20/09/63</a:t>
             </a:fld>
             <a:endParaRPr lang="en-US"/>
           </a:p>
@@ -25385,7 +25393,7 @@
                   <a:spcPts val="600"/>
                 </a:spcAft>
               </a:pPr>
-              <a:t>18/09/63</a:t>
+              <a:t>20/09/63</a:t>
             </a:fld>
             <a:endParaRPr lang="en-US"/>
           </a:p>
@@ -25743,7 +25751,7 @@
             <a:pPr rtl="0"/>
             <a:fld id="{38C53E2A-59EE-41B3-A1AB-9575F6EA1695}" type="datetime1">
               <a:rPr lang="th-TH" smtClean="0"/>
-              <a:t>18/09/63</a:t>
+              <a:t>20/09/63</a:t>
             </a:fld>
             <a:endParaRPr lang="en-US"/>
           </a:p>
@@ -25862,7 +25870,7 @@
             <a:pPr rtl="0"/>
             <a:fld id="{38C53E2A-59EE-41B3-A1AB-9575F6EA1695}" type="datetime1">
               <a:rPr lang="th-TH" smtClean="0"/>
-              <a:t>18/09/63</a:t>
+              <a:t>20/09/63</a:t>
             </a:fld>
             <a:endParaRPr lang="en-US"/>
           </a:p>
@@ -26013,7 +26021,7 @@
             <a:pPr rtl="0"/>
             <a:fld id="{38C53E2A-59EE-41B3-A1AB-9575F6EA1695}" type="datetime1">
               <a:rPr lang="th-TH" smtClean="0"/>
-              <a:t>18/09/63</a:t>
+              <a:t>20/09/63</a:t>
             </a:fld>
             <a:endParaRPr lang="en-US"/>
           </a:p>
@@ -26102,7 +26110,7 @@
             <a:pPr rtl="0"/>
             <a:fld id="{38C53E2A-59EE-41B3-A1AB-9575F6EA1695}" type="datetime1">
               <a:rPr lang="th-TH" smtClean="0"/>
-              <a:t>18/09/63</a:t>
+              <a:t>20/09/63</a:t>
             </a:fld>
             <a:endParaRPr lang="en-US"/>
           </a:p>
@@ -26221,7 +26229,7 @@
             <a:pPr rtl="0"/>
             <a:fld id="{38C53E2A-59EE-41B3-A1AB-9575F6EA1695}" type="datetime1">
               <a:rPr lang="th-TH" smtClean="0"/>
-              <a:t>18/09/63</a:t>
+              <a:t>20/09/63</a:t>
             </a:fld>
             <a:endParaRPr lang="en-US"/>
           </a:p>
@@ -26372,7 +26380,7 @@
             <a:pPr rtl="0"/>
             <a:fld id="{38C53E2A-59EE-41B3-A1AB-9575F6EA1695}" type="datetime1">
               <a:rPr lang="th-TH" smtClean="0"/>
-              <a:t>18/09/63</a:t>
+              <a:t>20/09/63</a:t>
             </a:fld>
             <a:endParaRPr lang="en-US"/>
           </a:p>
@@ -26654,7 +26662,7 @@
             <a:pPr rtl="0"/>
             <a:fld id="{38C53E2A-59EE-41B3-A1AB-9575F6EA1695}" type="datetime1">
               <a:rPr lang="th-TH" smtClean="0"/>
-              <a:t>18/09/63</a:t>
+              <a:t>20/09/63</a:t>
             </a:fld>
             <a:endParaRPr lang="en-US"/>
           </a:p>
@@ -26742,7 +26750,7 @@
           <a:p>
             <a:fld id="{7773D18F-796E-48FA-B446-43BFEFAD4305}" type="datetime1">
               <a:rPr lang="th-TH" smtClean="0"/>
-              <a:t>18/09/63</a:t>
+              <a:t>20/09/63</a:t>
             </a:fld>
             <a:endParaRPr lang="en-US" dirty="0"/>
           </a:p>
@@ -26831,126 +26839,126 @@
           <a:lstStyle/>
           <a:p>
             <a:r>
-              <a:rPr lang="en-US" sz="1800" dirty="0"/>
+              <a:rPr lang="en-US" sz="2000" dirty="0"/>
               <a:t>Dummy node </a:t>
             </a:r>
             <a:r>
-              <a:rPr lang="th-TH" sz="1800" dirty="0"/>
+              <a:rPr lang="th-TH" sz="2000" dirty="0"/>
               <a:t>คือ </a:t>
             </a:r>
             <a:r>
-              <a:rPr lang="en-US" sz="1800" dirty="0"/>
+              <a:rPr lang="en-US" sz="2000" dirty="0"/>
               <a:t>Node </a:t>
             </a:r>
             <a:r>
-              <a:rPr lang="th-TH" sz="1800" dirty="0"/>
+              <a:rPr lang="th-TH" sz="2000" dirty="0"/>
               <a:t>ที่ไม่เก็บค่าใด ๆ ไว้ มีไว้ให้ </a:t>
             </a:r>
             <a:r>
-              <a:rPr lang="en-US" sz="1800" dirty="0"/>
+              <a:rPr lang="en-US" sz="2000" dirty="0"/>
               <a:t>reference </a:t>
             </a:r>
             <a:r>
-              <a:rPr lang="th-TH" sz="1800" dirty="0"/>
+              <a:rPr lang="th-TH" sz="2000" dirty="0"/>
               <a:t>เฉย ๆ </a:t>
             </a:r>
           </a:p>
           <a:p>
             <a:r>
-              <a:rPr lang="th-TH" sz="1800" dirty="0"/>
+              <a:rPr lang="th-TH" sz="2000" dirty="0"/>
               <a:t>กรณี </a:t>
             </a:r>
             <a:r>
-              <a:rPr lang="en-US" sz="1800" dirty="0"/>
+              <a:rPr lang="en-US" sz="2000" dirty="0"/>
               <a:t>Singly Linked List</a:t>
             </a:r>
             <a:r>
-              <a:rPr lang="th-TH" sz="1800" dirty="0"/>
+              <a:rPr lang="th-TH" sz="2000" dirty="0"/>
               <a:t> จะทำ </a:t>
             </a:r>
             <a:r>
-              <a:rPr lang="en-US" sz="1800" dirty="0"/>
+              <a:rPr lang="en-US" sz="2000" dirty="0"/>
               <a:t>dummy node </a:t>
             </a:r>
             <a:r>
-              <a:rPr lang="th-TH" sz="1800" dirty="0"/>
+              <a:rPr lang="th-TH" sz="2000" dirty="0"/>
               <a:t>ไว้ที่ส่วนหัวและเรียกว่า </a:t>
             </a:r>
             <a:r>
-              <a:rPr lang="en-US" sz="1800" dirty="0"/>
+              <a:rPr lang="en-US" sz="2000" dirty="0"/>
               <a:t>header</a:t>
             </a:r>
           </a:p>
           <a:p>
             <a:r>
-              <a:rPr lang="th-TH" sz="1800" dirty="0"/>
+              <a:rPr lang="th-TH" sz="2000" dirty="0"/>
               <a:t>กรณี </a:t>
             </a:r>
             <a:r>
-              <a:rPr lang="en-US" sz="1800" dirty="0"/>
+              <a:rPr lang="en-US" sz="2000" dirty="0"/>
               <a:t>Doubly Linked List </a:t>
             </a:r>
             <a:r>
-              <a:rPr lang="th-TH" sz="1800" dirty="0"/>
+              <a:rPr lang="th-TH" sz="2000" dirty="0"/>
               <a:t>จำทำ </a:t>
             </a:r>
             <a:r>
-              <a:rPr lang="en-US" sz="1800" dirty="0"/>
+              <a:rPr lang="en-US" sz="2000" dirty="0"/>
               <a:t>dummy node </a:t>
             </a:r>
             <a:r>
-              <a:rPr lang="th-TH" sz="1800" dirty="0"/>
+              <a:rPr lang="th-TH" sz="2000" dirty="0"/>
               <a:t>ไว้ที่หัวและท้ายโดยเรียกว่า </a:t>
             </a:r>
             <a:r>
-              <a:rPr lang="en-US" sz="1800" dirty="0"/>
+              <a:rPr lang="en-US" sz="2000" dirty="0"/>
               <a:t>header </a:t>
             </a:r>
             <a:r>
-              <a:rPr lang="th-TH" sz="1800" dirty="0"/>
+              <a:rPr lang="th-TH" sz="2000" dirty="0"/>
               <a:t>และ </a:t>
             </a:r>
             <a:r>
-              <a:rPr lang="en-US" sz="1800" dirty="0"/>
+              <a:rPr lang="en-US" sz="2000" dirty="0"/>
               <a:t>trailer </a:t>
             </a:r>
             <a:r>
-              <a:rPr lang="th-TH" sz="1800" dirty="0"/>
+              <a:rPr lang="th-TH" sz="2000" dirty="0"/>
               <a:t>ตามลำดับ</a:t>
             </a:r>
           </a:p>
           <a:p>
             <a:r>
-              <a:rPr lang="th-TH" sz="1800" dirty="0"/>
+              <a:rPr lang="th-TH" sz="2000" dirty="0"/>
               <a:t>ช่วยให้เขียนโค้ดได้เป็น </a:t>
             </a:r>
             <a:r>
-              <a:rPr lang="en-US" sz="1800" dirty="0"/>
+              <a:rPr lang="en-US" sz="2000" dirty="0"/>
               <a:t>general case </a:t>
             </a:r>
             <a:r>
-              <a:rPr lang="th-TH" sz="1800" dirty="0"/>
+              <a:rPr lang="th-TH" sz="2000" dirty="0"/>
               <a:t>มากขึ้น ไม่ต้องดักว่าทำงานที่หัวหรือที่ท้ายของ </a:t>
             </a:r>
             <a:r>
-              <a:rPr lang="en-US" sz="1800" dirty="0"/>
+              <a:rPr lang="en-US" sz="2000" dirty="0"/>
               <a:t>list </a:t>
             </a:r>
             <a:r>
-              <a:rPr lang="th-TH" sz="1800" dirty="0"/>
+              <a:rPr lang="th-TH" sz="2000" dirty="0"/>
               <a:t>เท่าไร</a:t>
             </a:r>
           </a:p>
           <a:p>
             <a:r>
-              <a:rPr lang="th-TH" sz="1800" dirty="0"/>
+              <a:rPr lang="th-TH" sz="2000" dirty="0"/>
               <a:t>ตัวอย่างโค้ดดูตามของอาจารย์ใน </a:t>
             </a:r>
             <a:r>
-              <a:rPr lang="en-US" sz="1800" dirty="0"/>
+              <a:rPr lang="en-US" sz="2000" dirty="0"/>
               <a:t>Microsoft Teams</a:t>
             </a:r>
-            <a:endParaRPr lang="th-TH" sz="1800" dirty="0"/>
+            <a:endParaRPr lang="th-TH" sz="2000" dirty="0"/>
           </a:p>
         </p:txBody>
       </p:sp>
@@ -26978,7 +26986,7 @@
             <a:pPr rtl="0"/>
             <a:fld id="{38C53E2A-59EE-41B3-A1AB-9575F6EA1695}" type="datetime1">
               <a:rPr lang="th-TH" smtClean="0"/>
-              <a:t>18/09/63</a:t>
+              <a:t>20/09/63</a:t>
             </a:fld>
             <a:endParaRPr lang="en-US"/>
           </a:p>
@@ -27012,7 +27020,7 @@
         </p:blipFill>
         <p:spPr>
           <a:xfrm>
-            <a:off x="1066800" y="4285456"/>
+            <a:off x="1066800" y="4684160"/>
             <a:ext cx="4364729" cy="1402949"/>
           </a:xfrm>
           <a:prstGeom prst="rect">
@@ -27048,7 +27056,7 @@
         </p:blipFill>
         <p:spPr>
           <a:xfrm>
-            <a:off x="7350100" y="3886754"/>
+            <a:off x="7256794" y="4145593"/>
             <a:ext cx="3485956" cy="2200355"/>
           </a:xfrm>
           <a:prstGeom prst="rect">
@@ -27167,7 +27175,7 @@
           <a:p>
             <a:fld id="{CC8C1F7F-7918-4156-86A5-91C01FD8A003}" type="datetime1">
               <a:rPr lang="th-TH" smtClean="0"/>
-              <a:t>18/09/63</a:t>
+              <a:t>20/09/63</a:t>
             </a:fld>
             <a:endParaRPr lang="th-TH" dirty="0"/>
           </a:p>
@@ -27371,7 +27379,7 @@
             <a:pPr rtl="0"/>
             <a:fld id="{38C53E2A-59EE-41B3-A1AB-9575F6EA1695}" type="datetime1">
               <a:rPr lang="th-TH" smtClean="0"/>
-              <a:t>18/09/63</a:t>
+              <a:t>20/09/63</a:t>
             </a:fld>
             <a:endParaRPr lang="en-US"/>
           </a:p>
@@ -27499,7 +27507,7 @@
             <a:pPr rtl="0"/>
             <a:fld id="{38C53E2A-59EE-41B3-A1AB-9575F6EA1695}" type="datetime1">
               <a:rPr lang="th-TH" smtClean="0"/>
-              <a:t>18/09/63</a:t>
+              <a:t>20/09/63</a:t>
             </a:fld>
             <a:endParaRPr lang="en-US"/>
           </a:p>
@@ -27743,7 +27751,7 @@
             <a:pPr rtl="0"/>
             <a:fld id="{38C53E2A-59EE-41B3-A1AB-9575F6EA1695}" type="datetime1">
               <a:rPr lang="th-TH" smtClean="0"/>
-              <a:t>18/09/63</a:t>
+              <a:t>20/09/63</a:t>
             </a:fld>
             <a:endParaRPr lang="en-US"/>
           </a:p>
@@ -27980,7 +27988,7 @@
             <a:pPr rtl="0"/>
             <a:fld id="{38C53E2A-59EE-41B3-A1AB-9575F6EA1695}" type="datetime1">
               <a:rPr lang="th-TH" smtClean="0"/>
-              <a:t>18/09/63</a:t>
+              <a:t>20/09/63</a:t>
             </a:fld>
             <a:endParaRPr lang="en-US"/>
           </a:p>
@@ -28121,7 +28129,7 @@
             <a:pPr rtl="0"/>
             <a:fld id="{38C53E2A-59EE-41B3-A1AB-9575F6EA1695}" type="datetime1">
               <a:rPr lang="th-TH" smtClean="0"/>
-              <a:t>18/09/63</a:t>
+              <a:t>20/09/63</a:t>
             </a:fld>
             <a:endParaRPr lang="en-US"/>
           </a:p>
@@ -28272,7 +28280,7 @@
             <a:pPr rtl="0"/>
             <a:fld id="{38C53E2A-59EE-41B3-A1AB-9575F6EA1695}" type="datetime1">
               <a:rPr lang="th-TH" smtClean="0"/>
-              <a:t>18/09/63</a:t>
+              <a:t>20/09/63</a:t>
             </a:fld>
             <a:endParaRPr lang="en-US"/>
           </a:p>
@@ -28393,7 +28401,7 @@
             <a:pPr rtl="0"/>
             <a:fld id="{38C53E2A-59EE-41B3-A1AB-9575F6EA1695}" type="datetime1">
               <a:rPr lang="th-TH" smtClean="0"/>
-              <a:t>18/09/63</a:t>
+              <a:t>20/09/63</a:t>
             </a:fld>
             <a:endParaRPr lang="en-US"/>
           </a:p>
@@ -28482,7 +28490,7 @@
             <a:pPr rtl="0"/>
             <a:fld id="{38C53E2A-59EE-41B3-A1AB-9575F6EA1695}" type="datetime1">
               <a:rPr lang="th-TH" smtClean="0"/>
-              <a:t>18/09/63</a:t>
+              <a:t>20/09/63</a:t>
             </a:fld>
             <a:endParaRPr lang="en-US"/>
           </a:p>
@@ -28696,7 +28704,7 @@
             <a:pPr rtl="0"/>
             <a:fld id="{38C53E2A-59EE-41B3-A1AB-9575F6EA1695}" type="datetime1">
               <a:rPr lang="th-TH" smtClean="0"/>
-              <a:t>18/09/63</a:t>
+              <a:t>20/09/63</a:t>
             </a:fld>
             <a:endParaRPr lang="en-US"/>
           </a:p>
@@ -28817,7 +28825,7 @@
             <a:pPr rtl="0"/>
             <a:fld id="{38C53E2A-59EE-41B3-A1AB-9575F6EA1695}" type="datetime1">
               <a:rPr lang="th-TH" smtClean="0"/>
-              <a:t>18/09/63</a:t>
+              <a:t>20/09/63</a:t>
             </a:fld>
             <a:endParaRPr lang="en-US" dirty="0"/>
           </a:p>
@@ -29076,7 +29084,7 @@
             <a:pPr rtl="0"/>
             <a:fld id="{55C19084-1496-4B60-ADB6-24714CE58D61}" type="datetime1">
               <a:rPr lang="th-TH" smtClean="0"/>
-              <a:t>18/09/63</a:t>
+              <a:t>20/09/63</a:t>
             </a:fld>
             <a:endParaRPr lang="en-US"/>
           </a:p>
@@ -29164,7 +29172,7 @@
           <a:p>
             <a:fld id="{7773D18F-796E-48FA-B446-43BFEFAD4305}" type="datetime1">
               <a:rPr lang="th-TH" smtClean="0"/>
-              <a:t>18/09/63</a:t>
+              <a:t>20/09/63</a:t>
             </a:fld>
             <a:endParaRPr lang="en-US" dirty="0"/>
           </a:p>
@@ -29307,7 +29315,7 @@
             <a:pPr rtl="0"/>
             <a:fld id="{38C53E2A-59EE-41B3-A1AB-9575F6EA1695}" type="datetime1">
               <a:rPr lang="th-TH" smtClean="0"/>
-              <a:t>18/09/63</a:t>
+              <a:t>20/09/63</a:t>
             </a:fld>
             <a:endParaRPr lang="en-US"/>
           </a:p>

--- a/Midterm/Data structure and Algorithm.pptx
+++ b/Midterm/Data structure and Algorithm.pptx
@@ -5,10 +5,10 @@
     <p:sldMasterId id="2147483673" r:id="rId1"/>
   </p:sldMasterIdLst>
   <p:notesMasterIdLst>
-    <p:notesMasterId r:id="rId74"/>
+    <p:notesMasterId r:id="rId75"/>
   </p:notesMasterIdLst>
   <p:handoutMasterIdLst>
-    <p:handoutMasterId r:id="rId75"/>
+    <p:handoutMasterId r:id="rId76"/>
   </p:handoutMasterIdLst>
   <p:sldIdLst>
     <p:sldId id="257" r:id="rId2"/>
@@ -65,24 +65,25 @@
     <p:sldId id="316" r:id="rId53"/>
     <p:sldId id="318" r:id="rId54"/>
     <p:sldId id="296" r:id="rId55"/>
-    <p:sldId id="299" r:id="rId56"/>
-    <p:sldId id="300" r:id="rId57"/>
-    <p:sldId id="301" r:id="rId58"/>
-    <p:sldId id="319" r:id="rId59"/>
-    <p:sldId id="302" r:id="rId60"/>
-    <p:sldId id="336" r:id="rId61"/>
-    <p:sldId id="326" r:id="rId62"/>
-    <p:sldId id="327" r:id="rId63"/>
-    <p:sldId id="330" r:id="rId64"/>
-    <p:sldId id="328" r:id="rId65"/>
-    <p:sldId id="331" r:id="rId66"/>
-    <p:sldId id="329" r:id="rId67"/>
-    <p:sldId id="334" r:id="rId68"/>
-    <p:sldId id="335" r:id="rId69"/>
-    <p:sldId id="333" r:id="rId70"/>
-    <p:sldId id="332" r:id="rId71"/>
-    <p:sldId id="320" r:id="rId72"/>
-    <p:sldId id="321" r:id="rId73"/>
+    <p:sldId id="337" r:id="rId56"/>
+    <p:sldId id="299" r:id="rId57"/>
+    <p:sldId id="300" r:id="rId58"/>
+    <p:sldId id="301" r:id="rId59"/>
+    <p:sldId id="319" r:id="rId60"/>
+    <p:sldId id="302" r:id="rId61"/>
+    <p:sldId id="336" r:id="rId62"/>
+    <p:sldId id="326" r:id="rId63"/>
+    <p:sldId id="327" r:id="rId64"/>
+    <p:sldId id="330" r:id="rId65"/>
+    <p:sldId id="328" r:id="rId66"/>
+    <p:sldId id="331" r:id="rId67"/>
+    <p:sldId id="329" r:id="rId68"/>
+    <p:sldId id="334" r:id="rId69"/>
+    <p:sldId id="335" r:id="rId70"/>
+    <p:sldId id="333" r:id="rId71"/>
+    <p:sldId id="332" r:id="rId72"/>
+    <p:sldId id="320" r:id="rId73"/>
+    <p:sldId id="321" r:id="rId74"/>
   </p:sldIdLst>
   <p:sldSz cx="12192000" cy="6858000"/>
   <p:notesSz cx="6858000" cy="9144000"/>
@@ -6833,10 +6834,10 @@
       </p:sp>
       <p:pic>
         <p:nvPicPr>
-          <p:cNvPr id="9" name="ตัวแทนเนื้อหา 8">
-            <a:extLst>
-              <a:ext uri="{FF2B5EF4-FFF2-40B4-BE49-F238E27FC236}">
-                <a16:creationId xmlns:a16="http://schemas.microsoft.com/office/drawing/2014/main" id="{7BB516BF-C82B-463E-91C3-D2EC0C93FF16}"/>
+          <p:cNvPr id="7" name="ตัวแทนเนื้อหา 6">
+            <a:extLst>
+              <a:ext uri="{FF2B5EF4-FFF2-40B4-BE49-F238E27FC236}">
+                <a16:creationId xmlns:a16="http://schemas.microsoft.com/office/drawing/2014/main" id="{DAC5A646-FCBD-4A19-A708-7C0AADF7F9F3}"/>
               </a:ext>
             </a:extLst>
           </p:cNvPr>
@@ -6855,8 +6856,8 @@
         </p:blipFill>
         <p:spPr>
           <a:xfrm>
-            <a:off x="3808602" y="1621401"/>
-            <a:ext cx="4622334" cy="4764758"/>
+            <a:off x="4291102" y="1698172"/>
+            <a:ext cx="3667910" cy="4735246"/>
           </a:xfrm>
           <a:prstGeom prst="rect">
             <a:avLst/>
@@ -7338,19 +7339,17 @@
       </p:sp>
       <p:pic>
         <p:nvPicPr>
-          <p:cNvPr id="7" name="ตัวแทนเนื้อหา 6">
-            <a:extLst>
-              <a:ext uri="{FF2B5EF4-FFF2-40B4-BE49-F238E27FC236}">
-                <a16:creationId xmlns:a16="http://schemas.microsoft.com/office/drawing/2014/main" id="{2514DDD5-C02B-4DD9-A781-9E29EF4933A0}"/>
+          <p:cNvPr id="6" name="รูปภาพ 5">
+            <a:extLst>
+              <a:ext uri="{FF2B5EF4-FFF2-40B4-BE49-F238E27FC236}">
+                <a16:creationId xmlns:a16="http://schemas.microsoft.com/office/drawing/2014/main" id="{A304F9BA-9CC1-401A-BCB0-58C463670E5F}"/>
               </a:ext>
             </a:extLst>
           </p:cNvPr>
           <p:cNvPicPr>
-            <a:picLocks noGrp="1" noChangeAspect="1"/>
+            <a:picLocks noChangeAspect="1"/>
           </p:cNvPicPr>
-          <p:nvPr>
-            <p:ph idx="1"/>
-          </p:nvPr>
+          <p:nvPr/>
         </p:nvPicPr>
         <p:blipFill>
           <a:blip r:embed="rId2"/>
@@ -7360,8 +7359,8 @@
         </p:blipFill>
         <p:spPr>
           <a:xfrm>
-            <a:off x="3741491" y="1652318"/>
-            <a:ext cx="4647500" cy="4764664"/>
+            <a:off x="4562905" y="1676606"/>
+            <a:ext cx="3763598" cy="4696022"/>
           </a:xfrm>
           <a:prstGeom prst="rect">
             <a:avLst/>
@@ -8756,37 +8755,6 @@
           </a:p>
         </p:txBody>
       </p:sp>
-      <p:pic>
-        <p:nvPicPr>
-          <p:cNvPr id="5" name="ตัวแทนเนื้อหา 4">
-            <a:extLst>
-              <a:ext uri="{FF2B5EF4-FFF2-40B4-BE49-F238E27FC236}">
-                <a16:creationId xmlns:a16="http://schemas.microsoft.com/office/drawing/2014/main" id="{038F224C-227C-4D10-9E83-C20CA602EBF3}"/>
-              </a:ext>
-            </a:extLst>
-          </p:cNvPr>
-          <p:cNvPicPr>
-            <a:picLocks noGrp="1" noChangeAspect="1"/>
-          </p:cNvPicPr>
-          <p:nvPr>
-            <p:ph idx="1"/>
-          </p:nvPr>
-        </p:nvPicPr>
-        <p:blipFill rotWithShape="1">
-          <a:blip r:embed="rId2"/>
-          <a:srcRect b="39157"/>
-          <a:stretch/>
-        </p:blipFill>
-        <p:spPr>
-          <a:xfrm>
-            <a:off x="805544" y="1637324"/>
-            <a:ext cx="5049972" cy="4583534"/>
-          </a:xfrm>
-          <a:prstGeom prst="rect">
-            <a:avLst/>
-          </a:prstGeom>
-        </p:spPr>
-      </p:pic>
       <p:sp>
         <p:nvSpPr>
           <p:cNvPr id="4" name="ตัวแทนวันที่ 3">
@@ -8840,6 +8808,38 @@
           <a:xfrm>
             <a:off x="6177334" y="2416030"/>
             <a:ext cx="5234058" cy="3109012"/>
+          </a:xfrm>
+          <a:prstGeom prst="rect">
+            <a:avLst/>
+          </a:prstGeom>
+        </p:spPr>
+      </p:pic>
+      <p:pic>
+        <p:nvPicPr>
+          <p:cNvPr id="9" name="ตัวแทนเนื้อหา 8">
+            <a:extLst>
+              <a:ext uri="{FF2B5EF4-FFF2-40B4-BE49-F238E27FC236}">
+                <a16:creationId xmlns:a16="http://schemas.microsoft.com/office/drawing/2014/main" id="{68D2C317-A6D5-430F-A607-31C396F31775}"/>
+              </a:ext>
+            </a:extLst>
+          </p:cNvPr>
+          <p:cNvPicPr>
+            <a:picLocks noGrp="1" noChangeAspect="1"/>
+          </p:cNvPicPr>
+          <p:nvPr>
+            <p:ph idx="1"/>
+          </p:nvPr>
+        </p:nvPicPr>
+        <p:blipFill>
+          <a:blip r:embed="rId3"/>
+          <a:stretch>
+            <a:fillRect/>
+          </a:stretch>
+        </p:blipFill>
+        <p:spPr>
+          <a:xfrm>
+            <a:off x="1251145" y="1893161"/>
+            <a:ext cx="4500179" cy="4154750"/>
           </a:xfrm>
           <a:prstGeom prst="rect">
             <a:avLst/>
@@ -25941,6 +25941,132 @@
           <p:cNvPr id="2" name="ชื่อเรื่อง 1">
             <a:extLst>
               <a:ext uri="{FF2B5EF4-FFF2-40B4-BE49-F238E27FC236}">
+                <a16:creationId xmlns:a16="http://schemas.microsoft.com/office/drawing/2014/main" id="{E033014B-E180-4E17-A888-F6F1948BF5C1}"/>
+              </a:ext>
+            </a:extLst>
+          </p:cNvPr>
+          <p:cNvSpPr>
+            <a:spLocks noGrp="1"/>
+          </p:cNvSpPr>
+          <p:nvPr>
+            <p:ph type="title"/>
+          </p:nvPr>
+        </p:nvSpPr>
+        <p:spPr>
+          <a:xfrm>
+            <a:off x="1066799" y="661255"/>
+            <a:ext cx="10058400" cy="1371600"/>
+          </a:xfrm>
+        </p:spPr>
+        <p:txBody>
+          <a:bodyPr/>
+          <a:lstStyle/>
+          <a:p>
+            <a:r>
+              <a:rPr lang="en-US" dirty="0"/>
+              <a:t>pop() method</a:t>
+            </a:r>
+            <a:endParaRPr lang="th-TH" dirty="0"/>
+          </a:p>
+        </p:txBody>
+      </p:sp>
+      <p:pic>
+        <p:nvPicPr>
+          <p:cNvPr id="5" name="ตัวแทนเนื้อหา 4">
+            <a:extLst>
+              <a:ext uri="{FF2B5EF4-FFF2-40B4-BE49-F238E27FC236}">
+                <a16:creationId xmlns:a16="http://schemas.microsoft.com/office/drawing/2014/main" id="{3B52D655-2C15-4CE6-A20C-5FAE827DB600}"/>
+              </a:ext>
+            </a:extLst>
+          </p:cNvPr>
+          <p:cNvPicPr>
+            <a:picLocks noGrp="1" noChangeAspect="1"/>
+          </p:cNvPicPr>
+          <p:nvPr>
+            <p:ph idx="1"/>
+          </p:nvPr>
+        </p:nvPicPr>
+        <p:blipFill>
+          <a:blip r:embed="rId2"/>
+          <a:stretch>
+            <a:fillRect/>
+          </a:stretch>
+        </p:blipFill>
+        <p:spPr>
+          <a:xfrm>
+            <a:off x="3329472" y="1677120"/>
+            <a:ext cx="5533053" cy="4713655"/>
+          </a:xfrm>
+          <a:prstGeom prst="rect">
+            <a:avLst/>
+          </a:prstGeom>
+        </p:spPr>
+      </p:pic>
+      <p:sp>
+        <p:nvSpPr>
+          <p:cNvPr id="4" name="ตัวแทนวันที่ 3">
+            <a:extLst>
+              <a:ext uri="{FF2B5EF4-FFF2-40B4-BE49-F238E27FC236}">
+                <a16:creationId xmlns:a16="http://schemas.microsoft.com/office/drawing/2014/main" id="{DED8298D-932F-4A32-816E-EC1B21633DAC}"/>
+              </a:ext>
+            </a:extLst>
+          </p:cNvPr>
+          <p:cNvSpPr>
+            <a:spLocks noGrp="1"/>
+          </p:cNvSpPr>
+          <p:nvPr>
+            <p:ph type="dt" sz="half" idx="10"/>
+          </p:nvPr>
+        </p:nvSpPr>
+        <p:spPr/>
+        <p:txBody>
+          <a:bodyPr/>
+          <a:lstStyle/>
+          <a:p>
+            <a:pPr rtl="0"/>
+            <a:fld id="{38C53E2A-59EE-41B3-A1AB-9575F6EA1695}" type="datetime1">
+              <a:rPr lang="th-TH" smtClean="0"/>
+              <a:t>20/09/63</a:t>
+            </a:fld>
+            <a:endParaRPr lang="en-US"/>
+          </a:p>
+        </p:txBody>
+      </p:sp>
+    </p:spTree>
+    <p:extLst>
+      <p:ext uri="{BB962C8B-B14F-4D97-AF65-F5344CB8AC3E}">
+        <p14:creationId xmlns:p14="http://schemas.microsoft.com/office/powerpoint/2010/main" val="1254763300"/>
+      </p:ext>
+    </p:extLst>
+  </p:cSld>
+  <p:clrMapOvr>
+    <a:masterClrMapping/>
+  </p:clrMapOvr>
+</p:sld>
+</file>
+
+<file path=ppt/slides/slide56.xml><?xml version="1.0" encoding="utf-8"?>
+<p:sld xmlns:a="http://schemas.openxmlformats.org/drawingml/2006/main" xmlns:r="http://schemas.openxmlformats.org/officeDocument/2006/relationships" xmlns:p="http://schemas.openxmlformats.org/presentationml/2006/main">
+  <p:cSld>
+    <p:spTree>
+      <p:nvGrpSpPr>
+        <p:cNvPr id="1" name=""/>
+        <p:cNvGrpSpPr/>
+        <p:nvPr/>
+      </p:nvGrpSpPr>
+      <p:grpSpPr>
+        <a:xfrm>
+          <a:off x="0" y="0"/>
+          <a:ext cx="0" cy="0"/>
+          <a:chOff x="0" y="0"/>
+          <a:chExt cx="0" cy="0"/>
+        </a:xfrm>
+      </p:grpSpPr>
+      <p:sp>
+        <p:nvSpPr>
+          <p:cNvPr id="2" name="ชื่อเรื่อง 1">
+            <a:extLst>
+              <a:ext uri="{FF2B5EF4-FFF2-40B4-BE49-F238E27FC236}">
                 <a16:creationId xmlns:a16="http://schemas.microsoft.com/office/drawing/2014/main" id="{32753C48-59E1-419E-88BA-337A451D173B}"/>
               </a:ext>
             </a:extLst>
@@ -26040,7 +26166,7 @@
 </p:sld>
 </file>
 
-<file path=ppt/slides/slide56.xml><?xml version="1.0" encoding="utf-8"?>
+<file path=ppt/slides/slide57.xml><?xml version="1.0" encoding="utf-8"?>
 <p:sld xmlns:a="http://schemas.openxmlformats.org/drawingml/2006/main" xmlns:r="http://schemas.openxmlformats.org/officeDocument/2006/relationships" xmlns:p="http://schemas.openxmlformats.org/presentationml/2006/main">
   <p:cSld>
     <p:spTree>
@@ -26159,7 +26285,7 @@
 </p:sld>
 </file>
 
-<file path=ppt/slides/slide57.xml><?xml version="1.0" encoding="utf-8"?>
+<file path=ppt/slides/slide58.xml><?xml version="1.0" encoding="utf-8"?>
 <p:sld xmlns:a="http://schemas.openxmlformats.org/drawingml/2006/main" xmlns:r="http://schemas.openxmlformats.org/officeDocument/2006/relationships" xmlns:p="http://schemas.openxmlformats.org/presentationml/2006/main">
   <p:cSld>
     <p:spTree>
@@ -26278,7 +26404,7 @@
 </p:sld>
 </file>
 
-<file path=ppt/slides/slide58.xml><?xml version="1.0" encoding="utf-8"?>
+<file path=ppt/slides/slide59.xml><?xml version="1.0" encoding="utf-8"?>
 <p:sld xmlns:a="http://schemas.openxmlformats.org/drawingml/2006/main" xmlns:r="http://schemas.openxmlformats.org/officeDocument/2006/relationships" xmlns:p="http://schemas.openxmlformats.org/presentationml/2006/main">
   <p:cSld>
     <p:spTree>
@@ -26390,288 +26516,6 @@
     <p:extLst>
       <p:ext uri="{BB962C8B-B14F-4D97-AF65-F5344CB8AC3E}">
         <p14:creationId xmlns:p14="http://schemas.microsoft.com/office/powerpoint/2010/main" val="2249564788"/>
-      </p:ext>
-    </p:extLst>
-  </p:cSld>
-  <p:clrMapOvr>
-    <a:masterClrMapping/>
-  </p:clrMapOvr>
-</p:sld>
-</file>
-
-<file path=ppt/slides/slide59.xml><?xml version="1.0" encoding="utf-8"?>
-<p:sld xmlns:a="http://schemas.openxmlformats.org/drawingml/2006/main" xmlns:r="http://schemas.openxmlformats.org/officeDocument/2006/relationships" xmlns:p="http://schemas.openxmlformats.org/presentationml/2006/main">
-  <p:cSld>
-    <p:spTree>
-      <p:nvGrpSpPr>
-        <p:cNvPr id="1" name=""/>
-        <p:cNvGrpSpPr/>
-        <p:nvPr/>
-      </p:nvGrpSpPr>
-      <p:grpSpPr>
-        <a:xfrm>
-          <a:off x="0" y="0"/>
-          <a:ext cx="0" cy="0"/>
-          <a:chOff x="0" y="0"/>
-          <a:chExt cx="0" cy="0"/>
-        </a:xfrm>
-      </p:grpSpPr>
-      <p:sp>
-        <p:nvSpPr>
-          <p:cNvPr id="2" name="ชื่อเรื่อง 1">
-            <a:extLst>
-              <a:ext uri="{FF2B5EF4-FFF2-40B4-BE49-F238E27FC236}">
-                <a16:creationId xmlns:a16="http://schemas.microsoft.com/office/drawing/2014/main" id="{6C0F6D08-3937-4C4B-BD7D-B0930979C708}"/>
-              </a:ext>
-            </a:extLst>
-          </p:cNvPr>
-          <p:cNvSpPr>
-            <a:spLocks noGrp="1"/>
-          </p:cNvSpPr>
-          <p:nvPr>
-            <p:ph type="title"/>
-          </p:nvPr>
-        </p:nvSpPr>
-        <p:spPr/>
-        <p:txBody>
-          <a:bodyPr/>
-          <a:lstStyle/>
-          <a:p>
-            <a:r>
-              <a:rPr lang="en-US" dirty="0"/>
-              <a:t>Stack and Queue with Linked List</a:t>
-            </a:r>
-            <a:endParaRPr lang="th-TH" dirty="0"/>
-          </a:p>
-        </p:txBody>
-      </p:sp>
-      <p:sp>
-        <p:nvSpPr>
-          <p:cNvPr id="3" name="ตัวแทนเนื้อหา 2">
-            <a:extLst>
-              <a:ext uri="{FF2B5EF4-FFF2-40B4-BE49-F238E27FC236}">
-                <a16:creationId xmlns:a16="http://schemas.microsoft.com/office/drawing/2014/main" id="{78861683-FC71-4DE8-A5BA-810CAFE0C802}"/>
-              </a:ext>
-            </a:extLst>
-          </p:cNvPr>
-          <p:cNvSpPr>
-            <a:spLocks noGrp="1"/>
-          </p:cNvSpPr>
-          <p:nvPr>
-            <p:ph idx="1"/>
-          </p:nvPr>
-        </p:nvSpPr>
-        <p:spPr/>
-        <p:txBody>
-          <a:bodyPr>
-            <a:normAutofit/>
-          </a:bodyPr>
-          <a:lstStyle/>
-          <a:p>
-            <a:r>
-              <a:rPr lang="en-US" sz="2400" dirty="0"/>
-              <a:t>Stack </a:t>
-            </a:r>
-            <a:r>
-              <a:rPr lang="th-TH" sz="2400" dirty="0"/>
-              <a:t>และ </a:t>
-            </a:r>
-            <a:r>
-              <a:rPr lang="en-US" sz="2400" dirty="0"/>
-              <a:t>Queue </a:t>
-            </a:r>
-            <a:r>
-              <a:rPr lang="th-TH" sz="2400" dirty="0"/>
-              <a:t>ใช้โครงสร้างข้อมูล </a:t>
-            </a:r>
-            <a:r>
-              <a:rPr lang="en-US" sz="2400" dirty="0"/>
-              <a:t>List </a:t>
-            </a:r>
-            <a:r>
-              <a:rPr lang="th-TH" sz="2400" dirty="0"/>
-              <a:t>เป็นหลัก</a:t>
-            </a:r>
-          </a:p>
-          <a:p>
-            <a:r>
-              <a:rPr lang="th-TH" sz="2400" dirty="0"/>
-              <a:t>สามารถใช้ </a:t>
-            </a:r>
-            <a:r>
-              <a:rPr lang="en-US" sz="2400" dirty="0"/>
-              <a:t>Linked List </a:t>
-            </a:r>
-            <a:r>
-              <a:rPr lang="th-TH" sz="2400" dirty="0"/>
-              <a:t>ทำ </a:t>
-            </a:r>
-            <a:r>
-              <a:rPr lang="en-US" sz="2400" dirty="0"/>
-              <a:t>Stack </a:t>
-            </a:r>
-            <a:r>
-              <a:rPr lang="th-TH" sz="2400" dirty="0"/>
-              <a:t>และ </a:t>
-            </a:r>
-            <a:r>
-              <a:rPr lang="en-US" sz="2400" dirty="0"/>
-              <a:t>Queue </a:t>
-            </a:r>
-            <a:r>
-              <a:rPr lang="th-TH" sz="2400" dirty="0"/>
-              <a:t>ได้เช่นกัน</a:t>
-            </a:r>
-          </a:p>
-          <a:p>
-            <a:r>
-              <a:rPr lang="en-US" sz="2400" dirty="0"/>
-              <a:t>Stack: push() = </a:t>
-            </a:r>
-            <a:r>
-              <a:rPr lang="en-US" sz="2400" dirty="0" err="1"/>
-              <a:t>push_back</a:t>
-            </a:r>
-            <a:r>
-              <a:rPr lang="en-US" sz="2400" dirty="0"/>
-              <a:t>(), pop() = </a:t>
-            </a:r>
-            <a:r>
-              <a:rPr lang="en-US" sz="2400" dirty="0" err="1"/>
-              <a:t>pop_back</a:t>
-            </a:r>
-            <a:r>
-              <a:rPr lang="en-US" sz="2400" dirty="0"/>
-              <a:t>()</a:t>
-            </a:r>
-          </a:p>
-          <a:p>
-            <a:r>
-              <a:rPr lang="en-US" sz="2400" dirty="0"/>
-              <a:t>Queue: enqueue() = </a:t>
-            </a:r>
-            <a:r>
-              <a:rPr lang="en-US" sz="2400" dirty="0" err="1"/>
-              <a:t>push_back</a:t>
-            </a:r>
-            <a:r>
-              <a:rPr lang="en-US" sz="2400" dirty="0"/>
-              <a:t>(), dequeue = </a:t>
-            </a:r>
-            <a:r>
-              <a:rPr lang="en-US" sz="2400" dirty="0" err="1"/>
-              <a:t>pop_front</a:t>
-            </a:r>
-            <a:r>
-              <a:rPr lang="en-US" sz="2400" dirty="0"/>
-              <a:t>()</a:t>
-            </a:r>
-          </a:p>
-          <a:p>
-            <a:r>
-              <a:rPr lang="th-TH" sz="2400" dirty="0">
-                <a:solidFill>
-                  <a:srgbClr val="FF0000"/>
-                </a:solidFill>
-              </a:rPr>
-              <a:t>ถ้าต้องการทำ </a:t>
-            </a:r>
-            <a:r>
-              <a:rPr lang="en-US" sz="2400" dirty="0">
-                <a:solidFill>
-                  <a:srgbClr val="FF0000"/>
-                </a:solidFill>
-              </a:rPr>
-              <a:t>Priority Queue </a:t>
-            </a:r>
-            <a:r>
-              <a:rPr lang="th-TH" sz="2400" dirty="0">
-                <a:solidFill>
-                  <a:srgbClr val="FF0000"/>
-                </a:solidFill>
-              </a:rPr>
-              <a:t>ให้ใช้ </a:t>
-            </a:r>
-            <a:r>
-              <a:rPr lang="en-US" sz="2400" dirty="0">
-                <a:solidFill>
-                  <a:srgbClr val="FF0000"/>
-                </a:solidFill>
-              </a:rPr>
-              <a:t>add() </a:t>
-            </a:r>
-            <a:r>
-              <a:rPr lang="th-TH" sz="2400" dirty="0">
-                <a:solidFill>
-                  <a:srgbClr val="FF0000"/>
-                </a:solidFill>
-              </a:rPr>
-              <a:t>แทน </a:t>
-            </a:r>
-            <a:r>
-              <a:rPr lang="en-US" sz="2400" dirty="0" err="1">
-                <a:solidFill>
-                  <a:srgbClr val="FF0000"/>
-                </a:solidFill>
-              </a:rPr>
-              <a:t>push_back</a:t>
-            </a:r>
-            <a:r>
-              <a:rPr lang="en-US" sz="2400" dirty="0">
-                <a:solidFill>
-                  <a:srgbClr val="FF0000"/>
-                </a:solidFill>
-              </a:rPr>
-              <a:t>() </a:t>
-            </a:r>
-            <a:r>
-              <a:rPr lang="th-TH" sz="2400" dirty="0">
-                <a:solidFill>
-                  <a:srgbClr val="FF0000"/>
-                </a:solidFill>
-              </a:rPr>
-              <a:t>ทั้งหมด</a:t>
-            </a:r>
-          </a:p>
-          <a:p>
-            <a:endParaRPr lang="th-TH" sz="2400" dirty="0"/>
-          </a:p>
-        </p:txBody>
-      </p:sp>
-      <p:sp>
-        <p:nvSpPr>
-          <p:cNvPr id="4" name="ตัวแทนวันที่ 3">
-            <a:extLst>
-              <a:ext uri="{FF2B5EF4-FFF2-40B4-BE49-F238E27FC236}">
-                <a16:creationId xmlns:a16="http://schemas.microsoft.com/office/drawing/2014/main" id="{4E589742-80C1-4804-8A89-DAC0910A1394}"/>
-              </a:ext>
-            </a:extLst>
-          </p:cNvPr>
-          <p:cNvSpPr>
-            <a:spLocks noGrp="1"/>
-          </p:cNvSpPr>
-          <p:nvPr>
-            <p:ph type="dt" sz="half" idx="10"/>
-          </p:nvPr>
-        </p:nvSpPr>
-        <p:spPr/>
-        <p:txBody>
-          <a:bodyPr/>
-          <a:lstStyle/>
-          <a:p>
-            <a:pPr rtl="0"/>
-            <a:fld id="{38C53E2A-59EE-41B3-A1AB-9575F6EA1695}" type="datetime1">
-              <a:rPr lang="th-TH" smtClean="0"/>
-              <a:t>20/09/63</a:t>
-            </a:fld>
-            <a:endParaRPr lang="en-US"/>
-          </a:p>
-        </p:txBody>
-      </p:sp>
-    </p:spTree>
-    <p:extLst>
-      <p:ext uri="{BB962C8B-B14F-4D97-AF65-F5344CB8AC3E}">
-        <p14:creationId xmlns:p14="http://schemas.microsoft.com/office/powerpoint/2010/main" val="2525260858"/>
       </p:ext>
     </p:extLst>
   </p:cSld>
@@ -26791,6 +26635,288 @@
           <p:cNvPr id="2" name="ชื่อเรื่อง 1">
             <a:extLst>
               <a:ext uri="{FF2B5EF4-FFF2-40B4-BE49-F238E27FC236}">
+                <a16:creationId xmlns:a16="http://schemas.microsoft.com/office/drawing/2014/main" id="{6C0F6D08-3937-4C4B-BD7D-B0930979C708}"/>
+              </a:ext>
+            </a:extLst>
+          </p:cNvPr>
+          <p:cNvSpPr>
+            <a:spLocks noGrp="1"/>
+          </p:cNvSpPr>
+          <p:nvPr>
+            <p:ph type="title"/>
+          </p:nvPr>
+        </p:nvSpPr>
+        <p:spPr/>
+        <p:txBody>
+          <a:bodyPr/>
+          <a:lstStyle/>
+          <a:p>
+            <a:r>
+              <a:rPr lang="en-US" dirty="0"/>
+              <a:t>Stack and Queue with Linked List</a:t>
+            </a:r>
+            <a:endParaRPr lang="th-TH" dirty="0"/>
+          </a:p>
+        </p:txBody>
+      </p:sp>
+      <p:sp>
+        <p:nvSpPr>
+          <p:cNvPr id="3" name="ตัวแทนเนื้อหา 2">
+            <a:extLst>
+              <a:ext uri="{FF2B5EF4-FFF2-40B4-BE49-F238E27FC236}">
+                <a16:creationId xmlns:a16="http://schemas.microsoft.com/office/drawing/2014/main" id="{78861683-FC71-4DE8-A5BA-810CAFE0C802}"/>
+              </a:ext>
+            </a:extLst>
+          </p:cNvPr>
+          <p:cNvSpPr>
+            <a:spLocks noGrp="1"/>
+          </p:cNvSpPr>
+          <p:nvPr>
+            <p:ph idx="1"/>
+          </p:nvPr>
+        </p:nvSpPr>
+        <p:spPr/>
+        <p:txBody>
+          <a:bodyPr>
+            <a:normAutofit/>
+          </a:bodyPr>
+          <a:lstStyle/>
+          <a:p>
+            <a:r>
+              <a:rPr lang="en-US" sz="2400" dirty="0"/>
+              <a:t>Stack </a:t>
+            </a:r>
+            <a:r>
+              <a:rPr lang="th-TH" sz="2400" dirty="0"/>
+              <a:t>และ </a:t>
+            </a:r>
+            <a:r>
+              <a:rPr lang="en-US" sz="2400" dirty="0"/>
+              <a:t>Queue </a:t>
+            </a:r>
+            <a:r>
+              <a:rPr lang="th-TH" sz="2400" dirty="0"/>
+              <a:t>ใช้โครงสร้างข้อมูล </a:t>
+            </a:r>
+            <a:r>
+              <a:rPr lang="en-US" sz="2400" dirty="0"/>
+              <a:t>List </a:t>
+            </a:r>
+            <a:r>
+              <a:rPr lang="th-TH" sz="2400" dirty="0"/>
+              <a:t>เป็นหลัก</a:t>
+            </a:r>
+          </a:p>
+          <a:p>
+            <a:r>
+              <a:rPr lang="th-TH" sz="2400" dirty="0"/>
+              <a:t>สามารถใช้ </a:t>
+            </a:r>
+            <a:r>
+              <a:rPr lang="en-US" sz="2400" dirty="0"/>
+              <a:t>Linked List </a:t>
+            </a:r>
+            <a:r>
+              <a:rPr lang="th-TH" sz="2400" dirty="0"/>
+              <a:t>ทำ </a:t>
+            </a:r>
+            <a:r>
+              <a:rPr lang="en-US" sz="2400" dirty="0"/>
+              <a:t>Stack </a:t>
+            </a:r>
+            <a:r>
+              <a:rPr lang="th-TH" sz="2400" dirty="0"/>
+              <a:t>และ </a:t>
+            </a:r>
+            <a:r>
+              <a:rPr lang="en-US" sz="2400" dirty="0"/>
+              <a:t>Queue </a:t>
+            </a:r>
+            <a:r>
+              <a:rPr lang="th-TH" sz="2400" dirty="0"/>
+              <a:t>ได้เช่นกัน</a:t>
+            </a:r>
+          </a:p>
+          <a:p>
+            <a:r>
+              <a:rPr lang="en-US" sz="2400" dirty="0"/>
+              <a:t>Stack: push() = </a:t>
+            </a:r>
+            <a:r>
+              <a:rPr lang="en-US" sz="2400" dirty="0" err="1"/>
+              <a:t>push_back</a:t>
+            </a:r>
+            <a:r>
+              <a:rPr lang="en-US" sz="2400" dirty="0"/>
+              <a:t>(), pop() = </a:t>
+            </a:r>
+            <a:r>
+              <a:rPr lang="en-US" sz="2400" dirty="0" err="1"/>
+              <a:t>pop_back</a:t>
+            </a:r>
+            <a:r>
+              <a:rPr lang="en-US" sz="2400" dirty="0"/>
+              <a:t>()</a:t>
+            </a:r>
+          </a:p>
+          <a:p>
+            <a:r>
+              <a:rPr lang="en-US" sz="2400" dirty="0"/>
+              <a:t>Queue: enqueue() = </a:t>
+            </a:r>
+            <a:r>
+              <a:rPr lang="en-US" sz="2400" dirty="0" err="1"/>
+              <a:t>push_back</a:t>
+            </a:r>
+            <a:r>
+              <a:rPr lang="en-US" sz="2400" dirty="0"/>
+              <a:t>(), dequeue = </a:t>
+            </a:r>
+            <a:r>
+              <a:rPr lang="en-US" sz="2400" dirty="0" err="1"/>
+              <a:t>pop_front</a:t>
+            </a:r>
+            <a:r>
+              <a:rPr lang="en-US" sz="2400" dirty="0"/>
+              <a:t>()</a:t>
+            </a:r>
+          </a:p>
+          <a:p>
+            <a:r>
+              <a:rPr lang="th-TH" sz="2400" dirty="0">
+                <a:solidFill>
+                  <a:srgbClr val="FF0000"/>
+                </a:solidFill>
+              </a:rPr>
+              <a:t>ถ้าต้องการทำ </a:t>
+            </a:r>
+            <a:r>
+              <a:rPr lang="en-US" sz="2400" dirty="0">
+                <a:solidFill>
+                  <a:srgbClr val="FF0000"/>
+                </a:solidFill>
+              </a:rPr>
+              <a:t>Priority Queue </a:t>
+            </a:r>
+            <a:r>
+              <a:rPr lang="th-TH" sz="2400" dirty="0">
+                <a:solidFill>
+                  <a:srgbClr val="FF0000"/>
+                </a:solidFill>
+              </a:rPr>
+              <a:t>ให้ใช้ </a:t>
+            </a:r>
+            <a:r>
+              <a:rPr lang="en-US" sz="2400" dirty="0">
+                <a:solidFill>
+                  <a:srgbClr val="FF0000"/>
+                </a:solidFill>
+              </a:rPr>
+              <a:t>add() </a:t>
+            </a:r>
+            <a:r>
+              <a:rPr lang="th-TH" sz="2400" dirty="0">
+                <a:solidFill>
+                  <a:srgbClr val="FF0000"/>
+                </a:solidFill>
+              </a:rPr>
+              <a:t>แทน </a:t>
+            </a:r>
+            <a:r>
+              <a:rPr lang="en-US" sz="2400" dirty="0" err="1">
+                <a:solidFill>
+                  <a:srgbClr val="FF0000"/>
+                </a:solidFill>
+              </a:rPr>
+              <a:t>push_back</a:t>
+            </a:r>
+            <a:r>
+              <a:rPr lang="en-US" sz="2400" dirty="0">
+                <a:solidFill>
+                  <a:srgbClr val="FF0000"/>
+                </a:solidFill>
+              </a:rPr>
+              <a:t>() </a:t>
+            </a:r>
+            <a:r>
+              <a:rPr lang="th-TH" sz="2400" dirty="0">
+                <a:solidFill>
+                  <a:srgbClr val="FF0000"/>
+                </a:solidFill>
+              </a:rPr>
+              <a:t>ทั้งหมด</a:t>
+            </a:r>
+          </a:p>
+          <a:p>
+            <a:endParaRPr lang="th-TH" sz="2400" dirty="0"/>
+          </a:p>
+        </p:txBody>
+      </p:sp>
+      <p:sp>
+        <p:nvSpPr>
+          <p:cNvPr id="4" name="ตัวแทนวันที่ 3">
+            <a:extLst>
+              <a:ext uri="{FF2B5EF4-FFF2-40B4-BE49-F238E27FC236}">
+                <a16:creationId xmlns:a16="http://schemas.microsoft.com/office/drawing/2014/main" id="{4E589742-80C1-4804-8A89-DAC0910A1394}"/>
+              </a:ext>
+            </a:extLst>
+          </p:cNvPr>
+          <p:cNvSpPr>
+            <a:spLocks noGrp="1"/>
+          </p:cNvSpPr>
+          <p:nvPr>
+            <p:ph type="dt" sz="half" idx="10"/>
+          </p:nvPr>
+        </p:nvSpPr>
+        <p:spPr/>
+        <p:txBody>
+          <a:bodyPr/>
+          <a:lstStyle/>
+          <a:p>
+            <a:pPr rtl="0"/>
+            <a:fld id="{38C53E2A-59EE-41B3-A1AB-9575F6EA1695}" type="datetime1">
+              <a:rPr lang="th-TH" smtClean="0"/>
+              <a:t>20/09/63</a:t>
+            </a:fld>
+            <a:endParaRPr lang="en-US"/>
+          </a:p>
+        </p:txBody>
+      </p:sp>
+    </p:spTree>
+    <p:extLst>
+      <p:ext uri="{BB962C8B-B14F-4D97-AF65-F5344CB8AC3E}">
+        <p14:creationId xmlns:p14="http://schemas.microsoft.com/office/powerpoint/2010/main" val="2525260858"/>
+      </p:ext>
+    </p:extLst>
+  </p:cSld>
+  <p:clrMapOvr>
+    <a:masterClrMapping/>
+  </p:clrMapOvr>
+</p:sld>
+</file>
+
+<file path=ppt/slides/slide61.xml><?xml version="1.0" encoding="utf-8"?>
+<p:sld xmlns:a="http://schemas.openxmlformats.org/drawingml/2006/main" xmlns:r="http://schemas.openxmlformats.org/officeDocument/2006/relationships" xmlns:p="http://schemas.openxmlformats.org/presentationml/2006/main">
+  <p:cSld>
+    <p:spTree>
+      <p:nvGrpSpPr>
+        <p:cNvPr id="1" name=""/>
+        <p:cNvGrpSpPr/>
+        <p:nvPr/>
+      </p:nvGrpSpPr>
+      <p:grpSpPr>
+        <a:xfrm>
+          <a:off x="0" y="0"/>
+          <a:ext cx="0" cy="0"/>
+          <a:chOff x="0" y="0"/>
+          <a:chExt cx="0" cy="0"/>
+        </a:xfrm>
+      </p:grpSpPr>
+      <p:sp>
+        <p:nvSpPr>
+          <p:cNvPr id="2" name="ชื่อเรื่อง 1">
+            <a:extLst>
+              <a:ext uri="{FF2B5EF4-FFF2-40B4-BE49-F238E27FC236}">
                 <a16:creationId xmlns:a16="http://schemas.microsoft.com/office/drawing/2014/main" id="{8B09F9D0-B15A-4C55-9CBE-3C01C9F42B29}"/>
               </a:ext>
             </a:extLst>
@@ -27077,7 +27203,7 @@
 </p:sld>
 </file>
 
-<file path=ppt/slides/slide61.xml><?xml version="1.0" encoding="utf-8"?>
+<file path=ppt/slides/slide62.xml><?xml version="1.0" encoding="utf-8"?>
 <p:sld xmlns:a="http://schemas.openxmlformats.org/drawingml/2006/main" xmlns:r="http://schemas.openxmlformats.org/officeDocument/2006/relationships" xmlns:p="http://schemas.openxmlformats.org/presentationml/2006/main">
   <p:cSld>
     <p:spTree>
@@ -27230,7 +27356,7 @@
 </p:sld>
 </file>
 
-<file path=ppt/slides/slide62.xml><?xml version="1.0" encoding="utf-8"?>
+<file path=ppt/slides/slide63.xml><?xml version="1.0" encoding="utf-8"?>
 <p:sld xmlns:a="http://schemas.openxmlformats.org/drawingml/2006/main" xmlns:r="http://schemas.openxmlformats.org/officeDocument/2006/relationships" xmlns:p="http://schemas.openxmlformats.org/presentationml/2006/main">
   <p:cSld>
     <p:spTree>
@@ -27434,7 +27560,7 @@
 </p:sld>
 </file>
 
-<file path=ppt/slides/slide63.xml><?xml version="1.0" encoding="utf-8"?>
+<file path=ppt/slides/slide64.xml><?xml version="1.0" encoding="utf-8"?>
 <p:sld xmlns:a="http://schemas.openxmlformats.org/drawingml/2006/main" xmlns:r="http://schemas.openxmlformats.org/officeDocument/2006/relationships" xmlns:p="http://schemas.openxmlformats.org/presentationml/2006/main">
   <p:cSld>
     <p:spTree>
@@ -27626,7 +27752,7 @@
 </p:sld>
 </file>
 
-<file path=ppt/slides/slide64.xml><?xml version="1.0" encoding="utf-8"?>
+<file path=ppt/slides/slide65.xml><?xml version="1.0" encoding="utf-8"?>
 <p:sld xmlns:a="http://schemas.openxmlformats.org/drawingml/2006/main" xmlns:r="http://schemas.openxmlformats.org/officeDocument/2006/relationships" xmlns:p="http://schemas.openxmlformats.org/presentationml/2006/main">
   <p:cSld>
     <p:spTree>
@@ -27806,7 +27932,7 @@
 </p:sld>
 </file>
 
-<file path=ppt/slides/slide65.xml><?xml version="1.0" encoding="utf-8"?>
+<file path=ppt/slides/slide66.xml><?xml version="1.0" encoding="utf-8"?>
 <p:sld xmlns:a="http://schemas.openxmlformats.org/drawingml/2006/main" xmlns:r="http://schemas.openxmlformats.org/officeDocument/2006/relationships" xmlns:p="http://schemas.openxmlformats.org/presentationml/2006/main">
   <p:cSld>
     <p:spTree>
@@ -28007,7 +28133,7 @@
 </p:sld>
 </file>
 
-<file path=ppt/slides/slide66.xml><?xml version="1.0" encoding="utf-8"?>
+<file path=ppt/slides/slide67.xml><?xml version="1.0" encoding="utf-8"?>
 <p:sld xmlns:a="http://schemas.openxmlformats.org/drawingml/2006/main" xmlns:r="http://schemas.openxmlformats.org/officeDocument/2006/relationships" xmlns:p="http://schemas.openxmlformats.org/presentationml/2006/main">
   <p:cSld>
     <p:spTree>
@@ -28178,7 +28304,7 @@
 </p:sld>
 </file>
 
-<file path=ppt/slides/slide67.xml><?xml version="1.0" encoding="utf-8"?>
+<file path=ppt/slides/slide68.xml><?xml version="1.0" encoding="utf-8"?>
 <p:sld xmlns:a="http://schemas.openxmlformats.org/drawingml/2006/main" xmlns:r="http://schemas.openxmlformats.org/officeDocument/2006/relationships" xmlns:p="http://schemas.openxmlformats.org/presentationml/2006/main">
   <p:cSld>
     <p:spTree>
@@ -28299,7 +28425,7 @@
 </p:sld>
 </file>
 
-<file path=ppt/slides/slide68.xml><?xml version="1.0" encoding="utf-8"?>
+<file path=ppt/slides/slide69.xml><?xml version="1.0" encoding="utf-8"?>
 <p:sld xmlns:a="http://schemas.openxmlformats.org/drawingml/2006/main" xmlns:r="http://schemas.openxmlformats.org/officeDocument/2006/relationships" xmlns:p="http://schemas.openxmlformats.org/presentationml/2006/main">
   <p:cSld>
     <p:spTree>
@@ -28420,7 +28546,189 @@
 </p:sld>
 </file>
 
-<file path=ppt/slides/slide69.xml><?xml version="1.0" encoding="utf-8"?>
+<file path=ppt/slides/slide7.xml><?xml version="1.0" encoding="utf-8"?>
+<p:sld xmlns:a="http://schemas.openxmlformats.org/drawingml/2006/main" xmlns:r="http://schemas.openxmlformats.org/officeDocument/2006/relationships" xmlns:p="http://schemas.openxmlformats.org/presentationml/2006/main">
+  <p:cSld>
+    <p:spTree>
+      <p:nvGrpSpPr>
+        <p:cNvPr id="1" name=""/>
+        <p:cNvGrpSpPr/>
+        <p:nvPr/>
+      </p:nvGrpSpPr>
+      <p:grpSpPr>
+        <a:xfrm>
+          <a:off x="0" y="0"/>
+          <a:ext cx="0" cy="0"/>
+          <a:chOff x="0" y="0"/>
+          <a:chExt cx="0" cy="0"/>
+        </a:xfrm>
+      </p:grpSpPr>
+      <p:sp>
+        <p:nvSpPr>
+          <p:cNvPr id="2" name="ชื่อเรื่อง 1">
+            <a:extLst>
+              <a:ext uri="{FF2B5EF4-FFF2-40B4-BE49-F238E27FC236}">
+                <a16:creationId xmlns:a16="http://schemas.microsoft.com/office/drawing/2014/main" id="{A6BE7C35-8AC9-41DA-A851-662EF2841FB1}"/>
+              </a:ext>
+            </a:extLst>
+          </p:cNvPr>
+          <p:cNvSpPr>
+            <a:spLocks noGrp="1"/>
+          </p:cNvSpPr>
+          <p:nvPr>
+            <p:ph type="title"/>
+          </p:nvPr>
+        </p:nvSpPr>
+        <p:spPr/>
+        <p:txBody>
+          <a:bodyPr/>
+          <a:lstStyle/>
+          <a:p>
+            <a:r>
+              <a:rPr lang="en-US" dirty="0"/>
+              <a:t>List method</a:t>
+            </a:r>
+            <a:endParaRPr lang="th-TH" dirty="0"/>
+          </a:p>
+        </p:txBody>
+      </p:sp>
+      <p:sp>
+        <p:nvSpPr>
+          <p:cNvPr id="3" name="ตัวแทนเนื้อหา 2">
+            <a:extLst>
+              <a:ext uri="{FF2B5EF4-FFF2-40B4-BE49-F238E27FC236}">
+                <a16:creationId xmlns:a16="http://schemas.microsoft.com/office/drawing/2014/main" id="{4439A968-B75B-440B-8670-5A824239FD3D}"/>
+              </a:ext>
+            </a:extLst>
+          </p:cNvPr>
+          <p:cNvSpPr>
+            <a:spLocks noGrp="1"/>
+          </p:cNvSpPr>
+          <p:nvPr>
+            <p:ph idx="1"/>
+          </p:nvPr>
+        </p:nvSpPr>
+        <p:spPr/>
+        <p:txBody>
+          <a:bodyPr>
+            <a:normAutofit lnSpcReduction="10000"/>
+          </a:bodyPr>
+          <a:lstStyle/>
+          <a:p>
+            <a:r>
+              <a:rPr lang="en-US" sz="2400" dirty="0">
+                <a:solidFill>
+                  <a:srgbClr val="C00000"/>
+                </a:solidFill>
+              </a:rPr>
+              <a:t>Mutable</a:t>
+            </a:r>
+          </a:p>
+          <a:p>
+            <a:r>
+              <a:rPr lang="en-US" sz="2400" dirty="0"/>
+              <a:t>append(data)</a:t>
+            </a:r>
+          </a:p>
+          <a:p>
+            <a:r>
+              <a:rPr lang="en-US" sz="2400" dirty="0"/>
+              <a:t>insert(pos, data)</a:t>
+            </a:r>
+          </a:p>
+          <a:p>
+            <a:r>
+              <a:rPr lang="en-US" sz="2400" dirty="0"/>
+              <a:t>data pop(pos)</a:t>
+            </a:r>
+          </a:p>
+          <a:p>
+            <a:r>
+              <a:rPr lang="en-US" sz="2400" dirty="0"/>
+              <a:t>remove(data)</a:t>
+            </a:r>
+          </a:p>
+          <a:p>
+            <a:r>
+              <a:rPr lang="en-US" sz="2400" dirty="0"/>
+              <a:t>sort()</a:t>
+            </a:r>
+          </a:p>
+          <a:p>
+            <a:r>
+              <a:rPr lang="en-US" sz="2400" dirty="0"/>
+              <a:t>int count(data)</a:t>
+            </a:r>
+          </a:p>
+          <a:p>
+            <a:r>
+              <a:rPr lang="en-US" sz="2400" dirty="0"/>
+              <a:t>int index(data) </a:t>
+            </a:r>
+            <a:r>
+              <a:rPr lang="th-TH" sz="2400" dirty="0"/>
+              <a:t>ให้ค่า </a:t>
+            </a:r>
+            <a:r>
+              <a:rPr lang="en-US" sz="2400" dirty="0"/>
+              <a:t>index </a:t>
+            </a:r>
+            <a:r>
+              <a:rPr lang="th-TH" sz="2400" dirty="0"/>
+              <a:t>ของ </a:t>
+            </a:r>
+            <a:r>
+              <a:rPr lang="en-US" sz="2400" dirty="0"/>
+              <a:t>data</a:t>
+            </a:r>
+            <a:endParaRPr lang="th-TH" sz="2400" dirty="0"/>
+          </a:p>
+        </p:txBody>
+      </p:sp>
+      <p:sp>
+        <p:nvSpPr>
+          <p:cNvPr id="4" name="ตัวแทนวันที่ 3">
+            <a:extLst>
+              <a:ext uri="{FF2B5EF4-FFF2-40B4-BE49-F238E27FC236}">
+                <a16:creationId xmlns:a16="http://schemas.microsoft.com/office/drawing/2014/main" id="{BD15FD93-2F58-4BF6-B8CD-D404A32B47CD}"/>
+              </a:ext>
+            </a:extLst>
+          </p:cNvPr>
+          <p:cNvSpPr>
+            <a:spLocks noGrp="1"/>
+          </p:cNvSpPr>
+          <p:nvPr>
+            <p:ph type="dt" sz="half" idx="10"/>
+          </p:nvPr>
+        </p:nvSpPr>
+        <p:spPr/>
+        <p:txBody>
+          <a:bodyPr/>
+          <a:lstStyle/>
+          <a:p>
+            <a:pPr rtl="0"/>
+            <a:fld id="{38C53E2A-59EE-41B3-A1AB-9575F6EA1695}" type="datetime1">
+              <a:rPr lang="th-TH" smtClean="0"/>
+              <a:t>20/09/63</a:t>
+            </a:fld>
+            <a:endParaRPr lang="en-US"/>
+          </a:p>
+        </p:txBody>
+      </p:sp>
+    </p:spTree>
+    <p:extLst>
+      <p:ext uri="{BB962C8B-B14F-4D97-AF65-F5344CB8AC3E}">
+        <p14:creationId xmlns:p14="http://schemas.microsoft.com/office/powerpoint/2010/main" val="773826309"/>
+      </p:ext>
+    </p:extLst>
+  </p:cSld>
+  <p:clrMapOvr>
+    <a:masterClrMapping/>
+  </p:clrMapOvr>
+</p:sld>
+</file>
+
+<file path=ppt/slides/slide70.xml><?xml version="1.0" encoding="utf-8"?>
 <p:sld xmlns:a="http://schemas.openxmlformats.org/drawingml/2006/main" xmlns:r="http://schemas.openxmlformats.org/officeDocument/2006/relationships" xmlns:p="http://schemas.openxmlformats.org/presentationml/2006/main">
   <p:cSld>
     <p:spTree>
@@ -28541,189 +28849,7 @@
 </p:sld>
 </file>
 
-<file path=ppt/slides/slide7.xml><?xml version="1.0" encoding="utf-8"?>
-<p:sld xmlns:a="http://schemas.openxmlformats.org/drawingml/2006/main" xmlns:r="http://schemas.openxmlformats.org/officeDocument/2006/relationships" xmlns:p="http://schemas.openxmlformats.org/presentationml/2006/main">
-  <p:cSld>
-    <p:spTree>
-      <p:nvGrpSpPr>
-        <p:cNvPr id="1" name=""/>
-        <p:cNvGrpSpPr/>
-        <p:nvPr/>
-      </p:nvGrpSpPr>
-      <p:grpSpPr>
-        <a:xfrm>
-          <a:off x="0" y="0"/>
-          <a:ext cx="0" cy="0"/>
-          <a:chOff x="0" y="0"/>
-          <a:chExt cx="0" cy="0"/>
-        </a:xfrm>
-      </p:grpSpPr>
-      <p:sp>
-        <p:nvSpPr>
-          <p:cNvPr id="2" name="ชื่อเรื่อง 1">
-            <a:extLst>
-              <a:ext uri="{FF2B5EF4-FFF2-40B4-BE49-F238E27FC236}">
-                <a16:creationId xmlns:a16="http://schemas.microsoft.com/office/drawing/2014/main" id="{A6BE7C35-8AC9-41DA-A851-662EF2841FB1}"/>
-              </a:ext>
-            </a:extLst>
-          </p:cNvPr>
-          <p:cNvSpPr>
-            <a:spLocks noGrp="1"/>
-          </p:cNvSpPr>
-          <p:nvPr>
-            <p:ph type="title"/>
-          </p:nvPr>
-        </p:nvSpPr>
-        <p:spPr/>
-        <p:txBody>
-          <a:bodyPr/>
-          <a:lstStyle/>
-          <a:p>
-            <a:r>
-              <a:rPr lang="en-US" dirty="0"/>
-              <a:t>List method</a:t>
-            </a:r>
-            <a:endParaRPr lang="th-TH" dirty="0"/>
-          </a:p>
-        </p:txBody>
-      </p:sp>
-      <p:sp>
-        <p:nvSpPr>
-          <p:cNvPr id="3" name="ตัวแทนเนื้อหา 2">
-            <a:extLst>
-              <a:ext uri="{FF2B5EF4-FFF2-40B4-BE49-F238E27FC236}">
-                <a16:creationId xmlns:a16="http://schemas.microsoft.com/office/drawing/2014/main" id="{4439A968-B75B-440B-8670-5A824239FD3D}"/>
-              </a:ext>
-            </a:extLst>
-          </p:cNvPr>
-          <p:cNvSpPr>
-            <a:spLocks noGrp="1"/>
-          </p:cNvSpPr>
-          <p:nvPr>
-            <p:ph idx="1"/>
-          </p:nvPr>
-        </p:nvSpPr>
-        <p:spPr/>
-        <p:txBody>
-          <a:bodyPr>
-            <a:normAutofit lnSpcReduction="10000"/>
-          </a:bodyPr>
-          <a:lstStyle/>
-          <a:p>
-            <a:r>
-              <a:rPr lang="en-US" sz="2400" dirty="0">
-                <a:solidFill>
-                  <a:srgbClr val="C00000"/>
-                </a:solidFill>
-              </a:rPr>
-              <a:t>Mutable</a:t>
-            </a:r>
-          </a:p>
-          <a:p>
-            <a:r>
-              <a:rPr lang="en-US" sz="2400" dirty="0"/>
-              <a:t>append(data)</a:t>
-            </a:r>
-          </a:p>
-          <a:p>
-            <a:r>
-              <a:rPr lang="en-US" sz="2400" dirty="0"/>
-              <a:t>insert(pos, data)</a:t>
-            </a:r>
-          </a:p>
-          <a:p>
-            <a:r>
-              <a:rPr lang="en-US" sz="2400" dirty="0"/>
-              <a:t>data pop(pos)</a:t>
-            </a:r>
-          </a:p>
-          <a:p>
-            <a:r>
-              <a:rPr lang="en-US" sz="2400" dirty="0"/>
-              <a:t>remove(data)</a:t>
-            </a:r>
-          </a:p>
-          <a:p>
-            <a:r>
-              <a:rPr lang="en-US" sz="2400" dirty="0"/>
-              <a:t>sort()</a:t>
-            </a:r>
-          </a:p>
-          <a:p>
-            <a:r>
-              <a:rPr lang="en-US" sz="2400" dirty="0"/>
-              <a:t>int count(data)</a:t>
-            </a:r>
-          </a:p>
-          <a:p>
-            <a:r>
-              <a:rPr lang="en-US" sz="2400" dirty="0"/>
-              <a:t>int index(data) </a:t>
-            </a:r>
-            <a:r>
-              <a:rPr lang="th-TH" sz="2400" dirty="0"/>
-              <a:t>ให้ค่า </a:t>
-            </a:r>
-            <a:r>
-              <a:rPr lang="en-US" sz="2400" dirty="0"/>
-              <a:t>index </a:t>
-            </a:r>
-            <a:r>
-              <a:rPr lang="th-TH" sz="2400" dirty="0"/>
-              <a:t>ของ </a:t>
-            </a:r>
-            <a:r>
-              <a:rPr lang="en-US" sz="2400" dirty="0"/>
-              <a:t>data</a:t>
-            </a:r>
-            <a:endParaRPr lang="th-TH" sz="2400" dirty="0"/>
-          </a:p>
-        </p:txBody>
-      </p:sp>
-      <p:sp>
-        <p:nvSpPr>
-          <p:cNvPr id="4" name="ตัวแทนวันที่ 3">
-            <a:extLst>
-              <a:ext uri="{FF2B5EF4-FFF2-40B4-BE49-F238E27FC236}">
-                <a16:creationId xmlns:a16="http://schemas.microsoft.com/office/drawing/2014/main" id="{BD15FD93-2F58-4BF6-B8CD-D404A32B47CD}"/>
-              </a:ext>
-            </a:extLst>
-          </p:cNvPr>
-          <p:cNvSpPr>
-            <a:spLocks noGrp="1"/>
-          </p:cNvSpPr>
-          <p:nvPr>
-            <p:ph type="dt" sz="half" idx="10"/>
-          </p:nvPr>
-        </p:nvSpPr>
-        <p:spPr/>
-        <p:txBody>
-          <a:bodyPr/>
-          <a:lstStyle/>
-          <a:p>
-            <a:pPr rtl="0"/>
-            <a:fld id="{38C53E2A-59EE-41B3-A1AB-9575F6EA1695}" type="datetime1">
-              <a:rPr lang="th-TH" smtClean="0"/>
-              <a:t>20/09/63</a:t>
-            </a:fld>
-            <a:endParaRPr lang="en-US"/>
-          </a:p>
-        </p:txBody>
-      </p:sp>
-    </p:spTree>
-    <p:extLst>
-      <p:ext uri="{BB962C8B-B14F-4D97-AF65-F5344CB8AC3E}">
-        <p14:creationId xmlns:p14="http://schemas.microsoft.com/office/powerpoint/2010/main" val="773826309"/>
-      </p:ext>
-    </p:extLst>
-  </p:cSld>
-  <p:clrMapOvr>
-    <a:masterClrMapping/>
-  </p:clrMapOvr>
-</p:sld>
-</file>
-
-<file path=ppt/slides/slide70.xml><?xml version="1.0" encoding="utf-8"?>
+<file path=ppt/slides/slide71.xml><?xml version="1.0" encoding="utf-8"?>
 <p:sld xmlns:a="http://schemas.openxmlformats.org/drawingml/2006/main" xmlns:r="http://schemas.openxmlformats.org/officeDocument/2006/relationships" xmlns:p="http://schemas.openxmlformats.org/presentationml/2006/main">
   <p:cSld>
     <p:spTree>
@@ -28880,7 +29006,7 @@
 </p:sld>
 </file>
 
-<file path=ppt/slides/slide71.xml><?xml version="1.0" encoding="utf-8"?>
+<file path=ppt/slides/slide72.xml><?xml version="1.0" encoding="utf-8"?>
 <p:sld xmlns:a="http://schemas.openxmlformats.org/drawingml/2006/main" xmlns:r="http://schemas.openxmlformats.org/officeDocument/2006/relationships" xmlns:p="http://schemas.openxmlformats.org/presentationml/2006/main">
   <p:cSld>
     <p:spTree>
@@ -28944,7 +29070,7 @@
 </p:sld>
 </file>
 
-<file path=ppt/slides/slide72.xml><?xml version="1.0" encoding="utf-8"?>
+<file path=ppt/slides/slide73.xml><?xml version="1.0" encoding="utf-8"?>
 <p:sld xmlns:a="http://schemas.openxmlformats.org/drawingml/2006/main" xmlns:r="http://schemas.openxmlformats.org/officeDocument/2006/relationships" xmlns:p="http://schemas.openxmlformats.org/presentationml/2006/main">
   <p:cSld>
     <p:spTree>

--- a/Midterm/Data structure and Algorithm.pptx
+++ b/Midterm/Data structure and Algorithm.pptx
@@ -5,85 +5,98 @@
     <p:sldMasterId id="2147483673" r:id="rId1"/>
   </p:sldMasterIdLst>
   <p:notesMasterIdLst>
-    <p:notesMasterId r:id="rId75"/>
+    <p:notesMasterId r:id="rId88"/>
   </p:notesMasterIdLst>
   <p:handoutMasterIdLst>
-    <p:handoutMasterId r:id="rId76"/>
+    <p:handoutMasterId r:id="rId89"/>
   </p:handoutMasterIdLst>
   <p:sldIdLst>
     <p:sldId id="257" r:id="rId2"/>
-    <p:sldId id="262" r:id="rId3"/>
-    <p:sldId id="263" r:id="rId4"/>
-    <p:sldId id="267" r:id="rId5"/>
-    <p:sldId id="270" r:id="rId6"/>
-    <p:sldId id="268" r:id="rId7"/>
-    <p:sldId id="271" r:id="rId8"/>
-    <p:sldId id="269" r:id="rId9"/>
-    <p:sldId id="272" r:id="rId10"/>
-    <p:sldId id="322" r:id="rId11"/>
-    <p:sldId id="323" r:id="rId12"/>
-    <p:sldId id="324" r:id="rId13"/>
-    <p:sldId id="325" r:id="rId14"/>
-    <p:sldId id="264" r:id="rId15"/>
-    <p:sldId id="273" r:id="rId16"/>
-    <p:sldId id="274" r:id="rId17"/>
-    <p:sldId id="265" r:id="rId18"/>
-    <p:sldId id="275" r:id="rId19"/>
-    <p:sldId id="276" r:id="rId20"/>
-    <p:sldId id="266" r:id="rId21"/>
-    <p:sldId id="277" r:id="rId22"/>
-    <p:sldId id="297" r:id="rId23"/>
-    <p:sldId id="281" r:id="rId24"/>
-    <p:sldId id="278" r:id="rId25"/>
-    <p:sldId id="279" r:id="rId26"/>
-    <p:sldId id="280" r:id="rId27"/>
-    <p:sldId id="293" r:id="rId28"/>
-    <p:sldId id="298" r:id="rId29"/>
-    <p:sldId id="282" r:id="rId30"/>
-    <p:sldId id="284" r:id="rId31"/>
-    <p:sldId id="285" r:id="rId32"/>
-    <p:sldId id="286" r:id="rId33"/>
-    <p:sldId id="283" r:id="rId34"/>
-    <p:sldId id="287" r:id="rId35"/>
-    <p:sldId id="288" r:id="rId36"/>
-    <p:sldId id="289" r:id="rId37"/>
-    <p:sldId id="290" r:id="rId38"/>
-    <p:sldId id="291" r:id="rId39"/>
-    <p:sldId id="303" r:id="rId40"/>
-    <p:sldId id="305" r:id="rId41"/>
-    <p:sldId id="306" r:id="rId42"/>
-    <p:sldId id="307" r:id="rId43"/>
-    <p:sldId id="308" r:id="rId44"/>
-    <p:sldId id="294" r:id="rId45"/>
-    <p:sldId id="309" r:id="rId46"/>
-    <p:sldId id="310" r:id="rId47"/>
-    <p:sldId id="311" r:id="rId48"/>
-    <p:sldId id="312" r:id="rId49"/>
-    <p:sldId id="313" r:id="rId50"/>
-    <p:sldId id="295" r:id="rId51"/>
-    <p:sldId id="314" r:id="rId52"/>
-    <p:sldId id="316" r:id="rId53"/>
-    <p:sldId id="318" r:id="rId54"/>
-    <p:sldId id="296" r:id="rId55"/>
-    <p:sldId id="337" r:id="rId56"/>
-    <p:sldId id="299" r:id="rId57"/>
-    <p:sldId id="300" r:id="rId58"/>
-    <p:sldId id="301" r:id="rId59"/>
-    <p:sldId id="319" r:id="rId60"/>
-    <p:sldId id="302" r:id="rId61"/>
-    <p:sldId id="336" r:id="rId62"/>
-    <p:sldId id="326" r:id="rId63"/>
-    <p:sldId id="327" r:id="rId64"/>
-    <p:sldId id="330" r:id="rId65"/>
-    <p:sldId id="328" r:id="rId66"/>
-    <p:sldId id="331" r:id="rId67"/>
-    <p:sldId id="329" r:id="rId68"/>
-    <p:sldId id="334" r:id="rId69"/>
-    <p:sldId id="335" r:id="rId70"/>
-    <p:sldId id="333" r:id="rId71"/>
-    <p:sldId id="332" r:id="rId72"/>
-    <p:sldId id="320" r:id="rId73"/>
-    <p:sldId id="321" r:id="rId74"/>
+    <p:sldId id="339" r:id="rId3"/>
+    <p:sldId id="262" r:id="rId4"/>
+    <p:sldId id="263" r:id="rId5"/>
+    <p:sldId id="267" r:id="rId6"/>
+    <p:sldId id="270" r:id="rId7"/>
+    <p:sldId id="268" r:id="rId8"/>
+    <p:sldId id="271" r:id="rId9"/>
+    <p:sldId id="269" r:id="rId10"/>
+    <p:sldId id="272" r:id="rId11"/>
+    <p:sldId id="322" r:id="rId12"/>
+    <p:sldId id="323" r:id="rId13"/>
+    <p:sldId id="324" r:id="rId14"/>
+    <p:sldId id="325" r:id="rId15"/>
+    <p:sldId id="264" r:id="rId16"/>
+    <p:sldId id="273" r:id="rId17"/>
+    <p:sldId id="274" r:id="rId18"/>
+    <p:sldId id="340" r:id="rId19"/>
+    <p:sldId id="341" r:id="rId20"/>
+    <p:sldId id="342" r:id="rId21"/>
+    <p:sldId id="343" r:id="rId22"/>
+    <p:sldId id="265" r:id="rId23"/>
+    <p:sldId id="275" r:id="rId24"/>
+    <p:sldId id="276" r:id="rId25"/>
+    <p:sldId id="266" r:id="rId26"/>
+    <p:sldId id="277" r:id="rId27"/>
+    <p:sldId id="297" r:id="rId28"/>
+    <p:sldId id="281" r:id="rId29"/>
+    <p:sldId id="278" r:id="rId30"/>
+    <p:sldId id="279" r:id="rId31"/>
+    <p:sldId id="280" r:id="rId32"/>
+    <p:sldId id="293" r:id="rId33"/>
+    <p:sldId id="298" r:id="rId34"/>
+    <p:sldId id="282" r:id="rId35"/>
+    <p:sldId id="284" r:id="rId36"/>
+    <p:sldId id="285" r:id="rId37"/>
+    <p:sldId id="286" r:id="rId38"/>
+    <p:sldId id="283" r:id="rId39"/>
+    <p:sldId id="287" r:id="rId40"/>
+    <p:sldId id="288" r:id="rId41"/>
+    <p:sldId id="289" r:id="rId42"/>
+    <p:sldId id="290" r:id="rId43"/>
+    <p:sldId id="291" r:id="rId44"/>
+    <p:sldId id="303" r:id="rId45"/>
+    <p:sldId id="305" r:id="rId46"/>
+    <p:sldId id="306" r:id="rId47"/>
+    <p:sldId id="307" r:id="rId48"/>
+    <p:sldId id="308" r:id="rId49"/>
+    <p:sldId id="294" r:id="rId50"/>
+    <p:sldId id="309" r:id="rId51"/>
+    <p:sldId id="310" r:id="rId52"/>
+    <p:sldId id="311" r:id="rId53"/>
+    <p:sldId id="312" r:id="rId54"/>
+    <p:sldId id="313" r:id="rId55"/>
+    <p:sldId id="295" r:id="rId56"/>
+    <p:sldId id="314" r:id="rId57"/>
+    <p:sldId id="316" r:id="rId58"/>
+    <p:sldId id="318" r:id="rId59"/>
+    <p:sldId id="296" r:id="rId60"/>
+    <p:sldId id="337" r:id="rId61"/>
+    <p:sldId id="299" r:id="rId62"/>
+    <p:sldId id="300" r:id="rId63"/>
+    <p:sldId id="301" r:id="rId64"/>
+    <p:sldId id="319" r:id="rId65"/>
+    <p:sldId id="302" r:id="rId66"/>
+    <p:sldId id="336" r:id="rId67"/>
+    <p:sldId id="338" r:id="rId68"/>
+    <p:sldId id="344" r:id="rId69"/>
+    <p:sldId id="345" r:id="rId70"/>
+    <p:sldId id="346" r:id="rId71"/>
+    <p:sldId id="347" r:id="rId72"/>
+    <p:sldId id="348" r:id="rId73"/>
+    <p:sldId id="349" r:id="rId74"/>
+    <p:sldId id="350" r:id="rId75"/>
+    <p:sldId id="326" r:id="rId76"/>
+    <p:sldId id="327" r:id="rId77"/>
+    <p:sldId id="330" r:id="rId78"/>
+    <p:sldId id="328" r:id="rId79"/>
+    <p:sldId id="331" r:id="rId80"/>
+    <p:sldId id="329" r:id="rId81"/>
+    <p:sldId id="334" r:id="rId82"/>
+    <p:sldId id="335" r:id="rId83"/>
+    <p:sldId id="333" r:id="rId84"/>
+    <p:sldId id="332" r:id="rId85"/>
+    <p:sldId id="320" r:id="rId86"/>
+    <p:sldId id="321" r:id="rId87"/>
   </p:sldIdLst>
   <p:sldSz cx="12192000" cy="6858000"/>
   <p:notesSz cx="6858000" cy="9144000"/>
@@ -277,7 +290,7 @@
             <a:pPr rtl="0"/>
             <a:fld id="{382D4E4E-7514-4D5C-A2C2-17F87E598824}" type="datetime1">
               <a:rPr lang="th-TH" smtClean="0"/>
-              <a:t>20/09/63</a:t>
+              <a:t>28/09/63</a:t>
             </a:fld>
             <a:endParaRPr lang="en-US" dirty="0"/>
           </a:p>
@@ -447,7 +460,7 @@
             <a:pPr rtl="0"/>
             <a:fld id="{D7C7F2B7-7A05-4833-884D-BBAA3BA38469}" type="datetime1">
               <a:rPr lang="th-TH" smtClean="0"/>
-              <a:t>20/09/63</a:t>
+              <a:t>28/09/63</a:t>
             </a:fld>
             <a:endParaRPr lang="en-US"/>
           </a:p>
@@ -1192,7 +1205,7 @@
           <a:p>
             <a:fld id="{7773D18F-796E-48FA-B446-43BFEFAD4305}" type="datetime1">
               <a:rPr lang="th-TH" smtClean="0"/>
-              <a:t>20/09/63</a:t>
+              <a:t>28/09/63</a:t>
             </a:fld>
             <a:endParaRPr lang="en-US" dirty="0"/>
           </a:p>
@@ -1398,7 +1411,7 @@
             <a:pPr rtl="0"/>
             <a:fld id="{04D87D18-576D-4E93-B8E7-8162B6983D48}" type="datetime1">
               <a:rPr lang="th-TH" smtClean="0"/>
-              <a:t>20/09/63</a:t>
+              <a:t>28/09/63</a:t>
             </a:fld>
             <a:endParaRPr lang="en-US"/>
           </a:p>
@@ -1582,7 +1595,7 @@
             <a:pPr rtl="0"/>
             <a:fld id="{A454CDB9-2F41-46CC-BBF5-FE71E7F1B857}" type="datetime1">
               <a:rPr lang="th-TH" smtClean="0"/>
-              <a:t>20/09/63</a:t>
+              <a:t>28/09/63</a:t>
             </a:fld>
             <a:endParaRPr lang="en-US"/>
           </a:p>
@@ -1756,7 +1769,7 @@
             <a:pPr rtl="0"/>
             <a:fld id="{38C53E2A-59EE-41B3-A1AB-9575F6EA1695}" type="datetime1">
               <a:rPr lang="th-TH" smtClean="0"/>
-              <a:t>20/09/63</a:t>
+              <a:t>28/09/63</a:t>
             </a:fld>
             <a:endParaRPr lang="en-US"/>
           </a:p>
@@ -2358,7 +2371,7 @@
           <a:p>
             <a:fld id="{CC8C1F7F-7918-4156-86A5-91C01FD8A003}" type="datetime1">
               <a:rPr lang="th-TH" smtClean="0"/>
-              <a:t>20/09/63</a:t>
+              <a:t>28/09/63</a:t>
             </a:fld>
             <a:endParaRPr dirty="0"/>
           </a:p>
@@ -2682,7 +2695,7 @@
             <a:pPr rtl="0"/>
             <a:fld id="{F4A06903-2C88-48CC-967B-6575E5EC2B6B}" type="datetime1">
               <a:rPr lang="th-TH" smtClean="0"/>
-              <a:t>20/09/63</a:t>
+              <a:t>28/09/63</a:t>
             </a:fld>
             <a:endParaRPr lang="en-US"/>
           </a:p>
@@ -3123,7 +3136,7 @@
             <a:pPr rtl="0"/>
             <a:fld id="{C169F473-6FBD-4535-9C6F-A09A729568F9}" type="datetime1">
               <a:rPr lang="th-TH" smtClean="0"/>
-              <a:t>20/09/63</a:t>
+              <a:t>28/09/63</a:t>
             </a:fld>
             <a:endParaRPr lang="en-US"/>
           </a:p>
@@ -3245,7 +3258,7 @@
             <a:pPr rtl="0"/>
             <a:fld id="{79AC1B91-0D40-46F1-A44C-D56FF21574FA}" type="datetime1">
               <a:rPr lang="th-TH" smtClean="0"/>
-              <a:t>20/09/63</a:t>
+              <a:t>28/09/63</a:t>
             </a:fld>
             <a:endParaRPr lang="en-US"/>
           </a:p>
@@ -3343,7 +3356,7 @@
             <a:pPr rtl="0"/>
             <a:fld id="{55C19084-1496-4B60-ADB6-24714CE58D61}" type="datetime1">
               <a:rPr lang="th-TH" smtClean="0"/>
-              <a:t>20/09/63</a:t>
+              <a:t>28/09/63</a:t>
             </a:fld>
             <a:endParaRPr lang="en-US"/>
           </a:p>
@@ -3764,7 +3777,7 @@
             <a:pPr rtl="0"/>
             <a:fld id="{99BF98D4-23C4-49B5-A803-FA1FE4037EB8}" type="datetime1">
               <a:rPr lang="th-TH" smtClean="0"/>
-              <a:t>20/09/63</a:t>
+              <a:t>28/09/63</a:t>
             </a:fld>
             <a:endParaRPr lang="en-US" dirty="0"/>
           </a:p>
@@ -4030,7 +4043,7 @@
           <a:p>
             <a:fld id="{B51C7B21-C337-4C0B-9272-6172826953E9}" type="datetime1">
               <a:rPr lang="th-TH" smtClean="0"/>
-              <a:t>20/09/63</a:t>
+              <a:t>28/09/63</a:t>
             </a:fld>
             <a:endParaRPr lang="en-US" dirty="0"/>
           </a:p>
@@ -4551,7 +4564,7 @@
           <a:p>
             <a:fld id="{D56D1C91-6BBA-4E38-BA86-CC2123DBE0CF}" type="datetime1">
               <a:rPr lang="th-TH" smtClean="0"/>
-              <a:t>20/09/63</a:t>
+              <a:t>28/09/63</a:t>
             </a:fld>
             <a:endParaRPr lang="en-US" dirty="0"/>
           </a:p>
@@ -5332,7 +5345,7 @@
           <p:cNvPr id="2" name="ชื่อเรื่อง 1">
             <a:extLst>
               <a:ext uri="{FF2B5EF4-FFF2-40B4-BE49-F238E27FC236}">
-                <a16:creationId xmlns:a16="http://schemas.microsoft.com/office/drawing/2014/main" id="{61662144-DE71-4577-9824-A690886C866B}"/>
+                <a16:creationId xmlns:a16="http://schemas.microsoft.com/office/drawing/2014/main" id="{2FEA93BA-C1CF-4217-AF73-912A195AA445}"/>
               </a:ext>
             </a:extLst>
           </p:cNvPr>
@@ -5350,7 +5363,7 @@
           <a:p>
             <a:r>
               <a:rPr lang="en-US" dirty="0"/>
-              <a:t>Quick OOP</a:t>
+              <a:t>Dictionary method</a:t>
             </a:r>
             <a:endParaRPr lang="th-TH" dirty="0"/>
           </a:p>
@@ -5358,10 +5371,64 @@
       </p:sp>
       <p:sp>
         <p:nvSpPr>
+          <p:cNvPr id="3" name="ตัวแทนเนื้อหา 2">
+            <a:extLst>
+              <a:ext uri="{FF2B5EF4-FFF2-40B4-BE49-F238E27FC236}">
+                <a16:creationId xmlns:a16="http://schemas.microsoft.com/office/drawing/2014/main" id="{76B7BA7A-D128-4F11-AA01-35DD506AEE45}"/>
+              </a:ext>
+            </a:extLst>
+          </p:cNvPr>
+          <p:cNvSpPr>
+            <a:spLocks noGrp="1"/>
+          </p:cNvSpPr>
+          <p:nvPr>
+            <p:ph idx="1"/>
+          </p:nvPr>
+        </p:nvSpPr>
+        <p:spPr/>
+        <p:txBody>
+          <a:bodyPr>
+            <a:normAutofit/>
+          </a:bodyPr>
+          <a:lstStyle/>
+          <a:p>
+            <a:r>
+              <a:rPr lang="en-US" sz="2800" dirty="0">
+                <a:solidFill>
+                  <a:srgbClr val="C00000"/>
+                </a:solidFill>
+              </a:rPr>
+              <a:t>Mutable</a:t>
+            </a:r>
+          </a:p>
+          <a:p>
+            <a:r>
+              <a:rPr lang="en-US" sz="2800" dirty="0"/>
+              <a:t>data get(key, </a:t>
+            </a:r>
+            <a:r>
+              <a:rPr lang="en-US" sz="2800" dirty="0" err="1"/>
+              <a:t>default_value</a:t>
+            </a:r>
+            <a:r>
+              <a:rPr lang="en-US" sz="2800" dirty="0"/>
+              <a:t>)</a:t>
+            </a:r>
+          </a:p>
+          <a:p>
+            <a:r>
+              <a:rPr lang="en-US" sz="2800" dirty="0"/>
+              <a:t>value pop(key)</a:t>
+            </a:r>
+          </a:p>
+        </p:txBody>
+      </p:sp>
+      <p:sp>
+        <p:nvSpPr>
           <p:cNvPr id="4" name="ตัวแทนวันที่ 3">
             <a:extLst>
               <a:ext uri="{FF2B5EF4-FFF2-40B4-BE49-F238E27FC236}">
-                <a16:creationId xmlns:a16="http://schemas.microsoft.com/office/drawing/2014/main" id="{4BF768B2-9A2C-4C32-9A80-2132BB7BE883}"/>
+                <a16:creationId xmlns:a16="http://schemas.microsoft.com/office/drawing/2014/main" id="{9B92E075-1322-4488-A5AE-F52F14424306}"/>
               </a:ext>
             </a:extLst>
           </p:cNvPr>
@@ -5377,18 +5444,19 @@
           <a:bodyPr/>
           <a:lstStyle/>
           <a:p>
-            <a:fld id="{CC8C1F7F-7918-4156-86A5-91C01FD8A003}" type="datetime1">
+            <a:pPr rtl="0"/>
+            <a:fld id="{38C53E2A-59EE-41B3-A1AB-9575F6EA1695}" type="datetime1">
               <a:rPr lang="th-TH" smtClean="0"/>
-              <a:t>20/09/63</a:t>
+              <a:t>28/09/63</a:t>
             </a:fld>
-            <a:endParaRPr lang="th-TH" dirty="0"/>
+            <a:endParaRPr lang="en-US"/>
           </a:p>
         </p:txBody>
       </p:sp>
     </p:spTree>
     <p:extLst>
       <p:ext uri="{BB962C8B-B14F-4D97-AF65-F5344CB8AC3E}">
-        <p14:creationId xmlns:p14="http://schemas.microsoft.com/office/powerpoint/2010/main" val="894733975"/>
+        <p14:creationId xmlns:p14="http://schemas.microsoft.com/office/powerpoint/2010/main" val="2252039960"/>
       </p:ext>
     </p:extLst>
   </p:cSld>
@@ -5420,7 +5488,7 @@
           <p:cNvPr id="2" name="ชื่อเรื่อง 1">
             <a:extLst>
               <a:ext uri="{FF2B5EF4-FFF2-40B4-BE49-F238E27FC236}">
-                <a16:creationId xmlns:a16="http://schemas.microsoft.com/office/drawing/2014/main" id="{2FEA93BA-C1CF-4217-AF73-912A195AA445}"/>
+                <a16:creationId xmlns:a16="http://schemas.microsoft.com/office/drawing/2014/main" id="{61662144-DE71-4577-9824-A690886C866B}"/>
               </a:ext>
             </a:extLst>
           </p:cNvPr>
@@ -5438,7 +5506,7 @@
           <a:p>
             <a:r>
               <a:rPr lang="en-US" dirty="0"/>
-              <a:t>Declaring a Python Class</a:t>
+              <a:t>Quick OOP</a:t>
             </a:r>
             <a:endParaRPr lang="th-TH" dirty="0"/>
           </a:p>
@@ -5449,7 +5517,7 @@
           <p:cNvPr id="4" name="ตัวแทนวันที่ 3">
             <a:extLst>
               <a:ext uri="{FF2B5EF4-FFF2-40B4-BE49-F238E27FC236}">
-                <a16:creationId xmlns:a16="http://schemas.microsoft.com/office/drawing/2014/main" id="{9B92E075-1322-4488-A5AE-F52F14424306}"/>
+                <a16:creationId xmlns:a16="http://schemas.microsoft.com/office/drawing/2014/main" id="{4BF768B2-9A2C-4C32-9A80-2132BB7BE883}"/>
               </a:ext>
             </a:extLst>
           </p:cNvPr>
@@ -5465,10 +5533,98 @@
           <a:bodyPr/>
           <a:lstStyle/>
           <a:p>
+            <a:fld id="{CC8C1F7F-7918-4156-86A5-91C01FD8A003}" type="datetime1">
+              <a:rPr lang="th-TH" smtClean="0"/>
+              <a:t>28/09/63</a:t>
+            </a:fld>
+            <a:endParaRPr lang="th-TH" dirty="0"/>
+          </a:p>
+        </p:txBody>
+      </p:sp>
+    </p:spTree>
+    <p:extLst>
+      <p:ext uri="{BB962C8B-B14F-4D97-AF65-F5344CB8AC3E}">
+        <p14:creationId xmlns:p14="http://schemas.microsoft.com/office/powerpoint/2010/main" val="894733975"/>
+      </p:ext>
+    </p:extLst>
+  </p:cSld>
+  <p:clrMapOvr>
+    <a:masterClrMapping/>
+  </p:clrMapOvr>
+</p:sld>
+</file>
+
+<file path=ppt/slides/slide12.xml><?xml version="1.0" encoding="utf-8"?>
+<p:sld xmlns:a="http://schemas.openxmlformats.org/drawingml/2006/main" xmlns:r="http://schemas.openxmlformats.org/officeDocument/2006/relationships" xmlns:p="http://schemas.openxmlformats.org/presentationml/2006/main">
+  <p:cSld>
+    <p:spTree>
+      <p:nvGrpSpPr>
+        <p:cNvPr id="1" name=""/>
+        <p:cNvGrpSpPr/>
+        <p:nvPr/>
+      </p:nvGrpSpPr>
+      <p:grpSpPr>
+        <a:xfrm>
+          <a:off x="0" y="0"/>
+          <a:ext cx="0" cy="0"/>
+          <a:chOff x="0" y="0"/>
+          <a:chExt cx="0" cy="0"/>
+        </a:xfrm>
+      </p:grpSpPr>
+      <p:sp>
+        <p:nvSpPr>
+          <p:cNvPr id="2" name="ชื่อเรื่อง 1">
+            <a:extLst>
+              <a:ext uri="{FF2B5EF4-FFF2-40B4-BE49-F238E27FC236}">
+                <a16:creationId xmlns:a16="http://schemas.microsoft.com/office/drawing/2014/main" id="{2FEA93BA-C1CF-4217-AF73-912A195AA445}"/>
+              </a:ext>
+            </a:extLst>
+          </p:cNvPr>
+          <p:cNvSpPr>
+            <a:spLocks noGrp="1"/>
+          </p:cNvSpPr>
+          <p:nvPr>
+            <p:ph type="title"/>
+          </p:nvPr>
+        </p:nvSpPr>
+        <p:spPr/>
+        <p:txBody>
+          <a:bodyPr/>
+          <a:lstStyle/>
+          <a:p>
+            <a:r>
+              <a:rPr lang="en-US" dirty="0"/>
+              <a:t>Declaring a Python Class</a:t>
+            </a:r>
+            <a:endParaRPr lang="th-TH" dirty="0"/>
+          </a:p>
+        </p:txBody>
+      </p:sp>
+      <p:sp>
+        <p:nvSpPr>
+          <p:cNvPr id="4" name="ตัวแทนวันที่ 3">
+            <a:extLst>
+              <a:ext uri="{FF2B5EF4-FFF2-40B4-BE49-F238E27FC236}">
+                <a16:creationId xmlns:a16="http://schemas.microsoft.com/office/drawing/2014/main" id="{9B92E075-1322-4488-A5AE-F52F14424306}"/>
+              </a:ext>
+            </a:extLst>
+          </p:cNvPr>
+          <p:cNvSpPr>
+            <a:spLocks noGrp="1"/>
+          </p:cNvSpPr>
+          <p:nvPr>
+            <p:ph type="dt" sz="half" idx="10"/>
+          </p:nvPr>
+        </p:nvSpPr>
+        <p:spPr/>
+        <p:txBody>
+          <a:bodyPr/>
+          <a:lstStyle/>
+          <a:p>
             <a:pPr rtl="0"/>
             <a:fld id="{38C53E2A-59EE-41B3-A1AB-9575F6EA1695}" type="datetime1">
               <a:rPr lang="th-TH" smtClean="0"/>
-              <a:t>20/09/63</a:t>
+              <a:t>28/09/63</a:t>
             </a:fld>
             <a:endParaRPr lang="en-US"/>
           </a:p>
@@ -5922,7 +6078,7 @@
 </p:sld>
 </file>
 
-<file path=ppt/slides/slide12.xml><?xml version="1.0" encoding="utf-8"?>
+<file path=ppt/slides/slide13.xml><?xml version="1.0" encoding="utf-8"?>
 <p:sld xmlns:a="http://schemas.openxmlformats.org/drawingml/2006/main" xmlns:r="http://schemas.openxmlformats.org/officeDocument/2006/relationships" xmlns:p="http://schemas.openxmlformats.org/presentationml/2006/main">
   <p:cSld>
     <p:spTree>
@@ -5992,7 +6148,7 @@
             <a:pPr rtl="0"/>
             <a:fld id="{38C53E2A-59EE-41B3-A1AB-9575F6EA1695}" type="datetime1">
               <a:rPr lang="th-TH" smtClean="0"/>
-              <a:t>20/09/63</a:t>
+              <a:t>28/09/63</a:t>
             </a:fld>
             <a:endParaRPr lang="en-US"/>
           </a:p>
@@ -6130,7 +6286,7 @@
 </p:sld>
 </file>
 
-<file path=ppt/slides/slide13.xml><?xml version="1.0" encoding="utf-8"?>
+<file path=ppt/slides/slide14.xml><?xml version="1.0" encoding="utf-8"?>
 <p:sld xmlns:a="http://schemas.openxmlformats.org/drawingml/2006/main" xmlns:r="http://schemas.openxmlformats.org/officeDocument/2006/relationships" xmlns:p="http://schemas.openxmlformats.org/presentationml/2006/main">
   <p:cSld>
     <p:spTree>
@@ -6232,7 +6388,7 @@
             <a:pPr rtl="0"/>
             <a:fld id="{38C53E2A-59EE-41B3-A1AB-9575F6EA1695}" type="datetime1">
               <a:rPr lang="th-TH" smtClean="0"/>
-              <a:t>20/09/63</a:t>
+              <a:t>28/09/63</a:t>
             </a:fld>
             <a:endParaRPr lang="en-US"/>
           </a:p>
@@ -6341,7 +6497,7 @@
 </p:sld>
 </file>
 
-<file path=ppt/slides/slide14.xml><?xml version="1.0" encoding="utf-8"?>
+<file path=ppt/slides/slide15.xml><?xml version="1.0" encoding="utf-8"?>
 <p:sld xmlns:a="http://schemas.openxmlformats.org/drawingml/2006/main" xmlns:r="http://schemas.openxmlformats.org/officeDocument/2006/relationships" xmlns:p="http://schemas.openxmlformats.org/presentationml/2006/main">
   <p:cSld>
     <p:spTree>
@@ -6418,6 +6574,10 @@
               <a:rPr lang="en-US" sz="2400" dirty="0" err="1"/>
               <a:t>is_empty</a:t>
             </a:r>
+            <a:r>
+              <a:rPr lang="en-US" sz="2400" dirty="0"/>
+              <a:t>, applications</a:t>
+            </a:r>
             <a:endParaRPr lang="th-TH" sz="2400" dirty="0"/>
           </a:p>
         </p:txBody>
@@ -6445,7 +6605,7 @@
           <a:p>
             <a:fld id="{CC8C1F7F-7918-4156-86A5-91C01FD8A003}" type="datetime1">
               <a:rPr lang="th-TH" smtClean="0"/>
-              <a:t>20/09/63</a:t>
+              <a:t>28/09/63</a:t>
             </a:fld>
             <a:endParaRPr lang="th-TH" dirty="0"/>
           </a:p>
@@ -6535,7 +6695,7 @@
 </p:sld>
 </file>
 
-<file path=ppt/slides/slide15.xml><?xml version="1.0" encoding="utf-8"?>
+<file path=ppt/slides/slide16.xml><?xml version="1.0" encoding="utf-8"?>
 <p:sld xmlns:a="http://schemas.openxmlformats.org/drawingml/2006/main" xmlns:r="http://schemas.openxmlformats.org/officeDocument/2006/relationships" xmlns:p="http://schemas.openxmlformats.org/presentationml/2006/main">
   <p:cSld>
     <p:spTree>
@@ -6701,7 +6861,7 @@
             <a:pPr rtl="0"/>
             <a:fld id="{38C53E2A-59EE-41B3-A1AB-9575F6EA1695}" type="datetime1">
               <a:rPr lang="th-TH" smtClean="0"/>
-              <a:t>20/09/63</a:t>
+              <a:t>28/09/63</a:t>
             </a:fld>
             <a:endParaRPr lang="en-US"/>
           </a:p>
@@ -6756,7 +6916,7 @@
 </p:sld>
 </file>
 
-<file path=ppt/slides/slide16.xml><?xml version="1.0" encoding="utf-8"?>
+<file path=ppt/slides/slide17.xml><?xml version="1.0" encoding="utf-8"?>
 <p:sld xmlns:a="http://schemas.openxmlformats.org/drawingml/2006/main" xmlns:r="http://schemas.openxmlformats.org/officeDocument/2006/relationships" xmlns:p="http://schemas.openxmlformats.org/presentationml/2006/main">
   <p:cSld>
     <p:spTree>
@@ -6826,7 +6986,7 @@
             <a:pPr rtl="0"/>
             <a:fld id="{38C53E2A-59EE-41B3-A1AB-9575F6EA1695}" type="datetime1">
               <a:rPr lang="th-TH" smtClean="0"/>
-              <a:t>20/09/63</a:t>
+              <a:t>28/09/63</a:t>
             </a:fld>
             <a:endParaRPr lang="en-US" dirty="0"/>
           </a:p>
@@ -6877,7 +7037,7 @@
 </p:sld>
 </file>
 
-<file path=ppt/slides/slide17.xml><?xml version="1.0" encoding="utf-8"?>
+<file path=ppt/slides/slide18.xml><?xml version="1.0" encoding="utf-8"?>
 <p:sld xmlns:a="http://schemas.openxmlformats.org/drawingml/2006/main" xmlns:r="http://schemas.openxmlformats.org/officeDocument/2006/relationships" xmlns:p="http://schemas.openxmlformats.org/presentationml/2006/main">
   <p:cSld>
     <p:spTree>
@@ -6899,7 +7059,7 @@
           <p:cNvPr id="2" name="ชื่อเรื่อง 1">
             <a:extLst>
               <a:ext uri="{FF2B5EF4-FFF2-40B4-BE49-F238E27FC236}">
-                <a16:creationId xmlns:a16="http://schemas.microsoft.com/office/drawing/2014/main" id="{61662144-DE71-4577-9824-A690886C866B}"/>
+                <a16:creationId xmlns:a16="http://schemas.microsoft.com/office/drawing/2014/main" id="{B43F7B40-A7A6-43B7-9379-E6CD9908E17B}"/>
               </a:ext>
             </a:extLst>
           </p:cNvPr>
@@ -6917,6 +7077,566 @@
           <a:p>
             <a:r>
               <a:rPr lang="en-US" dirty="0"/>
+              <a:t>Stack Applications</a:t>
+            </a:r>
+            <a:endParaRPr lang="th-TH" dirty="0"/>
+          </a:p>
+        </p:txBody>
+      </p:sp>
+      <p:sp>
+        <p:nvSpPr>
+          <p:cNvPr id="3" name="ตัวแทนเนื้อหา 2">
+            <a:extLst>
+              <a:ext uri="{FF2B5EF4-FFF2-40B4-BE49-F238E27FC236}">
+                <a16:creationId xmlns:a16="http://schemas.microsoft.com/office/drawing/2014/main" id="{AF13CC03-653A-45BC-9DD6-8D44AC23513A}"/>
+              </a:ext>
+            </a:extLst>
+          </p:cNvPr>
+          <p:cNvSpPr>
+            <a:spLocks noGrp="1"/>
+          </p:cNvSpPr>
+          <p:nvPr>
+            <p:ph idx="1"/>
+          </p:nvPr>
+        </p:nvSpPr>
+        <p:spPr/>
+        <p:txBody>
+          <a:bodyPr>
+            <a:normAutofit/>
+          </a:bodyPr>
+          <a:lstStyle/>
+          <a:p>
+            <a:r>
+              <a:rPr lang="en-US" sz="2800" dirty="0"/>
+              <a:t>Balance Parenthesis</a:t>
+            </a:r>
+          </a:p>
+          <a:p>
+            <a:r>
+              <a:rPr lang="en-US" sz="2800" dirty="0"/>
+              <a:t>Infix to Postfix conversion</a:t>
+            </a:r>
+          </a:p>
+          <a:p>
+            <a:r>
+              <a:rPr lang="en-US" sz="2800" dirty="0"/>
+              <a:t>Calculator</a:t>
+            </a:r>
+          </a:p>
+          <a:p>
+            <a:endParaRPr lang="th-TH" sz="2800" dirty="0"/>
+          </a:p>
+        </p:txBody>
+      </p:sp>
+      <p:sp>
+        <p:nvSpPr>
+          <p:cNvPr id="4" name="ตัวแทนวันที่ 3">
+            <a:extLst>
+              <a:ext uri="{FF2B5EF4-FFF2-40B4-BE49-F238E27FC236}">
+                <a16:creationId xmlns:a16="http://schemas.microsoft.com/office/drawing/2014/main" id="{DE0D6237-BD10-4C31-9A99-6804356DF8F3}"/>
+              </a:ext>
+            </a:extLst>
+          </p:cNvPr>
+          <p:cNvSpPr>
+            <a:spLocks noGrp="1"/>
+          </p:cNvSpPr>
+          <p:nvPr>
+            <p:ph type="dt" sz="half" idx="10"/>
+          </p:nvPr>
+        </p:nvSpPr>
+        <p:spPr/>
+        <p:txBody>
+          <a:bodyPr/>
+          <a:lstStyle/>
+          <a:p>
+            <a:pPr rtl="0"/>
+            <a:fld id="{38C53E2A-59EE-41B3-A1AB-9575F6EA1695}" type="datetime1">
+              <a:rPr lang="th-TH" smtClean="0"/>
+              <a:t>28/09/63</a:t>
+            </a:fld>
+            <a:endParaRPr lang="en-US"/>
+          </a:p>
+        </p:txBody>
+      </p:sp>
+    </p:spTree>
+    <p:extLst>
+      <p:ext uri="{BB962C8B-B14F-4D97-AF65-F5344CB8AC3E}">
+        <p14:creationId xmlns:p14="http://schemas.microsoft.com/office/powerpoint/2010/main" val="1383671465"/>
+      </p:ext>
+    </p:extLst>
+  </p:cSld>
+  <p:clrMapOvr>
+    <a:masterClrMapping/>
+  </p:clrMapOvr>
+</p:sld>
+</file>
+
+<file path=ppt/slides/slide19.xml><?xml version="1.0" encoding="utf-8"?>
+<p:sld xmlns:a="http://schemas.openxmlformats.org/drawingml/2006/main" xmlns:r="http://schemas.openxmlformats.org/officeDocument/2006/relationships" xmlns:p="http://schemas.openxmlformats.org/presentationml/2006/main">
+  <p:cSld>
+    <p:spTree>
+      <p:nvGrpSpPr>
+        <p:cNvPr id="1" name=""/>
+        <p:cNvGrpSpPr/>
+        <p:nvPr/>
+      </p:nvGrpSpPr>
+      <p:grpSpPr>
+        <a:xfrm>
+          <a:off x="0" y="0"/>
+          <a:ext cx="0" cy="0"/>
+          <a:chOff x="0" y="0"/>
+          <a:chExt cx="0" cy="0"/>
+        </a:xfrm>
+      </p:grpSpPr>
+      <p:sp>
+        <p:nvSpPr>
+          <p:cNvPr id="2" name="ชื่อเรื่อง 1">
+            <a:extLst>
+              <a:ext uri="{FF2B5EF4-FFF2-40B4-BE49-F238E27FC236}">
+                <a16:creationId xmlns:a16="http://schemas.microsoft.com/office/drawing/2014/main" id="{1EF79C51-471F-489C-A26A-76D09A26ECB5}"/>
+              </a:ext>
+            </a:extLst>
+          </p:cNvPr>
+          <p:cNvSpPr>
+            <a:spLocks noGrp="1"/>
+          </p:cNvSpPr>
+          <p:nvPr>
+            <p:ph type="title"/>
+          </p:nvPr>
+        </p:nvSpPr>
+        <p:spPr>
+          <a:xfrm>
+            <a:off x="1066800" y="457200"/>
+            <a:ext cx="10058400" cy="1371600"/>
+          </a:xfrm>
+        </p:spPr>
+        <p:txBody>
+          <a:bodyPr/>
+          <a:lstStyle/>
+          <a:p>
+            <a:r>
+              <a:rPr lang="en-US" dirty="0"/>
+              <a:t>Balance Parenthesis</a:t>
+            </a:r>
+            <a:endParaRPr lang="th-TH" dirty="0"/>
+          </a:p>
+        </p:txBody>
+      </p:sp>
+      <p:sp>
+        <p:nvSpPr>
+          <p:cNvPr id="4" name="ตัวแทนวันที่ 3">
+            <a:extLst>
+              <a:ext uri="{FF2B5EF4-FFF2-40B4-BE49-F238E27FC236}">
+                <a16:creationId xmlns:a16="http://schemas.microsoft.com/office/drawing/2014/main" id="{66CCB502-1465-464E-B26C-0A477D93C2ED}"/>
+              </a:ext>
+            </a:extLst>
+          </p:cNvPr>
+          <p:cNvSpPr>
+            <a:spLocks noGrp="1"/>
+          </p:cNvSpPr>
+          <p:nvPr>
+            <p:ph type="dt" sz="half" idx="10"/>
+          </p:nvPr>
+        </p:nvSpPr>
+        <p:spPr/>
+        <p:txBody>
+          <a:bodyPr/>
+          <a:lstStyle/>
+          <a:p>
+            <a:pPr rtl="0"/>
+            <a:fld id="{38C53E2A-59EE-41B3-A1AB-9575F6EA1695}" type="datetime1">
+              <a:rPr lang="th-TH" smtClean="0"/>
+              <a:t>28/09/63</a:t>
+            </a:fld>
+            <a:endParaRPr lang="en-US"/>
+          </a:p>
+        </p:txBody>
+      </p:sp>
+      <p:pic>
+        <p:nvPicPr>
+          <p:cNvPr id="5" name="รูปภาพ 4">
+            <a:extLst>
+              <a:ext uri="{FF2B5EF4-FFF2-40B4-BE49-F238E27FC236}">
+                <a16:creationId xmlns:a16="http://schemas.microsoft.com/office/drawing/2014/main" id="{47C71C30-2B5C-44D7-A2AD-4981FA16ADD9}"/>
+              </a:ext>
+            </a:extLst>
+          </p:cNvPr>
+          <p:cNvPicPr>
+            <a:picLocks noChangeAspect="1"/>
+          </p:cNvPicPr>
+          <p:nvPr/>
+        </p:nvPicPr>
+        <p:blipFill>
+          <a:blip r:embed="rId2"/>
+          <a:stretch>
+            <a:fillRect/>
+          </a:stretch>
+        </p:blipFill>
+        <p:spPr>
+          <a:xfrm>
+            <a:off x="1638266" y="1472949"/>
+            <a:ext cx="8765367" cy="5127268"/>
+          </a:xfrm>
+          <a:prstGeom prst="rect">
+            <a:avLst/>
+          </a:prstGeom>
+        </p:spPr>
+      </p:pic>
+    </p:spTree>
+    <p:extLst>
+      <p:ext uri="{BB962C8B-B14F-4D97-AF65-F5344CB8AC3E}">
+        <p14:creationId xmlns:p14="http://schemas.microsoft.com/office/powerpoint/2010/main" val="2816240855"/>
+      </p:ext>
+    </p:extLst>
+  </p:cSld>
+  <p:clrMapOvr>
+    <a:masterClrMapping/>
+  </p:clrMapOvr>
+</p:sld>
+</file>
+
+<file path=ppt/slides/slide2.xml><?xml version="1.0" encoding="utf-8"?>
+<p:sld xmlns:a="http://schemas.openxmlformats.org/drawingml/2006/main" xmlns:r="http://schemas.openxmlformats.org/officeDocument/2006/relationships" xmlns:p="http://schemas.openxmlformats.org/presentationml/2006/main">
+  <p:cSld>
+    <p:spTree>
+      <p:nvGrpSpPr>
+        <p:cNvPr id="1" name=""/>
+        <p:cNvGrpSpPr/>
+        <p:nvPr/>
+      </p:nvGrpSpPr>
+      <p:grpSpPr>
+        <a:xfrm>
+          <a:off x="0" y="0"/>
+          <a:ext cx="0" cy="0"/>
+          <a:chOff x="0" y="0"/>
+          <a:chExt cx="0" cy="0"/>
+        </a:xfrm>
+      </p:grpSpPr>
+      <p:pic>
+        <p:nvPicPr>
+          <p:cNvPr id="5" name="ตัวแทนเนื้อหา 4">
+            <a:extLst>
+              <a:ext uri="{FF2B5EF4-FFF2-40B4-BE49-F238E27FC236}">
+                <a16:creationId xmlns:a16="http://schemas.microsoft.com/office/drawing/2014/main" id="{D8E8E16F-739E-4AFA-BC22-BF6E24562B7C}"/>
+              </a:ext>
+            </a:extLst>
+          </p:cNvPr>
+          <p:cNvPicPr>
+            <a:picLocks noGrp="1" noChangeAspect="1"/>
+          </p:cNvPicPr>
+          <p:nvPr>
+            <p:ph idx="1"/>
+          </p:nvPr>
+        </p:nvPicPr>
+        <p:blipFill>
+          <a:blip r:embed="rId2"/>
+          <a:stretch>
+            <a:fillRect/>
+          </a:stretch>
+        </p:blipFill>
+        <p:spPr>
+          <a:xfrm>
+            <a:off x="4058652" y="615519"/>
+            <a:ext cx="4074695" cy="5626961"/>
+          </a:xfrm>
+          <a:prstGeom prst="rect">
+            <a:avLst/>
+          </a:prstGeom>
+        </p:spPr>
+      </p:pic>
+    </p:spTree>
+    <p:extLst>
+      <p:ext uri="{BB962C8B-B14F-4D97-AF65-F5344CB8AC3E}">
+        <p14:creationId xmlns:p14="http://schemas.microsoft.com/office/powerpoint/2010/main" val="1771613774"/>
+      </p:ext>
+    </p:extLst>
+  </p:cSld>
+  <p:clrMapOvr>
+    <a:masterClrMapping/>
+  </p:clrMapOvr>
+</p:sld>
+</file>
+
+<file path=ppt/slides/slide20.xml><?xml version="1.0" encoding="utf-8"?>
+<p:sld xmlns:a="http://schemas.openxmlformats.org/drawingml/2006/main" xmlns:r="http://schemas.openxmlformats.org/officeDocument/2006/relationships" xmlns:p="http://schemas.openxmlformats.org/presentationml/2006/main">
+  <p:cSld>
+    <p:spTree>
+      <p:nvGrpSpPr>
+        <p:cNvPr id="1" name=""/>
+        <p:cNvGrpSpPr/>
+        <p:nvPr/>
+      </p:nvGrpSpPr>
+      <p:grpSpPr>
+        <a:xfrm>
+          <a:off x="0" y="0"/>
+          <a:ext cx="0" cy="0"/>
+          <a:chOff x="0" y="0"/>
+          <a:chExt cx="0" cy="0"/>
+        </a:xfrm>
+      </p:grpSpPr>
+      <p:sp>
+        <p:nvSpPr>
+          <p:cNvPr id="2" name="ชื่อเรื่อง 1">
+            <a:extLst>
+              <a:ext uri="{FF2B5EF4-FFF2-40B4-BE49-F238E27FC236}">
+                <a16:creationId xmlns:a16="http://schemas.microsoft.com/office/drawing/2014/main" id="{C6C27C46-593D-48BE-87CA-CB2C42BEAB25}"/>
+              </a:ext>
+            </a:extLst>
+          </p:cNvPr>
+          <p:cNvSpPr>
+            <a:spLocks noGrp="1"/>
+          </p:cNvSpPr>
+          <p:nvPr>
+            <p:ph type="title"/>
+          </p:nvPr>
+        </p:nvSpPr>
+        <p:spPr/>
+        <p:txBody>
+          <a:bodyPr/>
+          <a:lstStyle/>
+          <a:p>
+            <a:r>
+              <a:rPr lang="en-US" dirty="0"/>
+              <a:t>Infix to Postfix Conversion</a:t>
+            </a:r>
+            <a:endParaRPr lang="th-TH" dirty="0"/>
+          </a:p>
+        </p:txBody>
+      </p:sp>
+      <p:sp>
+        <p:nvSpPr>
+          <p:cNvPr id="4" name="ตัวแทนวันที่ 3">
+            <a:extLst>
+              <a:ext uri="{FF2B5EF4-FFF2-40B4-BE49-F238E27FC236}">
+                <a16:creationId xmlns:a16="http://schemas.microsoft.com/office/drawing/2014/main" id="{621802A9-C154-46FE-B4A9-D4A74E075FF1}"/>
+              </a:ext>
+            </a:extLst>
+          </p:cNvPr>
+          <p:cNvSpPr>
+            <a:spLocks noGrp="1"/>
+          </p:cNvSpPr>
+          <p:nvPr>
+            <p:ph type="dt" sz="half" idx="10"/>
+          </p:nvPr>
+        </p:nvSpPr>
+        <p:spPr/>
+        <p:txBody>
+          <a:bodyPr/>
+          <a:lstStyle/>
+          <a:p>
+            <a:pPr rtl="0"/>
+            <a:fld id="{38C53E2A-59EE-41B3-A1AB-9575F6EA1695}" type="datetime1">
+              <a:rPr lang="th-TH" smtClean="0"/>
+              <a:t>28/09/63</a:t>
+            </a:fld>
+            <a:endParaRPr lang="en-US"/>
+          </a:p>
+        </p:txBody>
+      </p:sp>
+      <p:pic>
+        <p:nvPicPr>
+          <p:cNvPr id="5" name="รูปภาพ 4">
+            <a:extLst>
+              <a:ext uri="{FF2B5EF4-FFF2-40B4-BE49-F238E27FC236}">
+                <a16:creationId xmlns:a16="http://schemas.microsoft.com/office/drawing/2014/main" id="{0639BEE5-6BDA-45DC-AD41-0CFA1AA240AB}"/>
+              </a:ext>
+            </a:extLst>
+          </p:cNvPr>
+          <p:cNvPicPr>
+            <a:picLocks noChangeAspect="1"/>
+          </p:cNvPicPr>
+          <p:nvPr/>
+        </p:nvPicPr>
+        <p:blipFill>
+          <a:blip r:embed="rId2"/>
+          <a:stretch>
+            <a:fillRect/>
+          </a:stretch>
+        </p:blipFill>
+        <p:spPr>
+          <a:xfrm>
+            <a:off x="2749780" y="1583892"/>
+            <a:ext cx="5442498" cy="4922828"/>
+          </a:xfrm>
+          <a:prstGeom prst="rect">
+            <a:avLst/>
+          </a:prstGeom>
+        </p:spPr>
+      </p:pic>
+    </p:spTree>
+    <p:extLst>
+      <p:ext uri="{BB962C8B-B14F-4D97-AF65-F5344CB8AC3E}">
+        <p14:creationId xmlns:p14="http://schemas.microsoft.com/office/powerpoint/2010/main" val="200412546"/>
+      </p:ext>
+    </p:extLst>
+  </p:cSld>
+  <p:clrMapOvr>
+    <a:masterClrMapping/>
+  </p:clrMapOvr>
+</p:sld>
+</file>
+
+<file path=ppt/slides/slide21.xml><?xml version="1.0" encoding="utf-8"?>
+<p:sld xmlns:a="http://schemas.openxmlformats.org/drawingml/2006/main" xmlns:r="http://schemas.openxmlformats.org/officeDocument/2006/relationships" xmlns:p="http://schemas.openxmlformats.org/presentationml/2006/main">
+  <p:cSld>
+    <p:spTree>
+      <p:nvGrpSpPr>
+        <p:cNvPr id="1" name=""/>
+        <p:cNvGrpSpPr/>
+        <p:nvPr/>
+      </p:nvGrpSpPr>
+      <p:grpSpPr>
+        <a:xfrm>
+          <a:off x="0" y="0"/>
+          <a:ext cx="0" cy="0"/>
+          <a:chOff x="0" y="0"/>
+          <a:chExt cx="0" cy="0"/>
+        </a:xfrm>
+      </p:grpSpPr>
+      <p:sp>
+        <p:nvSpPr>
+          <p:cNvPr id="2" name="ชื่อเรื่อง 1">
+            <a:extLst>
+              <a:ext uri="{FF2B5EF4-FFF2-40B4-BE49-F238E27FC236}">
+                <a16:creationId xmlns:a16="http://schemas.microsoft.com/office/drawing/2014/main" id="{7733FE3F-1591-4A39-94E1-60E00CBE3BEF}"/>
+              </a:ext>
+            </a:extLst>
+          </p:cNvPr>
+          <p:cNvSpPr>
+            <a:spLocks noGrp="1"/>
+          </p:cNvSpPr>
+          <p:nvPr>
+            <p:ph type="title"/>
+          </p:nvPr>
+        </p:nvSpPr>
+        <p:spPr/>
+        <p:txBody>
+          <a:bodyPr/>
+          <a:lstStyle/>
+          <a:p>
+            <a:r>
+              <a:rPr lang="en-US" dirty="0"/>
+              <a:t>Postfix Calculator</a:t>
+            </a:r>
+            <a:endParaRPr lang="th-TH" dirty="0"/>
+          </a:p>
+        </p:txBody>
+      </p:sp>
+      <p:pic>
+        <p:nvPicPr>
+          <p:cNvPr id="5" name="ตัวแทนเนื้อหา 4">
+            <a:extLst>
+              <a:ext uri="{FF2B5EF4-FFF2-40B4-BE49-F238E27FC236}">
+                <a16:creationId xmlns:a16="http://schemas.microsoft.com/office/drawing/2014/main" id="{DE91415F-F2E4-4D6B-8BF4-27897D5395B9}"/>
+              </a:ext>
+            </a:extLst>
+          </p:cNvPr>
+          <p:cNvPicPr>
+            <a:picLocks noGrp="1" noChangeAspect="1"/>
+          </p:cNvPicPr>
+          <p:nvPr>
+            <p:ph idx="1"/>
+          </p:nvPr>
+        </p:nvPicPr>
+        <p:blipFill>
+          <a:blip r:embed="rId2"/>
+          <a:stretch>
+            <a:fillRect/>
+          </a:stretch>
+        </p:blipFill>
+        <p:spPr>
+          <a:xfrm>
+            <a:off x="4063459" y="1557269"/>
+            <a:ext cx="3904885" cy="4857527"/>
+          </a:xfrm>
+          <a:prstGeom prst="rect">
+            <a:avLst/>
+          </a:prstGeom>
+        </p:spPr>
+      </p:pic>
+      <p:sp>
+        <p:nvSpPr>
+          <p:cNvPr id="4" name="ตัวแทนวันที่ 3">
+            <a:extLst>
+              <a:ext uri="{FF2B5EF4-FFF2-40B4-BE49-F238E27FC236}">
+                <a16:creationId xmlns:a16="http://schemas.microsoft.com/office/drawing/2014/main" id="{FADC5EBF-A0FC-4EE7-8C87-326E723BA03C}"/>
+              </a:ext>
+            </a:extLst>
+          </p:cNvPr>
+          <p:cNvSpPr>
+            <a:spLocks noGrp="1"/>
+          </p:cNvSpPr>
+          <p:nvPr>
+            <p:ph type="dt" sz="half" idx="10"/>
+          </p:nvPr>
+        </p:nvSpPr>
+        <p:spPr/>
+        <p:txBody>
+          <a:bodyPr/>
+          <a:lstStyle/>
+          <a:p>
+            <a:pPr rtl="0"/>
+            <a:fld id="{38C53E2A-59EE-41B3-A1AB-9575F6EA1695}" type="datetime1">
+              <a:rPr lang="th-TH" smtClean="0"/>
+              <a:t>28/09/63</a:t>
+            </a:fld>
+            <a:endParaRPr lang="en-US"/>
+          </a:p>
+        </p:txBody>
+      </p:sp>
+    </p:spTree>
+    <p:extLst>
+      <p:ext uri="{BB962C8B-B14F-4D97-AF65-F5344CB8AC3E}">
+        <p14:creationId xmlns:p14="http://schemas.microsoft.com/office/powerpoint/2010/main" val="2884283778"/>
+      </p:ext>
+    </p:extLst>
+  </p:cSld>
+  <p:clrMapOvr>
+    <a:masterClrMapping/>
+  </p:clrMapOvr>
+</p:sld>
+</file>
+
+<file path=ppt/slides/slide22.xml><?xml version="1.0" encoding="utf-8"?>
+<p:sld xmlns:a="http://schemas.openxmlformats.org/drawingml/2006/main" xmlns:r="http://schemas.openxmlformats.org/officeDocument/2006/relationships" xmlns:p="http://schemas.openxmlformats.org/presentationml/2006/main">
+  <p:cSld>
+    <p:spTree>
+      <p:nvGrpSpPr>
+        <p:cNvPr id="1" name=""/>
+        <p:cNvGrpSpPr/>
+        <p:nvPr/>
+      </p:nvGrpSpPr>
+      <p:grpSpPr>
+        <a:xfrm>
+          <a:off x="0" y="0"/>
+          <a:ext cx="0" cy="0"/>
+          <a:chOff x="0" y="0"/>
+          <a:chExt cx="0" cy="0"/>
+        </a:xfrm>
+      </p:grpSpPr>
+      <p:sp>
+        <p:nvSpPr>
+          <p:cNvPr id="2" name="ชื่อเรื่อง 1">
+            <a:extLst>
+              <a:ext uri="{FF2B5EF4-FFF2-40B4-BE49-F238E27FC236}">
+                <a16:creationId xmlns:a16="http://schemas.microsoft.com/office/drawing/2014/main" id="{61662144-DE71-4577-9824-A690886C866B}"/>
+              </a:ext>
+            </a:extLst>
+          </p:cNvPr>
+          <p:cNvSpPr>
+            <a:spLocks noGrp="1"/>
+          </p:cNvSpPr>
+          <p:nvPr>
+            <p:ph type="title"/>
+          </p:nvPr>
+        </p:nvSpPr>
+        <p:spPr/>
+        <p:txBody>
+          <a:bodyPr/>
+          <a:lstStyle/>
+          <a:p>
+            <a:r>
+              <a:rPr lang="en-US" dirty="0"/>
               <a:t>Queue</a:t>
             </a:r>
             <a:endParaRPr lang="th-TH" dirty="0"/>
@@ -6985,7 +7705,7 @@
           <a:p>
             <a:fld id="{CC8C1F7F-7918-4156-86A5-91C01FD8A003}" type="datetime1">
               <a:rPr lang="th-TH" smtClean="0"/>
-              <a:t>20/09/63</a:t>
+              <a:t>28/09/63</a:t>
             </a:fld>
             <a:endParaRPr lang="th-TH" dirty="0"/>
           </a:p>
@@ -7040,7 +7760,7 @@
 </p:sld>
 </file>
 
-<file path=ppt/slides/slide18.xml><?xml version="1.0" encoding="utf-8"?>
+<file path=ppt/slides/slide23.xml><?xml version="1.0" encoding="utf-8"?>
 <p:sld xmlns:a="http://schemas.openxmlformats.org/drawingml/2006/main" xmlns:r="http://schemas.openxmlformats.org/officeDocument/2006/relationships" xmlns:p="http://schemas.openxmlformats.org/presentationml/2006/main">
   <p:cSld>
     <p:spTree>
@@ -7206,7 +7926,7 @@
             <a:pPr rtl="0"/>
             <a:fld id="{38C53E2A-59EE-41B3-A1AB-9575F6EA1695}" type="datetime1">
               <a:rPr lang="th-TH" smtClean="0"/>
-              <a:t>20/09/63</a:t>
+              <a:t>28/09/63</a:t>
             </a:fld>
             <a:endParaRPr lang="en-US"/>
           </a:p>
@@ -7261,7 +7981,7 @@
 </p:sld>
 </file>
 
-<file path=ppt/slides/slide19.xml><?xml version="1.0" encoding="utf-8"?>
+<file path=ppt/slides/slide24.xml><?xml version="1.0" encoding="utf-8"?>
 <p:sld xmlns:a="http://schemas.openxmlformats.org/drawingml/2006/main" xmlns:r="http://schemas.openxmlformats.org/officeDocument/2006/relationships" xmlns:p="http://schemas.openxmlformats.org/presentationml/2006/main">
   <p:cSld>
     <p:spTree>
@@ -7331,7 +8051,7 @@
             <a:pPr rtl="0"/>
             <a:fld id="{38C53E2A-59EE-41B3-A1AB-9575F6EA1695}" type="datetime1">
               <a:rPr lang="th-TH" smtClean="0"/>
-              <a:t>20/09/63</a:t>
+              <a:t>28/09/63</a:t>
             </a:fld>
             <a:endParaRPr lang="en-US" dirty="0"/>
           </a:p>
@@ -7380,7 +8100,7 @@
 </p:sld>
 </file>
 
-<file path=ppt/slides/slide2.xml><?xml version="1.0" encoding="utf-8"?>
+<file path=ppt/slides/slide25.xml><?xml version="1.0" encoding="utf-8"?>
 <p:sld xmlns:a="http://schemas.openxmlformats.org/drawingml/2006/main" xmlns:r="http://schemas.openxmlformats.org/officeDocument/2006/relationships" xmlns:p="http://schemas.openxmlformats.org/presentationml/2006/main">
   <p:cSld>
     <p:spTree>
@@ -7402,7 +8122,7 @@
           <p:cNvPr id="2" name="ชื่อเรื่อง 1">
             <a:extLst>
               <a:ext uri="{FF2B5EF4-FFF2-40B4-BE49-F238E27FC236}">
-                <a16:creationId xmlns:a16="http://schemas.microsoft.com/office/drawing/2014/main" id="{D686A2F0-2B13-4A5F-AA14-AA01119762EA}"/>
+                <a16:creationId xmlns:a16="http://schemas.microsoft.com/office/drawing/2014/main" id="{61662144-DE71-4577-9824-A690886C866B}"/>
               </a:ext>
             </a:extLst>
           </p:cNvPr>
@@ -7415,25 +8135,62 @@
         </p:nvSpPr>
         <p:spPr/>
         <p:txBody>
+          <a:bodyPr/>
+          <a:lstStyle/>
+          <a:p>
+            <a:r>
+              <a:rPr lang="en-US" dirty="0"/>
+              <a:t>Linked List</a:t>
+            </a:r>
+            <a:endParaRPr lang="th-TH" dirty="0"/>
+          </a:p>
+        </p:txBody>
+      </p:sp>
+      <p:sp>
+        <p:nvSpPr>
+          <p:cNvPr id="3" name="ตัวแทนข้อความ 2">
+            <a:extLst>
+              <a:ext uri="{FF2B5EF4-FFF2-40B4-BE49-F238E27FC236}">
+                <a16:creationId xmlns:a16="http://schemas.microsoft.com/office/drawing/2014/main" id="{F87F602B-42A8-460C-8FDE-DCAC5CC105B6}"/>
+              </a:ext>
+            </a:extLst>
+          </p:cNvPr>
+          <p:cNvSpPr>
+            <a:spLocks noGrp="1"/>
+          </p:cNvSpPr>
+          <p:nvPr>
+            <p:ph type="body" idx="1"/>
+          </p:nvPr>
+        </p:nvSpPr>
+        <p:spPr/>
+        <p:txBody>
           <a:bodyPr>
-            <a:normAutofit/>
+            <a:normAutofit fontScale="92500" lnSpcReduction="20000"/>
           </a:bodyPr>
           <a:lstStyle/>
           <a:p>
             <a:r>
-              <a:rPr lang="en-US" sz="4800" dirty="0"/>
-              <a:t>Outline</a:t>
-            </a:r>
-            <a:endParaRPr lang="th-TH" sz="4800" dirty="0"/>
-          </a:p>
-        </p:txBody>
-      </p:sp>
-      <p:sp>
-        <p:nvSpPr>
-          <p:cNvPr id="3" name="ตัวแทนวันที่ 2">
-            <a:extLst>
-              <a:ext uri="{FF2B5EF4-FFF2-40B4-BE49-F238E27FC236}">
-                <a16:creationId xmlns:a16="http://schemas.microsoft.com/office/drawing/2014/main" id="{876C64DF-ADF5-4238-9E99-B0A714EDD5A5}"/>
+              <a:rPr lang="en-US" sz="2800" dirty="0"/>
+              <a:t>size, push, pop, insert, remove, </a:t>
+            </a:r>
+            <a:r>
+              <a:rPr lang="en-US" sz="2800" dirty="0" err="1"/>
+              <a:t>is_empty</a:t>
+            </a:r>
+            <a:r>
+              <a:rPr lang="en-US" sz="2800" dirty="0"/>
+              <a:t>, etc.</a:t>
+            </a:r>
+            <a:endParaRPr lang="th-TH" sz="2800" dirty="0"/>
+          </a:p>
+        </p:txBody>
+      </p:sp>
+      <p:sp>
+        <p:nvSpPr>
+          <p:cNvPr id="4" name="ตัวแทนวันที่ 3">
+            <a:extLst>
+              <a:ext uri="{FF2B5EF4-FFF2-40B4-BE49-F238E27FC236}">
+                <a16:creationId xmlns:a16="http://schemas.microsoft.com/office/drawing/2014/main" id="{4BF768B2-9A2C-4C32-9A80-2132BB7BE883}"/>
               </a:ext>
             </a:extLst>
           </p:cNvPr>
@@ -7449,202 +8206,9 @@
           <a:bodyPr/>
           <a:lstStyle/>
           <a:p>
-            <a:pPr rtl="0"/>
-            <a:fld id="{79AC1B91-0D40-46F1-A44C-D56FF21574FA}" type="datetime1">
-              <a:rPr lang="th-TH" smtClean="0"/>
-              <a:t>20/09/63</a:t>
-            </a:fld>
-            <a:endParaRPr lang="en-US"/>
-          </a:p>
-        </p:txBody>
-      </p:sp>
-      <p:sp>
-        <p:nvSpPr>
-          <p:cNvPr id="4" name="กล่องข้อความ 3">
-            <a:extLst>
-              <a:ext uri="{FF2B5EF4-FFF2-40B4-BE49-F238E27FC236}">
-                <a16:creationId xmlns:a16="http://schemas.microsoft.com/office/drawing/2014/main" id="{72E36407-BD33-4CA6-82F7-F1E8D918FE36}"/>
-              </a:ext>
-            </a:extLst>
-          </p:cNvPr>
-          <p:cNvSpPr txBox="1"/>
-          <p:nvPr/>
-        </p:nvSpPr>
-        <p:spPr>
-          <a:xfrm>
-            <a:off x="1066800" y="1874113"/>
-            <a:ext cx="10058400" cy="3046988"/>
-          </a:xfrm>
-          <a:prstGeom prst="rect">
-            <a:avLst/>
-          </a:prstGeom>
-          <a:noFill/>
-        </p:spPr>
-        <p:txBody>
-          <a:bodyPr wrap="square" rtlCol="0">
-            <a:spAutoFit/>
-          </a:bodyPr>
-          <a:lstStyle/>
-          <a:p>
-            <a:r>
-              <a:rPr lang="en-US" sz="3200" dirty="0"/>
-              <a:t>- Python’s basic data structure</a:t>
-            </a:r>
-          </a:p>
-          <a:p>
-            <a:r>
-              <a:rPr lang="en-US" sz="3200" dirty="0"/>
-              <a:t>- OOP with Python</a:t>
-            </a:r>
-          </a:p>
-          <a:p>
-            <a:r>
-              <a:rPr lang="en-US" sz="3200" dirty="0"/>
-              <a:t>- Stack</a:t>
-            </a:r>
-          </a:p>
-          <a:p>
-            <a:r>
-              <a:rPr lang="en-US" sz="3200" dirty="0"/>
-              <a:t>- Queue</a:t>
-            </a:r>
-          </a:p>
-          <a:p>
-            <a:r>
-              <a:rPr lang="en-US" sz="3200" dirty="0"/>
-              <a:t>- Linked List</a:t>
-            </a:r>
-          </a:p>
-          <a:p>
-            <a:r>
-              <a:rPr lang="en-US" sz="3200" dirty="0"/>
-              <a:t>- Recursion: Code Example</a:t>
-            </a:r>
-          </a:p>
-        </p:txBody>
-      </p:sp>
-    </p:spTree>
-    <p:extLst>
-      <p:ext uri="{BB962C8B-B14F-4D97-AF65-F5344CB8AC3E}">
-        <p14:creationId xmlns:p14="http://schemas.microsoft.com/office/powerpoint/2010/main" val="2804274185"/>
-      </p:ext>
-    </p:extLst>
-  </p:cSld>
-  <p:clrMapOvr>
-    <a:masterClrMapping/>
-  </p:clrMapOvr>
-</p:sld>
-</file>
-
-<file path=ppt/slides/slide20.xml><?xml version="1.0" encoding="utf-8"?>
-<p:sld xmlns:a="http://schemas.openxmlformats.org/drawingml/2006/main" xmlns:r="http://schemas.openxmlformats.org/officeDocument/2006/relationships" xmlns:p="http://schemas.openxmlformats.org/presentationml/2006/main">
-  <p:cSld>
-    <p:spTree>
-      <p:nvGrpSpPr>
-        <p:cNvPr id="1" name=""/>
-        <p:cNvGrpSpPr/>
-        <p:nvPr/>
-      </p:nvGrpSpPr>
-      <p:grpSpPr>
-        <a:xfrm>
-          <a:off x="0" y="0"/>
-          <a:ext cx="0" cy="0"/>
-          <a:chOff x="0" y="0"/>
-          <a:chExt cx="0" cy="0"/>
-        </a:xfrm>
-      </p:grpSpPr>
-      <p:sp>
-        <p:nvSpPr>
-          <p:cNvPr id="2" name="ชื่อเรื่อง 1">
-            <a:extLst>
-              <a:ext uri="{FF2B5EF4-FFF2-40B4-BE49-F238E27FC236}">
-                <a16:creationId xmlns:a16="http://schemas.microsoft.com/office/drawing/2014/main" id="{61662144-DE71-4577-9824-A690886C866B}"/>
-              </a:ext>
-            </a:extLst>
-          </p:cNvPr>
-          <p:cNvSpPr>
-            <a:spLocks noGrp="1"/>
-          </p:cNvSpPr>
-          <p:nvPr>
-            <p:ph type="title"/>
-          </p:nvPr>
-        </p:nvSpPr>
-        <p:spPr/>
-        <p:txBody>
-          <a:bodyPr/>
-          <a:lstStyle/>
-          <a:p>
-            <a:r>
-              <a:rPr lang="en-US" dirty="0"/>
-              <a:t>Linked List</a:t>
-            </a:r>
-            <a:endParaRPr lang="th-TH" dirty="0"/>
-          </a:p>
-        </p:txBody>
-      </p:sp>
-      <p:sp>
-        <p:nvSpPr>
-          <p:cNvPr id="3" name="ตัวแทนข้อความ 2">
-            <a:extLst>
-              <a:ext uri="{FF2B5EF4-FFF2-40B4-BE49-F238E27FC236}">
-                <a16:creationId xmlns:a16="http://schemas.microsoft.com/office/drawing/2014/main" id="{F87F602B-42A8-460C-8FDE-DCAC5CC105B6}"/>
-              </a:ext>
-            </a:extLst>
-          </p:cNvPr>
-          <p:cNvSpPr>
-            <a:spLocks noGrp="1"/>
-          </p:cNvSpPr>
-          <p:nvPr>
-            <p:ph type="body" idx="1"/>
-          </p:nvPr>
-        </p:nvSpPr>
-        <p:spPr/>
-        <p:txBody>
-          <a:bodyPr>
-            <a:normAutofit fontScale="92500" lnSpcReduction="20000"/>
-          </a:bodyPr>
-          <a:lstStyle/>
-          <a:p>
-            <a:r>
-              <a:rPr lang="en-US" sz="2800" dirty="0"/>
-              <a:t>size, push, pop, insert, remove, </a:t>
-            </a:r>
-            <a:r>
-              <a:rPr lang="en-US" sz="2800" dirty="0" err="1"/>
-              <a:t>is_empty</a:t>
-            </a:r>
-            <a:r>
-              <a:rPr lang="en-US" sz="2800" dirty="0"/>
-              <a:t>, etc.</a:t>
-            </a:r>
-            <a:endParaRPr lang="th-TH" sz="2800" dirty="0"/>
-          </a:p>
-        </p:txBody>
-      </p:sp>
-      <p:sp>
-        <p:nvSpPr>
-          <p:cNvPr id="4" name="ตัวแทนวันที่ 3">
-            <a:extLst>
-              <a:ext uri="{FF2B5EF4-FFF2-40B4-BE49-F238E27FC236}">
-                <a16:creationId xmlns:a16="http://schemas.microsoft.com/office/drawing/2014/main" id="{4BF768B2-9A2C-4C32-9A80-2132BB7BE883}"/>
-              </a:ext>
-            </a:extLst>
-          </p:cNvPr>
-          <p:cNvSpPr>
-            <a:spLocks noGrp="1"/>
-          </p:cNvSpPr>
-          <p:nvPr>
-            <p:ph type="dt" sz="half" idx="10"/>
-          </p:nvPr>
-        </p:nvSpPr>
-        <p:spPr/>
-        <p:txBody>
-          <a:bodyPr/>
-          <a:lstStyle/>
-          <a:p>
             <a:fld id="{CC8C1F7F-7918-4156-86A5-91C01FD8A003}" type="datetime1">
               <a:rPr lang="th-TH" smtClean="0"/>
-              <a:t>20/09/63</a:t>
+              <a:t>28/09/63</a:t>
             </a:fld>
             <a:endParaRPr lang="th-TH" dirty="0"/>
           </a:p>
@@ -7735,7 +8299,7 @@
 </p:sld>
 </file>
 
-<file path=ppt/slides/slide21.xml><?xml version="1.0" encoding="utf-8"?>
+<file path=ppt/slides/slide26.xml><?xml version="1.0" encoding="utf-8"?>
 <p:sld xmlns:a="http://schemas.openxmlformats.org/drawingml/2006/main" xmlns:r="http://schemas.openxmlformats.org/officeDocument/2006/relationships" xmlns:p="http://schemas.openxmlformats.org/presentationml/2006/main">
   <p:cSld>
     <p:spTree>
@@ -7925,7 +8489,7 @@
             <a:pPr rtl="0"/>
             <a:fld id="{38C53E2A-59EE-41B3-A1AB-9575F6EA1695}" type="datetime1">
               <a:rPr lang="th-TH" smtClean="0"/>
-              <a:t>20/09/63</a:t>
+              <a:t>28/09/63</a:t>
             </a:fld>
             <a:endParaRPr lang="en-US"/>
           </a:p>
@@ -7944,7 +8508,7 @@
 </p:sld>
 </file>
 
-<file path=ppt/slides/slide22.xml><?xml version="1.0" encoding="utf-8"?>
+<file path=ppt/slides/slide27.xml><?xml version="1.0" encoding="utf-8"?>
 <p:sld xmlns:a="http://schemas.openxmlformats.org/drawingml/2006/main" xmlns:r="http://schemas.openxmlformats.org/officeDocument/2006/relationships" xmlns:p="http://schemas.openxmlformats.org/presentationml/2006/main">
   <p:cSld>
     <p:spTree>
@@ -8115,7 +8679,7 @@
             <a:pPr rtl="0"/>
             <a:fld id="{38C53E2A-59EE-41B3-A1AB-9575F6EA1695}" type="datetime1">
               <a:rPr lang="th-TH" smtClean="0"/>
-              <a:t>20/09/63</a:t>
+              <a:t>28/09/63</a:t>
             </a:fld>
             <a:endParaRPr lang="en-US"/>
           </a:p>
@@ -8134,7 +8698,7 @@
 </p:sld>
 </file>
 
-<file path=ppt/slides/slide23.xml><?xml version="1.0" encoding="utf-8"?>
+<file path=ppt/slides/slide28.xml><?xml version="1.0" encoding="utf-8"?>
 <p:sld xmlns:a="http://schemas.openxmlformats.org/drawingml/2006/main" xmlns:r="http://schemas.openxmlformats.org/officeDocument/2006/relationships" xmlns:p="http://schemas.openxmlformats.org/presentationml/2006/main">
   <p:cSld>
     <p:spTree>
@@ -8445,7 +9009,7 @@
             <a:pPr rtl="0"/>
             <a:fld id="{38C53E2A-59EE-41B3-A1AB-9575F6EA1695}" type="datetime1">
               <a:rPr lang="th-TH" smtClean="0"/>
-              <a:t>20/09/63</a:t>
+              <a:t>28/09/63</a:t>
             </a:fld>
             <a:endParaRPr lang="en-US"/>
           </a:p>
@@ -8464,7 +9028,7 @@
 </p:sld>
 </file>
 
-<file path=ppt/slides/slide24.xml><?xml version="1.0" encoding="utf-8"?>
+<file path=ppt/slides/slide29.xml><?xml version="1.0" encoding="utf-8"?>
 <p:sld xmlns:a="http://schemas.openxmlformats.org/drawingml/2006/main" xmlns:r="http://schemas.openxmlformats.org/officeDocument/2006/relationships" xmlns:p="http://schemas.openxmlformats.org/presentationml/2006/main">
   <p:cSld>
     <p:spTree>
@@ -8569,7 +9133,7 @@
             <a:pPr rtl="0"/>
             <a:fld id="{38C53E2A-59EE-41B3-A1AB-9575F6EA1695}" type="datetime1">
               <a:rPr lang="th-TH" smtClean="0"/>
-              <a:t>20/09/63</a:t>
+              <a:t>28/09/63</a:t>
             </a:fld>
             <a:endParaRPr lang="en-US"/>
           </a:p>
@@ -8588,7 +9152,163 @@
 </p:sld>
 </file>
 
-<file path=ppt/slides/slide25.xml><?xml version="1.0" encoding="utf-8"?>
+<file path=ppt/slides/slide3.xml><?xml version="1.0" encoding="utf-8"?>
+<p:sld xmlns:a="http://schemas.openxmlformats.org/drawingml/2006/main" xmlns:r="http://schemas.openxmlformats.org/officeDocument/2006/relationships" xmlns:p="http://schemas.openxmlformats.org/presentationml/2006/main">
+  <p:cSld>
+    <p:spTree>
+      <p:nvGrpSpPr>
+        <p:cNvPr id="1" name=""/>
+        <p:cNvGrpSpPr/>
+        <p:nvPr/>
+      </p:nvGrpSpPr>
+      <p:grpSpPr>
+        <a:xfrm>
+          <a:off x="0" y="0"/>
+          <a:ext cx="0" cy="0"/>
+          <a:chOff x="0" y="0"/>
+          <a:chExt cx="0" cy="0"/>
+        </a:xfrm>
+      </p:grpSpPr>
+      <p:sp>
+        <p:nvSpPr>
+          <p:cNvPr id="2" name="ชื่อเรื่อง 1">
+            <a:extLst>
+              <a:ext uri="{FF2B5EF4-FFF2-40B4-BE49-F238E27FC236}">
+                <a16:creationId xmlns:a16="http://schemas.microsoft.com/office/drawing/2014/main" id="{D686A2F0-2B13-4A5F-AA14-AA01119762EA}"/>
+              </a:ext>
+            </a:extLst>
+          </p:cNvPr>
+          <p:cNvSpPr>
+            <a:spLocks noGrp="1"/>
+          </p:cNvSpPr>
+          <p:nvPr>
+            <p:ph type="title"/>
+          </p:nvPr>
+        </p:nvSpPr>
+        <p:spPr/>
+        <p:txBody>
+          <a:bodyPr>
+            <a:normAutofit/>
+          </a:bodyPr>
+          <a:lstStyle/>
+          <a:p>
+            <a:r>
+              <a:rPr lang="en-US" sz="4800" dirty="0"/>
+              <a:t>Outline</a:t>
+            </a:r>
+            <a:endParaRPr lang="th-TH" sz="4800" dirty="0"/>
+          </a:p>
+        </p:txBody>
+      </p:sp>
+      <p:sp>
+        <p:nvSpPr>
+          <p:cNvPr id="3" name="ตัวแทนวันที่ 2">
+            <a:extLst>
+              <a:ext uri="{FF2B5EF4-FFF2-40B4-BE49-F238E27FC236}">
+                <a16:creationId xmlns:a16="http://schemas.microsoft.com/office/drawing/2014/main" id="{876C64DF-ADF5-4238-9E99-B0A714EDD5A5}"/>
+              </a:ext>
+            </a:extLst>
+          </p:cNvPr>
+          <p:cNvSpPr>
+            <a:spLocks noGrp="1"/>
+          </p:cNvSpPr>
+          <p:nvPr>
+            <p:ph type="dt" sz="half" idx="10"/>
+          </p:nvPr>
+        </p:nvSpPr>
+        <p:spPr/>
+        <p:txBody>
+          <a:bodyPr/>
+          <a:lstStyle/>
+          <a:p>
+            <a:pPr rtl="0"/>
+            <a:fld id="{79AC1B91-0D40-46F1-A44C-D56FF21574FA}" type="datetime1">
+              <a:rPr lang="th-TH" smtClean="0"/>
+              <a:t>28/09/63</a:t>
+            </a:fld>
+            <a:endParaRPr lang="en-US"/>
+          </a:p>
+        </p:txBody>
+      </p:sp>
+      <p:sp>
+        <p:nvSpPr>
+          <p:cNvPr id="4" name="กล่องข้อความ 3">
+            <a:extLst>
+              <a:ext uri="{FF2B5EF4-FFF2-40B4-BE49-F238E27FC236}">
+                <a16:creationId xmlns:a16="http://schemas.microsoft.com/office/drawing/2014/main" id="{72E36407-BD33-4CA6-82F7-F1E8D918FE36}"/>
+              </a:ext>
+            </a:extLst>
+          </p:cNvPr>
+          <p:cNvSpPr txBox="1"/>
+          <p:nvPr/>
+        </p:nvSpPr>
+        <p:spPr>
+          <a:xfrm>
+            <a:off x="1066800" y="1874113"/>
+            <a:ext cx="10058400" cy="3046988"/>
+          </a:xfrm>
+          <a:prstGeom prst="rect">
+            <a:avLst/>
+          </a:prstGeom>
+          <a:noFill/>
+        </p:spPr>
+        <p:txBody>
+          <a:bodyPr wrap="square" rtlCol="0">
+            <a:spAutoFit/>
+          </a:bodyPr>
+          <a:lstStyle/>
+          <a:p>
+            <a:r>
+              <a:rPr lang="en-US" sz="3200" dirty="0"/>
+              <a:t>- Python’s basic data structure</a:t>
+            </a:r>
+          </a:p>
+          <a:p>
+            <a:r>
+              <a:rPr lang="en-US" sz="3200" dirty="0"/>
+              <a:t>- OOP with Python</a:t>
+            </a:r>
+          </a:p>
+          <a:p>
+            <a:r>
+              <a:rPr lang="en-US" sz="3200" dirty="0"/>
+              <a:t>- Stack</a:t>
+            </a:r>
+          </a:p>
+          <a:p>
+            <a:r>
+              <a:rPr lang="en-US" sz="3200" dirty="0"/>
+              <a:t>- Queue</a:t>
+            </a:r>
+          </a:p>
+          <a:p>
+            <a:r>
+              <a:rPr lang="en-US" sz="3200" dirty="0"/>
+              <a:t>- Linked List</a:t>
+            </a:r>
+          </a:p>
+          <a:p>
+            <a:r>
+              <a:rPr lang="en-US" sz="3200" dirty="0"/>
+              <a:t>- Recursion: Code Example</a:t>
+            </a:r>
+          </a:p>
+        </p:txBody>
+      </p:sp>
+    </p:spTree>
+    <p:extLst>
+      <p:ext uri="{BB962C8B-B14F-4D97-AF65-F5344CB8AC3E}">
+        <p14:creationId xmlns:p14="http://schemas.microsoft.com/office/powerpoint/2010/main" val="2804274185"/>
+      </p:ext>
+    </p:extLst>
+  </p:cSld>
+  <p:clrMapOvr>
+    <a:masterClrMapping/>
+  </p:clrMapOvr>
+</p:sld>
+</file>
+
+<file path=ppt/slides/slide30.xml><?xml version="1.0" encoding="utf-8"?>
 <p:sld xmlns:a="http://schemas.openxmlformats.org/drawingml/2006/main" xmlns:r="http://schemas.openxmlformats.org/officeDocument/2006/relationships" xmlns:p="http://schemas.openxmlformats.org/presentationml/2006/main">
   <p:cSld>
     <p:spTree>
@@ -8690,7 +9410,7 @@
             <a:pPr rtl="0"/>
             <a:fld id="{38C53E2A-59EE-41B3-A1AB-9575F6EA1695}" type="datetime1">
               <a:rPr lang="th-TH" smtClean="0"/>
-              <a:t>20/09/63</a:t>
+              <a:t>28/09/63</a:t>
             </a:fld>
             <a:endParaRPr lang="en-US"/>
           </a:p>
@@ -8709,7 +9429,7 @@
 </p:sld>
 </file>
 
-<file path=ppt/slides/slide26.xml><?xml version="1.0" encoding="utf-8"?>
+<file path=ppt/slides/slide31.xml><?xml version="1.0" encoding="utf-8"?>
 <p:sld xmlns:a="http://schemas.openxmlformats.org/drawingml/2006/main" xmlns:r="http://schemas.openxmlformats.org/officeDocument/2006/relationships" xmlns:p="http://schemas.openxmlformats.org/presentationml/2006/main">
   <p:cSld>
     <p:spTree>
@@ -8779,7 +9499,7 @@
             <a:pPr rtl="0"/>
             <a:fld id="{38C53E2A-59EE-41B3-A1AB-9575F6EA1695}" type="datetime1">
               <a:rPr lang="th-TH" smtClean="0"/>
-              <a:t>20/09/63</a:t>
+              <a:t>28/09/63</a:t>
             </a:fld>
             <a:endParaRPr lang="en-US"/>
           </a:p>
@@ -8859,7 +9579,7 @@
 </p:sld>
 </file>
 
-<file path=ppt/slides/slide27.xml><?xml version="1.0" encoding="utf-8"?>
+<file path=ppt/slides/slide32.xml><?xml version="1.0" encoding="utf-8"?>
 <p:sld xmlns:a="http://schemas.openxmlformats.org/drawingml/2006/main" xmlns:r="http://schemas.openxmlformats.org/officeDocument/2006/relationships" xmlns:p="http://schemas.openxmlformats.org/presentationml/2006/main">
   <p:cSld>
     <p:spTree>
@@ -8933,7 +9653,7 @@
             <a:pPr rtl="0"/>
             <a:fld id="{38C53E2A-59EE-41B3-A1AB-9575F6EA1695}" type="datetime1">
               <a:rPr lang="th-TH" smtClean="0"/>
-              <a:t>20/09/63</a:t>
+              <a:t>28/09/63</a:t>
             </a:fld>
             <a:endParaRPr lang="en-US"/>
           </a:p>
@@ -8984,7 +9704,7 @@
 </p:sld>
 </file>
 
-<file path=ppt/slides/slide28.xml><?xml version="1.0" encoding="utf-8"?>
+<file path=ppt/slides/slide33.xml><?xml version="1.0" encoding="utf-8"?>
 <p:sld xmlns:a="http://schemas.openxmlformats.org/drawingml/2006/main" xmlns:r="http://schemas.openxmlformats.org/officeDocument/2006/relationships" xmlns:p="http://schemas.openxmlformats.org/presentationml/2006/main">
   <p:cSld>
     <p:spTree>
@@ -9090,7 +9810,7 @@
             <a:pPr rtl="0"/>
             <a:fld id="{38C53E2A-59EE-41B3-A1AB-9575F6EA1695}" type="datetime1">
               <a:rPr lang="th-TH" smtClean="0"/>
-              <a:t>20/09/63</a:t>
+              <a:t>28/09/63</a:t>
             </a:fld>
             <a:endParaRPr lang="en-US"/>
           </a:p>
@@ -9109,7 +9829,7 @@
 </p:sld>
 </file>
 
-<file path=ppt/slides/slide29.xml><?xml version="1.0" encoding="utf-8"?>
+<file path=ppt/slides/slide34.xml><?xml version="1.0" encoding="utf-8"?>
 <p:sld xmlns:a="http://schemas.openxmlformats.org/drawingml/2006/main" xmlns:r="http://schemas.openxmlformats.org/officeDocument/2006/relationships" xmlns:p="http://schemas.openxmlformats.org/presentationml/2006/main">
   <p:cSld>
     <p:spTree>
@@ -9183,7 +9903,7 @@
             <a:pPr rtl="0"/>
             <a:fld id="{38C53E2A-59EE-41B3-A1AB-9575F6EA1695}" type="datetime1">
               <a:rPr lang="th-TH" smtClean="0"/>
-              <a:t>20/09/63</a:t>
+              <a:t>28/09/63</a:t>
             </a:fld>
             <a:endParaRPr lang="en-US"/>
           </a:p>
@@ -9606,7 +10326,7 @@
 </p:sld>
 </file>
 
-<file path=ppt/slides/slide3.xml><?xml version="1.0" encoding="utf-8"?>
+<file path=ppt/slides/slide35.xml><?xml version="1.0" encoding="utf-8"?>
 <p:sld xmlns:a="http://schemas.openxmlformats.org/drawingml/2006/main" xmlns:r="http://schemas.openxmlformats.org/officeDocument/2006/relationships" xmlns:p="http://schemas.openxmlformats.org/presentationml/2006/main">
   <p:cSld>
     <p:spTree>
@@ -9628,7 +10348,7 @@
           <p:cNvPr id="2" name="ชื่อเรื่อง 1">
             <a:extLst>
               <a:ext uri="{FF2B5EF4-FFF2-40B4-BE49-F238E27FC236}">
-                <a16:creationId xmlns:a16="http://schemas.microsoft.com/office/drawing/2014/main" id="{61662144-DE71-4577-9824-A690886C866B}"/>
+                <a16:creationId xmlns:a16="http://schemas.microsoft.com/office/drawing/2014/main" id="{C1E24FE1-BC1F-4495-8EB1-3FDAA6393CCF}"/>
               </a:ext>
             </a:extLst>
           </p:cNvPr>
@@ -9645,8 +10365,12 @@
           <a:lstStyle/>
           <a:p>
             <a:r>
+              <a:rPr lang="en-US" dirty="0" err="1"/>
+              <a:t>push_front</a:t>
+            </a:r>
+            <a:r>
               <a:rPr lang="en-US" dirty="0"/>
-              <a:t>Python data structure</a:t>
+              <a:t>() from non-empty list</a:t>
             </a:r>
             <a:endParaRPr lang="th-TH" dirty="0"/>
           </a:p>
@@ -9654,41 +10378,10 @@
       </p:sp>
       <p:sp>
         <p:nvSpPr>
-          <p:cNvPr id="3" name="ตัวแทนข้อความ 2">
-            <a:extLst>
-              <a:ext uri="{FF2B5EF4-FFF2-40B4-BE49-F238E27FC236}">
-                <a16:creationId xmlns:a16="http://schemas.microsoft.com/office/drawing/2014/main" id="{F87F602B-42A8-460C-8FDE-DCAC5CC105B6}"/>
-              </a:ext>
-            </a:extLst>
-          </p:cNvPr>
-          <p:cNvSpPr>
-            <a:spLocks noGrp="1"/>
-          </p:cNvSpPr>
-          <p:nvPr>
-            <p:ph type="body" idx="1"/>
-          </p:nvPr>
-        </p:nvSpPr>
-        <p:spPr/>
-        <p:txBody>
-          <a:bodyPr>
-            <a:normAutofit fontScale="92500" lnSpcReduction="20000"/>
-          </a:bodyPr>
-          <a:lstStyle/>
-          <a:p>
-            <a:r>
-              <a:rPr lang="en-US" sz="2800" dirty="0"/>
-              <a:t>String, List, Dictionary</a:t>
-            </a:r>
-            <a:endParaRPr lang="th-TH" sz="2800" dirty="0"/>
-          </a:p>
-        </p:txBody>
-      </p:sp>
-      <p:sp>
-        <p:nvSpPr>
           <p:cNvPr id="4" name="ตัวแทนวันที่ 3">
             <a:extLst>
               <a:ext uri="{FF2B5EF4-FFF2-40B4-BE49-F238E27FC236}">
-                <a16:creationId xmlns:a16="http://schemas.microsoft.com/office/drawing/2014/main" id="{4BF768B2-9A2C-4C32-9A80-2132BB7BE883}"/>
+                <a16:creationId xmlns:a16="http://schemas.microsoft.com/office/drawing/2014/main" id="{3C8A5243-986A-4498-8120-8F14E4507BDB}"/>
               </a:ext>
             </a:extLst>
           </p:cNvPr>
@@ -9704,102 +10397,10 @@
           <a:bodyPr/>
           <a:lstStyle/>
           <a:p>
-            <a:fld id="{CC8C1F7F-7918-4156-86A5-91C01FD8A003}" type="datetime1">
-              <a:rPr lang="th-TH" smtClean="0"/>
-              <a:t>20/09/63</a:t>
-            </a:fld>
-            <a:endParaRPr lang="th-TH" dirty="0"/>
-          </a:p>
-        </p:txBody>
-      </p:sp>
-    </p:spTree>
-    <p:extLst>
-      <p:ext uri="{BB962C8B-B14F-4D97-AF65-F5344CB8AC3E}">
-        <p14:creationId xmlns:p14="http://schemas.microsoft.com/office/powerpoint/2010/main" val="2251030031"/>
-      </p:ext>
-    </p:extLst>
-  </p:cSld>
-  <p:clrMapOvr>
-    <a:masterClrMapping/>
-  </p:clrMapOvr>
-</p:sld>
-</file>
-
-<file path=ppt/slides/slide30.xml><?xml version="1.0" encoding="utf-8"?>
-<p:sld xmlns:a="http://schemas.openxmlformats.org/drawingml/2006/main" xmlns:r="http://schemas.openxmlformats.org/officeDocument/2006/relationships" xmlns:p="http://schemas.openxmlformats.org/presentationml/2006/main">
-  <p:cSld>
-    <p:spTree>
-      <p:nvGrpSpPr>
-        <p:cNvPr id="1" name=""/>
-        <p:cNvGrpSpPr/>
-        <p:nvPr/>
-      </p:nvGrpSpPr>
-      <p:grpSpPr>
-        <a:xfrm>
-          <a:off x="0" y="0"/>
-          <a:ext cx="0" cy="0"/>
-          <a:chOff x="0" y="0"/>
-          <a:chExt cx="0" cy="0"/>
-        </a:xfrm>
-      </p:grpSpPr>
-      <p:sp>
-        <p:nvSpPr>
-          <p:cNvPr id="2" name="ชื่อเรื่อง 1">
-            <a:extLst>
-              <a:ext uri="{FF2B5EF4-FFF2-40B4-BE49-F238E27FC236}">
-                <a16:creationId xmlns:a16="http://schemas.microsoft.com/office/drawing/2014/main" id="{C1E24FE1-BC1F-4495-8EB1-3FDAA6393CCF}"/>
-              </a:ext>
-            </a:extLst>
-          </p:cNvPr>
-          <p:cNvSpPr>
-            <a:spLocks noGrp="1"/>
-          </p:cNvSpPr>
-          <p:nvPr>
-            <p:ph type="title"/>
-          </p:nvPr>
-        </p:nvSpPr>
-        <p:spPr/>
-        <p:txBody>
-          <a:bodyPr/>
-          <a:lstStyle/>
-          <a:p>
-            <a:r>
-              <a:rPr lang="en-US" dirty="0" err="1"/>
-              <a:t>push_front</a:t>
-            </a:r>
-            <a:r>
-              <a:rPr lang="en-US" dirty="0"/>
-              <a:t>() from non-empty list</a:t>
-            </a:r>
-            <a:endParaRPr lang="th-TH" dirty="0"/>
-          </a:p>
-        </p:txBody>
-      </p:sp>
-      <p:sp>
-        <p:nvSpPr>
-          <p:cNvPr id="4" name="ตัวแทนวันที่ 3">
-            <a:extLst>
-              <a:ext uri="{FF2B5EF4-FFF2-40B4-BE49-F238E27FC236}">
-                <a16:creationId xmlns:a16="http://schemas.microsoft.com/office/drawing/2014/main" id="{3C8A5243-986A-4498-8120-8F14E4507BDB}"/>
-              </a:ext>
-            </a:extLst>
-          </p:cNvPr>
-          <p:cNvSpPr>
-            <a:spLocks noGrp="1"/>
-          </p:cNvSpPr>
-          <p:nvPr>
-            <p:ph type="dt" sz="half" idx="10"/>
-          </p:nvPr>
-        </p:nvSpPr>
-        <p:spPr/>
-        <p:txBody>
-          <a:bodyPr/>
-          <a:lstStyle/>
-          <a:p>
             <a:pPr rtl="0"/>
             <a:fld id="{38C53E2A-59EE-41B3-A1AB-9575F6EA1695}" type="datetime1">
               <a:rPr lang="th-TH" smtClean="0"/>
-              <a:t>20/09/63</a:t>
+              <a:t>28/09/63</a:t>
             </a:fld>
             <a:endParaRPr lang="en-US"/>
           </a:p>
@@ -10852,7 +11453,7 @@
 </p:sld>
 </file>
 
-<file path=ppt/slides/slide31.xml><?xml version="1.0" encoding="utf-8"?>
+<file path=ppt/slides/slide36.xml><?xml version="1.0" encoding="utf-8"?>
 <p:sld xmlns:a="http://schemas.openxmlformats.org/drawingml/2006/main" xmlns:r="http://schemas.openxmlformats.org/officeDocument/2006/relationships" xmlns:p="http://schemas.openxmlformats.org/presentationml/2006/main">
   <p:cSld>
     <p:spTree>
@@ -10893,7 +11494,7 @@
             <a:pPr rtl="0"/>
             <a:fld id="{38C53E2A-59EE-41B3-A1AB-9575F6EA1695}" type="datetime1">
               <a:rPr lang="th-TH" smtClean="0"/>
-              <a:t>20/09/63</a:t>
+              <a:t>28/09/63</a:t>
             </a:fld>
             <a:endParaRPr lang="en-US"/>
           </a:p>
@@ -12128,7 +12729,7 @@
 </p:sld>
 </file>
 
-<file path=ppt/slides/slide32.xml><?xml version="1.0" encoding="utf-8"?>
+<file path=ppt/slides/slide37.xml><?xml version="1.0" encoding="utf-8"?>
 <p:sld xmlns:a="http://schemas.openxmlformats.org/drawingml/2006/main" xmlns:r="http://schemas.openxmlformats.org/officeDocument/2006/relationships" xmlns:p="http://schemas.openxmlformats.org/presentationml/2006/main">
   <p:cSld>
     <p:spTree>
@@ -12169,7 +12770,7 @@
             <a:pPr rtl="0"/>
             <a:fld id="{38C53E2A-59EE-41B3-A1AB-9575F6EA1695}" type="datetime1">
               <a:rPr lang="th-TH" smtClean="0"/>
-              <a:t>20/09/63</a:t>
+              <a:t>28/09/63</a:t>
             </a:fld>
             <a:endParaRPr lang="en-US"/>
           </a:p>
@@ -13324,7 +13925,7 @@
 </p:sld>
 </file>
 
-<file path=ppt/slides/slide33.xml><?xml version="1.0" encoding="utf-8"?>
+<file path=ppt/slides/slide38.xml><?xml version="1.0" encoding="utf-8"?>
 <p:sld xmlns:a="http://schemas.openxmlformats.org/drawingml/2006/main" xmlns:r="http://schemas.openxmlformats.org/officeDocument/2006/relationships" xmlns:p="http://schemas.openxmlformats.org/presentationml/2006/main">
   <p:cSld>
     <p:spTree>
@@ -13398,7 +13999,7 @@
             <a:pPr rtl="0"/>
             <a:fld id="{38C53E2A-59EE-41B3-A1AB-9575F6EA1695}" type="datetime1">
               <a:rPr lang="th-TH" smtClean="0"/>
-              <a:t>20/09/63</a:t>
+              <a:t>28/09/63</a:t>
             </a:fld>
             <a:endParaRPr lang="en-US"/>
           </a:p>
@@ -13449,7 +14050,7 @@
 </p:sld>
 </file>
 
-<file path=ppt/slides/slide34.xml><?xml version="1.0" encoding="utf-8"?>
+<file path=ppt/slides/slide39.xml><?xml version="1.0" encoding="utf-8"?>
 <p:sld xmlns:a="http://schemas.openxmlformats.org/drawingml/2006/main" xmlns:r="http://schemas.openxmlformats.org/officeDocument/2006/relationships" xmlns:p="http://schemas.openxmlformats.org/presentationml/2006/main">
   <p:cSld>
     <p:spTree>
@@ -13523,7 +14124,7 @@
             <a:pPr rtl="0"/>
             <a:fld id="{38C53E2A-59EE-41B3-A1AB-9575F6EA1695}" type="datetime1">
               <a:rPr lang="th-TH" smtClean="0"/>
-              <a:t>20/09/63</a:t>
+              <a:t>28/09/63</a:t>
             </a:fld>
             <a:endParaRPr lang="en-US"/>
           </a:p>
@@ -14006,7 +14607,7 @@
 </p:sld>
 </file>
 
-<file path=ppt/slides/slide35.xml><?xml version="1.0" encoding="utf-8"?>
+<file path=ppt/slides/slide4.xml><?xml version="1.0" encoding="utf-8"?>
 <p:sld xmlns:a="http://schemas.openxmlformats.org/drawingml/2006/main" xmlns:r="http://schemas.openxmlformats.org/officeDocument/2006/relationships" xmlns:p="http://schemas.openxmlformats.org/presentationml/2006/main">
   <p:cSld>
     <p:spTree>
@@ -14028,7 +14629,7 @@
           <p:cNvPr id="2" name="ชื่อเรื่อง 1">
             <a:extLst>
               <a:ext uri="{FF2B5EF4-FFF2-40B4-BE49-F238E27FC236}">
-                <a16:creationId xmlns:a16="http://schemas.microsoft.com/office/drawing/2014/main" id="{C1E24FE1-BC1F-4495-8EB1-3FDAA6393CCF}"/>
+                <a16:creationId xmlns:a16="http://schemas.microsoft.com/office/drawing/2014/main" id="{61662144-DE71-4577-9824-A690886C866B}"/>
               </a:ext>
             </a:extLst>
           </p:cNvPr>
@@ -14045,12 +14646,8 @@
           <a:lstStyle/>
           <a:p>
             <a:r>
-              <a:rPr lang="en-US" dirty="0" err="1"/>
-              <a:t>push_back</a:t>
-            </a:r>
-            <a:r>
               <a:rPr lang="en-US" dirty="0"/>
-              <a:t>() from non-empty list</a:t>
+              <a:t>Python data structure</a:t>
             </a:r>
             <a:endParaRPr lang="th-TH" dirty="0"/>
           </a:p>
@@ -14058,10 +14655,41 @@
       </p:sp>
       <p:sp>
         <p:nvSpPr>
+          <p:cNvPr id="3" name="ตัวแทนข้อความ 2">
+            <a:extLst>
+              <a:ext uri="{FF2B5EF4-FFF2-40B4-BE49-F238E27FC236}">
+                <a16:creationId xmlns:a16="http://schemas.microsoft.com/office/drawing/2014/main" id="{F87F602B-42A8-460C-8FDE-DCAC5CC105B6}"/>
+              </a:ext>
+            </a:extLst>
+          </p:cNvPr>
+          <p:cNvSpPr>
+            <a:spLocks noGrp="1"/>
+          </p:cNvSpPr>
+          <p:nvPr>
+            <p:ph type="body" idx="1"/>
+          </p:nvPr>
+        </p:nvSpPr>
+        <p:spPr/>
+        <p:txBody>
+          <a:bodyPr>
+            <a:normAutofit fontScale="92500" lnSpcReduction="20000"/>
+          </a:bodyPr>
+          <a:lstStyle/>
+          <a:p>
+            <a:r>
+              <a:rPr lang="en-US" sz="2800" dirty="0"/>
+              <a:t>String, List, Dictionary</a:t>
+            </a:r>
+            <a:endParaRPr lang="th-TH" sz="2800" dirty="0"/>
+          </a:p>
+        </p:txBody>
+      </p:sp>
+      <p:sp>
+        <p:nvSpPr>
           <p:cNvPr id="4" name="ตัวแทนวันที่ 3">
             <a:extLst>
               <a:ext uri="{FF2B5EF4-FFF2-40B4-BE49-F238E27FC236}">
-                <a16:creationId xmlns:a16="http://schemas.microsoft.com/office/drawing/2014/main" id="{3C8A5243-986A-4498-8120-8F14E4507BDB}"/>
+                <a16:creationId xmlns:a16="http://schemas.microsoft.com/office/drawing/2014/main" id="{4BF768B2-9A2C-4C32-9A80-2132BB7BE883}"/>
               </a:ext>
             </a:extLst>
           </p:cNvPr>
@@ -14077,10 +14705,102 @@
           <a:bodyPr/>
           <a:lstStyle/>
           <a:p>
+            <a:fld id="{CC8C1F7F-7918-4156-86A5-91C01FD8A003}" type="datetime1">
+              <a:rPr lang="th-TH" smtClean="0"/>
+              <a:t>28/09/63</a:t>
+            </a:fld>
+            <a:endParaRPr lang="th-TH" dirty="0"/>
+          </a:p>
+        </p:txBody>
+      </p:sp>
+    </p:spTree>
+    <p:extLst>
+      <p:ext uri="{BB962C8B-B14F-4D97-AF65-F5344CB8AC3E}">
+        <p14:creationId xmlns:p14="http://schemas.microsoft.com/office/powerpoint/2010/main" val="2251030031"/>
+      </p:ext>
+    </p:extLst>
+  </p:cSld>
+  <p:clrMapOvr>
+    <a:masterClrMapping/>
+  </p:clrMapOvr>
+</p:sld>
+</file>
+
+<file path=ppt/slides/slide40.xml><?xml version="1.0" encoding="utf-8"?>
+<p:sld xmlns:a="http://schemas.openxmlformats.org/drawingml/2006/main" xmlns:r="http://schemas.openxmlformats.org/officeDocument/2006/relationships" xmlns:p="http://schemas.openxmlformats.org/presentationml/2006/main">
+  <p:cSld>
+    <p:spTree>
+      <p:nvGrpSpPr>
+        <p:cNvPr id="1" name=""/>
+        <p:cNvGrpSpPr/>
+        <p:nvPr/>
+      </p:nvGrpSpPr>
+      <p:grpSpPr>
+        <a:xfrm>
+          <a:off x="0" y="0"/>
+          <a:ext cx="0" cy="0"/>
+          <a:chOff x="0" y="0"/>
+          <a:chExt cx="0" cy="0"/>
+        </a:xfrm>
+      </p:grpSpPr>
+      <p:sp>
+        <p:nvSpPr>
+          <p:cNvPr id="2" name="ชื่อเรื่อง 1">
+            <a:extLst>
+              <a:ext uri="{FF2B5EF4-FFF2-40B4-BE49-F238E27FC236}">
+                <a16:creationId xmlns:a16="http://schemas.microsoft.com/office/drawing/2014/main" id="{C1E24FE1-BC1F-4495-8EB1-3FDAA6393CCF}"/>
+              </a:ext>
+            </a:extLst>
+          </p:cNvPr>
+          <p:cNvSpPr>
+            <a:spLocks noGrp="1"/>
+          </p:cNvSpPr>
+          <p:nvPr>
+            <p:ph type="title"/>
+          </p:nvPr>
+        </p:nvSpPr>
+        <p:spPr/>
+        <p:txBody>
+          <a:bodyPr/>
+          <a:lstStyle/>
+          <a:p>
+            <a:r>
+              <a:rPr lang="en-US" dirty="0" err="1"/>
+              <a:t>push_back</a:t>
+            </a:r>
+            <a:r>
+              <a:rPr lang="en-US" dirty="0"/>
+              <a:t>() from non-empty list</a:t>
+            </a:r>
+            <a:endParaRPr lang="th-TH" dirty="0"/>
+          </a:p>
+        </p:txBody>
+      </p:sp>
+      <p:sp>
+        <p:nvSpPr>
+          <p:cNvPr id="4" name="ตัวแทนวันที่ 3">
+            <a:extLst>
+              <a:ext uri="{FF2B5EF4-FFF2-40B4-BE49-F238E27FC236}">
+                <a16:creationId xmlns:a16="http://schemas.microsoft.com/office/drawing/2014/main" id="{3C8A5243-986A-4498-8120-8F14E4507BDB}"/>
+              </a:ext>
+            </a:extLst>
+          </p:cNvPr>
+          <p:cNvSpPr>
+            <a:spLocks noGrp="1"/>
+          </p:cNvSpPr>
+          <p:nvPr>
+            <p:ph type="dt" sz="half" idx="10"/>
+          </p:nvPr>
+        </p:nvSpPr>
+        <p:spPr/>
+        <p:txBody>
+          <a:bodyPr/>
+          <a:lstStyle/>
+          <a:p>
             <a:pPr rtl="0"/>
             <a:fld id="{38C53E2A-59EE-41B3-A1AB-9575F6EA1695}" type="datetime1">
               <a:rPr lang="th-TH" smtClean="0"/>
-              <a:t>20/09/63</a:t>
+              <a:t>28/09/63</a:t>
             </a:fld>
             <a:endParaRPr lang="en-US"/>
           </a:p>
@@ -15133,7 +15853,7 @@
 </p:sld>
 </file>
 
-<file path=ppt/slides/slide36.xml><?xml version="1.0" encoding="utf-8"?>
+<file path=ppt/slides/slide41.xml><?xml version="1.0" encoding="utf-8"?>
 <p:sld xmlns:a="http://schemas.openxmlformats.org/drawingml/2006/main" xmlns:r="http://schemas.openxmlformats.org/officeDocument/2006/relationships" xmlns:p="http://schemas.openxmlformats.org/presentationml/2006/main">
   <p:cSld>
     <p:spTree>
@@ -15174,7 +15894,7 @@
             <a:pPr rtl="0"/>
             <a:fld id="{38C53E2A-59EE-41B3-A1AB-9575F6EA1695}" type="datetime1">
               <a:rPr lang="th-TH" smtClean="0"/>
-              <a:t>20/09/63</a:t>
+              <a:t>28/09/63</a:t>
             </a:fld>
             <a:endParaRPr lang="en-US"/>
           </a:p>
@@ -16402,7 +17122,7 @@
 </p:sld>
 </file>
 
-<file path=ppt/slides/slide37.xml><?xml version="1.0" encoding="utf-8"?>
+<file path=ppt/slides/slide42.xml><?xml version="1.0" encoding="utf-8"?>
 <p:sld xmlns:a="http://schemas.openxmlformats.org/drawingml/2006/main" xmlns:r="http://schemas.openxmlformats.org/officeDocument/2006/relationships" xmlns:p="http://schemas.openxmlformats.org/presentationml/2006/main">
   <p:cSld>
     <p:spTree>
@@ -16443,7 +17163,7 @@
             <a:pPr rtl="0"/>
             <a:fld id="{38C53E2A-59EE-41B3-A1AB-9575F6EA1695}" type="datetime1">
               <a:rPr lang="th-TH" smtClean="0"/>
-              <a:t>20/09/63</a:t>
+              <a:t>28/09/63</a:t>
             </a:fld>
             <a:endParaRPr lang="en-US"/>
           </a:p>
@@ -17600,7 +18320,7 @@
 </p:sld>
 </file>
 
-<file path=ppt/slides/slide38.xml><?xml version="1.0" encoding="utf-8"?>
+<file path=ppt/slides/slide43.xml><?xml version="1.0" encoding="utf-8"?>
 <p:sld xmlns:a="http://schemas.openxmlformats.org/drawingml/2006/main" xmlns:r="http://schemas.openxmlformats.org/officeDocument/2006/relationships" xmlns:p="http://schemas.openxmlformats.org/presentationml/2006/main">
   <p:cSld>
     <p:spTree>
@@ -17674,7 +18394,7 @@
             <a:pPr rtl="0"/>
             <a:fld id="{38C53E2A-59EE-41B3-A1AB-9575F6EA1695}" type="datetime1">
               <a:rPr lang="th-TH" smtClean="0"/>
-              <a:t>20/09/63</a:t>
+              <a:t>28/09/63</a:t>
             </a:fld>
             <a:endParaRPr lang="en-US"/>
           </a:p>
@@ -17725,7 +18445,7 @@
 </p:sld>
 </file>
 
-<file path=ppt/slides/slide39.xml><?xml version="1.0" encoding="utf-8"?>
+<file path=ppt/slides/slide44.xml><?xml version="1.0" encoding="utf-8"?>
 <p:sld xmlns:a="http://schemas.openxmlformats.org/drawingml/2006/main" xmlns:r="http://schemas.openxmlformats.org/officeDocument/2006/relationships" xmlns:p="http://schemas.openxmlformats.org/presentationml/2006/main">
   <p:cSld>
     <p:spTree>
@@ -17799,7 +18519,7 @@
             <a:pPr rtl="0"/>
             <a:fld id="{38C53E2A-59EE-41B3-A1AB-9575F6EA1695}" type="datetime1">
               <a:rPr lang="th-TH" smtClean="0"/>
-              <a:t>20/09/63</a:t>
+              <a:t>28/09/63</a:t>
             </a:fld>
             <a:endParaRPr lang="en-US"/>
           </a:p>
@@ -18687,7 +19407,7 @@
 </p:sld>
 </file>
 
-<file path=ppt/slides/slide4.xml><?xml version="1.0" encoding="utf-8"?>
+<file path=ppt/slides/slide45.xml><?xml version="1.0" encoding="utf-8"?>
 <p:sld xmlns:a="http://schemas.openxmlformats.org/drawingml/2006/main" xmlns:r="http://schemas.openxmlformats.org/officeDocument/2006/relationships" xmlns:p="http://schemas.openxmlformats.org/presentationml/2006/main">
   <p:cSld>
     <p:spTree>
@@ -18706,39 +19426,10 @@
       </p:grpSpPr>
       <p:sp>
         <p:nvSpPr>
-          <p:cNvPr id="2" name="ชื่อเรื่อง 1">
-            <a:extLst>
-              <a:ext uri="{FF2B5EF4-FFF2-40B4-BE49-F238E27FC236}">
-                <a16:creationId xmlns:a16="http://schemas.microsoft.com/office/drawing/2014/main" id="{4A60B26E-7659-4FBE-B7CE-BE69C762EBE9}"/>
-              </a:ext>
-            </a:extLst>
-          </p:cNvPr>
-          <p:cNvSpPr>
-            <a:spLocks noGrp="1"/>
-          </p:cNvSpPr>
-          <p:nvPr>
-            <p:ph type="ctrTitle"/>
-          </p:nvPr>
-        </p:nvSpPr>
-        <p:spPr/>
-        <p:txBody>
-          <a:bodyPr/>
-          <a:lstStyle/>
-          <a:p>
-            <a:r>
-              <a:rPr lang="en-US" dirty="0"/>
-              <a:t>string</a:t>
-            </a:r>
-            <a:endParaRPr lang="th-TH" dirty="0"/>
-          </a:p>
-        </p:txBody>
-      </p:sp>
-      <p:sp>
-        <p:nvSpPr>
           <p:cNvPr id="4" name="ตัวแทนวันที่ 3">
             <a:extLst>
               <a:ext uri="{FF2B5EF4-FFF2-40B4-BE49-F238E27FC236}">
-                <a16:creationId xmlns:a16="http://schemas.microsoft.com/office/drawing/2014/main" id="{F8351F13-AABD-4A72-9CE3-EC53EBD8548F}"/>
+                <a16:creationId xmlns:a16="http://schemas.microsoft.com/office/drawing/2014/main" id="{3C8A5243-986A-4498-8120-8F14E4507BDB}"/>
               </a:ext>
             </a:extLst>
           </p:cNvPr>
@@ -18754,69 +19445,10 @@
           <a:bodyPr/>
           <a:lstStyle/>
           <a:p>
-            <a:fld id="{7773D18F-796E-48FA-B446-43BFEFAD4305}" type="datetime1">
-              <a:rPr lang="th-TH" smtClean="0"/>
-              <a:t>20/09/63</a:t>
-            </a:fld>
-            <a:endParaRPr lang="en-US" dirty="0"/>
-          </a:p>
-        </p:txBody>
-      </p:sp>
-    </p:spTree>
-    <p:extLst>
-      <p:ext uri="{BB962C8B-B14F-4D97-AF65-F5344CB8AC3E}">
-        <p14:creationId xmlns:p14="http://schemas.microsoft.com/office/powerpoint/2010/main" val="2263331914"/>
-      </p:ext>
-    </p:extLst>
-  </p:cSld>
-  <p:clrMapOvr>
-    <a:masterClrMapping/>
-  </p:clrMapOvr>
-</p:sld>
-</file>
-
-<file path=ppt/slides/slide40.xml><?xml version="1.0" encoding="utf-8"?>
-<p:sld xmlns:a="http://schemas.openxmlformats.org/drawingml/2006/main" xmlns:r="http://schemas.openxmlformats.org/officeDocument/2006/relationships" xmlns:p="http://schemas.openxmlformats.org/presentationml/2006/main">
-  <p:cSld>
-    <p:spTree>
-      <p:nvGrpSpPr>
-        <p:cNvPr id="1" name=""/>
-        <p:cNvGrpSpPr/>
-        <p:nvPr/>
-      </p:nvGrpSpPr>
-      <p:grpSpPr>
-        <a:xfrm>
-          <a:off x="0" y="0"/>
-          <a:ext cx="0" cy="0"/>
-          <a:chOff x="0" y="0"/>
-          <a:chExt cx="0" cy="0"/>
-        </a:xfrm>
-      </p:grpSpPr>
-      <p:sp>
-        <p:nvSpPr>
-          <p:cNvPr id="4" name="ตัวแทนวันที่ 3">
-            <a:extLst>
-              <a:ext uri="{FF2B5EF4-FFF2-40B4-BE49-F238E27FC236}">
-                <a16:creationId xmlns:a16="http://schemas.microsoft.com/office/drawing/2014/main" id="{3C8A5243-986A-4498-8120-8F14E4507BDB}"/>
-              </a:ext>
-            </a:extLst>
-          </p:cNvPr>
-          <p:cNvSpPr>
-            <a:spLocks noGrp="1"/>
-          </p:cNvSpPr>
-          <p:nvPr>
-            <p:ph type="dt" sz="half" idx="10"/>
-          </p:nvPr>
-        </p:nvSpPr>
-        <p:spPr/>
-        <p:txBody>
-          <a:bodyPr/>
-          <a:lstStyle/>
-          <a:p>
             <a:pPr rtl="0"/>
             <a:fld id="{38C53E2A-59EE-41B3-A1AB-9575F6EA1695}" type="datetime1">
               <a:rPr lang="th-TH" smtClean="0"/>
-              <a:t>20/09/63</a:t>
+              <a:t>28/09/63</a:t>
             </a:fld>
             <a:endParaRPr lang="en-US"/>
           </a:p>
@@ -19669,7 +20301,7 @@
 </p:sld>
 </file>
 
-<file path=ppt/slides/slide41.xml><?xml version="1.0" encoding="utf-8"?>
+<file path=ppt/slides/slide46.xml><?xml version="1.0" encoding="utf-8"?>
 <p:sld xmlns:a="http://schemas.openxmlformats.org/drawingml/2006/main" xmlns:r="http://schemas.openxmlformats.org/officeDocument/2006/relationships" xmlns:p="http://schemas.openxmlformats.org/presentationml/2006/main">
   <p:cSld>
     <p:spTree>
@@ -19710,7 +20342,7 @@
             <a:pPr rtl="0"/>
             <a:fld id="{38C53E2A-59EE-41B3-A1AB-9575F6EA1695}" type="datetime1">
               <a:rPr lang="th-TH" smtClean="0"/>
-              <a:t>20/09/63</a:t>
+              <a:t>28/09/63</a:t>
             </a:fld>
             <a:endParaRPr lang="en-US"/>
           </a:p>
@@ -20352,7 +20984,7 @@
 </p:sld>
 </file>
 
-<file path=ppt/slides/slide42.xml><?xml version="1.0" encoding="utf-8"?>
+<file path=ppt/slides/slide47.xml><?xml version="1.0" encoding="utf-8"?>
 <p:sld xmlns:a="http://schemas.openxmlformats.org/drawingml/2006/main" xmlns:r="http://schemas.openxmlformats.org/officeDocument/2006/relationships" xmlns:p="http://schemas.openxmlformats.org/presentationml/2006/main">
   <p:cSld>
     <p:spTree>
@@ -20426,7 +21058,7 @@
             <a:pPr rtl="0"/>
             <a:fld id="{38C53E2A-59EE-41B3-A1AB-9575F6EA1695}" type="datetime1">
               <a:rPr lang="th-TH" smtClean="0"/>
-              <a:t>20/09/63</a:t>
+              <a:t>28/09/63</a:t>
             </a:fld>
             <a:endParaRPr lang="en-US"/>
           </a:p>
@@ -20818,7 +21450,7 @@
 </p:sld>
 </file>
 
-<file path=ppt/slides/slide43.xml><?xml version="1.0" encoding="utf-8"?>
+<file path=ppt/slides/slide48.xml><?xml version="1.0" encoding="utf-8"?>
 <p:sld xmlns:a="http://schemas.openxmlformats.org/drawingml/2006/main" xmlns:r="http://schemas.openxmlformats.org/officeDocument/2006/relationships" xmlns:p="http://schemas.openxmlformats.org/presentationml/2006/main">
   <p:cSld>
     <p:spTree>
@@ -20892,7 +21524,7 @@
             <a:pPr rtl="0"/>
             <a:fld id="{38C53E2A-59EE-41B3-A1AB-9575F6EA1695}" type="datetime1">
               <a:rPr lang="th-TH" smtClean="0"/>
-              <a:t>20/09/63</a:t>
+              <a:t>28/09/63</a:t>
             </a:fld>
             <a:endParaRPr lang="en-US"/>
           </a:p>
@@ -21136,7 +21768,7 @@
 </p:sld>
 </file>
 
-<file path=ppt/slides/slide44.xml><?xml version="1.0" encoding="utf-8"?>
+<file path=ppt/slides/slide49.xml><?xml version="1.0" encoding="utf-8"?>
 <p:sld xmlns:a="http://schemas.openxmlformats.org/drawingml/2006/main" xmlns:r="http://schemas.openxmlformats.org/officeDocument/2006/relationships" xmlns:p="http://schemas.openxmlformats.org/presentationml/2006/main">
   <p:cSld>
     <p:spTree>
@@ -21210,7 +21842,7 @@
             <a:pPr rtl="0"/>
             <a:fld id="{38C53E2A-59EE-41B3-A1AB-9575F6EA1695}" type="datetime1">
               <a:rPr lang="th-TH" smtClean="0"/>
-              <a:t>20/09/63</a:t>
+              <a:t>28/09/63</a:t>
             </a:fld>
             <a:endParaRPr lang="en-US"/>
           </a:p>
@@ -21261,7 +21893,7 @@
 </p:sld>
 </file>
 
-<file path=ppt/slides/slide45.xml><?xml version="1.0" encoding="utf-8"?>
+<file path=ppt/slides/slide5.xml><?xml version="1.0" encoding="utf-8"?>
 <p:sld xmlns:a="http://schemas.openxmlformats.org/drawingml/2006/main" xmlns:r="http://schemas.openxmlformats.org/officeDocument/2006/relationships" xmlns:p="http://schemas.openxmlformats.org/presentationml/2006/main">
   <p:cSld>
     <p:spTree>
@@ -21283,6 +21915,94 @@
           <p:cNvPr id="2" name="ชื่อเรื่อง 1">
             <a:extLst>
               <a:ext uri="{FF2B5EF4-FFF2-40B4-BE49-F238E27FC236}">
+                <a16:creationId xmlns:a16="http://schemas.microsoft.com/office/drawing/2014/main" id="{4A60B26E-7659-4FBE-B7CE-BE69C762EBE9}"/>
+              </a:ext>
+            </a:extLst>
+          </p:cNvPr>
+          <p:cNvSpPr>
+            <a:spLocks noGrp="1"/>
+          </p:cNvSpPr>
+          <p:nvPr>
+            <p:ph type="ctrTitle"/>
+          </p:nvPr>
+        </p:nvSpPr>
+        <p:spPr/>
+        <p:txBody>
+          <a:bodyPr/>
+          <a:lstStyle/>
+          <a:p>
+            <a:r>
+              <a:rPr lang="en-US" dirty="0"/>
+              <a:t>string</a:t>
+            </a:r>
+            <a:endParaRPr lang="th-TH" dirty="0"/>
+          </a:p>
+        </p:txBody>
+      </p:sp>
+      <p:sp>
+        <p:nvSpPr>
+          <p:cNvPr id="4" name="ตัวแทนวันที่ 3">
+            <a:extLst>
+              <a:ext uri="{FF2B5EF4-FFF2-40B4-BE49-F238E27FC236}">
+                <a16:creationId xmlns:a16="http://schemas.microsoft.com/office/drawing/2014/main" id="{F8351F13-AABD-4A72-9CE3-EC53EBD8548F}"/>
+              </a:ext>
+            </a:extLst>
+          </p:cNvPr>
+          <p:cNvSpPr>
+            <a:spLocks noGrp="1"/>
+          </p:cNvSpPr>
+          <p:nvPr>
+            <p:ph type="dt" sz="half" idx="10"/>
+          </p:nvPr>
+        </p:nvSpPr>
+        <p:spPr/>
+        <p:txBody>
+          <a:bodyPr/>
+          <a:lstStyle/>
+          <a:p>
+            <a:fld id="{7773D18F-796E-48FA-B446-43BFEFAD4305}" type="datetime1">
+              <a:rPr lang="th-TH" smtClean="0"/>
+              <a:t>28/09/63</a:t>
+            </a:fld>
+            <a:endParaRPr lang="en-US" dirty="0"/>
+          </a:p>
+        </p:txBody>
+      </p:sp>
+    </p:spTree>
+    <p:extLst>
+      <p:ext uri="{BB962C8B-B14F-4D97-AF65-F5344CB8AC3E}">
+        <p14:creationId xmlns:p14="http://schemas.microsoft.com/office/powerpoint/2010/main" val="2263331914"/>
+      </p:ext>
+    </p:extLst>
+  </p:cSld>
+  <p:clrMapOvr>
+    <a:masterClrMapping/>
+  </p:clrMapOvr>
+</p:sld>
+</file>
+
+<file path=ppt/slides/slide50.xml><?xml version="1.0" encoding="utf-8"?>
+<p:sld xmlns:a="http://schemas.openxmlformats.org/drawingml/2006/main" xmlns:r="http://schemas.openxmlformats.org/officeDocument/2006/relationships" xmlns:p="http://schemas.openxmlformats.org/presentationml/2006/main">
+  <p:cSld>
+    <p:spTree>
+      <p:nvGrpSpPr>
+        <p:cNvPr id="1" name=""/>
+        <p:cNvGrpSpPr/>
+        <p:nvPr/>
+      </p:nvGrpSpPr>
+      <p:grpSpPr>
+        <a:xfrm>
+          <a:off x="0" y="0"/>
+          <a:ext cx="0" cy="0"/>
+          <a:chOff x="0" y="0"/>
+          <a:chExt cx="0" cy="0"/>
+        </a:xfrm>
+      </p:grpSpPr>
+      <p:sp>
+        <p:nvSpPr>
+          <p:cNvPr id="2" name="ชื่อเรื่อง 1">
+            <a:extLst>
+              <a:ext uri="{FF2B5EF4-FFF2-40B4-BE49-F238E27FC236}">
                 <a16:creationId xmlns:a16="http://schemas.microsoft.com/office/drawing/2014/main" id="{C1E24FE1-BC1F-4495-8EB1-3FDAA6393CCF}"/>
               </a:ext>
             </a:extLst>
@@ -21335,7 +22055,7 @@
             <a:pPr rtl="0"/>
             <a:fld id="{38C53E2A-59EE-41B3-A1AB-9575F6EA1695}" type="datetime1">
               <a:rPr lang="th-TH" smtClean="0"/>
-              <a:t>20/09/63</a:t>
+              <a:t>28/09/63</a:t>
             </a:fld>
             <a:endParaRPr lang="en-US"/>
           </a:p>
@@ -22223,7 +22943,7 @@
 </p:sld>
 </file>
 
-<file path=ppt/slides/slide46.xml><?xml version="1.0" encoding="utf-8"?>
+<file path=ppt/slides/slide51.xml><?xml version="1.0" encoding="utf-8"?>
 <p:sld xmlns:a="http://schemas.openxmlformats.org/drawingml/2006/main" xmlns:r="http://schemas.openxmlformats.org/officeDocument/2006/relationships" xmlns:p="http://schemas.openxmlformats.org/presentationml/2006/main">
   <p:cSld>
     <p:spTree>
@@ -22264,7 +22984,7 @@
             <a:pPr rtl="0"/>
             <a:fld id="{38C53E2A-59EE-41B3-A1AB-9575F6EA1695}" type="datetime1">
               <a:rPr lang="th-TH" smtClean="0"/>
-              <a:t>20/09/63</a:t>
+              <a:t>28/09/63</a:t>
             </a:fld>
             <a:endParaRPr lang="en-US"/>
           </a:p>
@@ -23115,7 +23835,7 @@
 </p:sld>
 </file>
 
-<file path=ppt/slides/slide47.xml><?xml version="1.0" encoding="utf-8"?>
+<file path=ppt/slides/slide52.xml><?xml version="1.0" encoding="utf-8"?>
 <p:sld xmlns:a="http://schemas.openxmlformats.org/drawingml/2006/main" xmlns:r="http://schemas.openxmlformats.org/officeDocument/2006/relationships" xmlns:p="http://schemas.openxmlformats.org/presentationml/2006/main">
   <p:cSld>
     <p:spTree>
@@ -23156,7 +23876,7 @@
             <a:pPr rtl="0"/>
             <a:fld id="{38C53E2A-59EE-41B3-A1AB-9575F6EA1695}" type="datetime1">
               <a:rPr lang="th-TH" smtClean="0"/>
-              <a:t>20/09/63</a:t>
+              <a:t>28/09/63</a:t>
             </a:fld>
             <a:endParaRPr lang="en-US"/>
           </a:p>
@@ -23794,7 +24514,7 @@
 </p:sld>
 </file>
 
-<file path=ppt/slides/slide48.xml><?xml version="1.0" encoding="utf-8"?>
+<file path=ppt/slides/slide53.xml><?xml version="1.0" encoding="utf-8"?>
 <p:sld xmlns:a="http://schemas.openxmlformats.org/drawingml/2006/main" xmlns:r="http://schemas.openxmlformats.org/officeDocument/2006/relationships" xmlns:p="http://schemas.openxmlformats.org/presentationml/2006/main">
   <p:cSld>
     <p:spTree>
@@ -23868,7 +24588,7 @@
             <a:pPr rtl="0"/>
             <a:fld id="{38C53E2A-59EE-41B3-A1AB-9575F6EA1695}" type="datetime1">
               <a:rPr lang="th-TH" smtClean="0"/>
-              <a:t>20/09/63</a:t>
+              <a:t>28/09/63</a:t>
             </a:fld>
             <a:endParaRPr lang="en-US"/>
           </a:p>
@@ -24260,7 +24980,7 @@
 </p:sld>
 </file>
 
-<file path=ppt/slides/slide49.xml><?xml version="1.0" encoding="utf-8"?>
+<file path=ppt/slides/slide54.xml><?xml version="1.0" encoding="utf-8"?>
 <p:sld xmlns:a="http://schemas.openxmlformats.org/drawingml/2006/main" xmlns:r="http://schemas.openxmlformats.org/officeDocument/2006/relationships" xmlns:p="http://schemas.openxmlformats.org/presentationml/2006/main">
   <p:cSld>
     <p:spTree>
@@ -24334,7 +25054,7 @@
             <a:pPr rtl="0"/>
             <a:fld id="{38C53E2A-59EE-41B3-A1AB-9575F6EA1695}" type="datetime1">
               <a:rPr lang="th-TH" smtClean="0"/>
-              <a:t>20/09/63</a:t>
+              <a:t>28/09/63</a:t>
             </a:fld>
             <a:endParaRPr lang="en-US"/>
           </a:p>
@@ -24578,7 +25298,7 @@
 </p:sld>
 </file>
 
-<file path=ppt/slides/slide5.xml><?xml version="1.0" encoding="utf-8"?>
+<file path=ppt/slides/slide55.xml><?xml version="1.0" encoding="utf-8"?>
 <p:sld xmlns:a="http://schemas.openxmlformats.org/drawingml/2006/main" xmlns:r="http://schemas.openxmlformats.org/officeDocument/2006/relationships" xmlns:p="http://schemas.openxmlformats.org/presentationml/2006/main">
   <p:cSld>
     <p:spTree>
@@ -24600,7 +25320,7 @@
           <p:cNvPr id="2" name="ชื่อเรื่อง 1">
             <a:extLst>
               <a:ext uri="{FF2B5EF4-FFF2-40B4-BE49-F238E27FC236}">
-                <a16:creationId xmlns:a16="http://schemas.microsoft.com/office/drawing/2014/main" id="{192373FC-F791-4F8D-A5B3-CD6510B00CC0}"/>
+                <a16:creationId xmlns:a16="http://schemas.microsoft.com/office/drawing/2014/main" id="{660C43D0-412C-469A-AD30-E25F54D8AEE2}"/>
               </a:ext>
             </a:extLst>
           </p:cNvPr>
@@ -24617,8 +25337,12 @@
           <a:lstStyle/>
           <a:p>
             <a:r>
+              <a:rPr lang="en-US" dirty="0" err="1"/>
+              <a:t>pop_back</a:t>
+            </a:r>
+            <a:r>
               <a:rPr lang="en-US" dirty="0"/>
-              <a:t>String method</a:t>
+              <a:t>() method</a:t>
             </a:r>
             <a:endParaRPr lang="th-TH" dirty="0"/>
           </a:p>
@@ -24626,108 +25350,10 @@
       </p:sp>
       <p:sp>
         <p:nvSpPr>
-          <p:cNvPr id="3" name="ตัวแทนเนื้อหา 2">
-            <a:extLst>
-              <a:ext uri="{FF2B5EF4-FFF2-40B4-BE49-F238E27FC236}">
-                <a16:creationId xmlns:a16="http://schemas.microsoft.com/office/drawing/2014/main" id="{09DE7593-7040-42C8-A025-10A42384E181}"/>
-              </a:ext>
-            </a:extLst>
-          </p:cNvPr>
-          <p:cNvSpPr>
-            <a:spLocks noGrp="1"/>
-          </p:cNvSpPr>
-          <p:nvPr>
-            <p:ph idx="1"/>
-          </p:nvPr>
-        </p:nvSpPr>
-        <p:spPr/>
-        <p:txBody>
-          <a:bodyPr>
-            <a:normAutofit/>
-          </a:bodyPr>
-          <a:lstStyle/>
-          <a:p>
-            <a:r>
-              <a:rPr lang="en-US" sz="2400" dirty="0">
-                <a:solidFill>
-                  <a:srgbClr val="C00000"/>
-                </a:solidFill>
-              </a:rPr>
-              <a:t>Immutable -&gt; most function return new string</a:t>
-            </a:r>
-          </a:p>
-          <a:p>
-            <a:r>
-              <a:rPr lang="en-US" sz="2400" dirty="0"/>
-              <a:t>string lower(), string upper()</a:t>
-            </a:r>
-          </a:p>
-          <a:p>
-            <a:r>
-              <a:rPr lang="en-US" sz="2400" dirty="0"/>
-              <a:t>string capitalize()</a:t>
-            </a:r>
-          </a:p>
-          <a:p>
-            <a:r>
-              <a:rPr lang="en-US" sz="2400" dirty="0"/>
-              <a:t>string strip(</a:t>
-            </a:r>
-            <a:r>
-              <a:rPr lang="en-US" sz="2400" dirty="0" err="1"/>
-              <a:t>opt_char</a:t>
-            </a:r>
-            <a:r>
-              <a:rPr lang="en-US" sz="2400" dirty="0"/>
-              <a:t>), string </a:t>
-            </a:r>
-            <a:r>
-              <a:rPr lang="en-US" sz="2400" dirty="0" err="1"/>
-              <a:t>lstrip</a:t>
-            </a:r>
-            <a:r>
-              <a:rPr lang="en-US" sz="2400" dirty="0"/>
-              <a:t>(</a:t>
-            </a:r>
-            <a:r>
-              <a:rPr lang="en-US" sz="2400" dirty="0" err="1"/>
-              <a:t>opt_char</a:t>
-            </a:r>
-            <a:r>
-              <a:rPr lang="en-US" sz="2400" dirty="0"/>
-              <a:t>), string </a:t>
-            </a:r>
-            <a:r>
-              <a:rPr lang="en-US" sz="2400" dirty="0" err="1"/>
-              <a:t>rstrip</a:t>
-            </a:r>
-            <a:r>
-              <a:rPr lang="en-US" sz="2400" dirty="0"/>
-              <a:t>(</a:t>
-            </a:r>
-            <a:r>
-              <a:rPr lang="en-US" sz="2400" dirty="0" err="1"/>
-              <a:t>opt_char</a:t>
-            </a:r>
-            <a:r>
-              <a:rPr lang="en-US" sz="2400" dirty="0"/>
-              <a:t>)</a:t>
-            </a:r>
-          </a:p>
-          <a:p>
-            <a:r>
-              <a:rPr lang="en-US" sz="2400" dirty="0"/>
-              <a:t>int count(char)</a:t>
-            </a:r>
-          </a:p>
-        </p:txBody>
-      </p:sp>
-      <p:sp>
-        <p:nvSpPr>
           <p:cNvPr id="4" name="ตัวแทนวันที่ 3">
             <a:extLst>
               <a:ext uri="{FF2B5EF4-FFF2-40B4-BE49-F238E27FC236}">
-                <a16:creationId xmlns:a16="http://schemas.microsoft.com/office/drawing/2014/main" id="{39CCC7CC-ABBB-473C-99B1-727E263664AB}"/>
+                <a16:creationId xmlns:a16="http://schemas.microsoft.com/office/drawing/2014/main" id="{3E4117B4-A543-43C8-910C-3591186E5E96}"/>
               </a:ext>
             </a:extLst>
           </p:cNvPr>
@@ -24746,100 +25372,7 @@
             <a:pPr rtl="0"/>
             <a:fld id="{38C53E2A-59EE-41B3-A1AB-9575F6EA1695}" type="datetime1">
               <a:rPr lang="th-TH" smtClean="0"/>
-              <a:t>20/09/63</a:t>
-            </a:fld>
-            <a:endParaRPr lang="en-US"/>
-          </a:p>
-        </p:txBody>
-      </p:sp>
-    </p:spTree>
-    <p:extLst>
-      <p:ext uri="{BB962C8B-B14F-4D97-AF65-F5344CB8AC3E}">
-        <p14:creationId xmlns:p14="http://schemas.microsoft.com/office/powerpoint/2010/main" val="3198209965"/>
-      </p:ext>
-    </p:extLst>
-  </p:cSld>
-  <p:clrMapOvr>
-    <a:masterClrMapping/>
-  </p:clrMapOvr>
-</p:sld>
-</file>
-
-<file path=ppt/slides/slide50.xml><?xml version="1.0" encoding="utf-8"?>
-<p:sld xmlns:a="http://schemas.openxmlformats.org/drawingml/2006/main" xmlns:r="http://schemas.openxmlformats.org/officeDocument/2006/relationships" xmlns:p="http://schemas.openxmlformats.org/presentationml/2006/main">
-  <p:cSld>
-    <p:spTree>
-      <p:nvGrpSpPr>
-        <p:cNvPr id="1" name=""/>
-        <p:cNvGrpSpPr/>
-        <p:nvPr/>
-      </p:nvGrpSpPr>
-      <p:grpSpPr>
-        <a:xfrm>
-          <a:off x="0" y="0"/>
-          <a:ext cx="0" cy="0"/>
-          <a:chOff x="0" y="0"/>
-          <a:chExt cx="0" cy="0"/>
-        </a:xfrm>
-      </p:grpSpPr>
-      <p:sp>
-        <p:nvSpPr>
-          <p:cNvPr id="2" name="ชื่อเรื่อง 1">
-            <a:extLst>
-              <a:ext uri="{FF2B5EF4-FFF2-40B4-BE49-F238E27FC236}">
-                <a16:creationId xmlns:a16="http://schemas.microsoft.com/office/drawing/2014/main" id="{660C43D0-412C-469A-AD30-E25F54D8AEE2}"/>
-              </a:ext>
-            </a:extLst>
-          </p:cNvPr>
-          <p:cNvSpPr>
-            <a:spLocks noGrp="1"/>
-          </p:cNvSpPr>
-          <p:nvPr>
-            <p:ph type="title"/>
-          </p:nvPr>
-        </p:nvSpPr>
-        <p:spPr/>
-        <p:txBody>
-          <a:bodyPr/>
-          <a:lstStyle/>
-          <a:p>
-            <a:r>
-              <a:rPr lang="en-US" dirty="0" err="1"/>
-              <a:t>pop_back</a:t>
-            </a:r>
-            <a:r>
-              <a:rPr lang="en-US" dirty="0"/>
-              <a:t>() method</a:t>
-            </a:r>
-            <a:endParaRPr lang="th-TH" dirty="0"/>
-          </a:p>
-        </p:txBody>
-      </p:sp>
-      <p:sp>
-        <p:nvSpPr>
-          <p:cNvPr id="4" name="ตัวแทนวันที่ 3">
-            <a:extLst>
-              <a:ext uri="{FF2B5EF4-FFF2-40B4-BE49-F238E27FC236}">
-                <a16:creationId xmlns:a16="http://schemas.microsoft.com/office/drawing/2014/main" id="{3E4117B4-A543-43C8-910C-3591186E5E96}"/>
-              </a:ext>
-            </a:extLst>
-          </p:cNvPr>
-          <p:cNvSpPr>
-            <a:spLocks noGrp="1"/>
-          </p:cNvSpPr>
-          <p:nvPr>
-            <p:ph type="dt" sz="half" idx="10"/>
-          </p:nvPr>
-        </p:nvSpPr>
-        <p:spPr/>
-        <p:txBody>
-          <a:bodyPr/>
-          <a:lstStyle/>
-          <a:p>
-            <a:pPr rtl="0"/>
-            <a:fld id="{38C53E2A-59EE-41B3-A1AB-9575F6EA1695}" type="datetime1">
-              <a:rPr lang="th-TH" smtClean="0"/>
-              <a:t>20/09/63</a:t>
+              <a:t>28/09/63</a:t>
             </a:fld>
             <a:endParaRPr lang="en-US"/>
           </a:p>
@@ -24890,7 +25423,7 @@
 </p:sld>
 </file>
 
-<file path=ppt/slides/slide51.xml><?xml version="1.0" encoding="utf-8"?>
+<file path=ppt/slides/slide56.xml><?xml version="1.0" encoding="utf-8"?>
 <p:sld xmlns:a="http://schemas.openxmlformats.org/drawingml/2006/main" xmlns:r="http://schemas.openxmlformats.org/officeDocument/2006/relationships" xmlns:p="http://schemas.openxmlformats.org/presentationml/2006/main">
   <p:cSld>
     <p:spTree>
@@ -25097,7 +25630,7 @@
                   <a:spcPts val="600"/>
                 </a:spcAft>
               </a:pPr>
-              <a:t>20/09/63</a:t>
+              <a:t>28/09/63</a:t>
             </a:fld>
             <a:endParaRPr lang="en-US"/>
           </a:p>
@@ -25116,7 +25649,7 @@
 </p:sld>
 </file>
 
-<file path=ppt/slides/slide52.xml><?xml version="1.0" encoding="utf-8"?>
+<file path=ppt/slides/slide57.xml><?xml version="1.0" encoding="utf-8"?>
 <p:sld xmlns:a="http://schemas.openxmlformats.org/drawingml/2006/main" xmlns:r="http://schemas.openxmlformats.org/officeDocument/2006/relationships" xmlns:p="http://schemas.openxmlformats.org/presentationml/2006/main">
   <p:cSld>
     <p:spTree>
@@ -25393,7 +25926,7 @@
                   <a:spcPts val="600"/>
                 </a:spcAft>
               </a:pPr>
-              <a:t>20/09/63</a:t>
+              <a:t>28/09/63</a:t>
             </a:fld>
             <a:endParaRPr lang="en-US"/>
           </a:p>
@@ -25580,7 +26113,7 @@
 </p:sld>
 </file>
 
-<file path=ppt/slides/slide53.xml><?xml version="1.0" encoding="utf-8"?>
+<file path=ppt/slides/slide58.xml><?xml version="1.0" encoding="utf-8"?>
 <p:sld xmlns:a="http://schemas.openxmlformats.org/drawingml/2006/main" xmlns:r="http://schemas.openxmlformats.org/officeDocument/2006/relationships" xmlns:p="http://schemas.openxmlformats.org/presentationml/2006/main">
   <p:cSld>
     <p:spTree>
@@ -25751,7 +26284,7 @@
             <a:pPr rtl="0"/>
             <a:fld id="{38C53E2A-59EE-41B3-A1AB-9575F6EA1695}" type="datetime1">
               <a:rPr lang="th-TH" smtClean="0"/>
-              <a:t>20/09/63</a:t>
+              <a:t>28/09/63</a:t>
             </a:fld>
             <a:endParaRPr lang="en-US"/>
           </a:p>
@@ -25800,7 +26333,7 @@
 </p:sld>
 </file>
 
-<file path=ppt/slides/slide54.xml><?xml version="1.0" encoding="utf-8"?>
+<file path=ppt/slides/slide59.xml><?xml version="1.0" encoding="utf-8"?>
 <p:sld xmlns:a="http://schemas.openxmlformats.org/drawingml/2006/main" xmlns:r="http://schemas.openxmlformats.org/officeDocument/2006/relationships" xmlns:p="http://schemas.openxmlformats.org/presentationml/2006/main">
   <p:cSld>
     <p:spTree>
@@ -25870,7 +26403,7 @@
             <a:pPr rtl="0"/>
             <a:fld id="{38C53E2A-59EE-41B3-A1AB-9575F6EA1695}" type="datetime1">
               <a:rPr lang="th-TH" smtClean="0"/>
-              <a:t>20/09/63</a:t>
+              <a:t>28/09/63</a:t>
             </a:fld>
             <a:endParaRPr lang="en-US"/>
           </a:p>
@@ -25919,7 +26452,194 @@
 </p:sld>
 </file>
 
-<file path=ppt/slides/slide55.xml><?xml version="1.0" encoding="utf-8"?>
+<file path=ppt/slides/slide6.xml><?xml version="1.0" encoding="utf-8"?>
+<p:sld xmlns:a="http://schemas.openxmlformats.org/drawingml/2006/main" xmlns:r="http://schemas.openxmlformats.org/officeDocument/2006/relationships" xmlns:p="http://schemas.openxmlformats.org/presentationml/2006/main">
+  <p:cSld>
+    <p:spTree>
+      <p:nvGrpSpPr>
+        <p:cNvPr id="1" name=""/>
+        <p:cNvGrpSpPr/>
+        <p:nvPr/>
+      </p:nvGrpSpPr>
+      <p:grpSpPr>
+        <a:xfrm>
+          <a:off x="0" y="0"/>
+          <a:ext cx="0" cy="0"/>
+          <a:chOff x="0" y="0"/>
+          <a:chExt cx="0" cy="0"/>
+        </a:xfrm>
+      </p:grpSpPr>
+      <p:sp>
+        <p:nvSpPr>
+          <p:cNvPr id="2" name="ชื่อเรื่อง 1">
+            <a:extLst>
+              <a:ext uri="{FF2B5EF4-FFF2-40B4-BE49-F238E27FC236}">
+                <a16:creationId xmlns:a16="http://schemas.microsoft.com/office/drawing/2014/main" id="{192373FC-F791-4F8D-A5B3-CD6510B00CC0}"/>
+              </a:ext>
+            </a:extLst>
+          </p:cNvPr>
+          <p:cNvSpPr>
+            <a:spLocks noGrp="1"/>
+          </p:cNvSpPr>
+          <p:nvPr>
+            <p:ph type="title"/>
+          </p:nvPr>
+        </p:nvSpPr>
+        <p:spPr/>
+        <p:txBody>
+          <a:bodyPr/>
+          <a:lstStyle/>
+          <a:p>
+            <a:r>
+              <a:rPr lang="en-US" dirty="0"/>
+              <a:t>String method</a:t>
+            </a:r>
+            <a:endParaRPr lang="th-TH" dirty="0"/>
+          </a:p>
+        </p:txBody>
+      </p:sp>
+      <p:sp>
+        <p:nvSpPr>
+          <p:cNvPr id="3" name="ตัวแทนเนื้อหา 2">
+            <a:extLst>
+              <a:ext uri="{FF2B5EF4-FFF2-40B4-BE49-F238E27FC236}">
+                <a16:creationId xmlns:a16="http://schemas.microsoft.com/office/drawing/2014/main" id="{09DE7593-7040-42C8-A025-10A42384E181}"/>
+              </a:ext>
+            </a:extLst>
+          </p:cNvPr>
+          <p:cNvSpPr>
+            <a:spLocks noGrp="1"/>
+          </p:cNvSpPr>
+          <p:nvPr>
+            <p:ph idx="1"/>
+          </p:nvPr>
+        </p:nvSpPr>
+        <p:spPr/>
+        <p:txBody>
+          <a:bodyPr>
+            <a:normAutofit/>
+          </a:bodyPr>
+          <a:lstStyle/>
+          <a:p>
+            <a:r>
+              <a:rPr lang="en-US" sz="2400" dirty="0">
+                <a:solidFill>
+                  <a:srgbClr val="C00000"/>
+                </a:solidFill>
+              </a:rPr>
+              <a:t>Immutable -&gt; most function return new string</a:t>
+            </a:r>
+          </a:p>
+          <a:p>
+            <a:r>
+              <a:rPr lang="en-US" sz="2400" dirty="0"/>
+              <a:t>string lower(), string upper()</a:t>
+            </a:r>
+          </a:p>
+          <a:p>
+            <a:r>
+              <a:rPr lang="en-US" sz="2400" dirty="0"/>
+              <a:t>string capitalize()</a:t>
+            </a:r>
+          </a:p>
+          <a:p>
+            <a:r>
+              <a:rPr lang="en-US" sz="2400" dirty="0"/>
+              <a:t>string strip(</a:t>
+            </a:r>
+            <a:r>
+              <a:rPr lang="en-US" sz="2400" dirty="0" err="1"/>
+              <a:t>opt_char</a:t>
+            </a:r>
+            <a:r>
+              <a:rPr lang="en-US" sz="2400" dirty="0"/>
+              <a:t>), string </a:t>
+            </a:r>
+            <a:r>
+              <a:rPr lang="en-US" sz="2400" dirty="0" err="1"/>
+              <a:t>lstrip</a:t>
+            </a:r>
+            <a:r>
+              <a:rPr lang="en-US" sz="2400" dirty="0"/>
+              <a:t>(</a:t>
+            </a:r>
+            <a:r>
+              <a:rPr lang="en-US" sz="2400" dirty="0" err="1"/>
+              <a:t>opt_char</a:t>
+            </a:r>
+            <a:r>
+              <a:rPr lang="en-US" sz="2400" dirty="0"/>
+              <a:t>), string </a:t>
+            </a:r>
+            <a:r>
+              <a:rPr lang="en-US" sz="2400" dirty="0" err="1"/>
+              <a:t>rstrip</a:t>
+            </a:r>
+            <a:r>
+              <a:rPr lang="en-US" sz="2400" dirty="0"/>
+              <a:t>(</a:t>
+            </a:r>
+            <a:r>
+              <a:rPr lang="en-US" sz="2400" dirty="0" err="1"/>
+              <a:t>opt_char</a:t>
+            </a:r>
+            <a:r>
+              <a:rPr lang="en-US" sz="2400" dirty="0"/>
+              <a:t>)</a:t>
+            </a:r>
+          </a:p>
+          <a:p>
+            <a:r>
+              <a:rPr lang="en-US" sz="2400" dirty="0"/>
+              <a:t>int count(char)</a:t>
+            </a:r>
+          </a:p>
+        </p:txBody>
+      </p:sp>
+      <p:sp>
+        <p:nvSpPr>
+          <p:cNvPr id="4" name="ตัวแทนวันที่ 3">
+            <a:extLst>
+              <a:ext uri="{FF2B5EF4-FFF2-40B4-BE49-F238E27FC236}">
+                <a16:creationId xmlns:a16="http://schemas.microsoft.com/office/drawing/2014/main" id="{39CCC7CC-ABBB-473C-99B1-727E263664AB}"/>
+              </a:ext>
+            </a:extLst>
+          </p:cNvPr>
+          <p:cNvSpPr>
+            <a:spLocks noGrp="1"/>
+          </p:cNvSpPr>
+          <p:nvPr>
+            <p:ph type="dt" sz="half" idx="10"/>
+          </p:nvPr>
+        </p:nvSpPr>
+        <p:spPr/>
+        <p:txBody>
+          <a:bodyPr/>
+          <a:lstStyle/>
+          <a:p>
+            <a:pPr rtl="0"/>
+            <a:fld id="{38C53E2A-59EE-41B3-A1AB-9575F6EA1695}" type="datetime1">
+              <a:rPr lang="th-TH" smtClean="0"/>
+              <a:t>28/09/63</a:t>
+            </a:fld>
+            <a:endParaRPr lang="en-US"/>
+          </a:p>
+        </p:txBody>
+      </p:sp>
+    </p:spTree>
+    <p:extLst>
+      <p:ext uri="{BB962C8B-B14F-4D97-AF65-F5344CB8AC3E}">
+        <p14:creationId xmlns:p14="http://schemas.microsoft.com/office/powerpoint/2010/main" val="3198209965"/>
+      </p:ext>
+    </p:extLst>
+  </p:cSld>
+  <p:clrMapOvr>
+    <a:masterClrMapping/>
+  </p:clrMapOvr>
+</p:sld>
+</file>
+
+<file path=ppt/slides/slide60.xml><?xml version="1.0" encoding="utf-8"?>
 <p:sld xmlns:a="http://schemas.openxmlformats.org/drawingml/2006/main" xmlns:r="http://schemas.openxmlformats.org/officeDocument/2006/relationships" xmlns:p="http://schemas.openxmlformats.org/presentationml/2006/main">
   <p:cSld>
     <p:spTree>
@@ -26026,7 +26746,7 @@
             <a:pPr rtl="0"/>
             <a:fld id="{38C53E2A-59EE-41B3-A1AB-9575F6EA1695}" type="datetime1">
               <a:rPr lang="th-TH" smtClean="0"/>
-              <a:t>20/09/63</a:t>
+              <a:t>28/09/63</a:t>
             </a:fld>
             <a:endParaRPr lang="en-US"/>
           </a:p>
@@ -26045,7 +26765,7 @@
 </p:sld>
 </file>
 
-<file path=ppt/slides/slide56.xml><?xml version="1.0" encoding="utf-8"?>
+<file path=ppt/slides/slide61.xml><?xml version="1.0" encoding="utf-8"?>
 <p:sld xmlns:a="http://schemas.openxmlformats.org/drawingml/2006/main" xmlns:r="http://schemas.openxmlformats.org/officeDocument/2006/relationships" xmlns:p="http://schemas.openxmlformats.org/presentationml/2006/main">
   <p:cSld>
     <p:spTree>
@@ -26147,7 +26867,7 @@
             <a:pPr rtl="0"/>
             <a:fld id="{38C53E2A-59EE-41B3-A1AB-9575F6EA1695}" type="datetime1">
               <a:rPr lang="th-TH" smtClean="0"/>
-              <a:t>20/09/63</a:t>
+              <a:t>28/09/63</a:t>
             </a:fld>
             <a:endParaRPr lang="en-US"/>
           </a:p>
@@ -26166,7 +26886,7 @@
 </p:sld>
 </file>
 
-<file path=ppt/slides/slide57.xml><?xml version="1.0" encoding="utf-8"?>
+<file path=ppt/slides/slide62.xml><?xml version="1.0" encoding="utf-8"?>
 <p:sld xmlns:a="http://schemas.openxmlformats.org/drawingml/2006/main" xmlns:r="http://schemas.openxmlformats.org/officeDocument/2006/relationships" xmlns:p="http://schemas.openxmlformats.org/presentationml/2006/main">
   <p:cSld>
     <p:spTree>
@@ -26236,7 +26956,7 @@
             <a:pPr rtl="0"/>
             <a:fld id="{38C53E2A-59EE-41B3-A1AB-9575F6EA1695}" type="datetime1">
               <a:rPr lang="th-TH" smtClean="0"/>
-              <a:t>20/09/63</a:t>
+              <a:t>28/09/63</a:t>
             </a:fld>
             <a:endParaRPr lang="en-US"/>
           </a:p>
@@ -26285,7 +27005,7 @@
 </p:sld>
 </file>
 
-<file path=ppt/slides/slide58.xml><?xml version="1.0" encoding="utf-8"?>
+<file path=ppt/slides/slide63.xml><?xml version="1.0" encoding="utf-8"?>
 <p:sld xmlns:a="http://schemas.openxmlformats.org/drawingml/2006/main" xmlns:r="http://schemas.openxmlformats.org/officeDocument/2006/relationships" xmlns:p="http://schemas.openxmlformats.org/presentationml/2006/main">
   <p:cSld>
     <p:spTree>
@@ -26355,7 +27075,7 @@
             <a:pPr rtl="0"/>
             <a:fld id="{38C53E2A-59EE-41B3-A1AB-9575F6EA1695}" type="datetime1">
               <a:rPr lang="th-TH" smtClean="0"/>
-              <a:t>20/09/63</a:t>
+              <a:t>28/09/63</a:t>
             </a:fld>
             <a:endParaRPr lang="en-US"/>
           </a:p>
@@ -26404,7 +27124,7 @@
 </p:sld>
 </file>
 
-<file path=ppt/slides/slide59.xml><?xml version="1.0" encoding="utf-8"?>
+<file path=ppt/slides/slide64.xml><?xml version="1.0" encoding="utf-8"?>
 <p:sld xmlns:a="http://schemas.openxmlformats.org/drawingml/2006/main" xmlns:r="http://schemas.openxmlformats.org/officeDocument/2006/relationships" xmlns:p="http://schemas.openxmlformats.org/presentationml/2006/main">
   <p:cSld>
     <p:spTree>
@@ -26506,7 +27226,7 @@
             <a:pPr rtl="0"/>
             <a:fld id="{38C53E2A-59EE-41B3-A1AB-9575F6EA1695}" type="datetime1">
               <a:rPr lang="th-TH" smtClean="0"/>
-              <a:t>20/09/63</a:t>
+              <a:t>28/09/63</a:t>
             </a:fld>
             <a:endParaRPr lang="en-US"/>
           </a:p>
@@ -26525,7 +27245,7 @@
 </p:sld>
 </file>
 
-<file path=ppt/slides/slide6.xml><?xml version="1.0" encoding="utf-8"?>
+<file path=ppt/slides/slide65.xml><?xml version="1.0" encoding="utf-8"?>
 <p:sld xmlns:a="http://schemas.openxmlformats.org/drawingml/2006/main" xmlns:r="http://schemas.openxmlformats.org/officeDocument/2006/relationships" xmlns:p="http://schemas.openxmlformats.org/presentationml/2006/main">
   <p:cSld>
     <p:spTree>
@@ -26547,7 +27267,7 @@
           <p:cNvPr id="2" name="ชื่อเรื่อง 1">
             <a:extLst>
               <a:ext uri="{FF2B5EF4-FFF2-40B4-BE49-F238E27FC236}">
-                <a16:creationId xmlns:a16="http://schemas.microsoft.com/office/drawing/2014/main" id="{4A60B26E-7659-4FBE-B7CE-BE69C762EBE9}"/>
+                <a16:creationId xmlns:a16="http://schemas.microsoft.com/office/drawing/2014/main" id="{6C0F6D08-3937-4C4B-BD7D-B0930979C708}"/>
               </a:ext>
             </a:extLst>
           </p:cNvPr>
@@ -26555,7 +27275,7 @@
             <a:spLocks noGrp="1"/>
           </p:cNvSpPr>
           <p:nvPr>
-            <p:ph type="ctrTitle"/>
+            <p:ph type="title"/>
           </p:nvPr>
         </p:nvSpPr>
         <p:spPr/>
@@ -26565,7 +27285,7 @@
           <a:p>
             <a:r>
               <a:rPr lang="en-US" dirty="0"/>
-              <a:t>list</a:t>
+              <a:t>Stack and Queue with Linked List</a:t>
             </a:r>
             <a:endParaRPr lang="th-TH" dirty="0"/>
           </a:p>
@@ -26573,10 +27293,203 @@
       </p:sp>
       <p:sp>
         <p:nvSpPr>
+          <p:cNvPr id="3" name="ตัวแทนเนื้อหา 2">
+            <a:extLst>
+              <a:ext uri="{FF2B5EF4-FFF2-40B4-BE49-F238E27FC236}">
+                <a16:creationId xmlns:a16="http://schemas.microsoft.com/office/drawing/2014/main" id="{78861683-FC71-4DE8-A5BA-810CAFE0C802}"/>
+              </a:ext>
+            </a:extLst>
+          </p:cNvPr>
+          <p:cNvSpPr>
+            <a:spLocks noGrp="1"/>
+          </p:cNvSpPr>
+          <p:nvPr>
+            <p:ph idx="1"/>
+          </p:nvPr>
+        </p:nvSpPr>
+        <p:spPr/>
+        <p:txBody>
+          <a:bodyPr>
+            <a:normAutofit/>
+          </a:bodyPr>
+          <a:lstStyle/>
+          <a:p>
+            <a:r>
+              <a:rPr lang="en-US" sz="2400" dirty="0"/>
+              <a:t>Stack </a:t>
+            </a:r>
+            <a:r>
+              <a:rPr lang="th-TH" sz="2400" dirty="0"/>
+              <a:t>และ </a:t>
+            </a:r>
+            <a:r>
+              <a:rPr lang="en-US" sz="2400" dirty="0"/>
+              <a:t>Queue </a:t>
+            </a:r>
+            <a:r>
+              <a:rPr lang="th-TH" sz="2400" dirty="0"/>
+              <a:t>ใช้โครงสร้างข้อมูล </a:t>
+            </a:r>
+            <a:r>
+              <a:rPr lang="en-US" sz="2400" dirty="0"/>
+              <a:t>List </a:t>
+            </a:r>
+            <a:r>
+              <a:rPr lang="th-TH" sz="2400" dirty="0"/>
+              <a:t>เป็นหลัก</a:t>
+            </a:r>
+          </a:p>
+          <a:p>
+            <a:r>
+              <a:rPr lang="th-TH" sz="2400" dirty="0"/>
+              <a:t>สามารถใช้ </a:t>
+            </a:r>
+            <a:r>
+              <a:rPr lang="en-US" sz="2400" dirty="0"/>
+              <a:t>Linked List </a:t>
+            </a:r>
+            <a:r>
+              <a:rPr lang="th-TH" sz="2400" dirty="0"/>
+              <a:t>ทำ </a:t>
+            </a:r>
+            <a:r>
+              <a:rPr lang="en-US" sz="2400" dirty="0"/>
+              <a:t>Stack </a:t>
+            </a:r>
+            <a:r>
+              <a:rPr lang="th-TH" sz="2400" dirty="0"/>
+              <a:t>และ </a:t>
+            </a:r>
+            <a:r>
+              <a:rPr lang="en-US" sz="2400" dirty="0"/>
+              <a:t>Queue </a:t>
+            </a:r>
+            <a:r>
+              <a:rPr lang="th-TH" sz="2400" dirty="0"/>
+              <a:t>ได้เช่นกัน</a:t>
+            </a:r>
+          </a:p>
+          <a:p>
+            <a:r>
+              <a:rPr lang="en-US" sz="2400" dirty="0"/>
+              <a:t>Stack: push() = </a:t>
+            </a:r>
+            <a:r>
+              <a:rPr lang="en-US" sz="2400" dirty="0" err="1"/>
+              <a:t>push_back</a:t>
+            </a:r>
+            <a:r>
+              <a:rPr lang="en-US" sz="2400" dirty="0"/>
+              <a:t>(), pop() = </a:t>
+            </a:r>
+            <a:r>
+              <a:rPr lang="en-US" sz="2400" dirty="0" err="1"/>
+              <a:t>pop_back</a:t>
+            </a:r>
+            <a:r>
+              <a:rPr lang="en-US" sz="2400" dirty="0"/>
+              <a:t>()</a:t>
+            </a:r>
+          </a:p>
+          <a:p>
+            <a:r>
+              <a:rPr lang="en-US" sz="2400" dirty="0"/>
+              <a:t>Queue: enqueue() = </a:t>
+            </a:r>
+            <a:r>
+              <a:rPr lang="en-US" sz="2400" dirty="0" err="1"/>
+              <a:t>push_back</a:t>
+            </a:r>
+            <a:r>
+              <a:rPr lang="en-US" sz="2400" dirty="0"/>
+              <a:t>(), dequeue = </a:t>
+            </a:r>
+            <a:r>
+              <a:rPr lang="en-US" sz="2400" dirty="0" err="1"/>
+              <a:t>pop_front</a:t>
+            </a:r>
+            <a:r>
+              <a:rPr lang="en-US" sz="2400" dirty="0"/>
+              <a:t>()</a:t>
+            </a:r>
+          </a:p>
+          <a:p>
+            <a:r>
+              <a:rPr lang="th-TH" sz="2400" dirty="0">
+                <a:solidFill>
+                  <a:srgbClr val="FF0000"/>
+                </a:solidFill>
+              </a:rPr>
+              <a:t>ถ้าต้องการทำ </a:t>
+            </a:r>
+            <a:r>
+              <a:rPr lang="en-US" sz="2400" dirty="0">
+                <a:solidFill>
+                  <a:srgbClr val="FF0000"/>
+                </a:solidFill>
+              </a:rPr>
+              <a:t>Priority Queue </a:t>
+            </a:r>
+            <a:r>
+              <a:rPr lang="th-TH" sz="2400" dirty="0">
+                <a:solidFill>
+                  <a:srgbClr val="FF0000"/>
+                </a:solidFill>
+              </a:rPr>
+              <a:t>ให้ใช้ </a:t>
+            </a:r>
+            <a:r>
+              <a:rPr lang="en-US" sz="2400" dirty="0">
+                <a:solidFill>
+                  <a:srgbClr val="FF0000"/>
+                </a:solidFill>
+              </a:rPr>
+              <a:t>add() </a:t>
+            </a:r>
+            <a:r>
+              <a:rPr lang="th-TH" sz="2400" dirty="0">
+                <a:solidFill>
+                  <a:srgbClr val="FF0000"/>
+                </a:solidFill>
+              </a:rPr>
+              <a:t>แทน </a:t>
+            </a:r>
+            <a:r>
+              <a:rPr lang="en-US" sz="2400" dirty="0" err="1">
+                <a:solidFill>
+                  <a:srgbClr val="FF0000"/>
+                </a:solidFill>
+              </a:rPr>
+              <a:t>push_back</a:t>
+            </a:r>
+            <a:r>
+              <a:rPr lang="en-US" sz="2400" dirty="0">
+                <a:solidFill>
+                  <a:srgbClr val="FF0000"/>
+                </a:solidFill>
+              </a:rPr>
+              <a:t>() </a:t>
+            </a:r>
+            <a:r>
+              <a:rPr lang="th-TH" sz="2400" dirty="0">
+                <a:solidFill>
+                  <a:srgbClr val="FF0000"/>
+                </a:solidFill>
+              </a:rPr>
+              <a:t>ทั้งหมด</a:t>
+            </a:r>
+          </a:p>
+          <a:p>
+            <a:endParaRPr lang="th-TH" sz="2400" dirty="0"/>
+          </a:p>
+        </p:txBody>
+      </p:sp>
+      <p:sp>
+        <p:nvSpPr>
           <p:cNvPr id="4" name="ตัวแทนวันที่ 3">
             <a:extLst>
               <a:ext uri="{FF2B5EF4-FFF2-40B4-BE49-F238E27FC236}">
-                <a16:creationId xmlns:a16="http://schemas.microsoft.com/office/drawing/2014/main" id="{F8351F13-AABD-4A72-9CE3-EC53EBD8548F}"/>
+                <a16:creationId xmlns:a16="http://schemas.microsoft.com/office/drawing/2014/main" id="{4E589742-80C1-4804-8A89-DAC0910A1394}"/>
               </a:ext>
             </a:extLst>
           </p:cNvPr>
@@ -26592,18 +27505,19 @@
           <a:bodyPr/>
           <a:lstStyle/>
           <a:p>
-            <a:fld id="{7773D18F-796E-48FA-B446-43BFEFAD4305}" type="datetime1">
+            <a:pPr rtl="0"/>
+            <a:fld id="{38C53E2A-59EE-41B3-A1AB-9575F6EA1695}" type="datetime1">
               <a:rPr lang="th-TH" smtClean="0"/>
-              <a:t>20/09/63</a:t>
+              <a:t>28/09/63</a:t>
             </a:fld>
-            <a:endParaRPr lang="en-US" dirty="0"/>
+            <a:endParaRPr lang="en-US"/>
           </a:p>
         </p:txBody>
       </p:sp>
     </p:spTree>
     <p:extLst>
       <p:ext uri="{BB962C8B-B14F-4D97-AF65-F5344CB8AC3E}">
-        <p14:creationId xmlns:p14="http://schemas.microsoft.com/office/powerpoint/2010/main" val="3292380179"/>
+        <p14:creationId xmlns:p14="http://schemas.microsoft.com/office/powerpoint/2010/main" val="2525260858"/>
       </p:ext>
     </p:extLst>
   </p:cSld>
@@ -26613,7 +27527,7 @@
 </p:sld>
 </file>
 
-<file path=ppt/slides/slide60.xml><?xml version="1.0" encoding="utf-8"?>
+<file path=ppt/slides/slide66.xml><?xml version="1.0" encoding="utf-8"?>
 <p:sld xmlns:a="http://schemas.openxmlformats.org/drawingml/2006/main" xmlns:r="http://schemas.openxmlformats.org/officeDocument/2006/relationships" xmlns:p="http://schemas.openxmlformats.org/presentationml/2006/main">
   <p:cSld>
     <p:spTree>
@@ -26635,7 +27549,7 @@
           <p:cNvPr id="2" name="ชื่อเรื่อง 1">
             <a:extLst>
               <a:ext uri="{FF2B5EF4-FFF2-40B4-BE49-F238E27FC236}">
-                <a16:creationId xmlns:a16="http://schemas.microsoft.com/office/drawing/2014/main" id="{6C0F6D08-3937-4C4B-BD7D-B0930979C708}"/>
+                <a16:creationId xmlns:a16="http://schemas.microsoft.com/office/drawing/2014/main" id="{8B09F9D0-B15A-4C55-9CBE-3C01C9F42B29}"/>
               </a:ext>
             </a:extLst>
           </p:cNvPr>
@@ -26653,7 +27567,7 @@
           <a:p>
             <a:r>
               <a:rPr lang="en-US" dirty="0"/>
-              <a:t>Stack and Queue with Linked List</a:t>
+              <a:t>Linked List with Dummy Node</a:t>
             </a:r>
             <a:endParaRPr lang="th-TH" dirty="0"/>
           </a:p>
@@ -26664,7 +27578,7 @@
           <p:cNvPr id="3" name="ตัวแทนเนื้อหา 2">
             <a:extLst>
               <a:ext uri="{FF2B5EF4-FFF2-40B4-BE49-F238E27FC236}">
-                <a16:creationId xmlns:a16="http://schemas.microsoft.com/office/drawing/2014/main" id="{78861683-FC71-4DE8-A5BA-810CAFE0C802}"/>
+                <a16:creationId xmlns:a16="http://schemas.microsoft.com/office/drawing/2014/main" id="{947DFA54-57C0-4972-8714-C45A68A5C828}"/>
               </a:ext>
             </a:extLst>
           </p:cNvPr>
@@ -26683,172 +27597,126 @@
           <a:lstStyle/>
           <a:p>
             <a:r>
-              <a:rPr lang="en-US" sz="2400" dirty="0"/>
-              <a:t>Stack </a:t>
-            </a:r>
-            <a:r>
-              <a:rPr lang="th-TH" sz="2400" dirty="0"/>
+              <a:rPr lang="en-US" sz="2000" dirty="0"/>
+              <a:t>Dummy node </a:t>
+            </a:r>
+            <a:r>
+              <a:rPr lang="th-TH" sz="2000" dirty="0"/>
+              <a:t>คือ </a:t>
+            </a:r>
+            <a:r>
+              <a:rPr lang="en-US" sz="2000" dirty="0"/>
+              <a:t>Node </a:t>
+            </a:r>
+            <a:r>
+              <a:rPr lang="th-TH" sz="2000" dirty="0"/>
+              <a:t>ที่ไม่เก็บค่าใด ๆ ไว้ มีไว้ให้ </a:t>
+            </a:r>
+            <a:r>
+              <a:rPr lang="en-US" sz="2000" dirty="0"/>
+              <a:t>reference </a:t>
+            </a:r>
+            <a:r>
+              <a:rPr lang="th-TH" sz="2000" dirty="0"/>
+              <a:t>เฉย ๆ </a:t>
+            </a:r>
+          </a:p>
+          <a:p>
+            <a:r>
+              <a:rPr lang="th-TH" sz="2000" dirty="0"/>
+              <a:t>กรณี </a:t>
+            </a:r>
+            <a:r>
+              <a:rPr lang="en-US" sz="2000" dirty="0"/>
+              <a:t>Singly Linked List</a:t>
+            </a:r>
+            <a:r>
+              <a:rPr lang="th-TH" sz="2000" dirty="0"/>
+              <a:t> จะทำ </a:t>
+            </a:r>
+            <a:r>
+              <a:rPr lang="en-US" sz="2000" dirty="0"/>
+              <a:t>dummy node </a:t>
+            </a:r>
+            <a:r>
+              <a:rPr lang="th-TH" sz="2000" dirty="0"/>
+              <a:t>ไว้ที่ส่วนหัวและเรียกว่า </a:t>
+            </a:r>
+            <a:r>
+              <a:rPr lang="en-US" sz="2000" dirty="0"/>
+              <a:t>header</a:t>
+            </a:r>
+          </a:p>
+          <a:p>
+            <a:r>
+              <a:rPr lang="th-TH" sz="2000" dirty="0"/>
+              <a:t>กรณี </a:t>
+            </a:r>
+            <a:r>
+              <a:rPr lang="en-US" sz="2000" dirty="0"/>
+              <a:t>Doubly Linked List </a:t>
+            </a:r>
+            <a:r>
+              <a:rPr lang="th-TH" sz="2000" dirty="0"/>
+              <a:t>จำทำ </a:t>
+            </a:r>
+            <a:r>
+              <a:rPr lang="en-US" sz="2000" dirty="0"/>
+              <a:t>dummy node </a:t>
+            </a:r>
+            <a:r>
+              <a:rPr lang="th-TH" sz="2000" dirty="0"/>
+              <a:t>ไว้ที่หัวและท้ายโดยเรียกว่า </a:t>
+            </a:r>
+            <a:r>
+              <a:rPr lang="en-US" sz="2000" dirty="0"/>
+              <a:t>header </a:t>
+            </a:r>
+            <a:r>
+              <a:rPr lang="th-TH" sz="2000" dirty="0"/>
               <a:t>และ </a:t>
             </a:r>
             <a:r>
-              <a:rPr lang="en-US" sz="2400" dirty="0"/>
-              <a:t>Queue </a:t>
-            </a:r>
-            <a:r>
-              <a:rPr lang="th-TH" sz="2400" dirty="0"/>
-              <a:t>ใช้โครงสร้างข้อมูล </a:t>
-            </a:r>
-            <a:r>
-              <a:rPr lang="en-US" sz="2400" dirty="0"/>
-              <a:t>List </a:t>
-            </a:r>
-            <a:r>
-              <a:rPr lang="th-TH" sz="2400" dirty="0"/>
-              <a:t>เป็นหลัก</a:t>
-            </a:r>
-          </a:p>
-          <a:p>
-            <a:r>
-              <a:rPr lang="th-TH" sz="2400" dirty="0"/>
-              <a:t>สามารถใช้ </a:t>
-            </a:r>
-            <a:r>
-              <a:rPr lang="en-US" sz="2400" dirty="0"/>
-              <a:t>Linked List </a:t>
-            </a:r>
-            <a:r>
-              <a:rPr lang="th-TH" sz="2400" dirty="0"/>
-              <a:t>ทำ </a:t>
-            </a:r>
-            <a:r>
-              <a:rPr lang="en-US" sz="2400" dirty="0"/>
-              <a:t>Stack </a:t>
-            </a:r>
-            <a:r>
-              <a:rPr lang="th-TH" sz="2400" dirty="0"/>
-              <a:t>และ </a:t>
-            </a:r>
-            <a:r>
-              <a:rPr lang="en-US" sz="2400" dirty="0"/>
-              <a:t>Queue </a:t>
-            </a:r>
-            <a:r>
-              <a:rPr lang="th-TH" sz="2400" dirty="0"/>
-              <a:t>ได้เช่นกัน</a:t>
-            </a:r>
-          </a:p>
-          <a:p>
-            <a:r>
-              <a:rPr lang="en-US" sz="2400" dirty="0"/>
-              <a:t>Stack: push() = </a:t>
-            </a:r>
-            <a:r>
-              <a:rPr lang="en-US" sz="2400" dirty="0" err="1"/>
-              <a:t>push_back</a:t>
-            </a:r>
-            <a:r>
-              <a:rPr lang="en-US" sz="2400" dirty="0"/>
-              <a:t>(), pop() = </a:t>
-            </a:r>
-            <a:r>
-              <a:rPr lang="en-US" sz="2400" dirty="0" err="1"/>
-              <a:t>pop_back</a:t>
-            </a:r>
-            <a:r>
-              <a:rPr lang="en-US" sz="2400" dirty="0"/>
-              <a:t>()</a:t>
-            </a:r>
-          </a:p>
-          <a:p>
-            <a:r>
-              <a:rPr lang="en-US" sz="2400" dirty="0"/>
-              <a:t>Queue: enqueue() = </a:t>
-            </a:r>
-            <a:r>
-              <a:rPr lang="en-US" sz="2400" dirty="0" err="1"/>
-              <a:t>push_back</a:t>
-            </a:r>
-            <a:r>
-              <a:rPr lang="en-US" sz="2400" dirty="0"/>
-              <a:t>(), dequeue = </a:t>
-            </a:r>
-            <a:r>
-              <a:rPr lang="en-US" sz="2400" dirty="0" err="1"/>
-              <a:t>pop_front</a:t>
-            </a:r>
-            <a:r>
-              <a:rPr lang="en-US" sz="2400" dirty="0"/>
-              <a:t>()</a:t>
-            </a:r>
-          </a:p>
-          <a:p>
-            <a:r>
-              <a:rPr lang="th-TH" sz="2400" dirty="0">
-                <a:solidFill>
-                  <a:srgbClr val="FF0000"/>
-                </a:solidFill>
-              </a:rPr>
-              <a:t>ถ้าต้องการทำ </a:t>
-            </a:r>
-            <a:r>
-              <a:rPr lang="en-US" sz="2400" dirty="0">
-                <a:solidFill>
-                  <a:srgbClr val="FF0000"/>
-                </a:solidFill>
-              </a:rPr>
-              <a:t>Priority Queue </a:t>
-            </a:r>
-            <a:r>
-              <a:rPr lang="th-TH" sz="2400" dirty="0">
-                <a:solidFill>
-                  <a:srgbClr val="FF0000"/>
-                </a:solidFill>
-              </a:rPr>
-              <a:t>ให้ใช้ </a:t>
-            </a:r>
-            <a:r>
-              <a:rPr lang="en-US" sz="2400" dirty="0">
-                <a:solidFill>
-                  <a:srgbClr val="FF0000"/>
-                </a:solidFill>
-              </a:rPr>
-              <a:t>add() </a:t>
-            </a:r>
-            <a:r>
-              <a:rPr lang="th-TH" sz="2400" dirty="0">
-                <a:solidFill>
-                  <a:srgbClr val="FF0000"/>
-                </a:solidFill>
-              </a:rPr>
-              <a:t>แทน </a:t>
-            </a:r>
-            <a:r>
-              <a:rPr lang="en-US" sz="2400" dirty="0" err="1">
-                <a:solidFill>
-                  <a:srgbClr val="FF0000"/>
-                </a:solidFill>
-              </a:rPr>
-              <a:t>push_back</a:t>
-            </a:r>
-            <a:r>
-              <a:rPr lang="en-US" sz="2400" dirty="0">
-                <a:solidFill>
-                  <a:srgbClr val="FF0000"/>
-                </a:solidFill>
-              </a:rPr>
-              <a:t>() </a:t>
-            </a:r>
-            <a:r>
-              <a:rPr lang="th-TH" sz="2400" dirty="0">
-                <a:solidFill>
-                  <a:srgbClr val="FF0000"/>
-                </a:solidFill>
-              </a:rPr>
-              <a:t>ทั้งหมด</a:t>
-            </a:r>
-          </a:p>
-          <a:p>
-            <a:endParaRPr lang="th-TH" sz="2400" dirty="0"/>
+              <a:rPr lang="en-US" sz="2000" dirty="0"/>
+              <a:t>trailer </a:t>
+            </a:r>
+            <a:r>
+              <a:rPr lang="th-TH" sz="2000" dirty="0"/>
+              <a:t>ตามลำดับ</a:t>
+            </a:r>
+          </a:p>
+          <a:p>
+            <a:r>
+              <a:rPr lang="th-TH" sz="2000" dirty="0"/>
+              <a:t>ช่วยให้เขียนโค้ดได้เป็น </a:t>
+            </a:r>
+            <a:r>
+              <a:rPr lang="en-US" sz="2000" dirty="0"/>
+              <a:t>general case </a:t>
+            </a:r>
+            <a:r>
+              <a:rPr lang="th-TH" sz="2000" dirty="0"/>
+              <a:t>มากขึ้น ไม่ต้องดัก</a:t>
+            </a:r>
+            <a:r>
+              <a:rPr lang="en-US" sz="2000" dirty="0"/>
+              <a:t> list </a:t>
+            </a:r>
+            <a:r>
+              <a:rPr lang="th-TH" sz="2000" dirty="0"/>
+              <a:t>ว่าง/ไม่ว่าง เท่าไร</a:t>
+            </a:r>
+          </a:p>
+          <a:p>
+            <a:r>
+              <a:rPr lang="th-TH" sz="2000" dirty="0"/>
+              <a:t>ดูตัวอย่างโค้ดเพิ่มเติมจากอาจารย์ใน </a:t>
+            </a:r>
+            <a:r>
+              <a:rPr lang="en-US" sz="2000" dirty="0"/>
+              <a:t>Microsoft Teams</a:t>
+            </a:r>
+            <a:endParaRPr lang="th-TH" sz="2000" dirty="0"/>
           </a:p>
         </p:txBody>
       </p:sp>
@@ -26857,7 +27725,7 @@
           <p:cNvPr id="4" name="ตัวแทนวันที่ 3">
             <a:extLst>
               <a:ext uri="{FF2B5EF4-FFF2-40B4-BE49-F238E27FC236}">
-                <a16:creationId xmlns:a16="http://schemas.microsoft.com/office/drawing/2014/main" id="{4E589742-80C1-4804-8A89-DAC0910A1394}"/>
+                <a16:creationId xmlns:a16="http://schemas.microsoft.com/office/drawing/2014/main" id="{C699C73D-29BD-4836-85D6-C1CC448B9897}"/>
               </a:ext>
             </a:extLst>
           </p:cNvPr>
@@ -26876,243 +27744,7 @@
             <a:pPr rtl="0"/>
             <a:fld id="{38C53E2A-59EE-41B3-A1AB-9575F6EA1695}" type="datetime1">
               <a:rPr lang="th-TH" smtClean="0"/>
-              <a:t>20/09/63</a:t>
-            </a:fld>
-            <a:endParaRPr lang="en-US"/>
-          </a:p>
-        </p:txBody>
-      </p:sp>
-    </p:spTree>
-    <p:extLst>
-      <p:ext uri="{BB962C8B-B14F-4D97-AF65-F5344CB8AC3E}">
-        <p14:creationId xmlns:p14="http://schemas.microsoft.com/office/powerpoint/2010/main" val="2525260858"/>
-      </p:ext>
-    </p:extLst>
-  </p:cSld>
-  <p:clrMapOvr>
-    <a:masterClrMapping/>
-  </p:clrMapOvr>
-</p:sld>
-</file>
-
-<file path=ppt/slides/slide61.xml><?xml version="1.0" encoding="utf-8"?>
-<p:sld xmlns:a="http://schemas.openxmlformats.org/drawingml/2006/main" xmlns:r="http://schemas.openxmlformats.org/officeDocument/2006/relationships" xmlns:p="http://schemas.openxmlformats.org/presentationml/2006/main">
-  <p:cSld>
-    <p:spTree>
-      <p:nvGrpSpPr>
-        <p:cNvPr id="1" name=""/>
-        <p:cNvGrpSpPr/>
-        <p:nvPr/>
-      </p:nvGrpSpPr>
-      <p:grpSpPr>
-        <a:xfrm>
-          <a:off x="0" y="0"/>
-          <a:ext cx="0" cy="0"/>
-          <a:chOff x="0" y="0"/>
-          <a:chExt cx="0" cy="0"/>
-        </a:xfrm>
-      </p:grpSpPr>
-      <p:sp>
-        <p:nvSpPr>
-          <p:cNvPr id="2" name="ชื่อเรื่อง 1">
-            <a:extLst>
-              <a:ext uri="{FF2B5EF4-FFF2-40B4-BE49-F238E27FC236}">
-                <a16:creationId xmlns:a16="http://schemas.microsoft.com/office/drawing/2014/main" id="{8B09F9D0-B15A-4C55-9CBE-3C01C9F42B29}"/>
-              </a:ext>
-            </a:extLst>
-          </p:cNvPr>
-          <p:cNvSpPr>
-            <a:spLocks noGrp="1"/>
-          </p:cNvSpPr>
-          <p:nvPr>
-            <p:ph type="title"/>
-          </p:nvPr>
-        </p:nvSpPr>
-        <p:spPr/>
-        <p:txBody>
-          <a:bodyPr/>
-          <a:lstStyle/>
-          <a:p>
-            <a:r>
-              <a:rPr lang="en-US" dirty="0"/>
-              <a:t>Linked List with Dummy Node</a:t>
-            </a:r>
-            <a:endParaRPr lang="th-TH" dirty="0"/>
-          </a:p>
-        </p:txBody>
-      </p:sp>
-      <p:sp>
-        <p:nvSpPr>
-          <p:cNvPr id="3" name="ตัวแทนเนื้อหา 2">
-            <a:extLst>
-              <a:ext uri="{FF2B5EF4-FFF2-40B4-BE49-F238E27FC236}">
-                <a16:creationId xmlns:a16="http://schemas.microsoft.com/office/drawing/2014/main" id="{947DFA54-57C0-4972-8714-C45A68A5C828}"/>
-              </a:ext>
-            </a:extLst>
-          </p:cNvPr>
-          <p:cNvSpPr>
-            <a:spLocks noGrp="1"/>
-          </p:cNvSpPr>
-          <p:nvPr>
-            <p:ph idx="1"/>
-          </p:nvPr>
-        </p:nvSpPr>
-        <p:spPr/>
-        <p:txBody>
-          <a:bodyPr>
-            <a:normAutofit/>
-          </a:bodyPr>
-          <a:lstStyle/>
-          <a:p>
-            <a:r>
-              <a:rPr lang="en-US" sz="2000" dirty="0"/>
-              <a:t>Dummy node </a:t>
-            </a:r>
-            <a:r>
-              <a:rPr lang="th-TH" sz="2000" dirty="0"/>
-              <a:t>คือ </a:t>
-            </a:r>
-            <a:r>
-              <a:rPr lang="en-US" sz="2000" dirty="0"/>
-              <a:t>Node </a:t>
-            </a:r>
-            <a:r>
-              <a:rPr lang="th-TH" sz="2000" dirty="0"/>
-              <a:t>ที่ไม่เก็บค่าใด ๆ ไว้ มีไว้ให้ </a:t>
-            </a:r>
-            <a:r>
-              <a:rPr lang="en-US" sz="2000" dirty="0"/>
-              <a:t>reference </a:t>
-            </a:r>
-            <a:r>
-              <a:rPr lang="th-TH" sz="2000" dirty="0"/>
-              <a:t>เฉย ๆ </a:t>
-            </a:r>
-          </a:p>
-          <a:p>
-            <a:r>
-              <a:rPr lang="th-TH" sz="2000" dirty="0"/>
-              <a:t>กรณี </a:t>
-            </a:r>
-            <a:r>
-              <a:rPr lang="en-US" sz="2000" dirty="0"/>
-              <a:t>Singly Linked List</a:t>
-            </a:r>
-            <a:r>
-              <a:rPr lang="th-TH" sz="2000" dirty="0"/>
-              <a:t> จะทำ </a:t>
-            </a:r>
-            <a:r>
-              <a:rPr lang="en-US" sz="2000" dirty="0"/>
-              <a:t>dummy node </a:t>
-            </a:r>
-            <a:r>
-              <a:rPr lang="th-TH" sz="2000" dirty="0"/>
-              <a:t>ไว้ที่ส่วนหัวและเรียกว่า </a:t>
-            </a:r>
-            <a:r>
-              <a:rPr lang="en-US" sz="2000" dirty="0"/>
-              <a:t>header</a:t>
-            </a:r>
-          </a:p>
-          <a:p>
-            <a:r>
-              <a:rPr lang="th-TH" sz="2000" dirty="0"/>
-              <a:t>กรณี </a:t>
-            </a:r>
-            <a:r>
-              <a:rPr lang="en-US" sz="2000" dirty="0"/>
-              <a:t>Doubly Linked List </a:t>
-            </a:r>
-            <a:r>
-              <a:rPr lang="th-TH" sz="2000" dirty="0"/>
-              <a:t>จำทำ </a:t>
-            </a:r>
-            <a:r>
-              <a:rPr lang="en-US" sz="2000" dirty="0"/>
-              <a:t>dummy node </a:t>
-            </a:r>
-            <a:r>
-              <a:rPr lang="th-TH" sz="2000" dirty="0"/>
-              <a:t>ไว้ที่หัวและท้ายโดยเรียกว่า </a:t>
-            </a:r>
-            <a:r>
-              <a:rPr lang="en-US" sz="2000" dirty="0"/>
-              <a:t>header </a:t>
-            </a:r>
-            <a:r>
-              <a:rPr lang="th-TH" sz="2000" dirty="0"/>
-              <a:t>และ </a:t>
-            </a:r>
-            <a:r>
-              <a:rPr lang="en-US" sz="2000" dirty="0"/>
-              <a:t>trailer </a:t>
-            </a:r>
-            <a:r>
-              <a:rPr lang="th-TH" sz="2000" dirty="0"/>
-              <a:t>ตามลำดับ</a:t>
-            </a:r>
-          </a:p>
-          <a:p>
-            <a:r>
-              <a:rPr lang="th-TH" sz="2000" dirty="0"/>
-              <a:t>ช่วยให้เขียนโค้ดได้เป็น </a:t>
-            </a:r>
-            <a:r>
-              <a:rPr lang="en-US" sz="2000" dirty="0"/>
-              <a:t>general case </a:t>
-            </a:r>
-            <a:r>
-              <a:rPr lang="th-TH" sz="2000" dirty="0"/>
-              <a:t>มากขึ้น ไม่ต้องดักว่าทำงานที่หัวหรือที่ท้ายของ </a:t>
-            </a:r>
-            <a:r>
-              <a:rPr lang="en-US" sz="2000" dirty="0"/>
-              <a:t>list </a:t>
-            </a:r>
-            <a:r>
-              <a:rPr lang="th-TH" sz="2000" dirty="0"/>
-              <a:t>เท่าไร</a:t>
-            </a:r>
-          </a:p>
-          <a:p>
-            <a:r>
-              <a:rPr lang="th-TH" sz="2000" dirty="0"/>
-              <a:t>ตัวอย่างโค้ดดูตามของอาจารย์ใน </a:t>
-            </a:r>
-            <a:r>
-              <a:rPr lang="en-US" sz="2000" dirty="0"/>
-              <a:t>Microsoft Teams</a:t>
-            </a:r>
-            <a:endParaRPr lang="th-TH" sz="2000" dirty="0"/>
-          </a:p>
-        </p:txBody>
-      </p:sp>
-      <p:sp>
-        <p:nvSpPr>
-          <p:cNvPr id="4" name="ตัวแทนวันที่ 3">
-            <a:extLst>
-              <a:ext uri="{FF2B5EF4-FFF2-40B4-BE49-F238E27FC236}">
-                <a16:creationId xmlns:a16="http://schemas.microsoft.com/office/drawing/2014/main" id="{C699C73D-29BD-4836-85D6-C1CC448B9897}"/>
-              </a:ext>
-            </a:extLst>
-          </p:cNvPr>
-          <p:cNvSpPr>
-            <a:spLocks noGrp="1"/>
-          </p:cNvSpPr>
-          <p:nvPr>
-            <p:ph type="dt" sz="half" idx="10"/>
-          </p:nvPr>
-        </p:nvSpPr>
-        <p:spPr/>
-        <p:txBody>
-          <a:bodyPr/>
-          <a:lstStyle/>
-          <a:p>
-            <a:pPr rtl="0"/>
-            <a:fld id="{38C53E2A-59EE-41B3-A1AB-9575F6EA1695}" type="datetime1">
-              <a:rPr lang="th-TH" smtClean="0"/>
-              <a:t>20/09/63</a:t>
+              <a:t>28/09/63</a:t>
             </a:fld>
             <a:endParaRPr lang="en-US"/>
           </a:p>
@@ -27203,7 +27835,7 @@
 </p:sld>
 </file>
 
-<file path=ppt/slides/slide62.xml><?xml version="1.0" encoding="utf-8"?>
+<file path=ppt/slides/slide67.xml><?xml version="1.0" encoding="utf-8"?>
 <p:sld xmlns:a="http://schemas.openxmlformats.org/drawingml/2006/main" xmlns:r="http://schemas.openxmlformats.org/officeDocument/2006/relationships" xmlns:p="http://schemas.openxmlformats.org/presentationml/2006/main">
   <p:cSld>
     <p:spTree>
@@ -27225,7 +27857,7 @@
           <p:cNvPr id="2" name="ชื่อเรื่อง 1">
             <a:extLst>
               <a:ext uri="{FF2B5EF4-FFF2-40B4-BE49-F238E27FC236}">
-                <a16:creationId xmlns:a16="http://schemas.microsoft.com/office/drawing/2014/main" id="{61662144-DE71-4577-9824-A690886C866B}"/>
+                <a16:creationId xmlns:a16="http://schemas.microsoft.com/office/drawing/2014/main" id="{2FFFE2F8-6B78-4D16-8876-9A1F1211AB81}"/>
               </a:ext>
             </a:extLst>
           </p:cNvPr>
@@ -27243,6 +27875,1110 @@
           <a:p>
             <a:r>
               <a:rPr lang="en-US" dirty="0"/>
+              <a:t>Init</a:t>
+            </a:r>
+            <a:endParaRPr lang="th-TH" dirty="0"/>
+          </a:p>
+        </p:txBody>
+      </p:sp>
+      <p:pic>
+        <p:nvPicPr>
+          <p:cNvPr id="5" name="ตัวแทนเนื้อหา 4">
+            <a:extLst>
+              <a:ext uri="{FF2B5EF4-FFF2-40B4-BE49-F238E27FC236}">
+                <a16:creationId xmlns:a16="http://schemas.microsoft.com/office/drawing/2014/main" id="{690EE8FA-1489-4F38-A50A-2A5A363FD692}"/>
+              </a:ext>
+            </a:extLst>
+          </p:cNvPr>
+          <p:cNvPicPr>
+            <a:picLocks noGrp="1" noChangeAspect="1"/>
+          </p:cNvPicPr>
+          <p:nvPr>
+            <p:ph idx="1"/>
+          </p:nvPr>
+        </p:nvPicPr>
+        <p:blipFill>
+          <a:blip r:embed="rId2"/>
+          <a:stretch>
+            <a:fillRect/>
+          </a:stretch>
+        </p:blipFill>
+        <p:spPr>
+          <a:xfrm>
+            <a:off x="1359017" y="2457974"/>
+            <a:ext cx="9437774" cy="3152705"/>
+          </a:xfrm>
+          <a:prstGeom prst="rect">
+            <a:avLst/>
+          </a:prstGeom>
+        </p:spPr>
+      </p:pic>
+      <p:sp>
+        <p:nvSpPr>
+          <p:cNvPr id="4" name="ตัวแทนวันที่ 3">
+            <a:extLst>
+              <a:ext uri="{FF2B5EF4-FFF2-40B4-BE49-F238E27FC236}">
+                <a16:creationId xmlns:a16="http://schemas.microsoft.com/office/drawing/2014/main" id="{47657C66-CD9A-44C0-AEBD-02BB72BD5324}"/>
+              </a:ext>
+            </a:extLst>
+          </p:cNvPr>
+          <p:cNvSpPr>
+            <a:spLocks noGrp="1"/>
+          </p:cNvSpPr>
+          <p:nvPr>
+            <p:ph type="dt" sz="half" idx="10"/>
+          </p:nvPr>
+        </p:nvSpPr>
+        <p:spPr/>
+        <p:txBody>
+          <a:bodyPr/>
+          <a:lstStyle/>
+          <a:p>
+            <a:pPr rtl="0"/>
+            <a:fld id="{38C53E2A-59EE-41B3-A1AB-9575F6EA1695}" type="datetime1">
+              <a:rPr lang="th-TH" smtClean="0"/>
+              <a:t>28/09/63</a:t>
+            </a:fld>
+            <a:endParaRPr lang="en-US"/>
+          </a:p>
+        </p:txBody>
+      </p:sp>
+    </p:spTree>
+    <p:extLst>
+      <p:ext uri="{BB962C8B-B14F-4D97-AF65-F5344CB8AC3E}">
+        <p14:creationId xmlns:p14="http://schemas.microsoft.com/office/powerpoint/2010/main" val="1676189918"/>
+      </p:ext>
+    </p:extLst>
+  </p:cSld>
+  <p:clrMapOvr>
+    <a:masterClrMapping/>
+  </p:clrMapOvr>
+</p:sld>
+</file>
+
+<file path=ppt/slides/slide68.xml><?xml version="1.0" encoding="utf-8"?>
+<p:sld xmlns:a="http://schemas.openxmlformats.org/drawingml/2006/main" xmlns:r="http://schemas.openxmlformats.org/officeDocument/2006/relationships" xmlns:p="http://schemas.openxmlformats.org/presentationml/2006/main">
+  <p:cSld>
+    <p:spTree>
+      <p:nvGrpSpPr>
+        <p:cNvPr id="1" name=""/>
+        <p:cNvGrpSpPr/>
+        <p:nvPr/>
+      </p:nvGrpSpPr>
+      <p:grpSpPr>
+        <a:xfrm>
+          <a:off x="0" y="0"/>
+          <a:ext cx="0" cy="0"/>
+          <a:chOff x="0" y="0"/>
+          <a:chExt cx="0" cy="0"/>
+        </a:xfrm>
+      </p:grpSpPr>
+      <p:sp>
+        <p:nvSpPr>
+          <p:cNvPr id="2" name="ชื่อเรื่อง 1">
+            <a:extLst>
+              <a:ext uri="{FF2B5EF4-FFF2-40B4-BE49-F238E27FC236}">
+                <a16:creationId xmlns:a16="http://schemas.microsoft.com/office/drawing/2014/main" id="{FB4E7F5D-D4A3-4597-9CF8-BE278AB6494B}"/>
+              </a:ext>
+            </a:extLst>
+          </p:cNvPr>
+          <p:cNvSpPr>
+            <a:spLocks noGrp="1"/>
+          </p:cNvSpPr>
+          <p:nvPr>
+            <p:ph type="title"/>
+          </p:nvPr>
+        </p:nvSpPr>
+        <p:spPr/>
+        <p:txBody>
+          <a:bodyPr/>
+          <a:lstStyle/>
+          <a:p>
+            <a:r>
+              <a:rPr lang="en-US" dirty="0"/>
+              <a:t>Dummy </a:t>
+            </a:r>
+            <a:r>
+              <a:rPr lang="en-US" dirty="0" err="1"/>
+              <a:t>is_empty</a:t>
+            </a:r>
+            <a:r>
+              <a:rPr lang="en-US" dirty="0"/>
+              <a:t>() method</a:t>
+            </a:r>
+            <a:endParaRPr lang="th-TH" dirty="0"/>
+          </a:p>
+        </p:txBody>
+      </p:sp>
+      <p:pic>
+        <p:nvPicPr>
+          <p:cNvPr id="5" name="ตัวแทนเนื้อหา 4">
+            <a:extLst>
+              <a:ext uri="{FF2B5EF4-FFF2-40B4-BE49-F238E27FC236}">
+                <a16:creationId xmlns:a16="http://schemas.microsoft.com/office/drawing/2014/main" id="{2C874595-778B-432D-972B-CA38ED6AE661}"/>
+              </a:ext>
+            </a:extLst>
+          </p:cNvPr>
+          <p:cNvPicPr>
+            <a:picLocks noGrp="1" noChangeAspect="1"/>
+          </p:cNvPicPr>
+          <p:nvPr>
+            <p:ph idx="1"/>
+          </p:nvPr>
+        </p:nvPicPr>
+        <p:blipFill>
+          <a:blip r:embed="rId2"/>
+          <a:stretch>
+            <a:fillRect/>
+          </a:stretch>
+        </p:blipFill>
+        <p:spPr>
+          <a:xfrm>
+            <a:off x="536254" y="3190469"/>
+            <a:ext cx="11119491" cy="1169266"/>
+          </a:xfrm>
+          <a:prstGeom prst="rect">
+            <a:avLst/>
+          </a:prstGeom>
+        </p:spPr>
+      </p:pic>
+      <p:sp>
+        <p:nvSpPr>
+          <p:cNvPr id="4" name="ตัวแทนวันที่ 3">
+            <a:extLst>
+              <a:ext uri="{FF2B5EF4-FFF2-40B4-BE49-F238E27FC236}">
+                <a16:creationId xmlns:a16="http://schemas.microsoft.com/office/drawing/2014/main" id="{2DBAE2F2-CEDC-4D60-893A-95D460E78B99}"/>
+              </a:ext>
+            </a:extLst>
+          </p:cNvPr>
+          <p:cNvSpPr>
+            <a:spLocks noGrp="1"/>
+          </p:cNvSpPr>
+          <p:nvPr>
+            <p:ph type="dt" sz="half" idx="10"/>
+          </p:nvPr>
+        </p:nvSpPr>
+        <p:spPr/>
+        <p:txBody>
+          <a:bodyPr/>
+          <a:lstStyle/>
+          <a:p>
+            <a:pPr rtl="0"/>
+            <a:fld id="{38C53E2A-59EE-41B3-A1AB-9575F6EA1695}" type="datetime1">
+              <a:rPr lang="th-TH" smtClean="0"/>
+              <a:t>28/09/63</a:t>
+            </a:fld>
+            <a:endParaRPr lang="en-US"/>
+          </a:p>
+        </p:txBody>
+      </p:sp>
+    </p:spTree>
+    <p:extLst>
+      <p:ext uri="{BB962C8B-B14F-4D97-AF65-F5344CB8AC3E}">
+        <p14:creationId xmlns:p14="http://schemas.microsoft.com/office/powerpoint/2010/main" val="2381339142"/>
+      </p:ext>
+    </p:extLst>
+  </p:cSld>
+  <p:clrMapOvr>
+    <a:masterClrMapping/>
+  </p:clrMapOvr>
+</p:sld>
+</file>
+
+<file path=ppt/slides/slide69.xml><?xml version="1.0" encoding="utf-8"?>
+<p:sld xmlns:a="http://schemas.openxmlformats.org/drawingml/2006/main" xmlns:r="http://schemas.openxmlformats.org/officeDocument/2006/relationships" xmlns:p="http://schemas.openxmlformats.org/presentationml/2006/main">
+  <p:cSld>
+    <p:spTree>
+      <p:nvGrpSpPr>
+        <p:cNvPr id="1" name=""/>
+        <p:cNvGrpSpPr/>
+        <p:nvPr/>
+      </p:nvGrpSpPr>
+      <p:grpSpPr>
+        <a:xfrm>
+          <a:off x="0" y="0"/>
+          <a:ext cx="0" cy="0"/>
+          <a:chOff x="0" y="0"/>
+          <a:chExt cx="0" cy="0"/>
+        </a:xfrm>
+      </p:grpSpPr>
+      <p:sp>
+        <p:nvSpPr>
+          <p:cNvPr id="2" name="ชื่อเรื่อง 1">
+            <a:extLst>
+              <a:ext uri="{FF2B5EF4-FFF2-40B4-BE49-F238E27FC236}">
+                <a16:creationId xmlns:a16="http://schemas.microsoft.com/office/drawing/2014/main" id="{A9C5F479-6DC7-4DBB-88AA-CB2D01E75375}"/>
+              </a:ext>
+            </a:extLst>
+          </p:cNvPr>
+          <p:cNvSpPr>
+            <a:spLocks noGrp="1"/>
+          </p:cNvSpPr>
+          <p:nvPr>
+            <p:ph type="title"/>
+          </p:nvPr>
+        </p:nvSpPr>
+        <p:spPr/>
+        <p:txBody>
+          <a:bodyPr/>
+          <a:lstStyle/>
+          <a:p>
+            <a:r>
+              <a:rPr lang="en-US" dirty="0"/>
+              <a:t>Dummy size() method</a:t>
+            </a:r>
+            <a:endParaRPr lang="th-TH" dirty="0"/>
+          </a:p>
+        </p:txBody>
+      </p:sp>
+      <p:pic>
+        <p:nvPicPr>
+          <p:cNvPr id="5" name="ตัวแทนเนื้อหา 4">
+            <a:extLst>
+              <a:ext uri="{FF2B5EF4-FFF2-40B4-BE49-F238E27FC236}">
+                <a16:creationId xmlns:a16="http://schemas.microsoft.com/office/drawing/2014/main" id="{47B471C1-D1A4-4894-ADB8-45C3BCAD2FD9}"/>
+              </a:ext>
+            </a:extLst>
+          </p:cNvPr>
+          <p:cNvPicPr>
+            <a:picLocks noGrp="1" noChangeAspect="1"/>
+          </p:cNvPicPr>
+          <p:nvPr>
+            <p:ph idx="1"/>
+          </p:nvPr>
+        </p:nvPicPr>
+        <p:blipFill>
+          <a:blip r:embed="rId2"/>
+          <a:stretch>
+            <a:fillRect/>
+          </a:stretch>
+        </p:blipFill>
+        <p:spPr>
+          <a:xfrm>
+            <a:off x="1978219" y="2281806"/>
+            <a:ext cx="7786566" cy="3406621"/>
+          </a:xfrm>
+          <a:prstGeom prst="rect">
+            <a:avLst/>
+          </a:prstGeom>
+        </p:spPr>
+      </p:pic>
+      <p:sp>
+        <p:nvSpPr>
+          <p:cNvPr id="4" name="ตัวแทนวันที่ 3">
+            <a:extLst>
+              <a:ext uri="{FF2B5EF4-FFF2-40B4-BE49-F238E27FC236}">
+                <a16:creationId xmlns:a16="http://schemas.microsoft.com/office/drawing/2014/main" id="{C1FA8872-30FE-442E-A7ED-8A4458BC0ECE}"/>
+              </a:ext>
+            </a:extLst>
+          </p:cNvPr>
+          <p:cNvSpPr>
+            <a:spLocks noGrp="1"/>
+          </p:cNvSpPr>
+          <p:nvPr>
+            <p:ph type="dt" sz="half" idx="10"/>
+          </p:nvPr>
+        </p:nvSpPr>
+        <p:spPr/>
+        <p:txBody>
+          <a:bodyPr/>
+          <a:lstStyle/>
+          <a:p>
+            <a:pPr rtl="0"/>
+            <a:fld id="{38C53E2A-59EE-41B3-A1AB-9575F6EA1695}" type="datetime1">
+              <a:rPr lang="th-TH" smtClean="0"/>
+              <a:t>28/09/63</a:t>
+            </a:fld>
+            <a:endParaRPr lang="en-US"/>
+          </a:p>
+        </p:txBody>
+      </p:sp>
+    </p:spTree>
+    <p:extLst>
+      <p:ext uri="{BB962C8B-B14F-4D97-AF65-F5344CB8AC3E}">
+        <p14:creationId xmlns:p14="http://schemas.microsoft.com/office/powerpoint/2010/main" val="2857557230"/>
+      </p:ext>
+    </p:extLst>
+  </p:cSld>
+  <p:clrMapOvr>
+    <a:masterClrMapping/>
+  </p:clrMapOvr>
+</p:sld>
+</file>
+
+<file path=ppt/slides/slide7.xml><?xml version="1.0" encoding="utf-8"?>
+<p:sld xmlns:a="http://schemas.openxmlformats.org/drawingml/2006/main" xmlns:r="http://schemas.openxmlformats.org/officeDocument/2006/relationships" xmlns:p="http://schemas.openxmlformats.org/presentationml/2006/main">
+  <p:cSld>
+    <p:spTree>
+      <p:nvGrpSpPr>
+        <p:cNvPr id="1" name=""/>
+        <p:cNvGrpSpPr/>
+        <p:nvPr/>
+      </p:nvGrpSpPr>
+      <p:grpSpPr>
+        <a:xfrm>
+          <a:off x="0" y="0"/>
+          <a:ext cx="0" cy="0"/>
+          <a:chOff x="0" y="0"/>
+          <a:chExt cx="0" cy="0"/>
+        </a:xfrm>
+      </p:grpSpPr>
+      <p:sp>
+        <p:nvSpPr>
+          <p:cNvPr id="2" name="ชื่อเรื่อง 1">
+            <a:extLst>
+              <a:ext uri="{FF2B5EF4-FFF2-40B4-BE49-F238E27FC236}">
+                <a16:creationId xmlns:a16="http://schemas.microsoft.com/office/drawing/2014/main" id="{4A60B26E-7659-4FBE-B7CE-BE69C762EBE9}"/>
+              </a:ext>
+            </a:extLst>
+          </p:cNvPr>
+          <p:cNvSpPr>
+            <a:spLocks noGrp="1"/>
+          </p:cNvSpPr>
+          <p:nvPr>
+            <p:ph type="ctrTitle"/>
+          </p:nvPr>
+        </p:nvSpPr>
+        <p:spPr/>
+        <p:txBody>
+          <a:bodyPr/>
+          <a:lstStyle/>
+          <a:p>
+            <a:r>
+              <a:rPr lang="en-US" dirty="0"/>
+              <a:t>list</a:t>
+            </a:r>
+            <a:endParaRPr lang="th-TH" dirty="0"/>
+          </a:p>
+        </p:txBody>
+      </p:sp>
+      <p:sp>
+        <p:nvSpPr>
+          <p:cNvPr id="4" name="ตัวแทนวันที่ 3">
+            <a:extLst>
+              <a:ext uri="{FF2B5EF4-FFF2-40B4-BE49-F238E27FC236}">
+                <a16:creationId xmlns:a16="http://schemas.microsoft.com/office/drawing/2014/main" id="{F8351F13-AABD-4A72-9CE3-EC53EBD8548F}"/>
+              </a:ext>
+            </a:extLst>
+          </p:cNvPr>
+          <p:cNvSpPr>
+            <a:spLocks noGrp="1"/>
+          </p:cNvSpPr>
+          <p:nvPr>
+            <p:ph type="dt" sz="half" idx="10"/>
+          </p:nvPr>
+        </p:nvSpPr>
+        <p:spPr/>
+        <p:txBody>
+          <a:bodyPr/>
+          <a:lstStyle/>
+          <a:p>
+            <a:fld id="{7773D18F-796E-48FA-B446-43BFEFAD4305}" type="datetime1">
+              <a:rPr lang="th-TH" smtClean="0"/>
+              <a:t>28/09/63</a:t>
+            </a:fld>
+            <a:endParaRPr lang="en-US" dirty="0"/>
+          </a:p>
+        </p:txBody>
+      </p:sp>
+    </p:spTree>
+    <p:extLst>
+      <p:ext uri="{BB962C8B-B14F-4D97-AF65-F5344CB8AC3E}">
+        <p14:creationId xmlns:p14="http://schemas.microsoft.com/office/powerpoint/2010/main" val="3292380179"/>
+      </p:ext>
+    </p:extLst>
+  </p:cSld>
+  <p:clrMapOvr>
+    <a:masterClrMapping/>
+  </p:clrMapOvr>
+</p:sld>
+</file>
+
+<file path=ppt/slides/slide70.xml><?xml version="1.0" encoding="utf-8"?>
+<p:sld xmlns:a="http://schemas.openxmlformats.org/drawingml/2006/main" xmlns:r="http://schemas.openxmlformats.org/officeDocument/2006/relationships" xmlns:p="http://schemas.openxmlformats.org/presentationml/2006/main">
+  <p:cSld>
+    <p:spTree>
+      <p:nvGrpSpPr>
+        <p:cNvPr id="1" name=""/>
+        <p:cNvGrpSpPr/>
+        <p:nvPr/>
+      </p:nvGrpSpPr>
+      <p:grpSpPr>
+        <a:xfrm>
+          <a:off x="0" y="0"/>
+          <a:ext cx="0" cy="0"/>
+          <a:chOff x="0" y="0"/>
+          <a:chExt cx="0" cy="0"/>
+        </a:xfrm>
+      </p:grpSpPr>
+      <p:sp>
+        <p:nvSpPr>
+          <p:cNvPr id="2" name="ชื่อเรื่อง 1">
+            <a:extLst>
+              <a:ext uri="{FF2B5EF4-FFF2-40B4-BE49-F238E27FC236}">
+                <a16:creationId xmlns:a16="http://schemas.microsoft.com/office/drawing/2014/main" id="{9B383364-DE95-474D-8024-B5C55C01DDD5}"/>
+              </a:ext>
+            </a:extLst>
+          </p:cNvPr>
+          <p:cNvSpPr>
+            <a:spLocks noGrp="1"/>
+          </p:cNvSpPr>
+          <p:nvPr>
+            <p:ph type="title"/>
+          </p:nvPr>
+        </p:nvSpPr>
+        <p:spPr/>
+        <p:txBody>
+          <a:bodyPr/>
+          <a:lstStyle/>
+          <a:p>
+            <a:r>
+              <a:rPr lang="en-US" dirty="0"/>
+              <a:t>Dummy </a:t>
+            </a:r>
+            <a:r>
+              <a:rPr lang="en-US" dirty="0" err="1"/>
+              <a:t>node_at</a:t>
+            </a:r>
+            <a:r>
+              <a:rPr lang="en-US" dirty="0"/>
+              <a:t>() method</a:t>
+            </a:r>
+            <a:endParaRPr lang="th-TH" dirty="0"/>
+          </a:p>
+        </p:txBody>
+      </p:sp>
+      <p:pic>
+        <p:nvPicPr>
+          <p:cNvPr id="5" name="ตัวแทนเนื้อหา 4">
+            <a:extLst>
+              <a:ext uri="{FF2B5EF4-FFF2-40B4-BE49-F238E27FC236}">
+                <a16:creationId xmlns:a16="http://schemas.microsoft.com/office/drawing/2014/main" id="{A3B472FF-F093-42F7-A8D0-328C19CDE2E3}"/>
+              </a:ext>
+            </a:extLst>
+          </p:cNvPr>
+          <p:cNvPicPr>
+            <a:picLocks noGrp="1" noChangeAspect="1"/>
+          </p:cNvPicPr>
+          <p:nvPr>
+            <p:ph idx="1"/>
+          </p:nvPr>
+        </p:nvPicPr>
+        <p:blipFill>
+          <a:blip r:embed="rId2"/>
+          <a:stretch>
+            <a:fillRect/>
+          </a:stretch>
+        </p:blipFill>
+        <p:spPr>
+          <a:xfrm>
+            <a:off x="2810312" y="2070702"/>
+            <a:ext cx="6249798" cy="4127540"/>
+          </a:xfrm>
+          <a:prstGeom prst="rect">
+            <a:avLst/>
+          </a:prstGeom>
+        </p:spPr>
+      </p:pic>
+      <p:sp>
+        <p:nvSpPr>
+          <p:cNvPr id="4" name="ตัวแทนวันที่ 3">
+            <a:extLst>
+              <a:ext uri="{FF2B5EF4-FFF2-40B4-BE49-F238E27FC236}">
+                <a16:creationId xmlns:a16="http://schemas.microsoft.com/office/drawing/2014/main" id="{0921F344-3F63-4BFC-8F15-69887E49BAA6}"/>
+              </a:ext>
+            </a:extLst>
+          </p:cNvPr>
+          <p:cNvSpPr>
+            <a:spLocks noGrp="1"/>
+          </p:cNvSpPr>
+          <p:nvPr>
+            <p:ph type="dt" sz="half" idx="10"/>
+          </p:nvPr>
+        </p:nvSpPr>
+        <p:spPr/>
+        <p:txBody>
+          <a:bodyPr/>
+          <a:lstStyle/>
+          <a:p>
+            <a:pPr rtl="0"/>
+            <a:fld id="{38C53E2A-59EE-41B3-A1AB-9575F6EA1695}" type="datetime1">
+              <a:rPr lang="th-TH" smtClean="0"/>
+              <a:t>28/09/63</a:t>
+            </a:fld>
+            <a:endParaRPr lang="en-US"/>
+          </a:p>
+        </p:txBody>
+      </p:sp>
+    </p:spTree>
+    <p:extLst>
+      <p:ext uri="{BB962C8B-B14F-4D97-AF65-F5344CB8AC3E}">
+        <p14:creationId xmlns:p14="http://schemas.microsoft.com/office/powerpoint/2010/main" val="279811412"/>
+      </p:ext>
+    </p:extLst>
+  </p:cSld>
+  <p:clrMapOvr>
+    <a:masterClrMapping/>
+  </p:clrMapOvr>
+</p:sld>
+</file>
+
+<file path=ppt/slides/slide71.xml><?xml version="1.0" encoding="utf-8"?>
+<p:sld xmlns:a="http://schemas.openxmlformats.org/drawingml/2006/main" xmlns:r="http://schemas.openxmlformats.org/officeDocument/2006/relationships" xmlns:p="http://schemas.openxmlformats.org/presentationml/2006/main">
+  <p:cSld>
+    <p:spTree>
+      <p:nvGrpSpPr>
+        <p:cNvPr id="1" name=""/>
+        <p:cNvGrpSpPr/>
+        <p:nvPr/>
+      </p:nvGrpSpPr>
+      <p:grpSpPr>
+        <a:xfrm>
+          <a:off x="0" y="0"/>
+          <a:ext cx="0" cy="0"/>
+          <a:chOff x="0" y="0"/>
+          <a:chExt cx="0" cy="0"/>
+        </a:xfrm>
+      </p:grpSpPr>
+      <p:sp>
+        <p:nvSpPr>
+          <p:cNvPr id="2" name="ชื่อเรื่อง 1">
+            <a:extLst>
+              <a:ext uri="{FF2B5EF4-FFF2-40B4-BE49-F238E27FC236}">
+                <a16:creationId xmlns:a16="http://schemas.microsoft.com/office/drawing/2014/main" id="{F8964AE2-861D-4754-A0B4-009EAFDD38B7}"/>
+              </a:ext>
+            </a:extLst>
+          </p:cNvPr>
+          <p:cNvSpPr>
+            <a:spLocks noGrp="1"/>
+          </p:cNvSpPr>
+          <p:nvPr>
+            <p:ph type="title"/>
+          </p:nvPr>
+        </p:nvSpPr>
+        <p:spPr/>
+        <p:txBody>
+          <a:bodyPr/>
+          <a:lstStyle/>
+          <a:p>
+            <a:r>
+              <a:rPr lang="en-US" dirty="0"/>
+              <a:t>Dummy </a:t>
+            </a:r>
+            <a:r>
+              <a:rPr lang="en-US" dirty="0" err="1"/>
+              <a:t>push_front</a:t>
+            </a:r>
+            <a:r>
+              <a:rPr lang="en-US" dirty="0"/>
+              <a:t>() method</a:t>
+            </a:r>
+            <a:endParaRPr lang="th-TH" dirty="0"/>
+          </a:p>
+        </p:txBody>
+      </p:sp>
+      <p:sp>
+        <p:nvSpPr>
+          <p:cNvPr id="4" name="ตัวแทนวันที่ 3">
+            <a:extLst>
+              <a:ext uri="{FF2B5EF4-FFF2-40B4-BE49-F238E27FC236}">
+                <a16:creationId xmlns:a16="http://schemas.microsoft.com/office/drawing/2014/main" id="{41A0FA44-3D04-44E9-83C5-97C02E2F9114}"/>
+              </a:ext>
+            </a:extLst>
+          </p:cNvPr>
+          <p:cNvSpPr>
+            <a:spLocks noGrp="1"/>
+          </p:cNvSpPr>
+          <p:nvPr>
+            <p:ph type="dt" sz="half" idx="10"/>
+          </p:nvPr>
+        </p:nvSpPr>
+        <p:spPr/>
+        <p:txBody>
+          <a:bodyPr/>
+          <a:lstStyle/>
+          <a:p>
+            <a:pPr rtl="0"/>
+            <a:fld id="{38C53E2A-59EE-41B3-A1AB-9575F6EA1695}" type="datetime1">
+              <a:rPr lang="th-TH" smtClean="0"/>
+              <a:t>28/09/63</a:t>
+            </a:fld>
+            <a:endParaRPr lang="en-US"/>
+          </a:p>
+        </p:txBody>
+      </p:sp>
+      <p:pic>
+        <p:nvPicPr>
+          <p:cNvPr id="9" name="ตัวแทนเนื้อหา 8">
+            <a:extLst>
+              <a:ext uri="{FF2B5EF4-FFF2-40B4-BE49-F238E27FC236}">
+                <a16:creationId xmlns:a16="http://schemas.microsoft.com/office/drawing/2014/main" id="{C8D44C44-EA4F-45C2-AB70-934E0E7D07C1}"/>
+              </a:ext>
+            </a:extLst>
+          </p:cNvPr>
+          <p:cNvPicPr>
+            <a:picLocks noGrp="1" noChangeAspect="1"/>
+          </p:cNvPicPr>
+          <p:nvPr>
+            <p:ph idx="1"/>
+          </p:nvPr>
+        </p:nvPicPr>
+        <p:blipFill>
+          <a:blip r:embed="rId2"/>
+          <a:stretch>
+            <a:fillRect/>
+          </a:stretch>
+        </p:blipFill>
+        <p:spPr>
+          <a:xfrm>
+            <a:off x="945021" y="2718033"/>
+            <a:ext cx="10718379" cy="2726422"/>
+          </a:xfrm>
+          <a:prstGeom prst="rect">
+            <a:avLst/>
+          </a:prstGeom>
+        </p:spPr>
+      </p:pic>
+    </p:spTree>
+    <p:extLst>
+      <p:ext uri="{BB962C8B-B14F-4D97-AF65-F5344CB8AC3E}">
+        <p14:creationId xmlns:p14="http://schemas.microsoft.com/office/powerpoint/2010/main" val="3718093792"/>
+      </p:ext>
+    </p:extLst>
+  </p:cSld>
+  <p:clrMapOvr>
+    <a:masterClrMapping/>
+  </p:clrMapOvr>
+</p:sld>
+</file>
+
+<file path=ppt/slides/slide72.xml><?xml version="1.0" encoding="utf-8"?>
+<p:sld xmlns:a="http://schemas.openxmlformats.org/drawingml/2006/main" xmlns:r="http://schemas.openxmlformats.org/officeDocument/2006/relationships" xmlns:p="http://schemas.openxmlformats.org/presentationml/2006/main">
+  <p:cSld>
+    <p:spTree>
+      <p:nvGrpSpPr>
+        <p:cNvPr id="1" name=""/>
+        <p:cNvGrpSpPr/>
+        <p:nvPr/>
+      </p:nvGrpSpPr>
+      <p:grpSpPr>
+        <a:xfrm>
+          <a:off x="0" y="0"/>
+          <a:ext cx="0" cy="0"/>
+          <a:chOff x="0" y="0"/>
+          <a:chExt cx="0" cy="0"/>
+        </a:xfrm>
+      </p:grpSpPr>
+      <p:sp>
+        <p:nvSpPr>
+          <p:cNvPr id="2" name="ชื่อเรื่อง 1">
+            <a:extLst>
+              <a:ext uri="{FF2B5EF4-FFF2-40B4-BE49-F238E27FC236}">
+                <a16:creationId xmlns:a16="http://schemas.microsoft.com/office/drawing/2014/main" id="{F8964AE2-861D-4754-A0B4-009EAFDD38B7}"/>
+              </a:ext>
+            </a:extLst>
+          </p:cNvPr>
+          <p:cNvSpPr>
+            <a:spLocks noGrp="1"/>
+          </p:cNvSpPr>
+          <p:nvPr>
+            <p:ph type="title"/>
+          </p:nvPr>
+        </p:nvSpPr>
+        <p:spPr/>
+        <p:txBody>
+          <a:bodyPr/>
+          <a:lstStyle/>
+          <a:p>
+            <a:r>
+              <a:rPr lang="en-US" dirty="0"/>
+              <a:t>Dummy </a:t>
+            </a:r>
+            <a:r>
+              <a:rPr lang="en-US" dirty="0" err="1"/>
+              <a:t>push_back</a:t>
+            </a:r>
+            <a:r>
+              <a:rPr lang="en-US" dirty="0"/>
+              <a:t>() method</a:t>
+            </a:r>
+            <a:endParaRPr lang="th-TH" dirty="0"/>
+          </a:p>
+        </p:txBody>
+      </p:sp>
+      <p:sp>
+        <p:nvSpPr>
+          <p:cNvPr id="4" name="ตัวแทนวันที่ 3">
+            <a:extLst>
+              <a:ext uri="{FF2B5EF4-FFF2-40B4-BE49-F238E27FC236}">
+                <a16:creationId xmlns:a16="http://schemas.microsoft.com/office/drawing/2014/main" id="{41A0FA44-3D04-44E9-83C5-97C02E2F9114}"/>
+              </a:ext>
+            </a:extLst>
+          </p:cNvPr>
+          <p:cNvSpPr>
+            <a:spLocks noGrp="1"/>
+          </p:cNvSpPr>
+          <p:nvPr>
+            <p:ph type="dt" sz="half" idx="10"/>
+          </p:nvPr>
+        </p:nvSpPr>
+        <p:spPr/>
+        <p:txBody>
+          <a:bodyPr/>
+          <a:lstStyle/>
+          <a:p>
+            <a:pPr rtl="0"/>
+            <a:fld id="{38C53E2A-59EE-41B3-A1AB-9575F6EA1695}" type="datetime1">
+              <a:rPr lang="th-TH" smtClean="0"/>
+              <a:t>28/09/63</a:t>
+            </a:fld>
+            <a:endParaRPr lang="en-US"/>
+          </a:p>
+        </p:txBody>
+      </p:sp>
+      <p:pic>
+        <p:nvPicPr>
+          <p:cNvPr id="6" name="ตัวแทนเนื้อหา 5">
+            <a:extLst>
+              <a:ext uri="{FF2B5EF4-FFF2-40B4-BE49-F238E27FC236}">
+                <a16:creationId xmlns:a16="http://schemas.microsoft.com/office/drawing/2014/main" id="{21CA0265-DD92-4D6C-A4D1-9DC5E0827D72}"/>
+              </a:ext>
+            </a:extLst>
+          </p:cNvPr>
+          <p:cNvPicPr>
+            <a:picLocks noGrp="1" noChangeAspect="1"/>
+          </p:cNvPicPr>
+          <p:nvPr>
+            <p:ph idx="1"/>
+          </p:nvPr>
+        </p:nvPicPr>
+        <p:blipFill>
+          <a:blip r:embed="rId2"/>
+          <a:stretch>
+            <a:fillRect/>
+          </a:stretch>
+        </p:blipFill>
+        <p:spPr>
+          <a:xfrm>
+            <a:off x="914195" y="2743200"/>
+            <a:ext cx="10551980" cy="2525086"/>
+          </a:xfrm>
+          <a:prstGeom prst="rect">
+            <a:avLst/>
+          </a:prstGeom>
+        </p:spPr>
+      </p:pic>
+    </p:spTree>
+    <p:extLst>
+      <p:ext uri="{BB962C8B-B14F-4D97-AF65-F5344CB8AC3E}">
+        <p14:creationId xmlns:p14="http://schemas.microsoft.com/office/powerpoint/2010/main" val="1981709526"/>
+      </p:ext>
+    </p:extLst>
+  </p:cSld>
+  <p:clrMapOvr>
+    <a:masterClrMapping/>
+  </p:clrMapOvr>
+</p:sld>
+</file>
+
+<file path=ppt/slides/slide73.xml><?xml version="1.0" encoding="utf-8"?>
+<p:sld xmlns:a="http://schemas.openxmlformats.org/drawingml/2006/main" xmlns:r="http://schemas.openxmlformats.org/officeDocument/2006/relationships" xmlns:p="http://schemas.openxmlformats.org/presentationml/2006/main">
+  <p:cSld>
+    <p:spTree>
+      <p:nvGrpSpPr>
+        <p:cNvPr id="1" name=""/>
+        <p:cNvGrpSpPr/>
+        <p:nvPr/>
+      </p:nvGrpSpPr>
+      <p:grpSpPr>
+        <a:xfrm>
+          <a:off x="0" y="0"/>
+          <a:ext cx="0" cy="0"/>
+          <a:chOff x="0" y="0"/>
+          <a:chExt cx="0" cy="0"/>
+        </a:xfrm>
+      </p:grpSpPr>
+      <p:sp>
+        <p:nvSpPr>
+          <p:cNvPr id="2" name="ชื่อเรื่อง 1">
+            <a:extLst>
+              <a:ext uri="{FF2B5EF4-FFF2-40B4-BE49-F238E27FC236}">
+                <a16:creationId xmlns:a16="http://schemas.microsoft.com/office/drawing/2014/main" id="{72F14C06-7738-4102-ADEB-03E30ABBCF19}"/>
+              </a:ext>
+            </a:extLst>
+          </p:cNvPr>
+          <p:cNvSpPr>
+            <a:spLocks noGrp="1"/>
+          </p:cNvSpPr>
+          <p:nvPr>
+            <p:ph type="title"/>
+          </p:nvPr>
+        </p:nvSpPr>
+        <p:spPr/>
+        <p:txBody>
+          <a:bodyPr/>
+          <a:lstStyle/>
+          <a:p>
+            <a:r>
+              <a:rPr lang="en-US" dirty="0"/>
+              <a:t>Dummy </a:t>
+            </a:r>
+            <a:r>
+              <a:rPr lang="en-US" dirty="0" err="1"/>
+              <a:t>pop_front</a:t>
+            </a:r>
+            <a:r>
+              <a:rPr lang="en-US" dirty="0"/>
+              <a:t>() method</a:t>
+            </a:r>
+            <a:endParaRPr lang="th-TH" dirty="0"/>
+          </a:p>
+        </p:txBody>
+      </p:sp>
+      <p:pic>
+        <p:nvPicPr>
+          <p:cNvPr id="5" name="ตัวแทนเนื้อหา 4">
+            <a:extLst>
+              <a:ext uri="{FF2B5EF4-FFF2-40B4-BE49-F238E27FC236}">
+                <a16:creationId xmlns:a16="http://schemas.microsoft.com/office/drawing/2014/main" id="{8B7477C8-632E-4215-B98F-186898BA24C9}"/>
+              </a:ext>
+            </a:extLst>
+          </p:cNvPr>
+          <p:cNvPicPr>
+            <a:picLocks noGrp="1" noChangeAspect="1"/>
+          </p:cNvPicPr>
+          <p:nvPr>
+            <p:ph idx="1"/>
+          </p:nvPr>
+        </p:nvPicPr>
+        <p:blipFill>
+          <a:blip r:embed="rId2"/>
+          <a:stretch>
+            <a:fillRect/>
+          </a:stretch>
+        </p:blipFill>
+        <p:spPr>
+          <a:xfrm>
+            <a:off x="2771157" y="2014194"/>
+            <a:ext cx="6649680" cy="4028172"/>
+          </a:xfrm>
+          <a:prstGeom prst="rect">
+            <a:avLst/>
+          </a:prstGeom>
+        </p:spPr>
+      </p:pic>
+      <p:sp>
+        <p:nvSpPr>
+          <p:cNvPr id="4" name="ตัวแทนวันที่ 3">
+            <a:extLst>
+              <a:ext uri="{FF2B5EF4-FFF2-40B4-BE49-F238E27FC236}">
+                <a16:creationId xmlns:a16="http://schemas.microsoft.com/office/drawing/2014/main" id="{6E36D156-8748-444F-B4DC-66EF258183E3}"/>
+              </a:ext>
+            </a:extLst>
+          </p:cNvPr>
+          <p:cNvSpPr>
+            <a:spLocks noGrp="1"/>
+          </p:cNvSpPr>
+          <p:nvPr>
+            <p:ph type="dt" sz="half" idx="10"/>
+          </p:nvPr>
+        </p:nvSpPr>
+        <p:spPr/>
+        <p:txBody>
+          <a:bodyPr/>
+          <a:lstStyle/>
+          <a:p>
+            <a:pPr rtl="0"/>
+            <a:fld id="{38C53E2A-59EE-41B3-A1AB-9575F6EA1695}" type="datetime1">
+              <a:rPr lang="th-TH" smtClean="0"/>
+              <a:t>28/09/63</a:t>
+            </a:fld>
+            <a:endParaRPr lang="en-US"/>
+          </a:p>
+        </p:txBody>
+      </p:sp>
+    </p:spTree>
+    <p:extLst>
+      <p:ext uri="{BB962C8B-B14F-4D97-AF65-F5344CB8AC3E}">
+        <p14:creationId xmlns:p14="http://schemas.microsoft.com/office/powerpoint/2010/main" val="330488618"/>
+      </p:ext>
+    </p:extLst>
+  </p:cSld>
+  <p:clrMapOvr>
+    <a:masterClrMapping/>
+  </p:clrMapOvr>
+</p:sld>
+</file>
+
+<file path=ppt/slides/slide74.xml><?xml version="1.0" encoding="utf-8"?>
+<p:sld xmlns:a="http://schemas.openxmlformats.org/drawingml/2006/main" xmlns:r="http://schemas.openxmlformats.org/officeDocument/2006/relationships" xmlns:p="http://schemas.openxmlformats.org/presentationml/2006/main">
+  <p:cSld>
+    <p:spTree>
+      <p:nvGrpSpPr>
+        <p:cNvPr id="1" name=""/>
+        <p:cNvGrpSpPr/>
+        <p:nvPr/>
+      </p:nvGrpSpPr>
+      <p:grpSpPr>
+        <a:xfrm>
+          <a:off x="0" y="0"/>
+          <a:ext cx="0" cy="0"/>
+          <a:chOff x="0" y="0"/>
+          <a:chExt cx="0" cy="0"/>
+        </a:xfrm>
+      </p:grpSpPr>
+      <p:sp>
+        <p:nvSpPr>
+          <p:cNvPr id="2" name="ชื่อเรื่อง 1">
+            <a:extLst>
+              <a:ext uri="{FF2B5EF4-FFF2-40B4-BE49-F238E27FC236}">
+                <a16:creationId xmlns:a16="http://schemas.microsoft.com/office/drawing/2014/main" id="{DABACBB8-2CF0-4B9B-A0D6-B8B16AE304D7}"/>
+              </a:ext>
+            </a:extLst>
+          </p:cNvPr>
+          <p:cNvSpPr>
+            <a:spLocks noGrp="1"/>
+          </p:cNvSpPr>
+          <p:nvPr>
+            <p:ph type="title"/>
+          </p:nvPr>
+        </p:nvSpPr>
+        <p:spPr/>
+        <p:txBody>
+          <a:bodyPr/>
+          <a:lstStyle/>
+          <a:p>
+            <a:r>
+              <a:rPr lang="en-US" dirty="0"/>
+              <a:t>Dummy </a:t>
+            </a:r>
+            <a:r>
+              <a:rPr lang="en-US" dirty="0" err="1"/>
+              <a:t>pop_back</a:t>
+            </a:r>
+            <a:r>
+              <a:rPr lang="en-US" dirty="0"/>
+              <a:t>() method</a:t>
+            </a:r>
+            <a:endParaRPr lang="th-TH" dirty="0"/>
+          </a:p>
+        </p:txBody>
+      </p:sp>
+      <p:pic>
+        <p:nvPicPr>
+          <p:cNvPr id="5" name="ตัวแทนเนื้อหา 4">
+            <a:extLst>
+              <a:ext uri="{FF2B5EF4-FFF2-40B4-BE49-F238E27FC236}">
+                <a16:creationId xmlns:a16="http://schemas.microsoft.com/office/drawing/2014/main" id="{548E75E7-5FED-4EC9-9651-2174D6FF1969}"/>
+              </a:ext>
+            </a:extLst>
+          </p:cNvPr>
+          <p:cNvPicPr>
+            <a:picLocks noGrp="1" noChangeAspect="1"/>
+          </p:cNvPicPr>
+          <p:nvPr>
+            <p:ph idx="1"/>
+          </p:nvPr>
+        </p:nvPicPr>
+        <p:blipFill>
+          <a:blip r:embed="rId2"/>
+          <a:stretch>
+            <a:fillRect/>
+          </a:stretch>
+        </p:blipFill>
+        <p:spPr>
+          <a:xfrm>
+            <a:off x="2256639" y="1790891"/>
+            <a:ext cx="7457811" cy="4346043"/>
+          </a:xfrm>
+          <a:prstGeom prst="rect">
+            <a:avLst/>
+          </a:prstGeom>
+        </p:spPr>
+      </p:pic>
+      <p:sp>
+        <p:nvSpPr>
+          <p:cNvPr id="4" name="ตัวแทนวันที่ 3">
+            <a:extLst>
+              <a:ext uri="{FF2B5EF4-FFF2-40B4-BE49-F238E27FC236}">
+                <a16:creationId xmlns:a16="http://schemas.microsoft.com/office/drawing/2014/main" id="{C6A34876-7BC4-4206-AA2E-F4438A51B9AD}"/>
+              </a:ext>
+            </a:extLst>
+          </p:cNvPr>
+          <p:cNvSpPr>
+            <a:spLocks noGrp="1"/>
+          </p:cNvSpPr>
+          <p:nvPr>
+            <p:ph type="dt" sz="half" idx="10"/>
+          </p:nvPr>
+        </p:nvSpPr>
+        <p:spPr/>
+        <p:txBody>
+          <a:bodyPr/>
+          <a:lstStyle/>
+          <a:p>
+            <a:pPr rtl="0"/>
+            <a:fld id="{38C53E2A-59EE-41B3-A1AB-9575F6EA1695}" type="datetime1">
+              <a:rPr lang="th-TH" smtClean="0"/>
+              <a:t>28/09/63</a:t>
+            </a:fld>
+            <a:endParaRPr lang="en-US"/>
+          </a:p>
+        </p:txBody>
+      </p:sp>
+    </p:spTree>
+    <p:extLst>
+      <p:ext uri="{BB962C8B-B14F-4D97-AF65-F5344CB8AC3E}">
+        <p14:creationId xmlns:p14="http://schemas.microsoft.com/office/powerpoint/2010/main" val="686806269"/>
+      </p:ext>
+    </p:extLst>
+  </p:cSld>
+  <p:clrMapOvr>
+    <a:masterClrMapping/>
+  </p:clrMapOvr>
+</p:sld>
+</file>
+
+<file path=ppt/slides/slide75.xml><?xml version="1.0" encoding="utf-8"?>
+<p:sld xmlns:a="http://schemas.openxmlformats.org/drawingml/2006/main" xmlns:r="http://schemas.openxmlformats.org/officeDocument/2006/relationships" xmlns:p="http://schemas.openxmlformats.org/presentationml/2006/main">
+  <p:cSld>
+    <p:spTree>
+      <p:nvGrpSpPr>
+        <p:cNvPr id="1" name=""/>
+        <p:cNvGrpSpPr/>
+        <p:nvPr/>
+      </p:nvGrpSpPr>
+      <p:grpSpPr>
+        <a:xfrm>
+          <a:off x="0" y="0"/>
+          <a:ext cx="0" cy="0"/>
+          <a:chOff x="0" y="0"/>
+          <a:chExt cx="0" cy="0"/>
+        </a:xfrm>
+      </p:grpSpPr>
+      <p:sp>
+        <p:nvSpPr>
+          <p:cNvPr id="2" name="ชื่อเรื่อง 1">
+            <a:extLst>
+              <a:ext uri="{FF2B5EF4-FFF2-40B4-BE49-F238E27FC236}">
+                <a16:creationId xmlns:a16="http://schemas.microsoft.com/office/drawing/2014/main" id="{61662144-DE71-4577-9824-A690886C866B}"/>
+              </a:ext>
+            </a:extLst>
+          </p:cNvPr>
+          <p:cNvSpPr>
+            <a:spLocks noGrp="1"/>
+          </p:cNvSpPr>
+          <p:nvPr>
+            <p:ph type="title"/>
+          </p:nvPr>
+        </p:nvSpPr>
+        <p:spPr/>
+        <p:txBody>
+          <a:bodyPr/>
+          <a:lstStyle/>
+          <a:p>
+            <a:r>
+              <a:rPr lang="en-US" dirty="0"/>
               <a:t>Recursion</a:t>
             </a:r>
             <a:endParaRPr lang="th-TH" dirty="0"/>
@@ -27301,7 +29037,7 @@
           <a:p>
             <a:fld id="{CC8C1F7F-7918-4156-86A5-91C01FD8A003}" type="datetime1">
               <a:rPr lang="th-TH" smtClean="0"/>
-              <a:t>20/09/63</a:t>
+              <a:t>28/09/63</a:t>
             </a:fld>
             <a:endParaRPr lang="th-TH" dirty="0"/>
           </a:p>
@@ -27356,7 +29092,7 @@
 </p:sld>
 </file>
 
-<file path=ppt/slides/slide63.xml><?xml version="1.0" encoding="utf-8"?>
+<file path=ppt/slides/slide76.xml><?xml version="1.0" encoding="utf-8"?>
 <p:sld xmlns:a="http://schemas.openxmlformats.org/drawingml/2006/main" xmlns:r="http://schemas.openxmlformats.org/officeDocument/2006/relationships" xmlns:p="http://schemas.openxmlformats.org/presentationml/2006/main">
   <p:cSld>
     <p:spTree>
@@ -27505,7 +29241,7 @@
             <a:pPr rtl="0"/>
             <a:fld id="{38C53E2A-59EE-41B3-A1AB-9575F6EA1695}" type="datetime1">
               <a:rPr lang="th-TH" smtClean="0"/>
-              <a:t>20/09/63</a:t>
+              <a:t>28/09/63</a:t>
             </a:fld>
             <a:endParaRPr lang="en-US"/>
           </a:p>
@@ -27560,7 +29296,7 @@
 </p:sld>
 </file>
 
-<file path=ppt/slides/slide64.xml><?xml version="1.0" encoding="utf-8"?>
+<file path=ppt/slides/slide77.xml><?xml version="1.0" encoding="utf-8"?>
 <p:sld xmlns:a="http://schemas.openxmlformats.org/drawingml/2006/main" xmlns:r="http://schemas.openxmlformats.org/officeDocument/2006/relationships" xmlns:p="http://schemas.openxmlformats.org/presentationml/2006/main">
   <p:cSld>
     <p:spTree>
@@ -27633,7 +29369,7 @@
             <a:pPr rtl="0"/>
             <a:fld id="{38C53E2A-59EE-41B3-A1AB-9575F6EA1695}" type="datetime1">
               <a:rPr lang="th-TH" smtClean="0"/>
-              <a:t>20/09/63</a:t>
+              <a:t>28/09/63</a:t>
             </a:fld>
             <a:endParaRPr lang="en-US"/>
           </a:p>
@@ -27752,7 +29488,7 @@
 </p:sld>
 </file>
 
-<file path=ppt/slides/slide65.xml><?xml version="1.0" encoding="utf-8"?>
+<file path=ppt/slides/slide78.xml><?xml version="1.0" encoding="utf-8"?>
 <p:sld xmlns:a="http://schemas.openxmlformats.org/drawingml/2006/main" xmlns:r="http://schemas.openxmlformats.org/officeDocument/2006/relationships" xmlns:p="http://schemas.openxmlformats.org/presentationml/2006/main">
   <p:cSld>
     <p:spTree>
@@ -27877,7 +29613,7 @@
             <a:pPr rtl="0"/>
             <a:fld id="{38C53E2A-59EE-41B3-A1AB-9575F6EA1695}" type="datetime1">
               <a:rPr lang="th-TH" smtClean="0"/>
-              <a:t>20/09/63</a:t>
+              <a:t>28/09/63</a:t>
             </a:fld>
             <a:endParaRPr lang="en-US"/>
           </a:p>
@@ -27932,7 +29668,7 @@
 </p:sld>
 </file>
 
-<file path=ppt/slides/slide66.xml><?xml version="1.0" encoding="utf-8"?>
+<file path=ppt/slides/slide79.xml><?xml version="1.0" encoding="utf-8"?>
 <p:sld xmlns:a="http://schemas.openxmlformats.org/drawingml/2006/main" xmlns:r="http://schemas.openxmlformats.org/officeDocument/2006/relationships" xmlns:p="http://schemas.openxmlformats.org/presentationml/2006/main">
   <p:cSld>
     <p:spTree>
@@ -28114,7 +29850,7 @@
             <a:pPr rtl="0"/>
             <a:fld id="{38C53E2A-59EE-41B3-A1AB-9575F6EA1695}" type="datetime1">
               <a:rPr lang="th-TH" smtClean="0"/>
-              <a:t>20/09/63</a:t>
+              <a:t>28/09/63</a:t>
             </a:fld>
             <a:endParaRPr lang="en-US"/>
           </a:p>
@@ -28133,7 +29869,7 @@
 </p:sld>
 </file>
 
-<file path=ppt/slides/slide67.xml><?xml version="1.0" encoding="utf-8"?>
+<file path=ppt/slides/slide8.xml><?xml version="1.0" encoding="utf-8"?>
 <p:sld xmlns:a="http://schemas.openxmlformats.org/drawingml/2006/main" xmlns:r="http://schemas.openxmlformats.org/officeDocument/2006/relationships" xmlns:p="http://schemas.openxmlformats.org/presentationml/2006/main">
   <p:cSld>
     <p:spTree>
@@ -28155,7 +29891,7 @@
           <p:cNvPr id="2" name="ชื่อเรื่อง 1">
             <a:extLst>
               <a:ext uri="{FF2B5EF4-FFF2-40B4-BE49-F238E27FC236}">
-                <a16:creationId xmlns:a16="http://schemas.microsoft.com/office/drawing/2014/main" id="{17A98209-BCDC-4969-AA2D-B9A9DCDA13B9}"/>
+                <a16:creationId xmlns:a16="http://schemas.microsoft.com/office/drawing/2014/main" id="{A6BE7C35-8AC9-41DA-A851-662EF2841FB1}"/>
               </a:ext>
             </a:extLst>
           </p:cNvPr>
@@ -28173,7 +29909,7 @@
           <a:p>
             <a:r>
               <a:rPr lang="en-US" dirty="0"/>
-              <a:t>Tail Recursion</a:t>
+              <a:t>List method</a:t>
             </a:r>
             <a:endParaRPr lang="th-TH" dirty="0"/>
           </a:p>
@@ -28184,7 +29920,7 @@
           <p:cNvPr id="3" name="ตัวแทนเนื้อหา 2">
             <a:extLst>
               <a:ext uri="{FF2B5EF4-FFF2-40B4-BE49-F238E27FC236}">
-                <a16:creationId xmlns:a16="http://schemas.microsoft.com/office/drawing/2014/main" id="{1717217E-A35A-489B-BCF4-7069981EEE04}"/>
+                <a16:creationId xmlns:a16="http://schemas.microsoft.com/office/drawing/2014/main" id="{4439A968-B75B-440B-8670-5A824239FD3D}"/>
               </a:ext>
             </a:extLst>
           </p:cNvPr>
@@ -28198,36 +29934,77 @@
         <p:spPr/>
         <p:txBody>
           <a:bodyPr>
-            <a:normAutofit/>
+            <a:normAutofit lnSpcReduction="10000"/>
           </a:bodyPr>
           <a:lstStyle/>
           <a:p>
             <a:r>
-              <a:rPr lang="th-TH" sz="2800" dirty="0"/>
-              <a:t>เรียก </a:t>
-            </a:r>
-            <a:r>
-              <a:rPr lang="en-US" sz="2800" dirty="0"/>
-              <a:t>Recursion </a:t>
-            </a:r>
-            <a:r>
-              <a:rPr lang="th-TH" sz="2800" dirty="0"/>
-              <a:t>เป็นคำสั่งสุดท้าย</a:t>
-            </a:r>
-          </a:p>
-          <a:p>
-            <a:r>
-              <a:rPr lang="th-TH" sz="2800" dirty="0"/>
-              <a:t>สามารถเขียนในรูป </a:t>
-            </a:r>
-            <a:r>
-              <a:rPr lang="en-US" sz="2800" dirty="0"/>
-              <a:t>Iterative </a:t>
-            </a:r>
-            <a:r>
-              <a:rPr lang="th-TH" sz="2800" dirty="0"/>
-              <a:t>ได้ง่าย</a:t>
-            </a:r>
+              <a:rPr lang="en-US" sz="2400" dirty="0">
+                <a:solidFill>
+                  <a:srgbClr val="C00000"/>
+                </a:solidFill>
+              </a:rPr>
+              <a:t>Mutable</a:t>
+            </a:r>
+          </a:p>
+          <a:p>
+            <a:r>
+              <a:rPr lang="en-US" sz="2400" dirty="0"/>
+              <a:t>append(data)</a:t>
+            </a:r>
+          </a:p>
+          <a:p>
+            <a:r>
+              <a:rPr lang="en-US" sz="2400" dirty="0"/>
+              <a:t>insert(pos, data)</a:t>
+            </a:r>
+          </a:p>
+          <a:p>
+            <a:r>
+              <a:rPr lang="en-US" sz="2400" dirty="0"/>
+              <a:t>data pop(pos)</a:t>
+            </a:r>
+          </a:p>
+          <a:p>
+            <a:r>
+              <a:rPr lang="en-US" sz="2400" dirty="0"/>
+              <a:t>remove(data)</a:t>
+            </a:r>
+          </a:p>
+          <a:p>
+            <a:r>
+              <a:rPr lang="en-US" sz="2400" dirty="0"/>
+              <a:t>sort()</a:t>
+            </a:r>
+          </a:p>
+          <a:p>
+            <a:r>
+              <a:rPr lang="en-US" sz="2400" dirty="0"/>
+              <a:t>int count(data)</a:t>
+            </a:r>
+          </a:p>
+          <a:p>
+            <a:r>
+              <a:rPr lang="en-US" sz="2400" dirty="0"/>
+              <a:t>int index(data) </a:t>
+            </a:r>
+            <a:r>
+              <a:rPr lang="th-TH" sz="2400" dirty="0"/>
+              <a:t>ให้ค่า </a:t>
+            </a:r>
+            <a:r>
+              <a:rPr lang="en-US" sz="2400" dirty="0"/>
+              <a:t>index </a:t>
+            </a:r>
+            <a:r>
+              <a:rPr lang="th-TH" sz="2400" dirty="0"/>
+              <a:t>ของ </a:t>
+            </a:r>
+            <a:r>
+              <a:rPr lang="en-US" sz="2400" dirty="0"/>
+              <a:t>data</a:t>
+            </a:r>
+            <a:endParaRPr lang="th-TH" sz="2400" dirty="0"/>
           </a:p>
         </p:txBody>
       </p:sp>
@@ -28236,7 +30013,7 @@
           <p:cNvPr id="4" name="ตัวแทนวันที่ 3">
             <a:extLst>
               <a:ext uri="{FF2B5EF4-FFF2-40B4-BE49-F238E27FC236}">
-                <a16:creationId xmlns:a16="http://schemas.microsoft.com/office/drawing/2014/main" id="{ECD92CAF-7695-4F44-AE5C-1DFA099385A0}"/>
+                <a16:creationId xmlns:a16="http://schemas.microsoft.com/office/drawing/2014/main" id="{BD15FD93-2F58-4BF6-B8CD-D404A32B47CD}"/>
               </a:ext>
             </a:extLst>
           </p:cNvPr>
@@ -28255,7 +30032,148 @@
             <a:pPr rtl="0"/>
             <a:fld id="{38C53E2A-59EE-41B3-A1AB-9575F6EA1695}" type="datetime1">
               <a:rPr lang="th-TH" smtClean="0"/>
-              <a:t>20/09/63</a:t>
+              <a:t>28/09/63</a:t>
+            </a:fld>
+            <a:endParaRPr lang="en-US"/>
+          </a:p>
+        </p:txBody>
+      </p:sp>
+    </p:spTree>
+    <p:extLst>
+      <p:ext uri="{BB962C8B-B14F-4D97-AF65-F5344CB8AC3E}">
+        <p14:creationId xmlns:p14="http://schemas.microsoft.com/office/powerpoint/2010/main" val="773826309"/>
+      </p:ext>
+    </p:extLst>
+  </p:cSld>
+  <p:clrMapOvr>
+    <a:masterClrMapping/>
+  </p:clrMapOvr>
+</p:sld>
+</file>
+
+<file path=ppt/slides/slide80.xml><?xml version="1.0" encoding="utf-8"?>
+<p:sld xmlns:a="http://schemas.openxmlformats.org/drawingml/2006/main" xmlns:r="http://schemas.openxmlformats.org/officeDocument/2006/relationships" xmlns:p="http://schemas.openxmlformats.org/presentationml/2006/main">
+  <p:cSld>
+    <p:spTree>
+      <p:nvGrpSpPr>
+        <p:cNvPr id="1" name=""/>
+        <p:cNvGrpSpPr/>
+        <p:nvPr/>
+      </p:nvGrpSpPr>
+      <p:grpSpPr>
+        <a:xfrm>
+          <a:off x="0" y="0"/>
+          <a:ext cx="0" cy="0"/>
+          <a:chOff x="0" y="0"/>
+          <a:chExt cx="0" cy="0"/>
+        </a:xfrm>
+      </p:grpSpPr>
+      <p:sp>
+        <p:nvSpPr>
+          <p:cNvPr id="2" name="ชื่อเรื่อง 1">
+            <a:extLst>
+              <a:ext uri="{FF2B5EF4-FFF2-40B4-BE49-F238E27FC236}">
+                <a16:creationId xmlns:a16="http://schemas.microsoft.com/office/drawing/2014/main" id="{17A98209-BCDC-4969-AA2D-B9A9DCDA13B9}"/>
+              </a:ext>
+            </a:extLst>
+          </p:cNvPr>
+          <p:cNvSpPr>
+            <a:spLocks noGrp="1"/>
+          </p:cNvSpPr>
+          <p:nvPr>
+            <p:ph type="title"/>
+          </p:nvPr>
+        </p:nvSpPr>
+        <p:spPr/>
+        <p:txBody>
+          <a:bodyPr/>
+          <a:lstStyle/>
+          <a:p>
+            <a:r>
+              <a:rPr lang="en-US" dirty="0"/>
+              <a:t>Tail Recursion</a:t>
+            </a:r>
+            <a:endParaRPr lang="th-TH" dirty="0"/>
+          </a:p>
+        </p:txBody>
+      </p:sp>
+      <p:sp>
+        <p:nvSpPr>
+          <p:cNvPr id="3" name="ตัวแทนเนื้อหา 2">
+            <a:extLst>
+              <a:ext uri="{FF2B5EF4-FFF2-40B4-BE49-F238E27FC236}">
+                <a16:creationId xmlns:a16="http://schemas.microsoft.com/office/drawing/2014/main" id="{1717217E-A35A-489B-BCF4-7069981EEE04}"/>
+              </a:ext>
+            </a:extLst>
+          </p:cNvPr>
+          <p:cNvSpPr>
+            <a:spLocks noGrp="1"/>
+          </p:cNvSpPr>
+          <p:nvPr>
+            <p:ph idx="1"/>
+          </p:nvPr>
+        </p:nvSpPr>
+        <p:spPr/>
+        <p:txBody>
+          <a:bodyPr>
+            <a:normAutofit/>
+          </a:bodyPr>
+          <a:lstStyle/>
+          <a:p>
+            <a:r>
+              <a:rPr lang="th-TH" sz="2800" dirty="0"/>
+              <a:t>เรียก </a:t>
+            </a:r>
+            <a:r>
+              <a:rPr lang="en-US" sz="2800" dirty="0"/>
+              <a:t>Recursion </a:t>
+            </a:r>
+            <a:r>
+              <a:rPr lang="th-TH" sz="2800" dirty="0"/>
+              <a:t>เป็นคำสั่งสุดท้าย</a:t>
+            </a:r>
+          </a:p>
+          <a:p>
+            <a:r>
+              <a:rPr lang="th-TH" sz="2800" dirty="0"/>
+              <a:t>สามารถเขียนในรูป </a:t>
+            </a:r>
+            <a:r>
+              <a:rPr lang="en-US" sz="2800" dirty="0"/>
+              <a:t>Iterative </a:t>
+            </a:r>
+            <a:r>
+              <a:rPr lang="th-TH" sz="2800" dirty="0"/>
+              <a:t>ได้ง่าย</a:t>
+            </a:r>
+          </a:p>
+        </p:txBody>
+      </p:sp>
+      <p:sp>
+        <p:nvSpPr>
+          <p:cNvPr id="4" name="ตัวแทนวันที่ 3">
+            <a:extLst>
+              <a:ext uri="{FF2B5EF4-FFF2-40B4-BE49-F238E27FC236}">
+                <a16:creationId xmlns:a16="http://schemas.microsoft.com/office/drawing/2014/main" id="{ECD92CAF-7695-4F44-AE5C-1DFA099385A0}"/>
+              </a:ext>
+            </a:extLst>
+          </p:cNvPr>
+          <p:cNvSpPr>
+            <a:spLocks noGrp="1"/>
+          </p:cNvSpPr>
+          <p:nvPr>
+            <p:ph type="dt" sz="half" idx="10"/>
+          </p:nvPr>
+        </p:nvSpPr>
+        <p:spPr/>
+        <p:txBody>
+          <a:bodyPr/>
+          <a:lstStyle/>
+          <a:p>
+            <a:pPr rtl="0"/>
+            <a:fld id="{38C53E2A-59EE-41B3-A1AB-9575F6EA1695}" type="datetime1">
+              <a:rPr lang="th-TH" smtClean="0"/>
+              <a:t>28/09/63</a:t>
             </a:fld>
             <a:endParaRPr lang="en-US"/>
           </a:p>
@@ -28304,7 +30222,7 @@
 </p:sld>
 </file>
 
-<file path=ppt/slides/slide68.xml><?xml version="1.0" encoding="utf-8"?>
+<file path=ppt/slides/slide81.xml><?xml version="1.0" encoding="utf-8"?>
 <p:sld xmlns:a="http://schemas.openxmlformats.org/drawingml/2006/main" xmlns:r="http://schemas.openxmlformats.org/officeDocument/2006/relationships" xmlns:p="http://schemas.openxmlformats.org/presentationml/2006/main">
   <p:cSld>
     <p:spTree>
@@ -28406,7 +30324,7 @@
             <a:pPr rtl="0"/>
             <a:fld id="{38C53E2A-59EE-41B3-A1AB-9575F6EA1695}" type="datetime1">
               <a:rPr lang="th-TH" smtClean="0"/>
-              <a:t>20/09/63</a:t>
+              <a:t>28/09/63</a:t>
             </a:fld>
             <a:endParaRPr lang="en-US"/>
           </a:p>
@@ -28425,7 +30343,7 @@
 </p:sld>
 </file>
 
-<file path=ppt/slides/slide69.xml><?xml version="1.0" encoding="utf-8"?>
+<file path=ppt/slides/slide82.xml><?xml version="1.0" encoding="utf-8"?>
 <p:sld xmlns:a="http://schemas.openxmlformats.org/drawingml/2006/main" xmlns:r="http://schemas.openxmlformats.org/officeDocument/2006/relationships" xmlns:p="http://schemas.openxmlformats.org/presentationml/2006/main">
   <p:cSld>
     <p:spTree>
@@ -28527,7 +30445,7 @@
             <a:pPr rtl="0"/>
             <a:fld id="{38C53E2A-59EE-41B3-A1AB-9575F6EA1695}" type="datetime1">
               <a:rPr lang="th-TH" smtClean="0"/>
-              <a:t>20/09/63</a:t>
+              <a:t>28/09/63</a:t>
             </a:fld>
             <a:endParaRPr lang="en-US"/>
           </a:p>
@@ -28546,7 +30464,7 @@
 </p:sld>
 </file>
 
-<file path=ppt/slides/slide7.xml><?xml version="1.0" encoding="utf-8"?>
+<file path=ppt/slides/slide83.xml><?xml version="1.0" encoding="utf-8"?>
 <p:sld xmlns:a="http://schemas.openxmlformats.org/drawingml/2006/main" xmlns:r="http://schemas.openxmlformats.org/officeDocument/2006/relationships" xmlns:p="http://schemas.openxmlformats.org/presentationml/2006/main">
   <p:cSld>
     <p:spTree>
@@ -28568,7 +30486,7 @@
           <p:cNvPr id="2" name="ชื่อเรื่อง 1">
             <a:extLst>
               <a:ext uri="{FF2B5EF4-FFF2-40B4-BE49-F238E27FC236}">
-                <a16:creationId xmlns:a16="http://schemas.microsoft.com/office/drawing/2014/main" id="{A6BE7C35-8AC9-41DA-A851-662EF2841FB1}"/>
+                <a16:creationId xmlns:a16="http://schemas.microsoft.com/office/drawing/2014/main" id="{6EB69348-43A8-4BAC-963C-82F01ECF3118}"/>
               </a:ext>
             </a:extLst>
           </p:cNvPr>
@@ -28586,7 +30504,7 @@
           <a:p>
             <a:r>
               <a:rPr lang="en-US" dirty="0"/>
-              <a:t>List method</a:t>
+              <a:t>Example: Hanoi Tower</a:t>
             </a:r>
             <a:endParaRPr lang="th-TH" dirty="0"/>
           </a:p>
@@ -28594,103 +30512,10 @@
       </p:sp>
       <p:sp>
         <p:nvSpPr>
-          <p:cNvPr id="3" name="ตัวแทนเนื้อหา 2">
-            <a:extLst>
-              <a:ext uri="{FF2B5EF4-FFF2-40B4-BE49-F238E27FC236}">
-                <a16:creationId xmlns:a16="http://schemas.microsoft.com/office/drawing/2014/main" id="{4439A968-B75B-440B-8670-5A824239FD3D}"/>
-              </a:ext>
-            </a:extLst>
-          </p:cNvPr>
-          <p:cNvSpPr>
-            <a:spLocks noGrp="1"/>
-          </p:cNvSpPr>
-          <p:nvPr>
-            <p:ph idx="1"/>
-          </p:nvPr>
-        </p:nvSpPr>
-        <p:spPr/>
-        <p:txBody>
-          <a:bodyPr>
-            <a:normAutofit lnSpcReduction="10000"/>
-          </a:bodyPr>
-          <a:lstStyle/>
-          <a:p>
-            <a:r>
-              <a:rPr lang="en-US" sz="2400" dirty="0">
-                <a:solidFill>
-                  <a:srgbClr val="C00000"/>
-                </a:solidFill>
-              </a:rPr>
-              <a:t>Mutable</a:t>
-            </a:r>
-          </a:p>
-          <a:p>
-            <a:r>
-              <a:rPr lang="en-US" sz="2400" dirty="0"/>
-              <a:t>append(data)</a:t>
-            </a:r>
-          </a:p>
-          <a:p>
-            <a:r>
-              <a:rPr lang="en-US" sz="2400" dirty="0"/>
-              <a:t>insert(pos, data)</a:t>
-            </a:r>
-          </a:p>
-          <a:p>
-            <a:r>
-              <a:rPr lang="en-US" sz="2400" dirty="0"/>
-              <a:t>data pop(pos)</a:t>
-            </a:r>
-          </a:p>
-          <a:p>
-            <a:r>
-              <a:rPr lang="en-US" sz="2400" dirty="0"/>
-              <a:t>remove(data)</a:t>
-            </a:r>
-          </a:p>
-          <a:p>
-            <a:r>
-              <a:rPr lang="en-US" sz="2400" dirty="0"/>
-              <a:t>sort()</a:t>
-            </a:r>
-          </a:p>
-          <a:p>
-            <a:r>
-              <a:rPr lang="en-US" sz="2400" dirty="0"/>
-              <a:t>int count(data)</a:t>
-            </a:r>
-          </a:p>
-          <a:p>
-            <a:r>
-              <a:rPr lang="en-US" sz="2400" dirty="0"/>
-              <a:t>int index(data) </a:t>
-            </a:r>
-            <a:r>
-              <a:rPr lang="th-TH" sz="2400" dirty="0"/>
-              <a:t>ให้ค่า </a:t>
-            </a:r>
-            <a:r>
-              <a:rPr lang="en-US" sz="2400" dirty="0"/>
-              <a:t>index </a:t>
-            </a:r>
-            <a:r>
-              <a:rPr lang="th-TH" sz="2400" dirty="0"/>
-              <a:t>ของ </a:t>
-            </a:r>
-            <a:r>
-              <a:rPr lang="en-US" sz="2400" dirty="0"/>
-              <a:t>data</a:t>
-            </a:r>
-            <a:endParaRPr lang="th-TH" sz="2400" dirty="0"/>
-          </a:p>
-        </p:txBody>
-      </p:sp>
-      <p:sp>
-        <p:nvSpPr>
           <p:cNvPr id="4" name="ตัวแทนวันที่ 3">
             <a:extLst>
               <a:ext uri="{FF2B5EF4-FFF2-40B4-BE49-F238E27FC236}">
-                <a16:creationId xmlns:a16="http://schemas.microsoft.com/office/drawing/2014/main" id="{BD15FD93-2F58-4BF6-B8CD-D404A32B47CD}"/>
+                <a16:creationId xmlns:a16="http://schemas.microsoft.com/office/drawing/2014/main" id="{11B6A6A6-303C-421D-AC53-D90837006A54}"/>
               </a:ext>
             </a:extLst>
           </p:cNvPr>
@@ -28709,96 +30534,7 @@
             <a:pPr rtl="0"/>
             <a:fld id="{38C53E2A-59EE-41B3-A1AB-9575F6EA1695}" type="datetime1">
               <a:rPr lang="th-TH" smtClean="0"/>
-              <a:t>20/09/63</a:t>
-            </a:fld>
-            <a:endParaRPr lang="en-US"/>
-          </a:p>
-        </p:txBody>
-      </p:sp>
-    </p:spTree>
-    <p:extLst>
-      <p:ext uri="{BB962C8B-B14F-4D97-AF65-F5344CB8AC3E}">
-        <p14:creationId xmlns:p14="http://schemas.microsoft.com/office/powerpoint/2010/main" val="773826309"/>
-      </p:ext>
-    </p:extLst>
-  </p:cSld>
-  <p:clrMapOvr>
-    <a:masterClrMapping/>
-  </p:clrMapOvr>
-</p:sld>
-</file>
-
-<file path=ppt/slides/slide70.xml><?xml version="1.0" encoding="utf-8"?>
-<p:sld xmlns:a="http://schemas.openxmlformats.org/drawingml/2006/main" xmlns:r="http://schemas.openxmlformats.org/officeDocument/2006/relationships" xmlns:p="http://schemas.openxmlformats.org/presentationml/2006/main">
-  <p:cSld>
-    <p:spTree>
-      <p:nvGrpSpPr>
-        <p:cNvPr id="1" name=""/>
-        <p:cNvGrpSpPr/>
-        <p:nvPr/>
-      </p:nvGrpSpPr>
-      <p:grpSpPr>
-        <a:xfrm>
-          <a:off x="0" y="0"/>
-          <a:ext cx="0" cy="0"/>
-          <a:chOff x="0" y="0"/>
-          <a:chExt cx="0" cy="0"/>
-        </a:xfrm>
-      </p:grpSpPr>
-      <p:sp>
-        <p:nvSpPr>
-          <p:cNvPr id="2" name="ชื่อเรื่อง 1">
-            <a:extLst>
-              <a:ext uri="{FF2B5EF4-FFF2-40B4-BE49-F238E27FC236}">
-                <a16:creationId xmlns:a16="http://schemas.microsoft.com/office/drawing/2014/main" id="{6EB69348-43A8-4BAC-963C-82F01ECF3118}"/>
-              </a:ext>
-            </a:extLst>
-          </p:cNvPr>
-          <p:cNvSpPr>
-            <a:spLocks noGrp="1"/>
-          </p:cNvSpPr>
-          <p:nvPr>
-            <p:ph type="title"/>
-          </p:nvPr>
-        </p:nvSpPr>
-        <p:spPr/>
-        <p:txBody>
-          <a:bodyPr/>
-          <a:lstStyle/>
-          <a:p>
-            <a:r>
-              <a:rPr lang="en-US" dirty="0"/>
-              <a:t>Example: Hanoi Tower</a:t>
-            </a:r>
-            <a:endParaRPr lang="th-TH" dirty="0"/>
-          </a:p>
-        </p:txBody>
-      </p:sp>
-      <p:sp>
-        <p:nvSpPr>
-          <p:cNvPr id="4" name="ตัวแทนวันที่ 3">
-            <a:extLst>
-              <a:ext uri="{FF2B5EF4-FFF2-40B4-BE49-F238E27FC236}">
-                <a16:creationId xmlns:a16="http://schemas.microsoft.com/office/drawing/2014/main" id="{11B6A6A6-303C-421D-AC53-D90837006A54}"/>
-              </a:ext>
-            </a:extLst>
-          </p:cNvPr>
-          <p:cNvSpPr>
-            <a:spLocks noGrp="1"/>
-          </p:cNvSpPr>
-          <p:nvPr>
-            <p:ph type="dt" sz="half" idx="10"/>
-          </p:nvPr>
-        </p:nvSpPr>
-        <p:spPr/>
-        <p:txBody>
-          <a:bodyPr/>
-          <a:lstStyle/>
-          <a:p>
-            <a:pPr rtl="0"/>
-            <a:fld id="{38C53E2A-59EE-41B3-A1AB-9575F6EA1695}" type="datetime1">
-              <a:rPr lang="th-TH" smtClean="0"/>
-              <a:t>20/09/63</a:t>
+              <a:t>28/09/63</a:t>
             </a:fld>
             <a:endParaRPr lang="en-US"/>
           </a:p>
@@ -28849,7 +30585,7 @@
 </p:sld>
 </file>
 
-<file path=ppt/slides/slide71.xml><?xml version="1.0" encoding="utf-8"?>
+<file path=ppt/slides/slide84.xml><?xml version="1.0" encoding="utf-8"?>
 <p:sld xmlns:a="http://schemas.openxmlformats.org/drawingml/2006/main" xmlns:r="http://schemas.openxmlformats.org/officeDocument/2006/relationships" xmlns:p="http://schemas.openxmlformats.org/presentationml/2006/main">
   <p:cSld>
     <p:spTree>
@@ -28951,7 +30687,7 @@
             <a:pPr rtl="0"/>
             <a:fld id="{38C53E2A-59EE-41B3-A1AB-9575F6EA1695}" type="datetime1">
               <a:rPr lang="th-TH" smtClean="0"/>
-              <a:t>20/09/63</a:t>
+              <a:t>28/09/63</a:t>
             </a:fld>
             <a:endParaRPr lang="en-US" dirty="0"/>
           </a:p>
@@ -29006,7 +30742,7 @@
 </p:sld>
 </file>
 
-<file path=ppt/slides/slide72.xml><?xml version="1.0" encoding="utf-8"?>
+<file path=ppt/slides/slide85.xml><?xml version="1.0" encoding="utf-8"?>
 <p:sld xmlns:a="http://schemas.openxmlformats.org/drawingml/2006/main" xmlns:r="http://schemas.openxmlformats.org/officeDocument/2006/relationships" xmlns:p="http://schemas.openxmlformats.org/presentationml/2006/main">
   <p:cSld>
     <p:spTree>
@@ -29070,7 +30806,7 @@
 </p:sld>
 </file>
 
-<file path=ppt/slides/slide73.xml><?xml version="1.0" encoding="utf-8"?>
+<file path=ppt/slides/slide86.xml><?xml version="1.0" encoding="utf-8"?>
 <p:sld xmlns:a="http://schemas.openxmlformats.org/drawingml/2006/main" xmlns:r="http://schemas.openxmlformats.org/officeDocument/2006/relationships" xmlns:p="http://schemas.openxmlformats.org/presentationml/2006/main">
   <p:cSld>
     <p:spTree>
@@ -29210,7 +30946,7 @@
             <a:pPr rtl="0"/>
             <a:fld id="{55C19084-1496-4B60-ADB6-24714CE58D61}" type="datetime1">
               <a:rPr lang="th-TH" smtClean="0"/>
-              <a:t>20/09/63</a:t>
+              <a:t>28/09/63</a:t>
             </a:fld>
             <a:endParaRPr lang="en-US"/>
           </a:p>
@@ -29220,94 +30956,6 @@
     <p:extLst>
       <p:ext uri="{BB962C8B-B14F-4D97-AF65-F5344CB8AC3E}">
         <p14:creationId xmlns:p14="http://schemas.microsoft.com/office/powerpoint/2010/main" val="2838317086"/>
-      </p:ext>
-    </p:extLst>
-  </p:cSld>
-  <p:clrMapOvr>
-    <a:masterClrMapping/>
-  </p:clrMapOvr>
-</p:sld>
-</file>
-
-<file path=ppt/slides/slide8.xml><?xml version="1.0" encoding="utf-8"?>
-<p:sld xmlns:a="http://schemas.openxmlformats.org/drawingml/2006/main" xmlns:r="http://schemas.openxmlformats.org/officeDocument/2006/relationships" xmlns:p="http://schemas.openxmlformats.org/presentationml/2006/main">
-  <p:cSld>
-    <p:spTree>
-      <p:nvGrpSpPr>
-        <p:cNvPr id="1" name=""/>
-        <p:cNvGrpSpPr/>
-        <p:nvPr/>
-      </p:nvGrpSpPr>
-      <p:grpSpPr>
-        <a:xfrm>
-          <a:off x="0" y="0"/>
-          <a:ext cx="0" cy="0"/>
-          <a:chOff x="0" y="0"/>
-          <a:chExt cx="0" cy="0"/>
-        </a:xfrm>
-      </p:grpSpPr>
-      <p:sp>
-        <p:nvSpPr>
-          <p:cNvPr id="2" name="ชื่อเรื่อง 1">
-            <a:extLst>
-              <a:ext uri="{FF2B5EF4-FFF2-40B4-BE49-F238E27FC236}">
-                <a16:creationId xmlns:a16="http://schemas.microsoft.com/office/drawing/2014/main" id="{4A60B26E-7659-4FBE-B7CE-BE69C762EBE9}"/>
-              </a:ext>
-            </a:extLst>
-          </p:cNvPr>
-          <p:cNvSpPr>
-            <a:spLocks noGrp="1"/>
-          </p:cNvSpPr>
-          <p:nvPr>
-            <p:ph type="ctrTitle"/>
-          </p:nvPr>
-        </p:nvSpPr>
-        <p:spPr/>
-        <p:txBody>
-          <a:bodyPr/>
-          <a:lstStyle/>
-          <a:p>
-            <a:r>
-              <a:rPr lang="en-US" dirty="0"/>
-              <a:t>dictionary</a:t>
-            </a:r>
-            <a:endParaRPr lang="th-TH" dirty="0"/>
-          </a:p>
-        </p:txBody>
-      </p:sp>
-      <p:sp>
-        <p:nvSpPr>
-          <p:cNvPr id="4" name="ตัวแทนวันที่ 3">
-            <a:extLst>
-              <a:ext uri="{FF2B5EF4-FFF2-40B4-BE49-F238E27FC236}">
-                <a16:creationId xmlns:a16="http://schemas.microsoft.com/office/drawing/2014/main" id="{F8351F13-AABD-4A72-9CE3-EC53EBD8548F}"/>
-              </a:ext>
-            </a:extLst>
-          </p:cNvPr>
-          <p:cNvSpPr>
-            <a:spLocks noGrp="1"/>
-          </p:cNvSpPr>
-          <p:nvPr>
-            <p:ph type="dt" sz="half" idx="10"/>
-          </p:nvPr>
-        </p:nvSpPr>
-        <p:spPr/>
-        <p:txBody>
-          <a:bodyPr/>
-          <a:lstStyle/>
-          <a:p>
-            <a:fld id="{7773D18F-796E-48FA-B446-43BFEFAD4305}" type="datetime1">
-              <a:rPr lang="th-TH" smtClean="0"/>
-              <a:t>20/09/63</a:t>
-            </a:fld>
-            <a:endParaRPr lang="en-US" dirty="0"/>
-          </a:p>
-        </p:txBody>
-      </p:sp>
-    </p:spTree>
-    <p:extLst>
-      <p:ext uri="{BB962C8B-B14F-4D97-AF65-F5344CB8AC3E}">
-        <p14:creationId xmlns:p14="http://schemas.microsoft.com/office/powerpoint/2010/main" val="822054490"/>
       </p:ext>
     </p:extLst>
   </p:cSld>
@@ -29339,7 +30987,7 @@
           <p:cNvPr id="2" name="ชื่อเรื่อง 1">
             <a:extLst>
               <a:ext uri="{FF2B5EF4-FFF2-40B4-BE49-F238E27FC236}">
-                <a16:creationId xmlns:a16="http://schemas.microsoft.com/office/drawing/2014/main" id="{2FEA93BA-C1CF-4217-AF73-912A195AA445}"/>
+                <a16:creationId xmlns:a16="http://schemas.microsoft.com/office/drawing/2014/main" id="{4A60B26E-7659-4FBE-B7CE-BE69C762EBE9}"/>
               </a:ext>
             </a:extLst>
           </p:cNvPr>
@@ -29347,7 +30995,7 @@
             <a:spLocks noGrp="1"/>
           </p:cNvSpPr>
           <p:nvPr>
-            <p:ph type="title"/>
+            <p:ph type="ctrTitle"/>
           </p:nvPr>
         </p:nvSpPr>
         <p:spPr/>
@@ -29357,7 +31005,7 @@
           <a:p>
             <a:r>
               <a:rPr lang="en-US" dirty="0"/>
-              <a:t>Dictionary method</a:t>
+              <a:t>dictionary</a:t>
             </a:r>
             <a:endParaRPr lang="th-TH" dirty="0"/>
           </a:p>
@@ -29365,64 +31013,10 @@
       </p:sp>
       <p:sp>
         <p:nvSpPr>
-          <p:cNvPr id="3" name="ตัวแทนเนื้อหา 2">
-            <a:extLst>
-              <a:ext uri="{FF2B5EF4-FFF2-40B4-BE49-F238E27FC236}">
-                <a16:creationId xmlns:a16="http://schemas.microsoft.com/office/drawing/2014/main" id="{76B7BA7A-D128-4F11-AA01-35DD506AEE45}"/>
-              </a:ext>
-            </a:extLst>
-          </p:cNvPr>
-          <p:cNvSpPr>
-            <a:spLocks noGrp="1"/>
-          </p:cNvSpPr>
-          <p:nvPr>
-            <p:ph idx="1"/>
-          </p:nvPr>
-        </p:nvSpPr>
-        <p:spPr/>
-        <p:txBody>
-          <a:bodyPr>
-            <a:normAutofit/>
-          </a:bodyPr>
-          <a:lstStyle/>
-          <a:p>
-            <a:r>
-              <a:rPr lang="en-US" sz="2800" dirty="0">
-                <a:solidFill>
-                  <a:srgbClr val="C00000"/>
-                </a:solidFill>
-              </a:rPr>
-              <a:t>Mutable</a:t>
-            </a:r>
-          </a:p>
-          <a:p>
-            <a:r>
-              <a:rPr lang="en-US" sz="2800" dirty="0"/>
-              <a:t>data get(key, </a:t>
-            </a:r>
-            <a:r>
-              <a:rPr lang="en-US" sz="2800" dirty="0" err="1"/>
-              <a:t>default_value</a:t>
-            </a:r>
-            <a:r>
-              <a:rPr lang="en-US" sz="2800" dirty="0"/>
-              <a:t>)</a:t>
-            </a:r>
-          </a:p>
-          <a:p>
-            <a:r>
-              <a:rPr lang="en-US" sz="2800" dirty="0"/>
-              <a:t>value pop(key)</a:t>
-            </a:r>
-          </a:p>
-        </p:txBody>
-      </p:sp>
-      <p:sp>
-        <p:nvSpPr>
           <p:cNvPr id="4" name="ตัวแทนวันที่ 3">
             <a:extLst>
               <a:ext uri="{FF2B5EF4-FFF2-40B4-BE49-F238E27FC236}">
-                <a16:creationId xmlns:a16="http://schemas.microsoft.com/office/drawing/2014/main" id="{9B92E075-1322-4488-A5AE-F52F14424306}"/>
+                <a16:creationId xmlns:a16="http://schemas.microsoft.com/office/drawing/2014/main" id="{F8351F13-AABD-4A72-9CE3-EC53EBD8548F}"/>
               </a:ext>
             </a:extLst>
           </p:cNvPr>
@@ -29438,19 +31032,18 @@
           <a:bodyPr/>
           <a:lstStyle/>
           <a:p>
-            <a:pPr rtl="0"/>
-            <a:fld id="{38C53E2A-59EE-41B3-A1AB-9575F6EA1695}" type="datetime1">
+            <a:fld id="{7773D18F-796E-48FA-B446-43BFEFAD4305}" type="datetime1">
               <a:rPr lang="th-TH" smtClean="0"/>
-              <a:t>20/09/63</a:t>
+              <a:t>28/09/63</a:t>
             </a:fld>
-            <a:endParaRPr lang="en-US"/>
+            <a:endParaRPr lang="en-US" dirty="0"/>
           </a:p>
         </p:txBody>
       </p:sp>
     </p:spTree>
     <p:extLst>
       <p:ext uri="{BB962C8B-B14F-4D97-AF65-F5344CB8AC3E}">
-        <p14:creationId xmlns:p14="http://schemas.microsoft.com/office/powerpoint/2010/main" val="2252039960"/>
+        <p14:creationId xmlns:p14="http://schemas.microsoft.com/office/powerpoint/2010/main" val="822054490"/>
       </p:ext>
     </p:extLst>
   </p:cSld>

--- a/Midterm/Data structure and Algorithm.pptx
+++ b/Midterm/Data structure and Algorithm.pptx
@@ -290,7 +290,7 @@
             <a:pPr rtl="0"/>
             <a:fld id="{382D4E4E-7514-4D5C-A2C2-17F87E598824}" type="datetime1">
               <a:rPr lang="th-TH" smtClean="0"/>
-              <a:t>28/09/63</a:t>
+              <a:t>29/09/63</a:t>
             </a:fld>
             <a:endParaRPr lang="en-US" dirty="0"/>
           </a:p>
@@ -460,7 +460,7 @@
             <a:pPr rtl="0"/>
             <a:fld id="{D7C7F2B7-7A05-4833-884D-BBAA3BA38469}" type="datetime1">
               <a:rPr lang="th-TH" smtClean="0"/>
-              <a:t>28/09/63</a:t>
+              <a:t>29/09/63</a:t>
             </a:fld>
             <a:endParaRPr lang="en-US"/>
           </a:p>
@@ -1205,7 +1205,7 @@
           <a:p>
             <a:fld id="{7773D18F-796E-48FA-B446-43BFEFAD4305}" type="datetime1">
               <a:rPr lang="th-TH" smtClean="0"/>
-              <a:t>28/09/63</a:t>
+              <a:t>29/09/63</a:t>
             </a:fld>
             <a:endParaRPr lang="en-US" dirty="0"/>
           </a:p>
@@ -1411,7 +1411,7 @@
             <a:pPr rtl="0"/>
             <a:fld id="{04D87D18-576D-4E93-B8E7-8162B6983D48}" type="datetime1">
               <a:rPr lang="th-TH" smtClean="0"/>
-              <a:t>28/09/63</a:t>
+              <a:t>29/09/63</a:t>
             </a:fld>
             <a:endParaRPr lang="en-US"/>
           </a:p>
@@ -1595,7 +1595,7 @@
             <a:pPr rtl="0"/>
             <a:fld id="{A454CDB9-2F41-46CC-BBF5-FE71E7F1B857}" type="datetime1">
               <a:rPr lang="th-TH" smtClean="0"/>
-              <a:t>28/09/63</a:t>
+              <a:t>29/09/63</a:t>
             </a:fld>
             <a:endParaRPr lang="en-US"/>
           </a:p>
@@ -1769,7 +1769,7 @@
             <a:pPr rtl="0"/>
             <a:fld id="{38C53E2A-59EE-41B3-A1AB-9575F6EA1695}" type="datetime1">
               <a:rPr lang="th-TH" smtClean="0"/>
-              <a:t>28/09/63</a:t>
+              <a:t>29/09/63</a:t>
             </a:fld>
             <a:endParaRPr lang="en-US"/>
           </a:p>
@@ -2371,7 +2371,7 @@
           <a:p>
             <a:fld id="{CC8C1F7F-7918-4156-86A5-91C01FD8A003}" type="datetime1">
               <a:rPr lang="th-TH" smtClean="0"/>
-              <a:t>28/09/63</a:t>
+              <a:t>29/09/63</a:t>
             </a:fld>
             <a:endParaRPr dirty="0"/>
           </a:p>
@@ -2695,7 +2695,7 @@
             <a:pPr rtl="0"/>
             <a:fld id="{F4A06903-2C88-48CC-967B-6575E5EC2B6B}" type="datetime1">
               <a:rPr lang="th-TH" smtClean="0"/>
-              <a:t>28/09/63</a:t>
+              <a:t>29/09/63</a:t>
             </a:fld>
             <a:endParaRPr lang="en-US"/>
           </a:p>
@@ -3136,7 +3136,7 @@
             <a:pPr rtl="0"/>
             <a:fld id="{C169F473-6FBD-4535-9C6F-A09A729568F9}" type="datetime1">
               <a:rPr lang="th-TH" smtClean="0"/>
-              <a:t>28/09/63</a:t>
+              <a:t>29/09/63</a:t>
             </a:fld>
             <a:endParaRPr lang="en-US"/>
           </a:p>
@@ -3258,7 +3258,7 @@
             <a:pPr rtl="0"/>
             <a:fld id="{79AC1B91-0D40-46F1-A44C-D56FF21574FA}" type="datetime1">
               <a:rPr lang="th-TH" smtClean="0"/>
-              <a:t>28/09/63</a:t>
+              <a:t>29/09/63</a:t>
             </a:fld>
             <a:endParaRPr lang="en-US"/>
           </a:p>
@@ -3356,7 +3356,7 @@
             <a:pPr rtl="0"/>
             <a:fld id="{55C19084-1496-4B60-ADB6-24714CE58D61}" type="datetime1">
               <a:rPr lang="th-TH" smtClean="0"/>
-              <a:t>28/09/63</a:t>
+              <a:t>29/09/63</a:t>
             </a:fld>
             <a:endParaRPr lang="en-US"/>
           </a:p>
@@ -3777,7 +3777,7 @@
             <a:pPr rtl="0"/>
             <a:fld id="{99BF98D4-23C4-49B5-A803-FA1FE4037EB8}" type="datetime1">
               <a:rPr lang="th-TH" smtClean="0"/>
-              <a:t>28/09/63</a:t>
+              <a:t>29/09/63</a:t>
             </a:fld>
             <a:endParaRPr lang="en-US" dirty="0"/>
           </a:p>
@@ -4043,7 +4043,7 @@
           <a:p>
             <a:fld id="{B51C7B21-C337-4C0B-9272-6172826953E9}" type="datetime1">
               <a:rPr lang="th-TH" smtClean="0"/>
-              <a:t>28/09/63</a:t>
+              <a:t>29/09/63</a:t>
             </a:fld>
             <a:endParaRPr lang="en-US" dirty="0"/>
           </a:p>
@@ -4564,7 +4564,7 @@
           <a:p>
             <a:fld id="{D56D1C91-6BBA-4E38-BA86-CC2123DBE0CF}" type="datetime1">
               <a:rPr lang="th-TH" smtClean="0"/>
-              <a:t>28/09/63</a:t>
+              <a:t>29/09/63</a:t>
             </a:fld>
             <a:endParaRPr lang="en-US" dirty="0"/>
           </a:p>
@@ -5447,7 +5447,7 @@
             <a:pPr rtl="0"/>
             <a:fld id="{38C53E2A-59EE-41B3-A1AB-9575F6EA1695}" type="datetime1">
               <a:rPr lang="th-TH" smtClean="0"/>
-              <a:t>28/09/63</a:t>
+              <a:t>29/09/63</a:t>
             </a:fld>
             <a:endParaRPr lang="en-US"/>
           </a:p>
@@ -5535,7 +5535,7 @@
           <a:p>
             <a:fld id="{CC8C1F7F-7918-4156-86A5-91C01FD8A003}" type="datetime1">
               <a:rPr lang="th-TH" smtClean="0"/>
-              <a:t>28/09/63</a:t>
+              <a:t>29/09/63</a:t>
             </a:fld>
             <a:endParaRPr lang="th-TH" dirty="0"/>
           </a:p>
@@ -5624,7 +5624,7 @@
             <a:pPr rtl="0"/>
             <a:fld id="{38C53E2A-59EE-41B3-A1AB-9575F6EA1695}" type="datetime1">
               <a:rPr lang="th-TH" smtClean="0"/>
-              <a:t>28/09/63</a:t>
+              <a:t>29/09/63</a:t>
             </a:fld>
             <a:endParaRPr lang="en-US"/>
           </a:p>
@@ -6148,7 +6148,7 @@
             <a:pPr rtl="0"/>
             <a:fld id="{38C53E2A-59EE-41B3-A1AB-9575F6EA1695}" type="datetime1">
               <a:rPr lang="th-TH" smtClean="0"/>
-              <a:t>28/09/63</a:t>
+              <a:t>29/09/63</a:t>
             </a:fld>
             <a:endParaRPr lang="en-US"/>
           </a:p>
@@ -6388,7 +6388,7 @@
             <a:pPr rtl="0"/>
             <a:fld id="{38C53E2A-59EE-41B3-A1AB-9575F6EA1695}" type="datetime1">
               <a:rPr lang="th-TH" smtClean="0"/>
-              <a:t>28/09/63</a:t>
+              <a:t>29/09/63</a:t>
             </a:fld>
             <a:endParaRPr lang="en-US"/>
           </a:p>
@@ -6605,7 +6605,7 @@
           <a:p>
             <a:fld id="{CC8C1F7F-7918-4156-86A5-91C01FD8A003}" type="datetime1">
               <a:rPr lang="th-TH" smtClean="0"/>
-              <a:t>28/09/63</a:t>
+              <a:t>29/09/63</a:t>
             </a:fld>
             <a:endParaRPr lang="th-TH" dirty="0"/>
           </a:p>
@@ -6861,7 +6861,7 @@
             <a:pPr rtl="0"/>
             <a:fld id="{38C53E2A-59EE-41B3-A1AB-9575F6EA1695}" type="datetime1">
               <a:rPr lang="th-TH" smtClean="0"/>
-              <a:t>28/09/63</a:t>
+              <a:t>29/09/63</a:t>
             </a:fld>
             <a:endParaRPr lang="en-US"/>
           </a:p>
@@ -6986,7 +6986,7 @@
             <a:pPr rtl="0"/>
             <a:fld id="{38C53E2A-59EE-41B3-A1AB-9575F6EA1695}" type="datetime1">
               <a:rPr lang="th-TH" smtClean="0"/>
-              <a:t>28/09/63</a:t>
+              <a:t>29/09/63</a:t>
             </a:fld>
             <a:endParaRPr lang="en-US" dirty="0"/>
           </a:p>
@@ -6994,10 +6994,10 @@
       </p:sp>
       <p:pic>
         <p:nvPicPr>
-          <p:cNvPr id="7" name="ตัวแทนเนื้อหา 6">
-            <a:extLst>
-              <a:ext uri="{FF2B5EF4-FFF2-40B4-BE49-F238E27FC236}">
-                <a16:creationId xmlns:a16="http://schemas.microsoft.com/office/drawing/2014/main" id="{DAC5A646-FCBD-4A19-A708-7C0AADF7F9F3}"/>
+          <p:cNvPr id="8" name="ตัวแทนเนื้อหา 7">
+            <a:extLst>
+              <a:ext uri="{FF2B5EF4-FFF2-40B4-BE49-F238E27FC236}">
+                <a16:creationId xmlns:a16="http://schemas.microsoft.com/office/drawing/2014/main" id="{29EBC691-182D-4B2C-9F58-AF75FE417F27}"/>
               </a:ext>
             </a:extLst>
           </p:cNvPr>
@@ -7016,8 +7016,8 @@
         </p:blipFill>
         <p:spPr>
           <a:xfrm>
-            <a:off x="4291102" y="1698172"/>
-            <a:ext cx="3667910" cy="4735246"/>
+            <a:off x="4608769" y="1626840"/>
+            <a:ext cx="2893044" cy="4941964"/>
           </a:xfrm>
           <a:prstGeom prst="rect">
             <a:avLst/>
@@ -7152,7 +7152,7 @@
             <a:pPr rtl="0"/>
             <a:fld id="{38C53E2A-59EE-41B3-A1AB-9575F6EA1695}" type="datetime1">
               <a:rPr lang="th-TH" smtClean="0"/>
-              <a:t>28/09/63</a:t>
+              <a:t>29/09/63</a:t>
             </a:fld>
             <a:endParaRPr lang="en-US"/>
           </a:p>
@@ -7246,7 +7246,7 @@
             <a:pPr rtl="0"/>
             <a:fld id="{38C53E2A-59EE-41B3-A1AB-9575F6EA1695}" type="datetime1">
               <a:rPr lang="th-TH" smtClean="0"/>
-              <a:t>28/09/63</a:t>
+              <a:t>29/09/63</a:t>
             </a:fld>
             <a:endParaRPr lang="en-US"/>
           </a:p>
@@ -7427,7 +7427,7 @@
             <a:pPr rtl="0"/>
             <a:fld id="{38C53E2A-59EE-41B3-A1AB-9575F6EA1695}" type="datetime1">
               <a:rPr lang="th-TH" smtClean="0"/>
-              <a:t>28/09/63</a:t>
+              <a:t>29/09/63</a:t>
             </a:fld>
             <a:endParaRPr lang="en-US"/>
           </a:p>
@@ -7578,7 +7578,7 @@
             <a:pPr rtl="0"/>
             <a:fld id="{38C53E2A-59EE-41B3-A1AB-9575F6EA1695}" type="datetime1">
               <a:rPr lang="th-TH" smtClean="0"/>
-              <a:t>28/09/63</a:t>
+              <a:t>29/09/63</a:t>
             </a:fld>
             <a:endParaRPr lang="en-US"/>
           </a:p>
@@ -7705,7 +7705,7 @@
           <a:p>
             <a:fld id="{CC8C1F7F-7918-4156-86A5-91C01FD8A003}" type="datetime1">
               <a:rPr lang="th-TH" smtClean="0"/>
-              <a:t>28/09/63</a:t>
+              <a:t>29/09/63</a:t>
             </a:fld>
             <a:endParaRPr lang="th-TH" dirty="0"/>
           </a:p>
@@ -7926,7 +7926,7 @@
             <a:pPr rtl="0"/>
             <a:fld id="{38C53E2A-59EE-41B3-A1AB-9575F6EA1695}" type="datetime1">
               <a:rPr lang="th-TH" smtClean="0"/>
-              <a:t>28/09/63</a:t>
+              <a:t>29/09/63</a:t>
             </a:fld>
             <a:endParaRPr lang="en-US"/>
           </a:p>
@@ -8051,7 +8051,7 @@
             <a:pPr rtl="0"/>
             <a:fld id="{38C53E2A-59EE-41B3-A1AB-9575F6EA1695}" type="datetime1">
               <a:rPr lang="th-TH" smtClean="0"/>
-              <a:t>28/09/63</a:t>
+              <a:t>29/09/63</a:t>
             </a:fld>
             <a:endParaRPr lang="en-US" dirty="0"/>
           </a:p>
@@ -8059,10 +8059,10 @@
       </p:sp>
       <p:pic>
         <p:nvPicPr>
-          <p:cNvPr id="6" name="รูปภาพ 5">
-            <a:extLst>
-              <a:ext uri="{FF2B5EF4-FFF2-40B4-BE49-F238E27FC236}">
-                <a16:creationId xmlns:a16="http://schemas.microsoft.com/office/drawing/2014/main" id="{A304F9BA-9CC1-401A-BCB0-58C463670E5F}"/>
+          <p:cNvPr id="3" name="รูปภาพ 2">
+            <a:extLst>
+              <a:ext uri="{FF2B5EF4-FFF2-40B4-BE49-F238E27FC236}">
+                <a16:creationId xmlns:a16="http://schemas.microsoft.com/office/drawing/2014/main" id="{9BF2BFCA-3540-4F8D-89D3-3E04A6DB2B05}"/>
               </a:ext>
             </a:extLst>
           </p:cNvPr>
@@ -8079,8 +8079,8 @@
         </p:blipFill>
         <p:spPr>
           <a:xfrm>
-            <a:off x="4562905" y="1676606"/>
-            <a:ext cx="3763598" cy="4696022"/>
+            <a:off x="4463866" y="1678292"/>
+            <a:ext cx="2959947" cy="5049322"/>
           </a:xfrm>
           <a:prstGeom prst="rect">
             <a:avLst/>
@@ -8208,7 +8208,7 @@
           <a:p>
             <a:fld id="{CC8C1F7F-7918-4156-86A5-91C01FD8A003}" type="datetime1">
               <a:rPr lang="th-TH" smtClean="0"/>
-              <a:t>28/09/63</a:t>
+              <a:t>29/09/63</a:t>
             </a:fld>
             <a:endParaRPr lang="th-TH" dirty="0"/>
           </a:p>
@@ -8489,7 +8489,7 @@
             <a:pPr rtl="0"/>
             <a:fld id="{38C53E2A-59EE-41B3-A1AB-9575F6EA1695}" type="datetime1">
               <a:rPr lang="th-TH" smtClean="0"/>
-              <a:t>28/09/63</a:t>
+              <a:t>29/09/63</a:t>
             </a:fld>
             <a:endParaRPr lang="en-US"/>
           </a:p>
@@ -8679,7 +8679,7 @@
             <a:pPr rtl="0"/>
             <a:fld id="{38C53E2A-59EE-41B3-A1AB-9575F6EA1695}" type="datetime1">
               <a:rPr lang="th-TH" smtClean="0"/>
-              <a:t>28/09/63</a:t>
+              <a:t>29/09/63</a:t>
             </a:fld>
             <a:endParaRPr lang="en-US"/>
           </a:p>
@@ -9009,7 +9009,7 @@
             <a:pPr rtl="0"/>
             <a:fld id="{38C53E2A-59EE-41B3-A1AB-9575F6EA1695}" type="datetime1">
               <a:rPr lang="th-TH" smtClean="0"/>
-              <a:t>28/09/63</a:t>
+              <a:t>29/09/63</a:t>
             </a:fld>
             <a:endParaRPr lang="en-US"/>
           </a:p>
@@ -9133,7 +9133,7 @@
             <a:pPr rtl="0"/>
             <a:fld id="{38C53E2A-59EE-41B3-A1AB-9575F6EA1695}" type="datetime1">
               <a:rPr lang="th-TH" smtClean="0"/>
-              <a:t>28/09/63</a:t>
+              <a:t>29/09/63</a:t>
             </a:fld>
             <a:endParaRPr lang="en-US"/>
           </a:p>
@@ -9224,7 +9224,7 @@
             <a:pPr rtl="0"/>
             <a:fld id="{79AC1B91-0D40-46F1-A44C-D56FF21574FA}" type="datetime1">
               <a:rPr lang="th-TH" smtClean="0"/>
-              <a:t>28/09/63</a:t>
+              <a:t>29/09/63</a:t>
             </a:fld>
             <a:endParaRPr lang="en-US"/>
           </a:p>
@@ -9410,7 +9410,7 @@
             <a:pPr rtl="0"/>
             <a:fld id="{38C53E2A-59EE-41B3-A1AB-9575F6EA1695}" type="datetime1">
               <a:rPr lang="th-TH" smtClean="0"/>
-              <a:t>28/09/63</a:t>
+              <a:t>29/09/63</a:t>
             </a:fld>
             <a:endParaRPr lang="en-US"/>
           </a:p>
@@ -9499,7 +9499,7 @@
             <a:pPr rtl="0"/>
             <a:fld id="{38C53E2A-59EE-41B3-A1AB-9575F6EA1695}" type="datetime1">
               <a:rPr lang="th-TH" smtClean="0"/>
-              <a:t>28/09/63</a:t>
+              <a:t>29/09/63</a:t>
             </a:fld>
             <a:endParaRPr lang="en-US"/>
           </a:p>
@@ -9653,7 +9653,7 @@
             <a:pPr rtl="0"/>
             <a:fld id="{38C53E2A-59EE-41B3-A1AB-9575F6EA1695}" type="datetime1">
               <a:rPr lang="th-TH" smtClean="0"/>
-              <a:t>28/09/63</a:t>
+              <a:t>29/09/63</a:t>
             </a:fld>
             <a:endParaRPr lang="en-US"/>
           </a:p>
@@ -9810,7 +9810,7 @@
             <a:pPr rtl="0"/>
             <a:fld id="{38C53E2A-59EE-41B3-A1AB-9575F6EA1695}" type="datetime1">
               <a:rPr lang="th-TH" smtClean="0"/>
-              <a:t>28/09/63</a:t>
+              <a:t>29/09/63</a:t>
             </a:fld>
             <a:endParaRPr lang="en-US"/>
           </a:p>
@@ -9903,7 +9903,7 @@
             <a:pPr rtl="0"/>
             <a:fld id="{38C53E2A-59EE-41B3-A1AB-9575F6EA1695}" type="datetime1">
               <a:rPr lang="th-TH" smtClean="0"/>
-              <a:t>28/09/63</a:t>
+              <a:t>29/09/63</a:t>
             </a:fld>
             <a:endParaRPr lang="en-US"/>
           </a:p>
@@ -10400,7 +10400,7 @@
             <a:pPr rtl="0"/>
             <a:fld id="{38C53E2A-59EE-41B3-A1AB-9575F6EA1695}" type="datetime1">
               <a:rPr lang="th-TH" smtClean="0"/>
-              <a:t>28/09/63</a:t>
+              <a:t>29/09/63</a:t>
             </a:fld>
             <a:endParaRPr lang="en-US"/>
           </a:p>
@@ -11494,7 +11494,7 @@
             <a:pPr rtl="0"/>
             <a:fld id="{38C53E2A-59EE-41B3-A1AB-9575F6EA1695}" type="datetime1">
               <a:rPr lang="th-TH" smtClean="0"/>
-              <a:t>28/09/63</a:t>
+              <a:t>29/09/63</a:t>
             </a:fld>
             <a:endParaRPr lang="en-US"/>
           </a:p>
@@ -12770,7 +12770,7 @@
             <a:pPr rtl="0"/>
             <a:fld id="{38C53E2A-59EE-41B3-A1AB-9575F6EA1695}" type="datetime1">
               <a:rPr lang="th-TH" smtClean="0"/>
-              <a:t>28/09/63</a:t>
+              <a:t>29/09/63</a:t>
             </a:fld>
             <a:endParaRPr lang="en-US"/>
           </a:p>
@@ -13999,7 +13999,7 @@
             <a:pPr rtl="0"/>
             <a:fld id="{38C53E2A-59EE-41B3-A1AB-9575F6EA1695}" type="datetime1">
               <a:rPr lang="th-TH" smtClean="0"/>
-              <a:t>28/09/63</a:t>
+              <a:t>29/09/63</a:t>
             </a:fld>
             <a:endParaRPr lang="en-US"/>
           </a:p>
@@ -14124,7 +14124,7 @@
             <a:pPr rtl="0"/>
             <a:fld id="{38C53E2A-59EE-41B3-A1AB-9575F6EA1695}" type="datetime1">
               <a:rPr lang="th-TH" smtClean="0"/>
-              <a:t>28/09/63</a:t>
+              <a:t>29/09/63</a:t>
             </a:fld>
             <a:endParaRPr lang="en-US"/>
           </a:p>
@@ -14707,7 +14707,7 @@
           <a:p>
             <a:fld id="{CC8C1F7F-7918-4156-86A5-91C01FD8A003}" type="datetime1">
               <a:rPr lang="th-TH" smtClean="0"/>
-              <a:t>28/09/63</a:t>
+              <a:t>29/09/63</a:t>
             </a:fld>
             <a:endParaRPr lang="th-TH" dirty="0"/>
           </a:p>
@@ -14800,7 +14800,7 @@
             <a:pPr rtl="0"/>
             <a:fld id="{38C53E2A-59EE-41B3-A1AB-9575F6EA1695}" type="datetime1">
               <a:rPr lang="th-TH" smtClean="0"/>
-              <a:t>28/09/63</a:t>
+              <a:t>29/09/63</a:t>
             </a:fld>
             <a:endParaRPr lang="en-US"/>
           </a:p>
@@ -15894,7 +15894,7 @@
             <a:pPr rtl="0"/>
             <a:fld id="{38C53E2A-59EE-41B3-A1AB-9575F6EA1695}" type="datetime1">
               <a:rPr lang="th-TH" smtClean="0"/>
-              <a:t>28/09/63</a:t>
+              <a:t>29/09/63</a:t>
             </a:fld>
             <a:endParaRPr lang="en-US"/>
           </a:p>
@@ -17163,7 +17163,7 @@
             <a:pPr rtl="0"/>
             <a:fld id="{38C53E2A-59EE-41B3-A1AB-9575F6EA1695}" type="datetime1">
               <a:rPr lang="th-TH" smtClean="0"/>
-              <a:t>28/09/63</a:t>
+              <a:t>29/09/63</a:t>
             </a:fld>
             <a:endParaRPr lang="en-US"/>
           </a:p>
@@ -18394,7 +18394,7 @@
             <a:pPr rtl="0"/>
             <a:fld id="{38C53E2A-59EE-41B3-A1AB-9575F6EA1695}" type="datetime1">
               <a:rPr lang="th-TH" smtClean="0"/>
-              <a:t>28/09/63</a:t>
+              <a:t>29/09/63</a:t>
             </a:fld>
             <a:endParaRPr lang="en-US"/>
           </a:p>
@@ -18519,7 +18519,7 @@
             <a:pPr rtl="0"/>
             <a:fld id="{38C53E2A-59EE-41B3-A1AB-9575F6EA1695}" type="datetime1">
               <a:rPr lang="th-TH" smtClean="0"/>
-              <a:t>28/09/63</a:t>
+              <a:t>29/09/63</a:t>
             </a:fld>
             <a:endParaRPr lang="en-US"/>
           </a:p>
@@ -19448,7 +19448,7 @@
             <a:pPr rtl="0"/>
             <a:fld id="{38C53E2A-59EE-41B3-A1AB-9575F6EA1695}" type="datetime1">
               <a:rPr lang="th-TH" smtClean="0"/>
-              <a:t>28/09/63</a:t>
+              <a:t>29/09/63</a:t>
             </a:fld>
             <a:endParaRPr lang="en-US"/>
           </a:p>
@@ -20342,7 +20342,7 @@
             <a:pPr rtl="0"/>
             <a:fld id="{38C53E2A-59EE-41B3-A1AB-9575F6EA1695}" type="datetime1">
               <a:rPr lang="th-TH" smtClean="0"/>
-              <a:t>28/09/63</a:t>
+              <a:t>29/09/63</a:t>
             </a:fld>
             <a:endParaRPr lang="en-US"/>
           </a:p>
@@ -21058,7 +21058,7 @@
             <a:pPr rtl="0"/>
             <a:fld id="{38C53E2A-59EE-41B3-A1AB-9575F6EA1695}" type="datetime1">
               <a:rPr lang="th-TH" smtClean="0"/>
-              <a:t>28/09/63</a:t>
+              <a:t>29/09/63</a:t>
             </a:fld>
             <a:endParaRPr lang="en-US"/>
           </a:p>
@@ -21524,7 +21524,7 @@
             <a:pPr rtl="0"/>
             <a:fld id="{38C53E2A-59EE-41B3-A1AB-9575F6EA1695}" type="datetime1">
               <a:rPr lang="th-TH" smtClean="0"/>
-              <a:t>28/09/63</a:t>
+              <a:t>29/09/63</a:t>
             </a:fld>
             <a:endParaRPr lang="en-US"/>
           </a:p>
@@ -21842,7 +21842,7 @@
             <a:pPr rtl="0"/>
             <a:fld id="{38C53E2A-59EE-41B3-A1AB-9575F6EA1695}" type="datetime1">
               <a:rPr lang="th-TH" smtClean="0"/>
-              <a:t>28/09/63</a:t>
+              <a:t>29/09/63</a:t>
             </a:fld>
             <a:endParaRPr lang="en-US"/>
           </a:p>
@@ -21962,7 +21962,7 @@
           <a:p>
             <a:fld id="{7773D18F-796E-48FA-B446-43BFEFAD4305}" type="datetime1">
               <a:rPr lang="th-TH" smtClean="0"/>
-              <a:t>28/09/63</a:t>
+              <a:t>29/09/63</a:t>
             </a:fld>
             <a:endParaRPr lang="en-US" dirty="0"/>
           </a:p>
@@ -22055,7 +22055,7 @@
             <a:pPr rtl="0"/>
             <a:fld id="{38C53E2A-59EE-41B3-A1AB-9575F6EA1695}" type="datetime1">
               <a:rPr lang="th-TH" smtClean="0"/>
-              <a:t>28/09/63</a:t>
+              <a:t>29/09/63</a:t>
             </a:fld>
             <a:endParaRPr lang="en-US"/>
           </a:p>
@@ -22984,7 +22984,7 @@
             <a:pPr rtl="0"/>
             <a:fld id="{38C53E2A-59EE-41B3-A1AB-9575F6EA1695}" type="datetime1">
               <a:rPr lang="th-TH" smtClean="0"/>
-              <a:t>28/09/63</a:t>
+              <a:t>29/09/63</a:t>
             </a:fld>
             <a:endParaRPr lang="en-US"/>
           </a:p>
@@ -23876,7 +23876,7 @@
             <a:pPr rtl="0"/>
             <a:fld id="{38C53E2A-59EE-41B3-A1AB-9575F6EA1695}" type="datetime1">
               <a:rPr lang="th-TH" smtClean="0"/>
-              <a:t>28/09/63</a:t>
+              <a:t>29/09/63</a:t>
             </a:fld>
             <a:endParaRPr lang="en-US"/>
           </a:p>
@@ -24588,7 +24588,7 @@
             <a:pPr rtl="0"/>
             <a:fld id="{38C53E2A-59EE-41B3-A1AB-9575F6EA1695}" type="datetime1">
               <a:rPr lang="th-TH" smtClean="0"/>
-              <a:t>28/09/63</a:t>
+              <a:t>29/09/63</a:t>
             </a:fld>
             <a:endParaRPr lang="en-US"/>
           </a:p>
@@ -25054,7 +25054,7 @@
             <a:pPr rtl="0"/>
             <a:fld id="{38C53E2A-59EE-41B3-A1AB-9575F6EA1695}" type="datetime1">
               <a:rPr lang="th-TH" smtClean="0"/>
-              <a:t>28/09/63</a:t>
+              <a:t>29/09/63</a:t>
             </a:fld>
             <a:endParaRPr lang="en-US"/>
           </a:p>
@@ -25372,7 +25372,7 @@
             <a:pPr rtl="0"/>
             <a:fld id="{38C53E2A-59EE-41B3-A1AB-9575F6EA1695}" type="datetime1">
               <a:rPr lang="th-TH" smtClean="0"/>
-              <a:t>28/09/63</a:t>
+              <a:t>29/09/63</a:t>
             </a:fld>
             <a:endParaRPr lang="en-US"/>
           </a:p>
@@ -25630,7 +25630,7 @@
                   <a:spcPts val="600"/>
                 </a:spcAft>
               </a:pPr>
-              <a:t>28/09/63</a:t>
+              <a:t>29/09/63</a:t>
             </a:fld>
             <a:endParaRPr lang="en-US"/>
           </a:p>
@@ -25926,7 +25926,7 @@
                   <a:spcPts val="600"/>
                 </a:spcAft>
               </a:pPr>
-              <a:t>28/09/63</a:t>
+              <a:t>29/09/63</a:t>
             </a:fld>
             <a:endParaRPr lang="en-US"/>
           </a:p>
@@ -26284,7 +26284,7 @@
             <a:pPr rtl="0"/>
             <a:fld id="{38C53E2A-59EE-41B3-A1AB-9575F6EA1695}" type="datetime1">
               <a:rPr lang="th-TH" smtClean="0"/>
-              <a:t>28/09/63</a:t>
+              <a:t>29/09/63</a:t>
             </a:fld>
             <a:endParaRPr lang="en-US"/>
           </a:p>
@@ -26403,7 +26403,7 @@
             <a:pPr rtl="0"/>
             <a:fld id="{38C53E2A-59EE-41B3-A1AB-9575F6EA1695}" type="datetime1">
               <a:rPr lang="th-TH" smtClean="0"/>
-              <a:t>28/09/63</a:t>
+              <a:t>29/09/63</a:t>
             </a:fld>
             <a:endParaRPr lang="en-US"/>
           </a:p>
@@ -26620,7 +26620,7 @@
             <a:pPr rtl="0"/>
             <a:fld id="{38C53E2A-59EE-41B3-A1AB-9575F6EA1695}" type="datetime1">
               <a:rPr lang="th-TH" smtClean="0"/>
-              <a:t>28/09/63</a:t>
+              <a:t>29/09/63</a:t>
             </a:fld>
             <a:endParaRPr lang="en-US"/>
           </a:p>
@@ -26746,7 +26746,7 @@
             <a:pPr rtl="0"/>
             <a:fld id="{38C53E2A-59EE-41B3-A1AB-9575F6EA1695}" type="datetime1">
               <a:rPr lang="th-TH" smtClean="0"/>
-              <a:t>28/09/63</a:t>
+              <a:t>29/09/63</a:t>
             </a:fld>
             <a:endParaRPr lang="en-US"/>
           </a:p>
@@ -26867,7 +26867,7 @@
             <a:pPr rtl="0"/>
             <a:fld id="{38C53E2A-59EE-41B3-A1AB-9575F6EA1695}" type="datetime1">
               <a:rPr lang="th-TH" smtClean="0"/>
-              <a:t>28/09/63</a:t>
+              <a:t>29/09/63</a:t>
             </a:fld>
             <a:endParaRPr lang="en-US"/>
           </a:p>
@@ -26956,7 +26956,7 @@
             <a:pPr rtl="0"/>
             <a:fld id="{38C53E2A-59EE-41B3-A1AB-9575F6EA1695}" type="datetime1">
               <a:rPr lang="th-TH" smtClean="0"/>
-              <a:t>28/09/63</a:t>
+              <a:t>29/09/63</a:t>
             </a:fld>
             <a:endParaRPr lang="en-US"/>
           </a:p>
@@ -27075,7 +27075,7 @@
             <a:pPr rtl="0"/>
             <a:fld id="{38C53E2A-59EE-41B3-A1AB-9575F6EA1695}" type="datetime1">
               <a:rPr lang="th-TH" smtClean="0"/>
-              <a:t>28/09/63</a:t>
+              <a:t>29/09/63</a:t>
             </a:fld>
             <a:endParaRPr lang="en-US"/>
           </a:p>
@@ -27226,7 +27226,7 @@
             <a:pPr rtl="0"/>
             <a:fld id="{38C53E2A-59EE-41B3-A1AB-9575F6EA1695}" type="datetime1">
               <a:rPr lang="th-TH" smtClean="0"/>
-              <a:t>28/09/63</a:t>
+              <a:t>29/09/63</a:t>
             </a:fld>
             <a:endParaRPr lang="en-US"/>
           </a:p>
@@ -27508,7 +27508,7 @@
             <a:pPr rtl="0"/>
             <a:fld id="{38C53E2A-59EE-41B3-A1AB-9575F6EA1695}" type="datetime1">
               <a:rPr lang="th-TH" smtClean="0"/>
-              <a:t>28/09/63</a:t>
+              <a:t>29/09/63</a:t>
             </a:fld>
             <a:endParaRPr lang="en-US"/>
           </a:p>
@@ -27657,8 +27657,8 @@
               <a:t>Doubly Linked List </a:t>
             </a:r>
             <a:r>
-              <a:rPr lang="th-TH" sz="2000" dirty="0"/>
-              <a:t>จำทำ </a:t>
+              <a:rPr lang="th-TH" sz="2000"/>
+              <a:t>จะทำ </a:t>
             </a:r>
             <a:r>
               <a:rPr lang="en-US" sz="2000" dirty="0"/>
@@ -27744,7 +27744,7 @@
             <a:pPr rtl="0"/>
             <a:fld id="{38C53E2A-59EE-41B3-A1AB-9575F6EA1695}" type="datetime1">
               <a:rPr lang="th-TH" smtClean="0"/>
-              <a:t>28/09/63</a:t>
+              <a:t>29/09/63</a:t>
             </a:fld>
             <a:endParaRPr lang="en-US"/>
           </a:p>
@@ -27937,7 +27937,7 @@
             <a:pPr rtl="0"/>
             <a:fld id="{38C53E2A-59EE-41B3-A1AB-9575F6EA1695}" type="datetime1">
               <a:rPr lang="th-TH" smtClean="0"/>
-              <a:t>28/09/63</a:t>
+              <a:t>29/09/63</a:t>
             </a:fld>
             <a:endParaRPr lang="en-US"/>
           </a:p>
@@ -28066,7 +28066,7 @@
             <a:pPr rtl="0"/>
             <a:fld id="{38C53E2A-59EE-41B3-A1AB-9575F6EA1695}" type="datetime1">
               <a:rPr lang="th-TH" smtClean="0"/>
-              <a:t>28/09/63</a:t>
+              <a:t>29/09/63</a:t>
             </a:fld>
             <a:endParaRPr lang="en-US"/>
           </a:p>
@@ -28187,7 +28187,7 @@
             <a:pPr rtl="0"/>
             <a:fld id="{38C53E2A-59EE-41B3-A1AB-9575F6EA1695}" type="datetime1">
               <a:rPr lang="th-TH" smtClean="0"/>
-              <a:t>28/09/63</a:t>
+              <a:t>29/09/63</a:t>
             </a:fld>
             <a:endParaRPr lang="en-US"/>
           </a:p>
@@ -28275,7 +28275,7 @@
           <a:p>
             <a:fld id="{7773D18F-796E-48FA-B446-43BFEFAD4305}" type="datetime1">
               <a:rPr lang="th-TH" smtClean="0"/>
-              <a:t>28/09/63</a:t>
+              <a:t>29/09/63</a:t>
             </a:fld>
             <a:endParaRPr lang="en-US" dirty="0"/>
           </a:p>
@@ -28404,7 +28404,7 @@
             <a:pPr rtl="0"/>
             <a:fld id="{38C53E2A-59EE-41B3-A1AB-9575F6EA1695}" type="datetime1">
               <a:rPr lang="th-TH" smtClean="0"/>
-              <a:t>28/09/63</a:t>
+              <a:t>29/09/63</a:t>
             </a:fld>
             <a:endParaRPr lang="en-US"/>
           </a:p>
@@ -28501,7 +28501,7 @@
             <a:pPr rtl="0"/>
             <a:fld id="{38C53E2A-59EE-41B3-A1AB-9575F6EA1695}" type="datetime1">
               <a:rPr lang="th-TH" smtClean="0"/>
-              <a:t>28/09/63</a:t>
+              <a:t>29/09/63</a:t>
             </a:fld>
             <a:endParaRPr lang="en-US"/>
           </a:p>
@@ -28630,7 +28630,7 @@
             <a:pPr rtl="0"/>
             <a:fld id="{38C53E2A-59EE-41B3-A1AB-9575F6EA1695}" type="datetime1">
               <a:rPr lang="th-TH" smtClean="0"/>
-              <a:t>28/09/63</a:t>
+              <a:t>29/09/63</a:t>
             </a:fld>
             <a:endParaRPr lang="en-US"/>
           </a:p>
@@ -28735,12 +28735,42 @@
           </a:p>
         </p:txBody>
       </p:sp>
+      <p:sp>
+        <p:nvSpPr>
+          <p:cNvPr id="4" name="ตัวแทนวันที่ 3">
+            <a:extLst>
+              <a:ext uri="{FF2B5EF4-FFF2-40B4-BE49-F238E27FC236}">
+                <a16:creationId xmlns:a16="http://schemas.microsoft.com/office/drawing/2014/main" id="{6E36D156-8748-444F-B4DC-66EF258183E3}"/>
+              </a:ext>
+            </a:extLst>
+          </p:cNvPr>
+          <p:cNvSpPr>
+            <a:spLocks noGrp="1"/>
+          </p:cNvSpPr>
+          <p:nvPr>
+            <p:ph type="dt" sz="half" idx="10"/>
+          </p:nvPr>
+        </p:nvSpPr>
+        <p:spPr/>
+        <p:txBody>
+          <a:bodyPr/>
+          <a:lstStyle/>
+          <a:p>
+            <a:pPr rtl="0"/>
+            <a:fld id="{38C53E2A-59EE-41B3-A1AB-9575F6EA1695}" type="datetime1">
+              <a:rPr lang="th-TH" smtClean="0"/>
+              <a:t>29/09/63</a:t>
+            </a:fld>
+            <a:endParaRPr lang="en-US"/>
+          </a:p>
+        </p:txBody>
+      </p:sp>
       <p:pic>
         <p:nvPicPr>
-          <p:cNvPr id="5" name="ตัวแทนเนื้อหา 4">
-            <a:extLst>
-              <a:ext uri="{FF2B5EF4-FFF2-40B4-BE49-F238E27FC236}">
-                <a16:creationId xmlns:a16="http://schemas.microsoft.com/office/drawing/2014/main" id="{8B7477C8-632E-4215-B98F-186898BA24C9}"/>
+          <p:cNvPr id="7" name="ตัวแทนเนื้อหา 6">
+            <a:extLst>
+              <a:ext uri="{FF2B5EF4-FFF2-40B4-BE49-F238E27FC236}">
+                <a16:creationId xmlns:a16="http://schemas.microsoft.com/office/drawing/2014/main" id="{1362D298-4BF0-452C-93B4-CD572CF396E0}"/>
               </a:ext>
             </a:extLst>
           </p:cNvPr>
@@ -28759,44 +28789,14 @@
         </p:blipFill>
         <p:spPr>
           <a:xfrm>
-            <a:off x="2771157" y="2014194"/>
-            <a:ext cx="6649680" cy="4028172"/>
+            <a:off x="2910980" y="1771736"/>
+            <a:ext cx="6333687" cy="4539143"/>
           </a:xfrm>
           <a:prstGeom prst="rect">
             <a:avLst/>
           </a:prstGeom>
         </p:spPr>
       </p:pic>
-      <p:sp>
-        <p:nvSpPr>
-          <p:cNvPr id="4" name="ตัวแทนวันที่ 3">
-            <a:extLst>
-              <a:ext uri="{FF2B5EF4-FFF2-40B4-BE49-F238E27FC236}">
-                <a16:creationId xmlns:a16="http://schemas.microsoft.com/office/drawing/2014/main" id="{6E36D156-8748-444F-B4DC-66EF258183E3}"/>
-              </a:ext>
-            </a:extLst>
-          </p:cNvPr>
-          <p:cNvSpPr>
-            <a:spLocks noGrp="1"/>
-          </p:cNvSpPr>
-          <p:nvPr>
-            <p:ph type="dt" sz="half" idx="10"/>
-          </p:nvPr>
-        </p:nvSpPr>
-        <p:spPr/>
-        <p:txBody>
-          <a:bodyPr/>
-          <a:lstStyle/>
-          <a:p>
-            <a:pPr rtl="0"/>
-            <a:fld id="{38C53E2A-59EE-41B3-A1AB-9575F6EA1695}" type="datetime1">
-              <a:rPr lang="th-TH" smtClean="0"/>
-              <a:t>28/09/63</a:t>
-            </a:fld>
-            <a:endParaRPr lang="en-US"/>
-          </a:p>
-        </p:txBody>
-      </p:sp>
     </p:spTree>
     <p:extLst>
       <p:ext uri="{BB962C8B-B14F-4D97-AF65-F5344CB8AC3E}">
@@ -28864,12 +28864,42 @@
           </a:p>
         </p:txBody>
       </p:sp>
+      <p:sp>
+        <p:nvSpPr>
+          <p:cNvPr id="4" name="ตัวแทนวันที่ 3">
+            <a:extLst>
+              <a:ext uri="{FF2B5EF4-FFF2-40B4-BE49-F238E27FC236}">
+                <a16:creationId xmlns:a16="http://schemas.microsoft.com/office/drawing/2014/main" id="{C6A34876-7BC4-4206-AA2E-F4438A51B9AD}"/>
+              </a:ext>
+            </a:extLst>
+          </p:cNvPr>
+          <p:cNvSpPr>
+            <a:spLocks noGrp="1"/>
+          </p:cNvSpPr>
+          <p:nvPr>
+            <p:ph type="dt" sz="half" idx="10"/>
+          </p:nvPr>
+        </p:nvSpPr>
+        <p:spPr/>
+        <p:txBody>
+          <a:bodyPr/>
+          <a:lstStyle/>
+          <a:p>
+            <a:pPr rtl="0"/>
+            <a:fld id="{38C53E2A-59EE-41B3-A1AB-9575F6EA1695}" type="datetime1">
+              <a:rPr lang="th-TH" smtClean="0"/>
+              <a:t>29/09/63</a:t>
+            </a:fld>
+            <a:endParaRPr lang="en-US"/>
+          </a:p>
+        </p:txBody>
+      </p:sp>
       <p:pic>
         <p:nvPicPr>
-          <p:cNvPr id="5" name="ตัวแทนเนื้อหา 4">
-            <a:extLst>
-              <a:ext uri="{FF2B5EF4-FFF2-40B4-BE49-F238E27FC236}">
-                <a16:creationId xmlns:a16="http://schemas.microsoft.com/office/drawing/2014/main" id="{548E75E7-5FED-4EC9-9651-2174D6FF1969}"/>
+          <p:cNvPr id="8" name="ตัวแทนเนื้อหา 7">
+            <a:extLst>
+              <a:ext uri="{FF2B5EF4-FFF2-40B4-BE49-F238E27FC236}">
+                <a16:creationId xmlns:a16="http://schemas.microsoft.com/office/drawing/2014/main" id="{6DFDBB37-9A33-4371-955D-74D715E88028}"/>
               </a:ext>
             </a:extLst>
           </p:cNvPr>
@@ -28888,44 +28918,14 @@
         </p:blipFill>
         <p:spPr>
           <a:xfrm>
-            <a:off x="2256639" y="1790891"/>
-            <a:ext cx="7457811" cy="4346043"/>
+            <a:off x="2919369" y="2105637"/>
+            <a:ext cx="5973204" cy="4106578"/>
           </a:xfrm>
           <a:prstGeom prst="rect">
             <a:avLst/>
           </a:prstGeom>
         </p:spPr>
       </p:pic>
-      <p:sp>
-        <p:nvSpPr>
-          <p:cNvPr id="4" name="ตัวแทนวันที่ 3">
-            <a:extLst>
-              <a:ext uri="{FF2B5EF4-FFF2-40B4-BE49-F238E27FC236}">
-                <a16:creationId xmlns:a16="http://schemas.microsoft.com/office/drawing/2014/main" id="{C6A34876-7BC4-4206-AA2E-F4438A51B9AD}"/>
-              </a:ext>
-            </a:extLst>
-          </p:cNvPr>
-          <p:cNvSpPr>
-            <a:spLocks noGrp="1"/>
-          </p:cNvSpPr>
-          <p:nvPr>
-            <p:ph type="dt" sz="half" idx="10"/>
-          </p:nvPr>
-        </p:nvSpPr>
-        <p:spPr/>
-        <p:txBody>
-          <a:bodyPr/>
-          <a:lstStyle/>
-          <a:p>
-            <a:pPr rtl="0"/>
-            <a:fld id="{38C53E2A-59EE-41B3-A1AB-9575F6EA1695}" type="datetime1">
-              <a:rPr lang="th-TH" smtClean="0"/>
-              <a:t>28/09/63</a:t>
-            </a:fld>
-            <a:endParaRPr lang="en-US"/>
-          </a:p>
-        </p:txBody>
-      </p:sp>
     </p:spTree>
     <p:extLst>
       <p:ext uri="{BB962C8B-B14F-4D97-AF65-F5344CB8AC3E}">
@@ -29037,7 +29037,7 @@
           <a:p>
             <a:fld id="{CC8C1F7F-7918-4156-86A5-91C01FD8A003}" type="datetime1">
               <a:rPr lang="th-TH" smtClean="0"/>
-              <a:t>28/09/63</a:t>
+              <a:t>29/09/63</a:t>
             </a:fld>
             <a:endParaRPr lang="th-TH" dirty="0"/>
           </a:p>
@@ -29241,7 +29241,7 @@
             <a:pPr rtl="0"/>
             <a:fld id="{38C53E2A-59EE-41B3-A1AB-9575F6EA1695}" type="datetime1">
               <a:rPr lang="th-TH" smtClean="0"/>
-              <a:t>28/09/63</a:t>
+              <a:t>29/09/63</a:t>
             </a:fld>
             <a:endParaRPr lang="en-US"/>
           </a:p>
@@ -29369,7 +29369,7 @@
             <a:pPr rtl="0"/>
             <a:fld id="{38C53E2A-59EE-41B3-A1AB-9575F6EA1695}" type="datetime1">
               <a:rPr lang="th-TH" smtClean="0"/>
-              <a:t>28/09/63</a:t>
+              <a:t>29/09/63</a:t>
             </a:fld>
             <a:endParaRPr lang="en-US"/>
           </a:p>
@@ -29613,7 +29613,7 @@
             <a:pPr rtl="0"/>
             <a:fld id="{38C53E2A-59EE-41B3-A1AB-9575F6EA1695}" type="datetime1">
               <a:rPr lang="th-TH" smtClean="0"/>
-              <a:t>28/09/63</a:t>
+              <a:t>29/09/63</a:t>
             </a:fld>
             <a:endParaRPr lang="en-US"/>
           </a:p>
@@ -29850,7 +29850,7 @@
             <a:pPr rtl="0"/>
             <a:fld id="{38C53E2A-59EE-41B3-A1AB-9575F6EA1695}" type="datetime1">
               <a:rPr lang="th-TH" smtClean="0"/>
-              <a:t>28/09/63</a:t>
+              <a:t>29/09/63</a:t>
             </a:fld>
             <a:endParaRPr lang="en-US"/>
           </a:p>
@@ -30032,7 +30032,7 @@
             <a:pPr rtl="0"/>
             <a:fld id="{38C53E2A-59EE-41B3-A1AB-9575F6EA1695}" type="datetime1">
               <a:rPr lang="th-TH" smtClean="0"/>
-              <a:t>28/09/63</a:t>
+              <a:t>29/09/63</a:t>
             </a:fld>
             <a:endParaRPr lang="en-US"/>
           </a:p>
@@ -30173,7 +30173,7 @@
             <a:pPr rtl="0"/>
             <a:fld id="{38C53E2A-59EE-41B3-A1AB-9575F6EA1695}" type="datetime1">
               <a:rPr lang="th-TH" smtClean="0"/>
-              <a:t>28/09/63</a:t>
+              <a:t>29/09/63</a:t>
             </a:fld>
             <a:endParaRPr lang="en-US"/>
           </a:p>
@@ -30324,7 +30324,7 @@
             <a:pPr rtl="0"/>
             <a:fld id="{38C53E2A-59EE-41B3-A1AB-9575F6EA1695}" type="datetime1">
               <a:rPr lang="th-TH" smtClean="0"/>
-              <a:t>28/09/63</a:t>
+              <a:t>29/09/63</a:t>
             </a:fld>
             <a:endParaRPr lang="en-US"/>
           </a:p>
@@ -30445,7 +30445,7 @@
             <a:pPr rtl="0"/>
             <a:fld id="{38C53E2A-59EE-41B3-A1AB-9575F6EA1695}" type="datetime1">
               <a:rPr lang="th-TH" smtClean="0"/>
-              <a:t>28/09/63</a:t>
+              <a:t>29/09/63</a:t>
             </a:fld>
             <a:endParaRPr lang="en-US"/>
           </a:p>
@@ -30534,7 +30534,7 @@
             <a:pPr rtl="0"/>
             <a:fld id="{38C53E2A-59EE-41B3-A1AB-9575F6EA1695}" type="datetime1">
               <a:rPr lang="th-TH" smtClean="0"/>
-              <a:t>28/09/63</a:t>
+              <a:t>29/09/63</a:t>
             </a:fld>
             <a:endParaRPr lang="en-US"/>
           </a:p>
@@ -30687,7 +30687,7 @@
             <a:pPr rtl="0"/>
             <a:fld id="{38C53E2A-59EE-41B3-A1AB-9575F6EA1695}" type="datetime1">
               <a:rPr lang="th-TH" smtClean="0"/>
-              <a:t>28/09/63</a:t>
+              <a:t>29/09/63</a:t>
             </a:fld>
             <a:endParaRPr lang="en-US" dirty="0"/>
           </a:p>
@@ -30946,7 +30946,7 @@
             <a:pPr rtl="0"/>
             <a:fld id="{55C19084-1496-4B60-ADB6-24714CE58D61}" type="datetime1">
               <a:rPr lang="th-TH" smtClean="0"/>
-              <a:t>28/09/63</a:t>
+              <a:t>29/09/63</a:t>
             </a:fld>
             <a:endParaRPr lang="en-US"/>
           </a:p>
@@ -31034,7 +31034,7 @@
           <a:p>
             <a:fld id="{7773D18F-796E-48FA-B446-43BFEFAD4305}" type="datetime1">
               <a:rPr lang="th-TH" smtClean="0"/>
-              <a:t>28/09/63</a:t>
+              <a:t>29/09/63</a:t>
             </a:fld>
             <a:endParaRPr lang="en-US" dirty="0"/>
           </a:p>
